--- a/Files/Metadata_Groupings/Tables.pptx
+++ b/Files/Metadata_Groupings/Tables.pptx
@@ -12,6 +12,14 @@
     <p:sldId id="257" r:id="rId9"/>
     <p:sldId id="258" r:id="rId10"/>
     <p:sldId id="259" r:id="rId11"/>
+    <p:sldId id="260" r:id="rId12"/>
+    <p:sldId id="261" r:id="rId13"/>
+    <p:sldId id="262" r:id="rId14"/>
+    <p:sldId id="263" r:id="rId15"/>
+    <p:sldId id="264" r:id="rId16"/>
+    <p:sldId id="265" r:id="rId17"/>
+    <p:sldId id="266" r:id="rId18"/>
+    <p:sldId id="267" r:id="rId19"/>
   </p:sldIdLst>
   <p:sldSz cx="13004800" cy="9753600"/>
   <p:notesSz cx="6858000" cy="9144000"/>
@@ -3064,6 +3072,2582 @@
 </p:sld>
 </file>
 
+<file path=ppt/slides/slide10.xml><?xml version="1.0" encoding="utf-8"?>
+<p:sld xmlns:a="http://schemas.openxmlformats.org/drawingml/2006/main" xmlns:r="http://schemas.openxmlformats.org/officeDocument/2006/relationships" xmlns:p="http://schemas.openxmlformats.org/presentationml/2006/main" showMasterSp="1" showMasterPhAnim="1">
+  <p:cSld>
+    <p:spTree>
+      <p:nvGrpSpPr>
+        <p:cNvPr id="1" name=""/>
+        <p:cNvGrpSpPr/>
+        <p:nvPr/>
+      </p:nvGrpSpPr>
+      <p:grpSpPr>
+        <a:xfrm>
+          <a:off x="0" y="0"/>
+          <a:ext cx="0" cy="0"/>
+          <a:chOff x="0" y="0"/>
+          <a:chExt cx="0" cy="0"/>
+        </a:xfrm>
+      </p:grpSpPr>
+      <p:sp>
+        <p:nvSpPr>
+          <p:cNvPr id="203" name="JEMM 2"/>
+          <p:cNvSpPr txBox="1"/>
+          <p:nvPr>
+            <p:ph type="body" sz="half" idx="1"/>
+          </p:nvPr>
+        </p:nvSpPr>
+        <p:spPr>
+          <a:xfrm>
+            <a:off x="2669516" y="2789108"/>
+            <a:ext cx="7665768" cy="3732217"/>
+          </a:xfrm>
+          <a:prstGeom prst="rect">
+            <a:avLst/>
+          </a:prstGeom>
+        </p:spPr>
+        <p:txBody>
+          <a:bodyPr/>
+          <a:lstStyle>
+            <a:lvl1pPr marL="0" indent="0">
+              <a:buSzTx/>
+              <a:buNone/>
+              <a:defRPr sz="15000"/>
+            </a:lvl1pPr>
+          </a:lstStyle>
+          <a:p>
+            <a:pPr/>
+            <a:r>
+              <a:t>JEMM 2</a:t>
+            </a:r>
+          </a:p>
+        </p:txBody>
+      </p:sp>
+      <p:sp>
+        <p:nvSpPr>
+          <p:cNvPr id="204" name="There is Option 3"/>
+          <p:cNvSpPr txBox="1"/>
+          <p:nvPr>
+            <p:ph type="title" idx="4294967295"/>
+          </p:nvPr>
+        </p:nvSpPr>
+        <p:spPr>
+          <a:xfrm>
+            <a:off x="952500" y="254000"/>
+            <a:ext cx="10819017" cy="1223791"/>
+          </a:xfrm>
+          <a:prstGeom prst="rect">
+            <a:avLst/>
+          </a:prstGeom>
+        </p:spPr>
+        <p:txBody>
+          <a:bodyPr/>
+          <a:lstStyle>
+            <a:lvl1pPr>
+              <a:defRPr sz="4000"/>
+            </a:lvl1pPr>
+          </a:lstStyle>
+          <a:p>
+            <a:pPr/>
+            <a:r>
+              <a:t>There is Option 3</a:t>
+            </a:r>
+          </a:p>
+        </p:txBody>
+      </p:sp>
+      <p:sp>
+        <p:nvSpPr>
+          <p:cNvPr id="205" name="We build our OWN DAM"/>
+          <p:cNvSpPr txBox="1"/>
+          <p:nvPr/>
+        </p:nvSpPr>
+        <p:spPr>
+          <a:xfrm>
+            <a:off x="2672823" y="6488066"/>
+            <a:ext cx="7147264" cy="1774553"/>
+          </a:xfrm>
+          <a:prstGeom prst="rect">
+            <a:avLst/>
+          </a:prstGeom>
+          <a:ln w="12700">
+            <a:miter lim="400000"/>
+          </a:ln>
+          <a:extLst>
+            <a:ext uri="{C572A759-6A51-4108-AA02-DFA0A04FC94B}">
+              <ma14:wrappingTextBoxFlag xmlns:ma14="http://schemas.microsoft.com/office/mac/drawingml/2011/main" val="1"/>
+            </a:ext>
+          </a:extLst>
+        </p:spPr>
+        <p:txBody>
+          <a:bodyPr lIns="50800" tIns="50800" rIns="50800" bIns="50800" anchor="ctr">
+            <a:normAutofit fontScale="100000" lnSpcReduction="0"/>
+          </a:bodyPr>
+          <a:lstStyle>
+            <a:lvl1pPr algn="l">
+              <a:spcBef>
+                <a:spcPts val="4200"/>
+              </a:spcBef>
+              <a:defRPr b="0" sz="5000"/>
+            </a:lvl1pPr>
+          </a:lstStyle>
+          <a:p>
+            <a:pPr/>
+            <a:r>
+              <a:t>We build our OWN DAM</a:t>
+            </a:r>
+          </a:p>
+        </p:txBody>
+      </p:sp>
+    </p:spTree>
+  </p:cSld>
+  <p:clrMapOvr>
+    <a:masterClrMapping/>
+  </p:clrMapOvr>
+  <p:transition xmlns:p14="http://schemas.microsoft.com/office/powerpoint/2010/main" spd="med" advClick="1"/>
+  <p:timing>
+    <p:tnLst>
+      <p:par>
+        <p:cTn id="1" nodeType="tmRoot" restart="never" dur="indefinite" fill="hold">
+          <p:childTnLst>
+            <p:seq concurrent="1" prevAc="none" nextAc="seek">
+              <p:cTn id="2" nodeType="mainSeq" dur="indefinite" fill="hold">
+                <p:childTnLst>
+                  <p:par>
+                    <p:cTn id="3" fill="hold">
+                      <p:stCondLst>
+                        <p:cond delay="indefinite"/>
+                      </p:stCondLst>
+                      <p:childTnLst>
+                        <p:par>
+                          <p:cTn id="4" fill="hold">
+                            <p:stCondLst>
+                              <p:cond delay="0"/>
+                            </p:stCondLst>
+                            <p:childTnLst>
+                              <p:par>
+                                <p:cTn id="5" presetClass="entr" nodeType="clickEffect" presetID="9" grpId="1" fill="hold">
+                                  <p:stCondLst>
+                                    <p:cond delay="0"/>
+                                  </p:stCondLst>
+                                  <p:iterate type="el" backwards="0">
+                                    <p:tmAbs val="0"/>
+                                  </p:iterate>
+                                  <p:childTnLst>
+                                    <p:set>
+                                      <p:cBhvr>
+                                        <p:cTn id="6" fill="hold"/>
+                                        <p:tgtEl>
+                                          <p:spTgt spid="203"/>
+                                        </p:tgtEl>
+                                        <p:attrNameLst>
+                                          <p:attrName>style.visibility</p:attrName>
+                                        </p:attrNameLst>
+                                      </p:cBhvr>
+                                      <p:to>
+                                        <p:strVal val="visible"/>
+                                      </p:to>
+                                    </p:set>
+                                    <p:animEffect filter="dissolve" transition="in">
+                                      <p:cBhvr>
+                                        <p:cTn id="7" dur="1500"/>
+                                        <p:tgtEl>
+                                          <p:spTgt spid="203"/>
+                                        </p:tgtEl>
+                                      </p:cBhvr>
+                                    </p:animEffect>
+                                  </p:childTnLst>
+                                </p:cTn>
+                              </p:par>
+                            </p:childTnLst>
+                          </p:cTn>
+                        </p:par>
+                      </p:childTnLst>
+                    </p:cTn>
+                  </p:par>
+                  <p:par>
+                    <p:cTn id="8" fill="hold">
+                      <p:stCondLst>
+                        <p:cond delay="indefinite"/>
+                      </p:stCondLst>
+                      <p:childTnLst>
+                        <p:par>
+                          <p:cTn id="9" fill="hold">
+                            <p:stCondLst>
+                              <p:cond delay="0"/>
+                            </p:stCondLst>
+                            <p:childTnLst>
+                              <p:par>
+                                <p:cTn id="10" presetClass="entr" nodeType="clickEffect" presetSubtype="0" presetID="1" grpId="2" fill="hold">
+                                  <p:stCondLst>
+                                    <p:cond delay="0"/>
+                                  </p:stCondLst>
+                                  <p:iterate type="el" backwards="0">
+                                    <p:tmAbs val="0"/>
+                                  </p:iterate>
+                                  <p:childTnLst>
+                                    <p:set>
+                                      <p:cBhvr>
+                                        <p:cTn id="11" fill="hold"/>
+                                        <p:tgtEl>
+                                          <p:spTgt spid="205"/>
+                                        </p:tgtEl>
+                                        <p:attrNameLst>
+                                          <p:attrName>style.visibility</p:attrName>
+                                        </p:attrNameLst>
+                                      </p:cBhvr>
+                                      <p:to>
+                                        <p:strVal val="visible"/>
+                                      </p:to>
+                                    </p:set>
+                                  </p:childTnLst>
+                                </p:cTn>
+                              </p:par>
+                            </p:childTnLst>
+                          </p:cTn>
+                        </p:par>
+                      </p:childTnLst>
+                    </p:cTn>
+                  </p:par>
+                </p:childTnLst>
+              </p:cTn>
+              <p:prevCondLst>
+                <p:cond evt="onPrev">
+                  <p:tgtEl>
+                    <p:sldTgt/>
+                  </p:tgtEl>
+                </p:cond>
+              </p:prevCondLst>
+              <p:nextCondLst>
+                <p:cond evt="onNext">
+                  <p:tgtEl>
+                    <p:sldTgt/>
+                  </p:tgtEl>
+                </p:cond>
+              </p:nextCondLst>
+            </p:seq>
+          </p:childTnLst>
+        </p:cTn>
+      </p:par>
+    </p:tnLst>
+    <p:bldLst>
+      <p:bldP build="whole" bldLvl="1" animBg="1" rev="0" advAuto="0" spid="203" grpId="1"/>
+      <p:bldP build="whole" bldLvl="1" animBg="1" rev="0" advAuto="0" spid="205" grpId="2"/>
+    </p:bldLst>
+  </p:timing>
+</p:sld>
+</file>
+
+<file path=ppt/slides/slide11.xml><?xml version="1.0" encoding="utf-8"?>
+<p:sld xmlns:a="http://schemas.openxmlformats.org/drawingml/2006/main" xmlns:r="http://schemas.openxmlformats.org/officeDocument/2006/relationships" xmlns:p="http://schemas.openxmlformats.org/presentationml/2006/main" showMasterSp="1" showMasterPhAnim="1">
+  <p:cSld>
+    <p:spTree>
+      <p:nvGrpSpPr>
+        <p:cNvPr id="1" name=""/>
+        <p:cNvGrpSpPr/>
+        <p:nvPr/>
+      </p:nvGrpSpPr>
+      <p:grpSpPr>
+        <a:xfrm>
+          <a:off x="0" y="0"/>
+          <a:ext cx="0" cy="0"/>
+          <a:chOff x="0" y="0"/>
+          <a:chExt cx="0" cy="0"/>
+        </a:xfrm>
+      </p:grpSpPr>
+      <p:sp>
+        <p:nvSpPr>
+          <p:cNvPr id="207" name="JEMM2 Technology Stack"/>
+          <p:cNvSpPr txBox="1"/>
+          <p:nvPr>
+            <p:ph type="title" idx="4294967295"/>
+          </p:nvPr>
+        </p:nvSpPr>
+        <p:spPr>
+          <a:xfrm>
+            <a:off x="952500" y="254000"/>
+            <a:ext cx="11099800" cy="657814"/>
+          </a:xfrm>
+          <a:prstGeom prst="rect">
+            <a:avLst/>
+          </a:prstGeom>
+        </p:spPr>
+        <p:txBody>
+          <a:bodyPr/>
+          <a:lstStyle>
+            <a:lvl1pPr defTabSz="543305">
+              <a:defRPr sz="3720"/>
+            </a:lvl1pPr>
+          </a:lstStyle>
+          <a:p>
+            <a:pPr/>
+            <a:r>
+              <a:t>JEMM2 Technology Stack</a:t>
+            </a:r>
+          </a:p>
+        </p:txBody>
+      </p:sp>
+      <p:grpSp>
+        <p:nvGrpSpPr>
+          <p:cNvPr id="210" name="Group"/>
+          <p:cNvGrpSpPr/>
+          <p:nvPr/>
+        </p:nvGrpSpPr>
+        <p:grpSpPr>
+          <a:xfrm>
+            <a:off x="1464511" y="3755163"/>
+            <a:ext cx="1882985" cy="2613820"/>
+            <a:chOff x="0" y="0"/>
+            <a:chExt cx="1882983" cy="2613819"/>
+          </a:xfrm>
+        </p:grpSpPr>
+        <p:sp>
+          <p:nvSpPr>
+            <p:cNvPr id="208" name="Rectangle"/>
+            <p:cNvSpPr/>
+            <p:nvPr/>
+          </p:nvSpPr>
+          <p:spPr>
+            <a:xfrm>
+              <a:off x="0" y="0"/>
+              <a:ext cx="1882984" cy="2613820"/>
+            </a:xfrm>
+            <a:prstGeom prst="rect">
+              <a:avLst/>
+            </a:prstGeom>
+            <a:noFill/>
+            <a:ln w="12700" cap="flat">
+              <a:solidFill>
+                <a:srgbClr val="000000"/>
+              </a:solidFill>
+              <a:prstDash val="solid"/>
+              <a:miter lim="400000"/>
+            </a:ln>
+            <a:effectLst/>
+          </p:spPr>
+          <p:txBody>
+            <a:bodyPr wrap="square" lIns="50800" tIns="50800" rIns="50800" bIns="50800" numCol="1" anchor="ctr">
+              <a:noAutofit/>
+            </a:bodyPr>
+            <a:lstStyle/>
+            <a:p>
+              <a:pPr>
+                <a:defRPr b="0" sz="2200">
+                  <a:solidFill>
+                    <a:srgbClr val="FFFFFF"/>
+                  </a:solidFill>
+                  <a:latin typeface="+mn-lt"/>
+                  <a:ea typeface="+mn-ea"/>
+                  <a:cs typeface="+mn-cs"/>
+                  <a:sym typeface="Helvetica Neue Medium"/>
+                </a:defRPr>
+              </a:pPr>
+            </a:p>
+          </p:txBody>
+        </p:sp>
+        <p:sp>
+          <p:nvSpPr>
+            <p:cNvPr id="209" name="Tomcat…"/>
+            <p:cNvSpPr txBox="1"/>
+            <p:nvPr/>
+          </p:nvSpPr>
+          <p:spPr>
+            <a:xfrm>
+              <a:off x="174363" y="73296"/>
+              <a:ext cx="1534258" cy="2390686"/>
+            </a:xfrm>
+            <a:prstGeom prst="rect">
+              <a:avLst/>
+            </a:prstGeom>
+            <a:noFill/>
+            <a:ln w="12700" cap="flat">
+              <a:noFill/>
+              <a:miter lim="400000"/>
+            </a:ln>
+            <a:effectLst/>
+            <a:extLst>
+              <a:ext uri="{C572A759-6A51-4108-AA02-DFA0A04FC94B}">
+                <ma14:wrappingTextBoxFlag xmlns:ma14="http://schemas.microsoft.com/office/mac/drawingml/2011/main" val="1"/>
+              </a:ext>
+            </a:extLst>
+          </p:spPr>
+          <p:txBody>
+            <a:bodyPr wrap="square" lIns="50800" tIns="50800" rIns="50800" bIns="50800" numCol="1" anchor="ctr">
+              <a:noAutofit/>
+            </a:bodyPr>
+            <a:lstStyle/>
+            <a:p>
+              <a:pPr>
+                <a:defRPr sz="2000"/>
+              </a:pPr>
+              <a:r>
+                <a:t>Tomcat</a:t>
+              </a:r>
+            </a:p>
+            <a:p>
+              <a:pPr>
+                <a:defRPr sz="2000"/>
+              </a:pPr>
+            </a:p>
+            <a:p>
+              <a:pPr>
+                <a:defRPr b="0" i="1" sz="2000"/>
+              </a:pPr>
+              <a:r>
+                <a:t>Web Applications</a:t>
+              </a:r>
+            </a:p>
+            <a:p>
+              <a:pPr>
+                <a:defRPr sz="2000"/>
+              </a:pPr>
+            </a:p>
+            <a:p>
+              <a:pPr>
+                <a:defRPr b="0" i="1" sz="2000"/>
+              </a:pPr>
+              <a:r>
+                <a:t>Automations</a:t>
+              </a:r>
+            </a:p>
+          </p:txBody>
+        </p:sp>
+      </p:grpSp>
+      <p:grpSp>
+        <p:nvGrpSpPr>
+          <p:cNvPr id="213" name="Group"/>
+          <p:cNvGrpSpPr/>
+          <p:nvPr/>
+        </p:nvGrpSpPr>
+        <p:grpSpPr>
+          <a:xfrm>
+            <a:off x="7185525" y="1634293"/>
+            <a:ext cx="1491981" cy="1777244"/>
+            <a:chOff x="0" y="0"/>
+            <a:chExt cx="1491980" cy="1777243"/>
+          </a:xfrm>
+        </p:grpSpPr>
+        <p:sp>
+          <p:nvSpPr>
+            <p:cNvPr id="211" name="Rectangle"/>
+            <p:cNvSpPr/>
+            <p:nvPr/>
+          </p:nvSpPr>
+          <p:spPr>
+            <a:xfrm>
+              <a:off x="0" y="0"/>
+              <a:ext cx="1491981" cy="1777244"/>
+            </a:xfrm>
+            <a:prstGeom prst="rect">
+              <a:avLst/>
+            </a:prstGeom>
+            <a:noFill/>
+            <a:ln w="12700" cap="flat">
+              <a:solidFill>
+                <a:srgbClr val="000000"/>
+              </a:solidFill>
+              <a:prstDash val="solid"/>
+              <a:miter lim="400000"/>
+            </a:ln>
+            <a:effectLst/>
+          </p:spPr>
+          <p:txBody>
+            <a:bodyPr wrap="square" lIns="50800" tIns="50800" rIns="50800" bIns="50800" numCol="1" anchor="ctr">
+              <a:noAutofit/>
+            </a:bodyPr>
+            <a:lstStyle/>
+            <a:p>
+              <a:pPr>
+                <a:defRPr b="0" sz="2200">
+                  <a:solidFill>
+                    <a:srgbClr val="FFFFFF"/>
+                  </a:solidFill>
+                  <a:latin typeface="+mn-lt"/>
+                  <a:ea typeface="+mn-ea"/>
+                  <a:cs typeface="+mn-cs"/>
+                  <a:sym typeface="Helvetica Neue Medium"/>
+                </a:defRPr>
+              </a:pPr>
+            </a:p>
+          </p:txBody>
+        </p:sp>
+        <p:sp>
+          <p:nvSpPr>
+            <p:cNvPr id="212" name="Oracle…"/>
+            <p:cNvSpPr txBox="1"/>
+            <p:nvPr/>
+          </p:nvSpPr>
+          <p:spPr>
+            <a:xfrm>
+              <a:off x="138156" y="49837"/>
+              <a:ext cx="1215668" cy="1625526"/>
+            </a:xfrm>
+            <a:prstGeom prst="rect">
+              <a:avLst/>
+            </a:prstGeom>
+            <a:noFill/>
+            <a:ln w="12700" cap="flat">
+              <a:noFill/>
+              <a:miter lim="400000"/>
+            </a:ln>
+            <a:effectLst/>
+            <a:extLst>
+              <a:ext uri="{C572A759-6A51-4108-AA02-DFA0A04FC94B}">
+                <ma14:wrappingTextBoxFlag xmlns:ma14="http://schemas.microsoft.com/office/mac/drawingml/2011/main" val="1"/>
+              </a:ext>
+            </a:extLst>
+          </p:spPr>
+          <p:txBody>
+            <a:bodyPr wrap="square" lIns="50800" tIns="50800" rIns="50800" bIns="50800" numCol="1" anchor="ctr">
+              <a:noAutofit/>
+            </a:bodyPr>
+            <a:lstStyle/>
+            <a:p>
+              <a:pPr>
+                <a:defRPr sz="2000"/>
+              </a:pPr>
+              <a:r>
+                <a:t>Oracle</a:t>
+              </a:r>
+            </a:p>
+            <a:p>
+              <a:pPr>
+                <a:defRPr sz="2000"/>
+              </a:pPr>
+            </a:p>
+            <a:p>
+              <a:pPr>
+                <a:defRPr b="0" i="1" sz="2000"/>
+              </a:pPr>
+              <a:r>
+                <a:t>Database</a:t>
+              </a:r>
+            </a:p>
+          </p:txBody>
+        </p:sp>
+      </p:grpSp>
+      <p:grpSp>
+        <p:nvGrpSpPr>
+          <p:cNvPr id="216" name="Group"/>
+          <p:cNvGrpSpPr/>
+          <p:nvPr/>
+        </p:nvGrpSpPr>
+        <p:grpSpPr>
+          <a:xfrm>
+            <a:off x="7333054" y="5990162"/>
+            <a:ext cx="1491981" cy="1777245"/>
+            <a:chOff x="0" y="0"/>
+            <a:chExt cx="1491980" cy="1777243"/>
+          </a:xfrm>
+        </p:grpSpPr>
+        <p:sp>
+          <p:nvSpPr>
+            <p:cNvPr id="214" name="Rectangle"/>
+            <p:cNvSpPr/>
+            <p:nvPr/>
+          </p:nvSpPr>
+          <p:spPr>
+            <a:xfrm>
+              <a:off x="0" y="0"/>
+              <a:ext cx="1491981" cy="1777244"/>
+            </a:xfrm>
+            <a:prstGeom prst="rect">
+              <a:avLst/>
+            </a:prstGeom>
+            <a:noFill/>
+            <a:ln w="12700" cap="flat">
+              <a:solidFill>
+                <a:srgbClr val="000000"/>
+              </a:solidFill>
+              <a:prstDash val="solid"/>
+              <a:miter lim="400000"/>
+            </a:ln>
+            <a:effectLst/>
+          </p:spPr>
+          <p:txBody>
+            <a:bodyPr wrap="square" lIns="50800" tIns="50800" rIns="50800" bIns="50800" numCol="1" anchor="ctr">
+              <a:noAutofit/>
+            </a:bodyPr>
+            <a:lstStyle/>
+            <a:p>
+              <a:pPr>
+                <a:defRPr b="0" sz="2200">
+                  <a:solidFill>
+                    <a:srgbClr val="FFFFFF"/>
+                  </a:solidFill>
+                  <a:latin typeface="+mn-lt"/>
+                  <a:ea typeface="+mn-ea"/>
+                  <a:cs typeface="+mn-cs"/>
+                  <a:sym typeface="Helvetica Neue Medium"/>
+                </a:defRPr>
+              </a:pPr>
+            </a:p>
+          </p:txBody>
+        </p:sp>
+        <p:sp>
+          <p:nvSpPr>
+            <p:cNvPr id="215" name="SOLR…"/>
+            <p:cNvSpPr txBox="1"/>
+            <p:nvPr/>
+          </p:nvSpPr>
+          <p:spPr>
+            <a:xfrm>
+              <a:off x="138156" y="49837"/>
+              <a:ext cx="1215668" cy="1625526"/>
+            </a:xfrm>
+            <a:prstGeom prst="rect">
+              <a:avLst/>
+            </a:prstGeom>
+            <a:noFill/>
+            <a:ln w="12700" cap="flat">
+              <a:noFill/>
+              <a:miter lim="400000"/>
+            </a:ln>
+            <a:effectLst/>
+            <a:extLst>
+              <a:ext uri="{C572A759-6A51-4108-AA02-DFA0A04FC94B}">
+                <ma14:wrappingTextBoxFlag xmlns:ma14="http://schemas.microsoft.com/office/mac/drawingml/2011/main" val="1"/>
+              </a:ext>
+            </a:extLst>
+          </p:spPr>
+          <p:txBody>
+            <a:bodyPr wrap="square" lIns="50800" tIns="50800" rIns="50800" bIns="50800" numCol="1" anchor="ctr">
+              <a:noAutofit/>
+            </a:bodyPr>
+            <a:lstStyle/>
+            <a:p>
+              <a:pPr>
+                <a:defRPr sz="2000"/>
+              </a:pPr>
+              <a:r>
+                <a:t>SOLR</a:t>
+              </a:r>
+            </a:p>
+            <a:p>
+              <a:pPr>
+                <a:defRPr sz="2000"/>
+              </a:pPr>
+            </a:p>
+            <a:p>
+              <a:pPr>
+                <a:defRPr b="0" i="1" sz="2000"/>
+              </a:pPr>
+              <a:r>
+                <a:t>Search</a:t>
+              </a:r>
+            </a:p>
+          </p:txBody>
+        </p:sp>
+      </p:grpSp>
+      <p:sp>
+        <p:nvSpPr>
+          <p:cNvPr id="217" name="Line"/>
+          <p:cNvSpPr/>
+          <p:nvPr/>
+        </p:nvSpPr>
+        <p:spPr>
+          <a:xfrm flipV="1">
+            <a:off x="3376113" y="2560123"/>
+            <a:ext cx="3806375" cy="1978554"/>
+          </a:xfrm>
+          <a:prstGeom prst="line">
+            <a:avLst/>
+          </a:prstGeom>
+          <a:ln w="25400">
+            <a:solidFill>
+              <a:srgbClr val="000000"/>
+            </a:solidFill>
+            <a:miter lim="400000"/>
+            <a:tailEnd type="triangle"/>
+          </a:ln>
+        </p:spPr>
+        <p:txBody>
+          <a:bodyPr lIns="50800" tIns="50800" rIns="50800" bIns="50800" anchor="ctr"/>
+          <a:lstStyle/>
+          <a:p>
+            <a:pPr>
+              <a:defRPr b="0" sz="2200">
+                <a:solidFill>
+                  <a:srgbClr val="FFFFFF"/>
+                </a:solidFill>
+                <a:latin typeface="+mn-lt"/>
+                <a:ea typeface="+mn-ea"/>
+                <a:cs typeface="+mn-cs"/>
+                <a:sym typeface="Helvetica Neue Medium"/>
+              </a:defRPr>
+            </a:pPr>
+          </a:p>
+        </p:txBody>
+      </p:sp>
+      <p:sp>
+        <p:nvSpPr>
+          <p:cNvPr id="218" name="Line"/>
+          <p:cNvSpPr/>
+          <p:nvPr/>
+        </p:nvSpPr>
+        <p:spPr>
+          <a:xfrm>
+            <a:off x="3398987" y="5474347"/>
+            <a:ext cx="3887028" cy="1443290"/>
+          </a:xfrm>
+          <a:prstGeom prst="line">
+            <a:avLst/>
+          </a:prstGeom>
+          <a:ln w="25400">
+            <a:solidFill>
+              <a:srgbClr val="000000"/>
+            </a:solidFill>
+            <a:miter lim="400000"/>
+            <a:tailEnd type="triangle"/>
+          </a:ln>
+        </p:spPr>
+        <p:txBody>
+          <a:bodyPr lIns="50800" tIns="50800" rIns="50800" bIns="50800" anchor="ctr"/>
+          <a:lstStyle/>
+          <a:p>
+            <a:pPr>
+              <a:defRPr b="0" sz="2200">
+                <a:solidFill>
+                  <a:srgbClr val="FFFFFF"/>
+                </a:solidFill>
+                <a:latin typeface="+mn-lt"/>
+                <a:ea typeface="+mn-ea"/>
+                <a:cs typeface="+mn-cs"/>
+                <a:sym typeface="Helvetica Neue Medium"/>
+              </a:defRPr>
+            </a:pPr>
+          </a:p>
+        </p:txBody>
+      </p:sp>
+      <p:grpSp>
+        <p:nvGrpSpPr>
+          <p:cNvPr id="221" name="Group"/>
+          <p:cNvGrpSpPr/>
+          <p:nvPr/>
+        </p:nvGrpSpPr>
+        <p:grpSpPr>
+          <a:xfrm>
+            <a:off x="1659071" y="8015338"/>
+            <a:ext cx="2834953" cy="1190137"/>
+            <a:chOff x="0" y="0"/>
+            <a:chExt cx="2834952" cy="1190136"/>
+          </a:xfrm>
+        </p:grpSpPr>
+        <p:sp>
+          <p:nvSpPr>
+            <p:cNvPr id="219" name="Rectangle"/>
+            <p:cNvSpPr/>
+            <p:nvPr/>
+          </p:nvSpPr>
+          <p:spPr>
+            <a:xfrm>
+              <a:off x="0" y="0"/>
+              <a:ext cx="2834953" cy="1190137"/>
+            </a:xfrm>
+            <a:prstGeom prst="rect">
+              <a:avLst/>
+            </a:prstGeom>
+            <a:noFill/>
+            <a:ln w="12700" cap="flat">
+              <a:solidFill>
+                <a:srgbClr val="000000"/>
+              </a:solidFill>
+              <a:prstDash val="solid"/>
+              <a:miter lim="400000"/>
+            </a:ln>
+            <a:effectLst/>
+          </p:spPr>
+          <p:txBody>
+            <a:bodyPr wrap="square" lIns="50800" tIns="50800" rIns="50800" bIns="50800" numCol="1" anchor="ctr">
+              <a:noAutofit/>
+            </a:bodyPr>
+            <a:lstStyle/>
+            <a:p>
+              <a:pPr>
+                <a:defRPr b="0" sz="2200">
+                  <a:solidFill>
+                    <a:srgbClr val="FFFFFF"/>
+                  </a:solidFill>
+                  <a:latin typeface="+mn-lt"/>
+                  <a:ea typeface="+mn-ea"/>
+                  <a:cs typeface="+mn-cs"/>
+                  <a:sym typeface="Helvetica Neue Medium"/>
+                </a:defRPr>
+              </a:pPr>
+            </a:p>
+          </p:txBody>
+        </p:sp>
+        <p:sp>
+          <p:nvSpPr>
+            <p:cNvPr id="220" name="Asset File Storage Network Drive"/>
+            <p:cNvSpPr txBox="1"/>
+            <p:nvPr/>
+          </p:nvSpPr>
+          <p:spPr>
+            <a:xfrm>
+              <a:off x="262515" y="233366"/>
+              <a:ext cx="2309923" cy="723404"/>
+            </a:xfrm>
+            <a:prstGeom prst="rect">
+              <a:avLst/>
+            </a:prstGeom>
+            <a:noFill/>
+            <a:ln w="12700" cap="flat">
+              <a:noFill/>
+              <a:miter lim="400000"/>
+            </a:ln>
+            <a:effectLst/>
+            <a:extLst>
+              <a:ext uri="{C572A759-6A51-4108-AA02-DFA0A04FC94B}">
+                <ma14:wrappingTextBoxFlag xmlns:ma14="http://schemas.microsoft.com/office/mac/drawingml/2011/main" val="1"/>
+              </a:ext>
+            </a:extLst>
+          </p:spPr>
+          <p:txBody>
+            <a:bodyPr wrap="square" lIns="50800" tIns="50800" rIns="50800" bIns="50800" numCol="1" anchor="ctr">
+              <a:noAutofit/>
+            </a:bodyPr>
+            <a:lstStyle/>
+            <a:p>
+              <a:pPr>
+                <a:defRPr sz="2000"/>
+              </a:pPr>
+              <a:r>
+                <a:t>Asset File Storage Network Drive</a:t>
+              </a:r>
+            </a:p>
+            <a:p>
+              <a:pPr>
+                <a:defRPr sz="2000"/>
+              </a:pPr>
+            </a:p>
+            <a:p>
+              <a:pPr>
+                <a:defRPr sz="2000"/>
+              </a:pPr>
+            </a:p>
+          </p:txBody>
+        </p:sp>
+      </p:grpSp>
+      <p:sp>
+        <p:nvSpPr>
+          <p:cNvPr id="222" name="Line"/>
+          <p:cNvSpPr/>
+          <p:nvPr/>
+        </p:nvSpPr>
+        <p:spPr>
+          <a:xfrm>
+            <a:off x="2491182" y="6443042"/>
+            <a:ext cx="438682" cy="1501633"/>
+          </a:xfrm>
+          <a:prstGeom prst="line">
+            <a:avLst/>
+          </a:prstGeom>
+          <a:ln w="25400">
+            <a:solidFill>
+              <a:srgbClr val="000000"/>
+            </a:solidFill>
+            <a:miter lim="400000"/>
+            <a:tailEnd type="triangle"/>
+          </a:ln>
+        </p:spPr>
+        <p:txBody>
+          <a:bodyPr lIns="50800" tIns="50800" rIns="50800" bIns="50800" anchor="ctr"/>
+          <a:lstStyle/>
+          <a:p>
+            <a:pPr>
+              <a:defRPr b="0" sz="2200">
+                <a:solidFill>
+                  <a:srgbClr val="FFFFFF"/>
+                </a:solidFill>
+                <a:latin typeface="+mn-lt"/>
+                <a:ea typeface="+mn-ea"/>
+                <a:cs typeface="+mn-cs"/>
+                <a:sym typeface="Helvetica Neue Medium"/>
+              </a:defRPr>
+            </a:pPr>
+          </a:p>
+        </p:txBody>
+      </p:sp>
+    </p:spTree>
+  </p:cSld>
+  <p:clrMapOvr>
+    <a:masterClrMapping/>
+  </p:clrMapOvr>
+  <p:transition xmlns:p14="http://schemas.microsoft.com/office/powerpoint/2010/main" spd="med" advClick="1"/>
+  <p:timing>
+    <p:tnLst>
+      <p:par>
+        <p:cTn id="1" nodeType="tmRoot" restart="never" dur="indefinite" fill="hold">
+          <p:childTnLst>
+            <p:seq concurrent="1" prevAc="none" nextAc="seek">
+              <p:cTn id="2" nodeType="mainSeq" dur="indefinite" fill="hold">
+                <p:childTnLst>
+                  <p:par>
+                    <p:cTn id="3" fill="hold">
+                      <p:stCondLst>
+                        <p:cond delay="indefinite"/>
+                      </p:stCondLst>
+                      <p:childTnLst>
+                        <p:par>
+                          <p:cTn id="4" fill="hold">
+                            <p:stCondLst>
+                              <p:cond delay="0"/>
+                            </p:stCondLst>
+                            <p:childTnLst>
+                              <p:par>
+                                <p:cTn id="5" presetClass="entr" nodeType="clickEffect" presetSubtype="0" presetID="1" grpId="1" fill="hold">
+                                  <p:stCondLst>
+                                    <p:cond delay="0"/>
+                                  </p:stCondLst>
+                                  <p:iterate type="el" backwards="0">
+                                    <p:tmAbs val="0"/>
+                                  </p:iterate>
+                                  <p:childTnLst>
+                                    <p:set>
+                                      <p:cBhvr>
+                                        <p:cTn id="6" fill="hold"/>
+                                        <p:tgtEl>
+                                          <p:spTgt spid="210"/>
+                                        </p:tgtEl>
+                                        <p:attrNameLst>
+                                          <p:attrName>style.visibility</p:attrName>
+                                        </p:attrNameLst>
+                                      </p:cBhvr>
+                                      <p:to>
+                                        <p:strVal val="visible"/>
+                                      </p:to>
+                                    </p:set>
+                                  </p:childTnLst>
+                                </p:cTn>
+                              </p:par>
+                            </p:childTnLst>
+                          </p:cTn>
+                        </p:par>
+                      </p:childTnLst>
+                    </p:cTn>
+                  </p:par>
+                  <p:par>
+                    <p:cTn id="7" fill="hold">
+                      <p:stCondLst>
+                        <p:cond delay="indefinite"/>
+                      </p:stCondLst>
+                      <p:childTnLst>
+                        <p:par>
+                          <p:cTn id="8" fill="hold">
+                            <p:stCondLst>
+                              <p:cond delay="0"/>
+                            </p:stCondLst>
+                            <p:childTnLst>
+                              <p:par>
+                                <p:cTn id="9" presetClass="entr" nodeType="clickEffect" presetSubtype="0" presetID="1" grpId="2" fill="hold">
+                                  <p:stCondLst>
+                                    <p:cond delay="0"/>
+                                  </p:stCondLst>
+                                  <p:iterate type="el" backwards="0">
+                                    <p:tmAbs val="0"/>
+                                  </p:iterate>
+                                  <p:childTnLst>
+                                    <p:set>
+                                      <p:cBhvr>
+                                        <p:cTn id="10" fill="hold"/>
+                                        <p:tgtEl>
+                                          <p:spTgt spid="222"/>
+                                        </p:tgtEl>
+                                        <p:attrNameLst>
+                                          <p:attrName>style.visibility</p:attrName>
+                                        </p:attrNameLst>
+                                      </p:cBhvr>
+                                      <p:to>
+                                        <p:strVal val="visible"/>
+                                      </p:to>
+                                    </p:set>
+                                  </p:childTnLst>
+                                </p:cTn>
+                              </p:par>
+                            </p:childTnLst>
+                          </p:cTn>
+                        </p:par>
+                      </p:childTnLst>
+                    </p:cTn>
+                  </p:par>
+                  <p:par>
+                    <p:cTn id="11" fill="hold">
+                      <p:stCondLst>
+                        <p:cond delay="indefinite"/>
+                      </p:stCondLst>
+                      <p:childTnLst>
+                        <p:par>
+                          <p:cTn id="12" fill="hold">
+                            <p:stCondLst>
+                              <p:cond delay="0"/>
+                            </p:stCondLst>
+                            <p:childTnLst>
+                              <p:par>
+                                <p:cTn id="13" presetClass="entr" nodeType="clickEffect" presetSubtype="0" presetID="1" grpId="3" fill="hold">
+                                  <p:stCondLst>
+                                    <p:cond delay="0"/>
+                                  </p:stCondLst>
+                                  <p:iterate type="el" backwards="0">
+                                    <p:tmAbs val="0"/>
+                                  </p:iterate>
+                                  <p:childTnLst>
+                                    <p:set>
+                                      <p:cBhvr>
+                                        <p:cTn id="14" fill="hold"/>
+                                        <p:tgtEl>
+                                          <p:spTgt spid="221"/>
+                                        </p:tgtEl>
+                                        <p:attrNameLst>
+                                          <p:attrName>style.visibility</p:attrName>
+                                        </p:attrNameLst>
+                                      </p:cBhvr>
+                                      <p:to>
+                                        <p:strVal val="visible"/>
+                                      </p:to>
+                                    </p:set>
+                                  </p:childTnLst>
+                                </p:cTn>
+                              </p:par>
+                            </p:childTnLst>
+                          </p:cTn>
+                        </p:par>
+                      </p:childTnLst>
+                    </p:cTn>
+                  </p:par>
+                  <p:par>
+                    <p:cTn id="15" fill="hold">
+                      <p:stCondLst>
+                        <p:cond delay="indefinite"/>
+                      </p:stCondLst>
+                      <p:childTnLst>
+                        <p:par>
+                          <p:cTn id="16" fill="hold">
+                            <p:stCondLst>
+                              <p:cond delay="0"/>
+                            </p:stCondLst>
+                            <p:childTnLst>
+                              <p:par>
+                                <p:cTn id="17" presetClass="entr" nodeType="clickEffect" presetSubtype="0" presetID="1" grpId="4" fill="hold">
+                                  <p:stCondLst>
+                                    <p:cond delay="0"/>
+                                  </p:stCondLst>
+                                  <p:iterate type="el" backwards="0">
+                                    <p:tmAbs val="0"/>
+                                  </p:iterate>
+                                  <p:childTnLst>
+                                    <p:set>
+                                      <p:cBhvr>
+                                        <p:cTn id="18" fill="hold"/>
+                                        <p:tgtEl>
+                                          <p:spTgt spid="217"/>
+                                        </p:tgtEl>
+                                        <p:attrNameLst>
+                                          <p:attrName>style.visibility</p:attrName>
+                                        </p:attrNameLst>
+                                      </p:cBhvr>
+                                      <p:to>
+                                        <p:strVal val="visible"/>
+                                      </p:to>
+                                    </p:set>
+                                  </p:childTnLst>
+                                </p:cTn>
+                              </p:par>
+                            </p:childTnLst>
+                          </p:cTn>
+                        </p:par>
+                      </p:childTnLst>
+                    </p:cTn>
+                  </p:par>
+                  <p:par>
+                    <p:cTn id="19" fill="hold">
+                      <p:stCondLst>
+                        <p:cond delay="indefinite"/>
+                      </p:stCondLst>
+                      <p:childTnLst>
+                        <p:par>
+                          <p:cTn id="20" fill="hold">
+                            <p:stCondLst>
+                              <p:cond delay="0"/>
+                            </p:stCondLst>
+                            <p:childTnLst>
+                              <p:par>
+                                <p:cTn id="21" presetClass="entr" nodeType="clickEffect" presetSubtype="0" presetID="1" grpId="5" fill="hold">
+                                  <p:stCondLst>
+                                    <p:cond delay="0"/>
+                                  </p:stCondLst>
+                                  <p:iterate type="el" backwards="0">
+                                    <p:tmAbs val="0"/>
+                                  </p:iterate>
+                                  <p:childTnLst>
+                                    <p:set>
+                                      <p:cBhvr>
+                                        <p:cTn id="22" fill="hold"/>
+                                        <p:tgtEl>
+                                          <p:spTgt spid="213"/>
+                                        </p:tgtEl>
+                                        <p:attrNameLst>
+                                          <p:attrName>style.visibility</p:attrName>
+                                        </p:attrNameLst>
+                                      </p:cBhvr>
+                                      <p:to>
+                                        <p:strVal val="visible"/>
+                                      </p:to>
+                                    </p:set>
+                                  </p:childTnLst>
+                                </p:cTn>
+                              </p:par>
+                            </p:childTnLst>
+                          </p:cTn>
+                        </p:par>
+                      </p:childTnLst>
+                    </p:cTn>
+                  </p:par>
+                  <p:par>
+                    <p:cTn id="23" fill="hold">
+                      <p:stCondLst>
+                        <p:cond delay="indefinite"/>
+                      </p:stCondLst>
+                      <p:childTnLst>
+                        <p:par>
+                          <p:cTn id="24" fill="hold">
+                            <p:stCondLst>
+                              <p:cond delay="0"/>
+                            </p:stCondLst>
+                            <p:childTnLst>
+                              <p:par>
+                                <p:cTn id="25" presetClass="entr" nodeType="clickEffect" presetSubtype="0" presetID="1" grpId="6" fill="hold">
+                                  <p:stCondLst>
+                                    <p:cond delay="0"/>
+                                  </p:stCondLst>
+                                  <p:iterate type="el" backwards="0">
+                                    <p:tmAbs val="0"/>
+                                  </p:iterate>
+                                  <p:childTnLst>
+                                    <p:set>
+                                      <p:cBhvr>
+                                        <p:cTn id="26" fill="hold"/>
+                                        <p:tgtEl>
+                                          <p:spTgt spid="218"/>
+                                        </p:tgtEl>
+                                        <p:attrNameLst>
+                                          <p:attrName>style.visibility</p:attrName>
+                                        </p:attrNameLst>
+                                      </p:cBhvr>
+                                      <p:to>
+                                        <p:strVal val="visible"/>
+                                      </p:to>
+                                    </p:set>
+                                  </p:childTnLst>
+                                </p:cTn>
+                              </p:par>
+                            </p:childTnLst>
+                          </p:cTn>
+                        </p:par>
+                      </p:childTnLst>
+                    </p:cTn>
+                  </p:par>
+                  <p:par>
+                    <p:cTn id="27" fill="hold">
+                      <p:stCondLst>
+                        <p:cond delay="indefinite"/>
+                      </p:stCondLst>
+                      <p:childTnLst>
+                        <p:par>
+                          <p:cTn id="28" fill="hold">
+                            <p:stCondLst>
+                              <p:cond delay="0"/>
+                            </p:stCondLst>
+                            <p:childTnLst>
+                              <p:par>
+                                <p:cTn id="29" presetClass="entr" nodeType="clickEffect" presetSubtype="0" presetID="1" grpId="7" fill="hold">
+                                  <p:stCondLst>
+                                    <p:cond delay="0"/>
+                                  </p:stCondLst>
+                                  <p:iterate type="el" backwards="0">
+                                    <p:tmAbs val="0"/>
+                                  </p:iterate>
+                                  <p:childTnLst>
+                                    <p:set>
+                                      <p:cBhvr>
+                                        <p:cTn id="30" fill="hold"/>
+                                        <p:tgtEl>
+                                          <p:spTgt spid="216"/>
+                                        </p:tgtEl>
+                                        <p:attrNameLst>
+                                          <p:attrName>style.visibility</p:attrName>
+                                        </p:attrNameLst>
+                                      </p:cBhvr>
+                                      <p:to>
+                                        <p:strVal val="visible"/>
+                                      </p:to>
+                                    </p:set>
+                                  </p:childTnLst>
+                                </p:cTn>
+                              </p:par>
+                            </p:childTnLst>
+                          </p:cTn>
+                        </p:par>
+                      </p:childTnLst>
+                    </p:cTn>
+                  </p:par>
+                </p:childTnLst>
+              </p:cTn>
+              <p:prevCondLst>
+                <p:cond evt="onPrev">
+                  <p:tgtEl>
+                    <p:sldTgt/>
+                  </p:tgtEl>
+                </p:cond>
+              </p:prevCondLst>
+              <p:nextCondLst>
+                <p:cond evt="onNext">
+                  <p:tgtEl>
+                    <p:sldTgt/>
+                  </p:tgtEl>
+                </p:cond>
+              </p:nextCondLst>
+            </p:seq>
+          </p:childTnLst>
+        </p:cTn>
+      </p:par>
+    </p:tnLst>
+    <p:bldLst>
+      <p:bldP build="whole" bldLvl="1" animBg="1" rev="0" advAuto="0" spid="221" grpId="3"/>
+      <p:bldP build="whole" bldLvl="1" animBg="1" rev="0" advAuto="0" spid="222" grpId="2"/>
+      <p:bldP build="whole" bldLvl="1" animBg="1" rev="0" advAuto="0" spid="216" grpId="7"/>
+      <p:bldP build="whole" bldLvl="1" animBg="1" rev="0" advAuto="0" spid="217" grpId="4"/>
+      <p:bldP build="whole" bldLvl="1" animBg="1" rev="0" advAuto="0" spid="218" grpId="6"/>
+      <p:bldP build="whole" bldLvl="1" animBg="1" rev="0" advAuto="0" spid="210" grpId="1"/>
+      <p:bldP build="whole" bldLvl="1" animBg="1" rev="0" advAuto="0" spid="213" grpId="5"/>
+    </p:bldLst>
+  </p:timing>
+</p:sld>
+</file>
+
+<file path=ppt/slides/slide12.xml><?xml version="1.0" encoding="utf-8"?>
+<p:sld xmlns:a="http://schemas.openxmlformats.org/drawingml/2006/main" xmlns:r="http://schemas.openxmlformats.org/officeDocument/2006/relationships" xmlns:p="http://schemas.openxmlformats.org/presentationml/2006/main" showMasterSp="1" showMasterPhAnim="1">
+  <p:cSld>
+    <p:spTree>
+      <p:nvGrpSpPr>
+        <p:cNvPr id="1" name=""/>
+        <p:cNvGrpSpPr/>
+        <p:nvPr/>
+      </p:nvGrpSpPr>
+      <p:grpSpPr>
+        <a:xfrm>
+          <a:off x="0" y="0"/>
+          <a:ext cx="0" cy="0"/>
+          <a:chOff x="0" y="0"/>
+          <a:chExt cx="0" cy="0"/>
+        </a:xfrm>
+      </p:grpSpPr>
+      <p:grpSp>
+        <p:nvGrpSpPr>
+          <p:cNvPr id="257" name="Group"/>
+          <p:cNvGrpSpPr/>
+          <p:nvPr/>
+        </p:nvGrpSpPr>
+        <p:grpSpPr>
+          <a:xfrm>
+            <a:off x="876845" y="552226"/>
+            <a:ext cx="7446517" cy="7765831"/>
+            <a:chOff x="0" y="0"/>
+            <a:chExt cx="7446516" cy="7765829"/>
+          </a:xfrm>
+        </p:grpSpPr>
+        <p:grpSp>
+          <p:nvGrpSpPr>
+            <p:cNvPr id="226" name="Group"/>
+            <p:cNvGrpSpPr/>
+            <p:nvPr/>
+          </p:nvGrpSpPr>
+          <p:grpSpPr>
+            <a:xfrm>
+              <a:off x="0" y="134590"/>
+              <a:ext cx="1947417" cy="759520"/>
+              <a:chOff x="0" y="0"/>
+              <a:chExt cx="1947416" cy="759519"/>
+            </a:xfrm>
+          </p:grpSpPr>
+          <p:sp>
+            <p:nvSpPr>
+              <p:cNvPr id="224" name="Rectangle"/>
+              <p:cNvSpPr/>
+              <p:nvPr/>
+            </p:nvSpPr>
+            <p:spPr>
+              <a:xfrm>
+                <a:off x="0" y="0"/>
+                <a:ext cx="1947417" cy="759520"/>
+              </a:xfrm>
+              <a:prstGeom prst="rect">
+                <a:avLst/>
+              </a:prstGeom>
+              <a:noFill/>
+              <a:ln w="12700" cap="flat">
+                <a:solidFill>
+                  <a:srgbClr val="000000"/>
+                </a:solidFill>
+                <a:prstDash val="solid"/>
+                <a:miter lim="400000"/>
+              </a:ln>
+              <a:effectLst/>
+            </p:spPr>
+            <p:txBody>
+              <a:bodyPr wrap="square" lIns="50800" tIns="50800" rIns="50800" bIns="50800" numCol="1" anchor="ctr">
+                <a:noAutofit/>
+              </a:bodyPr>
+              <a:lstStyle/>
+              <a:p>
+                <a:pPr>
+                  <a:defRPr b="0" sz="2200">
+                    <a:solidFill>
+                      <a:srgbClr val="FFFFFF"/>
+                    </a:solidFill>
+                    <a:latin typeface="+mn-lt"/>
+                    <a:ea typeface="+mn-ea"/>
+                    <a:cs typeface="+mn-cs"/>
+                    <a:sym typeface="Helvetica Neue Medium"/>
+                  </a:defRPr>
+                </a:pPr>
+              </a:p>
+            </p:txBody>
+          </p:sp>
+          <p:sp>
+            <p:nvSpPr>
+              <p:cNvPr id="225" name="Metadata"/>
+              <p:cNvSpPr txBox="1"/>
+              <p:nvPr/>
+            </p:nvSpPr>
+            <p:spPr>
+              <a:xfrm>
+                <a:off x="180329" y="148929"/>
+                <a:ext cx="1586758" cy="461661"/>
+              </a:xfrm>
+              <a:prstGeom prst="rect">
+                <a:avLst/>
+              </a:prstGeom>
+              <a:noFill/>
+              <a:ln w="12700" cap="flat">
+                <a:noFill/>
+                <a:miter lim="400000"/>
+              </a:ln>
+              <a:effectLst/>
+              <a:extLst>
+                <a:ext uri="{C572A759-6A51-4108-AA02-DFA0A04FC94B}">
+                  <ma14:wrappingTextBoxFlag xmlns:ma14="http://schemas.microsoft.com/office/mac/drawingml/2011/main" val="1"/>
+                </a:ext>
+              </a:extLst>
+            </p:spPr>
+            <p:txBody>
+              <a:bodyPr wrap="square" lIns="50800" tIns="50800" rIns="50800" bIns="50800" numCol="1" anchor="ctr">
+                <a:noAutofit/>
+              </a:bodyPr>
+              <a:lstStyle/>
+              <a:p>
+                <a:pPr/>
+                <a:r>
+                  <a:t>Metadata</a:t>
+                </a:r>
+              </a:p>
+            </p:txBody>
+          </p:sp>
+        </p:grpSp>
+        <p:sp>
+          <p:nvSpPr>
+            <p:cNvPr id="227" name="Line"/>
+            <p:cNvSpPr/>
+            <p:nvPr/>
+          </p:nvSpPr>
+          <p:spPr>
+            <a:xfrm>
+              <a:off x="6252121" y="2546350"/>
+              <a:ext cx="1" cy="870378"/>
+            </a:xfrm>
+            <a:prstGeom prst="line">
+              <a:avLst/>
+            </a:prstGeom>
+            <a:noFill/>
+            <a:ln w="25400" cap="flat">
+              <a:solidFill>
+                <a:srgbClr val="000000"/>
+              </a:solidFill>
+              <a:prstDash val="solid"/>
+              <a:miter lim="400000"/>
+              <a:tailEnd type="triangle" w="med" len="med"/>
+            </a:ln>
+            <a:effectLst/>
+          </p:spPr>
+          <p:txBody>
+            <a:bodyPr wrap="square" lIns="50800" tIns="50800" rIns="50800" bIns="50800" numCol="1" anchor="ctr">
+              <a:noAutofit/>
+            </a:bodyPr>
+            <a:lstStyle/>
+            <a:p>
+              <a:pPr>
+                <a:defRPr b="0" sz="2200">
+                  <a:solidFill>
+                    <a:srgbClr val="FFFFFF"/>
+                  </a:solidFill>
+                  <a:latin typeface="+mn-lt"/>
+                  <a:ea typeface="+mn-ea"/>
+                  <a:cs typeface="+mn-cs"/>
+                  <a:sym typeface="Helvetica Neue Medium"/>
+                </a:defRPr>
+              </a:pPr>
+            </a:p>
+          </p:txBody>
+        </p:sp>
+        <p:grpSp>
+          <p:nvGrpSpPr>
+            <p:cNvPr id="230" name="Group"/>
+            <p:cNvGrpSpPr/>
+            <p:nvPr/>
+          </p:nvGrpSpPr>
+          <p:grpSpPr>
+            <a:xfrm>
+              <a:off x="5231854" y="0"/>
+              <a:ext cx="2214663" cy="1028700"/>
+              <a:chOff x="0" y="0"/>
+              <a:chExt cx="2214661" cy="1028700"/>
+            </a:xfrm>
+          </p:grpSpPr>
+          <p:sp>
+            <p:nvSpPr>
+              <p:cNvPr id="228" name="Rectangle"/>
+              <p:cNvSpPr/>
+              <p:nvPr/>
+            </p:nvSpPr>
+            <p:spPr>
+              <a:xfrm>
+                <a:off x="0" y="0"/>
+                <a:ext cx="2214662" cy="1028700"/>
+              </a:xfrm>
+              <a:prstGeom prst="rect">
+                <a:avLst/>
+              </a:prstGeom>
+              <a:noFill/>
+              <a:ln w="12700" cap="flat">
+                <a:solidFill>
+                  <a:srgbClr val="000000"/>
+                </a:solidFill>
+                <a:prstDash val="solid"/>
+                <a:miter lim="400000"/>
+              </a:ln>
+              <a:effectLst/>
+            </p:spPr>
+            <p:txBody>
+              <a:bodyPr wrap="square" lIns="50800" tIns="50800" rIns="50800" bIns="50800" numCol="1" anchor="ctr">
+                <a:noAutofit/>
+              </a:bodyPr>
+              <a:lstStyle/>
+              <a:p>
+                <a:pPr>
+                  <a:defRPr b="0" sz="2200">
+                    <a:solidFill>
+                      <a:srgbClr val="FFFFFF"/>
+                    </a:solidFill>
+                    <a:latin typeface="+mn-lt"/>
+                    <a:ea typeface="+mn-ea"/>
+                    <a:cs typeface="+mn-cs"/>
+                    <a:sym typeface="Helvetica Neue Medium"/>
+                  </a:defRPr>
+                </a:pPr>
+              </a:p>
+            </p:txBody>
+          </p:sp>
+          <p:sp>
+            <p:nvSpPr>
+              <p:cNvPr id="229" name="Content…"/>
+              <p:cNvSpPr txBox="1"/>
+              <p:nvPr/>
+            </p:nvSpPr>
+            <p:spPr>
+              <a:xfrm>
+                <a:off x="212285" y="99670"/>
+                <a:ext cx="1790092" cy="829360"/>
+              </a:xfrm>
+              <a:prstGeom prst="rect">
+                <a:avLst/>
+              </a:prstGeom>
+              <a:noFill/>
+              <a:ln w="12700" cap="flat">
+                <a:noFill/>
+                <a:miter lim="400000"/>
+              </a:ln>
+              <a:effectLst/>
+              <a:extLst>
+                <a:ext uri="{C572A759-6A51-4108-AA02-DFA0A04FC94B}">
+                  <ma14:wrappingTextBoxFlag xmlns:ma14="http://schemas.microsoft.com/office/mac/drawingml/2011/main" val="1"/>
+                </a:ext>
+              </a:extLst>
+            </p:spPr>
+            <p:txBody>
+              <a:bodyPr wrap="none" lIns="50800" tIns="50800" rIns="50800" bIns="50800" numCol="1" anchor="ctr">
+                <a:spAutoFit/>
+              </a:bodyPr>
+              <a:lstStyle/>
+              <a:p>
+                <a:pPr/>
+                <a:r>
+                  <a:t>Content</a:t>
+                </a:r>
+              </a:p>
+              <a:p>
+                <a:pPr/>
+                <a:r>
+                  <a:t>Description</a:t>
+                </a:r>
+              </a:p>
+            </p:txBody>
+          </p:sp>
+        </p:grpSp>
+        <p:sp>
+          <p:nvSpPr>
+            <p:cNvPr id="231" name="Shape"/>
+            <p:cNvSpPr/>
+            <p:nvPr/>
+          </p:nvSpPr>
+          <p:spPr>
+            <a:xfrm>
+              <a:off x="3022351" y="134590"/>
+              <a:ext cx="946449" cy="759520"/>
+            </a:xfrm>
+            <a:custGeom>
+              <a:avLst/>
+              <a:gdLst/>
+              <a:ahLst/>
+              <a:cxnLst>
+                <a:cxn ang="0">
+                  <a:pos x="wd2" y="hd2"/>
+                </a:cxn>
+                <a:cxn ang="5400000">
+                  <a:pos x="wd2" y="hd2"/>
+                </a:cxn>
+                <a:cxn ang="10800000">
+                  <a:pos x="wd2" y="hd2"/>
+                </a:cxn>
+                <a:cxn ang="16200000">
+                  <a:pos x="wd2" y="hd2"/>
+                </a:cxn>
+              </a:cxnLst>
+              <a:rect l="0" t="0" r="r" b="b"/>
+              <a:pathLst>
+                <a:path w="21600" h="21600" fill="norm" stroke="1" extrusionOk="0">
+                  <a:moveTo>
+                    <a:pt x="0" y="10800"/>
+                  </a:moveTo>
+                  <a:lnTo>
+                    <a:pt x="10800" y="21600"/>
+                  </a:lnTo>
+                  <a:lnTo>
+                    <a:pt x="21600" y="10800"/>
+                  </a:lnTo>
+                  <a:lnTo>
+                    <a:pt x="10800" y="0"/>
+                  </a:lnTo>
+                  <a:close/>
+                </a:path>
+              </a:pathLst>
+            </a:custGeom>
+            <a:solidFill>
+              <a:schemeClr val="accent1"/>
+            </a:solidFill>
+            <a:ln w="12700" cap="flat">
+              <a:noFill/>
+              <a:miter lim="400000"/>
+            </a:ln>
+            <a:effectLst/>
+          </p:spPr>
+          <p:txBody>
+            <a:bodyPr wrap="square" lIns="50800" tIns="50800" rIns="50800" bIns="50800" numCol="1" anchor="ctr">
+              <a:noAutofit/>
+            </a:bodyPr>
+            <a:lstStyle/>
+            <a:p>
+              <a:pPr>
+                <a:defRPr b="0" sz="2200">
+                  <a:solidFill>
+                    <a:srgbClr val="FFFFFF"/>
+                  </a:solidFill>
+                  <a:latin typeface="+mn-lt"/>
+                  <a:ea typeface="+mn-ea"/>
+                  <a:cs typeface="+mn-cs"/>
+                  <a:sym typeface="Helvetica Neue Medium"/>
+                </a:defRPr>
+              </a:pPr>
+            </a:p>
+          </p:txBody>
+        </p:sp>
+        <p:sp>
+          <p:nvSpPr>
+            <p:cNvPr id="232" name="Line"/>
+            <p:cNvSpPr/>
+            <p:nvPr/>
+          </p:nvSpPr>
+          <p:spPr>
+            <a:xfrm>
+              <a:off x="1918692" y="458564"/>
+              <a:ext cx="1126167" cy="1"/>
+            </a:xfrm>
+            <a:prstGeom prst="line">
+              <a:avLst/>
+            </a:prstGeom>
+            <a:noFill/>
+            <a:ln w="25400" cap="flat">
+              <a:solidFill>
+                <a:srgbClr val="000000"/>
+              </a:solidFill>
+              <a:prstDash val="solid"/>
+              <a:miter lim="400000"/>
+            </a:ln>
+            <a:effectLst/>
+          </p:spPr>
+          <p:txBody>
+            <a:bodyPr wrap="square" lIns="50800" tIns="50800" rIns="50800" bIns="50800" numCol="1" anchor="ctr">
+              <a:noAutofit/>
+            </a:bodyPr>
+            <a:lstStyle/>
+            <a:p>
+              <a:pPr>
+                <a:defRPr b="0" sz="2200">
+                  <a:solidFill>
+                    <a:srgbClr val="FFFFFF"/>
+                  </a:solidFill>
+                  <a:latin typeface="+mn-lt"/>
+                  <a:ea typeface="+mn-ea"/>
+                  <a:cs typeface="+mn-cs"/>
+                  <a:sym typeface="Helvetica Neue Medium"/>
+                </a:defRPr>
+              </a:pPr>
+            </a:p>
+          </p:txBody>
+        </p:sp>
+        <p:sp>
+          <p:nvSpPr>
+            <p:cNvPr id="233" name="Line"/>
+            <p:cNvSpPr/>
+            <p:nvPr/>
+          </p:nvSpPr>
+          <p:spPr>
+            <a:xfrm>
+              <a:off x="3925292" y="514350"/>
+              <a:ext cx="1350070" cy="0"/>
+            </a:xfrm>
+            <a:prstGeom prst="line">
+              <a:avLst/>
+            </a:prstGeom>
+            <a:noFill/>
+            <a:ln w="25400" cap="flat">
+              <a:solidFill>
+                <a:srgbClr val="000000"/>
+              </a:solidFill>
+              <a:prstDash val="solid"/>
+              <a:miter lim="400000"/>
+            </a:ln>
+            <a:effectLst/>
+          </p:spPr>
+          <p:txBody>
+            <a:bodyPr wrap="square" lIns="50800" tIns="50800" rIns="50800" bIns="50800" numCol="1" anchor="ctr">
+              <a:noAutofit/>
+            </a:bodyPr>
+            <a:lstStyle/>
+            <a:p>
+              <a:pPr>
+                <a:defRPr b="0" sz="2200">
+                  <a:solidFill>
+                    <a:srgbClr val="FFFFFF"/>
+                  </a:solidFill>
+                  <a:latin typeface="+mn-lt"/>
+                  <a:ea typeface="+mn-ea"/>
+                  <a:cs typeface="+mn-cs"/>
+                  <a:sym typeface="Helvetica Neue Medium"/>
+                </a:defRPr>
+              </a:pPr>
+            </a:p>
+          </p:txBody>
+        </p:sp>
+        <p:grpSp>
+          <p:nvGrpSpPr>
+            <p:cNvPr id="236" name="Group"/>
+            <p:cNvGrpSpPr/>
+            <p:nvPr/>
+          </p:nvGrpSpPr>
+          <p:grpSpPr>
+            <a:xfrm>
+              <a:off x="5365477" y="1772890"/>
+              <a:ext cx="1947417" cy="759520"/>
+              <a:chOff x="0" y="0"/>
+              <a:chExt cx="1947416" cy="759519"/>
+            </a:xfrm>
+          </p:grpSpPr>
+          <p:sp>
+            <p:nvSpPr>
+              <p:cNvPr id="234" name="Rectangle"/>
+              <p:cNvSpPr/>
+              <p:nvPr/>
+            </p:nvSpPr>
+            <p:spPr>
+              <a:xfrm>
+                <a:off x="0" y="0"/>
+                <a:ext cx="1947417" cy="759520"/>
+              </a:xfrm>
+              <a:prstGeom prst="rect">
+                <a:avLst/>
+              </a:prstGeom>
+              <a:noFill/>
+              <a:ln w="12700" cap="flat">
+                <a:solidFill>
+                  <a:srgbClr val="000000"/>
+                </a:solidFill>
+                <a:prstDash val="solid"/>
+                <a:miter lim="400000"/>
+              </a:ln>
+              <a:effectLst/>
+            </p:spPr>
+            <p:txBody>
+              <a:bodyPr wrap="square" lIns="50800" tIns="50800" rIns="50800" bIns="50800" numCol="1" anchor="ctr">
+                <a:noAutofit/>
+              </a:bodyPr>
+              <a:lstStyle/>
+              <a:p>
+                <a:pPr>
+                  <a:defRPr b="0" sz="2200">
+                    <a:solidFill>
+                      <a:srgbClr val="FFFFFF"/>
+                    </a:solidFill>
+                    <a:latin typeface="+mn-lt"/>
+                    <a:ea typeface="+mn-ea"/>
+                    <a:cs typeface="+mn-cs"/>
+                    <a:sym typeface="Helvetica Neue Medium"/>
+                  </a:defRPr>
+                </a:pPr>
+              </a:p>
+            </p:txBody>
+          </p:sp>
+          <p:sp>
+            <p:nvSpPr>
+              <p:cNvPr id="235" name="Design"/>
+              <p:cNvSpPr txBox="1"/>
+              <p:nvPr/>
+            </p:nvSpPr>
+            <p:spPr>
+              <a:xfrm>
+                <a:off x="180329" y="148929"/>
+                <a:ext cx="1586758" cy="461661"/>
+              </a:xfrm>
+              <a:prstGeom prst="rect">
+                <a:avLst/>
+              </a:prstGeom>
+              <a:noFill/>
+              <a:ln w="12700" cap="flat">
+                <a:noFill/>
+                <a:miter lim="400000"/>
+              </a:ln>
+              <a:effectLst/>
+              <a:extLst>
+                <a:ext uri="{C572A759-6A51-4108-AA02-DFA0A04FC94B}">
+                  <ma14:wrappingTextBoxFlag xmlns:ma14="http://schemas.microsoft.com/office/mac/drawingml/2011/main" val="1"/>
+                </a:ext>
+              </a:extLst>
+            </p:spPr>
+            <p:txBody>
+              <a:bodyPr wrap="square" lIns="50800" tIns="50800" rIns="50800" bIns="50800" numCol="1" anchor="ctr">
+                <a:noAutofit/>
+              </a:bodyPr>
+              <a:lstStyle/>
+              <a:p>
+                <a:pPr/>
+                <a:r>
+                  <a:t>Design</a:t>
+                </a:r>
+              </a:p>
+            </p:txBody>
+          </p:sp>
+        </p:grpSp>
+        <p:sp>
+          <p:nvSpPr>
+            <p:cNvPr id="237" name="Line"/>
+            <p:cNvSpPr/>
+            <p:nvPr/>
+          </p:nvSpPr>
+          <p:spPr>
+            <a:xfrm>
+              <a:off x="6178946" y="1042640"/>
+              <a:ext cx="1" cy="716310"/>
+            </a:xfrm>
+            <a:prstGeom prst="line">
+              <a:avLst/>
+            </a:prstGeom>
+            <a:noFill/>
+            <a:ln w="25400" cap="flat">
+              <a:solidFill>
+                <a:srgbClr val="000000"/>
+              </a:solidFill>
+              <a:prstDash val="solid"/>
+              <a:miter lim="400000"/>
+            </a:ln>
+            <a:effectLst/>
+          </p:spPr>
+          <p:txBody>
+            <a:bodyPr wrap="square" lIns="50800" tIns="50800" rIns="50800" bIns="50800" numCol="1" anchor="ctr">
+              <a:noAutofit/>
+            </a:bodyPr>
+            <a:lstStyle/>
+            <a:p>
+              <a:pPr>
+                <a:defRPr b="0" sz="2200">
+                  <a:solidFill>
+                    <a:srgbClr val="FFFFFF"/>
+                  </a:solidFill>
+                  <a:latin typeface="+mn-lt"/>
+                  <a:ea typeface="+mn-ea"/>
+                  <a:cs typeface="+mn-cs"/>
+                  <a:sym typeface="Helvetica Neue Medium"/>
+                </a:defRPr>
+              </a:pPr>
+            </a:p>
+          </p:txBody>
+        </p:sp>
+        <p:grpSp>
+          <p:nvGrpSpPr>
+            <p:cNvPr id="240" name="Group"/>
+            <p:cNvGrpSpPr/>
+            <p:nvPr/>
+          </p:nvGrpSpPr>
+          <p:grpSpPr>
+            <a:xfrm>
+              <a:off x="5278413" y="3449800"/>
+              <a:ext cx="1947417" cy="759520"/>
+              <a:chOff x="0" y="0"/>
+              <a:chExt cx="1947416" cy="759519"/>
+            </a:xfrm>
+          </p:grpSpPr>
+          <p:sp>
+            <p:nvSpPr>
+              <p:cNvPr id="238" name="Rectangle"/>
+              <p:cNvSpPr/>
+              <p:nvPr/>
+            </p:nvSpPr>
+            <p:spPr>
+              <a:xfrm>
+                <a:off x="0" y="0"/>
+                <a:ext cx="1947417" cy="759520"/>
+              </a:xfrm>
+              <a:prstGeom prst="rect">
+                <a:avLst/>
+              </a:prstGeom>
+              <a:noFill/>
+              <a:ln w="12700" cap="flat">
+                <a:solidFill>
+                  <a:srgbClr val="000000"/>
+                </a:solidFill>
+                <a:prstDash val="solid"/>
+                <a:miter lim="400000"/>
+              </a:ln>
+              <a:effectLst/>
+            </p:spPr>
+            <p:txBody>
+              <a:bodyPr wrap="square" lIns="50800" tIns="50800" rIns="50800" bIns="50800" numCol="1" anchor="ctr">
+                <a:noAutofit/>
+              </a:bodyPr>
+              <a:lstStyle/>
+              <a:p>
+                <a:pPr>
+                  <a:defRPr b="0" sz="2200">
+                    <a:solidFill>
+                      <a:srgbClr val="FFFFFF"/>
+                    </a:solidFill>
+                    <a:latin typeface="+mn-lt"/>
+                    <a:ea typeface="+mn-ea"/>
+                    <a:cs typeface="+mn-cs"/>
+                    <a:sym typeface="Helvetica Neue Medium"/>
+                  </a:defRPr>
+                </a:pPr>
+              </a:p>
+            </p:txBody>
+          </p:sp>
+          <p:sp>
+            <p:nvSpPr>
+              <p:cNvPr id="239" name="Part"/>
+              <p:cNvSpPr txBox="1"/>
+              <p:nvPr/>
+            </p:nvSpPr>
+            <p:spPr>
+              <a:xfrm>
+                <a:off x="180329" y="148929"/>
+                <a:ext cx="1586758" cy="461661"/>
+              </a:xfrm>
+              <a:prstGeom prst="rect">
+                <a:avLst/>
+              </a:prstGeom>
+              <a:noFill/>
+              <a:ln w="12700" cap="flat">
+                <a:noFill/>
+                <a:miter lim="400000"/>
+              </a:ln>
+              <a:effectLst/>
+              <a:extLst>
+                <a:ext uri="{C572A759-6A51-4108-AA02-DFA0A04FC94B}">
+                  <ma14:wrappingTextBoxFlag xmlns:ma14="http://schemas.microsoft.com/office/mac/drawingml/2011/main" val="1"/>
+                </a:ext>
+              </a:extLst>
+            </p:spPr>
+            <p:txBody>
+              <a:bodyPr wrap="square" lIns="50800" tIns="50800" rIns="50800" bIns="50800" numCol="1" anchor="ctr">
+                <a:noAutofit/>
+              </a:bodyPr>
+              <a:lstStyle/>
+              <a:p>
+                <a:pPr/>
+                <a:r>
+                  <a:t>Part</a:t>
+                </a:r>
+              </a:p>
+              <a:p>
+                <a:pPr/>
+              </a:p>
+            </p:txBody>
+          </p:sp>
+        </p:grpSp>
+        <p:grpSp>
+          <p:nvGrpSpPr>
+            <p:cNvPr id="243" name="Group"/>
+            <p:cNvGrpSpPr/>
+            <p:nvPr/>
+          </p:nvGrpSpPr>
+          <p:grpSpPr>
+            <a:xfrm>
+              <a:off x="0" y="2357313"/>
+              <a:ext cx="1947417" cy="759521"/>
+              <a:chOff x="0" y="0"/>
+              <a:chExt cx="1947416" cy="759519"/>
+            </a:xfrm>
+          </p:grpSpPr>
+          <p:sp>
+            <p:nvSpPr>
+              <p:cNvPr id="241" name="Rectangle"/>
+              <p:cNvSpPr/>
+              <p:nvPr/>
+            </p:nvSpPr>
+            <p:spPr>
+              <a:xfrm>
+                <a:off x="0" y="0"/>
+                <a:ext cx="1947417" cy="759520"/>
+              </a:xfrm>
+              <a:prstGeom prst="rect">
+                <a:avLst/>
+              </a:prstGeom>
+              <a:noFill/>
+              <a:ln w="12700" cap="flat">
+                <a:solidFill>
+                  <a:srgbClr val="000000"/>
+                </a:solidFill>
+                <a:prstDash val="solid"/>
+                <a:miter lim="400000"/>
+              </a:ln>
+              <a:effectLst/>
+            </p:spPr>
+            <p:txBody>
+              <a:bodyPr wrap="square" lIns="50800" tIns="50800" rIns="50800" bIns="50800" numCol="1" anchor="ctr">
+                <a:noAutofit/>
+              </a:bodyPr>
+              <a:lstStyle/>
+              <a:p>
+                <a:pPr>
+                  <a:defRPr b="0" sz="2200">
+                    <a:solidFill>
+                      <a:srgbClr val="FFFFFF"/>
+                    </a:solidFill>
+                    <a:latin typeface="+mn-lt"/>
+                    <a:ea typeface="+mn-ea"/>
+                    <a:cs typeface="+mn-cs"/>
+                    <a:sym typeface="Helvetica Neue Medium"/>
+                  </a:defRPr>
+                </a:pPr>
+              </a:p>
+            </p:txBody>
+          </p:sp>
+          <p:sp>
+            <p:nvSpPr>
+              <p:cNvPr id="242" name="Customer"/>
+              <p:cNvSpPr txBox="1"/>
+              <p:nvPr/>
+            </p:nvSpPr>
+            <p:spPr>
+              <a:xfrm>
+                <a:off x="180329" y="148929"/>
+                <a:ext cx="1586758" cy="461661"/>
+              </a:xfrm>
+              <a:prstGeom prst="rect">
+                <a:avLst/>
+              </a:prstGeom>
+              <a:noFill/>
+              <a:ln w="12700" cap="flat">
+                <a:noFill/>
+                <a:miter lim="400000"/>
+              </a:ln>
+              <a:effectLst/>
+              <a:extLst>
+                <a:ext uri="{C572A759-6A51-4108-AA02-DFA0A04FC94B}">
+                  <ma14:wrappingTextBoxFlag xmlns:ma14="http://schemas.microsoft.com/office/mac/drawingml/2011/main" val="1"/>
+                </a:ext>
+              </a:extLst>
+            </p:spPr>
+            <p:txBody>
+              <a:bodyPr wrap="square" lIns="50800" tIns="50800" rIns="50800" bIns="50800" numCol="1" anchor="ctr">
+                <a:noAutofit/>
+              </a:bodyPr>
+              <a:lstStyle/>
+              <a:p>
+                <a:pPr/>
+                <a:r>
+                  <a:t>Customer</a:t>
+                </a:r>
+              </a:p>
+              <a:p>
+                <a:pPr/>
+              </a:p>
+            </p:txBody>
+          </p:sp>
+        </p:grpSp>
+        <p:grpSp>
+          <p:nvGrpSpPr>
+            <p:cNvPr id="246" name="Group"/>
+            <p:cNvGrpSpPr/>
+            <p:nvPr/>
+          </p:nvGrpSpPr>
+          <p:grpSpPr>
+            <a:xfrm>
+              <a:off x="5205238" y="5329400"/>
+              <a:ext cx="1947417" cy="759520"/>
+              <a:chOff x="0" y="0"/>
+              <a:chExt cx="1947416" cy="759519"/>
+            </a:xfrm>
+          </p:grpSpPr>
+          <p:sp>
+            <p:nvSpPr>
+              <p:cNvPr id="244" name="Rectangle"/>
+              <p:cNvSpPr/>
+              <p:nvPr/>
+            </p:nvSpPr>
+            <p:spPr>
+              <a:xfrm>
+                <a:off x="0" y="0"/>
+                <a:ext cx="1947417" cy="759520"/>
+              </a:xfrm>
+              <a:prstGeom prst="rect">
+                <a:avLst/>
+              </a:prstGeom>
+              <a:noFill/>
+              <a:ln w="12700" cap="flat">
+                <a:solidFill>
+                  <a:srgbClr val="000000"/>
+                </a:solidFill>
+                <a:prstDash val="solid"/>
+                <a:miter lim="400000"/>
+              </a:ln>
+              <a:effectLst/>
+            </p:spPr>
+            <p:txBody>
+              <a:bodyPr wrap="square" lIns="50800" tIns="50800" rIns="50800" bIns="50800" numCol="1" anchor="ctr">
+                <a:noAutofit/>
+              </a:bodyPr>
+              <a:lstStyle/>
+              <a:p>
+                <a:pPr>
+                  <a:defRPr b="0" sz="2200">
+                    <a:solidFill>
+                      <a:srgbClr val="FFFFFF"/>
+                    </a:solidFill>
+                    <a:latin typeface="+mn-lt"/>
+                    <a:ea typeface="+mn-ea"/>
+                    <a:cs typeface="+mn-cs"/>
+                    <a:sym typeface="Helvetica Neue Medium"/>
+                  </a:defRPr>
+                </a:pPr>
+              </a:p>
+            </p:txBody>
+          </p:sp>
+          <p:sp>
+            <p:nvSpPr>
+              <p:cNvPr id="245" name="Package"/>
+              <p:cNvSpPr txBox="1"/>
+              <p:nvPr/>
+            </p:nvSpPr>
+            <p:spPr>
+              <a:xfrm>
+                <a:off x="180329" y="148929"/>
+                <a:ext cx="1586758" cy="461661"/>
+              </a:xfrm>
+              <a:prstGeom prst="rect">
+                <a:avLst/>
+              </a:prstGeom>
+              <a:noFill/>
+              <a:ln w="12700" cap="flat">
+                <a:noFill/>
+                <a:miter lim="400000"/>
+              </a:ln>
+              <a:effectLst/>
+              <a:extLst>
+                <a:ext uri="{C572A759-6A51-4108-AA02-DFA0A04FC94B}">
+                  <ma14:wrappingTextBoxFlag xmlns:ma14="http://schemas.microsoft.com/office/mac/drawingml/2011/main" val="1"/>
+                </a:ext>
+              </a:extLst>
+            </p:spPr>
+            <p:txBody>
+              <a:bodyPr wrap="square" lIns="50800" tIns="50800" rIns="50800" bIns="50800" numCol="1" anchor="ctr">
+                <a:noAutofit/>
+              </a:bodyPr>
+              <a:lstStyle/>
+              <a:p>
+                <a:pPr/>
+                <a:r>
+                  <a:t>Package</a:t>
+                </a:r>
+              </a:p>
+              <a:p>
+                <a:pPr/>
+              </a:p>
+              <a:p>
+                <a:pPr/>
+              </a:p>
+            </p:txBody>
+          </p:sp>
+        </p:grpSp>
+        <p:grpSp>
+          <p:nvGrpSpPr>
+            <p:cNvPr id="249" name="Group"/>
+            <p:cNvGrpSpPr/>
+            <p:nvPr/>
+          </p:nvGrpSpPr>
+          <p:grpSpPr>
+            <a:xfrm>
+              <a:off x="0" y="4465800"/>
+              <a:ext cx="3831680" cy="759520"/>
+              <a:chOff x="0" y="0"/>
+              <a:chExt cx="3831679" cy="759519"/>
+            </a:xfrm>
+          </p:grpSpPr>
+          <p:sp>
+            <p:nvSpPr>
+              <p:cNvPr id="247" name="Rectangle"/>
+              <p:cNvSpPr/>
+              <p:nvPr/>
+            </p:nvSpPr>
+            <p:spPr>
+              <a:xfrm>
+                <a:off x="0" y="0"/>
+                <a:ext cx="3831680" cy="759520"/>
+              </a:xfrm>
+              <a:prstGeom prst="rect">
+                <a:avLst/>
+              </a:prstGeom>
+              <a:noFill/>
+              <a:ln w="12700" cap="flat">
+                <a:solidFill>
+                  <a:srgbClr val="000000"/>
+                </a:solidFill>
+                <a:prstDash val="solid"/>
+                <a:miter lim="400000"/>
+              </a:ln>
+              <a:effectLst/>
+            </p:spPr>
+            <p:txBody>
+              <a:bodyPr wrap="square" lIns="50800" tIns="50800" rIns="50800" bIns="50800" numCol="1" anchor="ctr">
+                <a:noAutofit/>
+              </a:bodyPr>
+              <a:lstStyle/>
+              <a:p>
+                <a:pPr>
+                  <a:defRPr b="0" sz="2200">
+                    <a:solidFill>
+                      <a:srgbClr val="FFFFFF"/>
+                    </a:solidFill>
+                    <a:latin typeface="+mn-lt"/>
+                    <a:ea typeface="+mn-ea"/>
+                    <a:cs typeface="+mn-cs"/>
+                    <a:sym typeface="Helvetica Neue Medium"/>
+                  </a:defRPr>
+                </a:pPr>
+              </a:p>
+            </p:txBody>
+          </p:sp>
+          <p:sp>
+            <p:nvSpPr>
+              <p:cNvPr id="248" name="Customer_Package…"/>
+              <p:cNvSpPr txBox="1"/>
+              <p:nvPr/>
+            </p:nvSpPr>
+            <p:spPr>
+              <a:xfrm>
+                <a:off x="354811" y="148929"/>
+                <a:ext cx="3122057" cy="461661"/>
+              </a:xfrm>
+              <a:prstGeom prst="rect">
+                <a:avLst/>
+              </a:prstGeom>
+              <a:noFill/>
+              <a:ln w="12700" cap="flat">
+                <a:noFill/>
+                <a:miter lim="400000"/>
+              </a:ln>
+              <a:effectLst/>
+              <a:extLst>
+                <a:ext uri="{C572A759-6A51-4108-AA02-DFA0A04FC94B}">
+                  <ma14:wrappingTextBoxFlag xmlns:ma14="http://schemas.microsoft.com/office/mac/drawingml/2011/main" val="1"/>
+                </a:ext>
+              </a:extLst>
+            </p:spPr>
+            <p:txBody>
+              <a:bodyPr wrap="square" lIns="50800" tIns="50800" rIns="50800" bIns="50800" numCol="1" anchor="ctr">
+                <a:noAutofit/>
+              </a:bodyPr>
+              <a:lstStyle/>
+              <a:p>
+                <a:pPr/>
+                <a:r>
+                  <a:t>Customer_Package</a:t>
+                </a:r>
+              </a:p>
+              <a:p>
+                <a:pPr/>
+                <a:r>
+                  <a:t>Package</a:t>
+                </a:r>
+              </a:p>
+            </p:txBody>
+          </p:sp>
+        </p:grpSp>
+        <p:sp>
+          <p:nvSpPr>
+            <p:cNvPr id="250" name="Line"/>
+            <p:cNvSpPr/>
+            <p:nvPr/>
+          </p:nvSpPr>
+          <p:spPr>
+            <a:xfrm>
+              <a:off x="6339185" y="4242392"/>
+              <a:ext cx="1" cy="1053936"/>
+            </a:xfrm>
+            <a:prstGeom prst="line">
+              <a:avLst/>
+            </a:prstGeom>
+            <a:noFill/>
+            <a:ln w="25400" cap="flat">
+              <a:solidFill>
+                <a:srgbClr val="000000"/>
+              </a:solidFill>
+              <a:prstDash val="solid"/>
+              <a:miter lim="400000"/>
+              <a:tailEnd type="triangle" w="med" len="med"/>
+            </a:ln>
+            <a:effectLst/>
+          </p:spPr>
+          <p:txBody>
+            <a:bodyPr wrap="square" lIns="50800" tIns="50800" rIns="50800" bIns="50800" numCol="1" anchor="ctr">
+              <a:noAutofit/>
+            </a:bodyPr>
+            <a:lstStyle/>
+            <a:p>
+              <a:pPr>
+                <a:defRPr b="0" sz="2200">
+                  <a:solidFill>
+                    <a:srgbClr val="FFFFFF"/>
+                  </a:solidFill>
+                  <a:latin typeface="+mn-lt"/>
+                  <a:ea typeface="+mn-ea"/>
+                  <a:cs typeface="+mn-cs"/>
+                  <a:sym typeface="Helvetica Neue Medium"/>
+                </a:defRPr>
+              </a:pPr>
+            </a:p>
+          </p:txBody>
+        </p:sp>
+        <p:sp>
+          <p:nvSpPr>
+            <p:cNvPr id="251" name="Line"/>
+            <p:cNvSpPr/>
+            <p:nvPr/>
+          </p:nvSpPr>
+          <p:spPr>
+            <a:xfrm flipH="1" flipV="1">
+              <a:off x="3816466" y="4879664"/>
+              <a:ext cx="1342859" cy="859924"/>
+            </a:xfrm>
+            <a:prstGeom prst="line">
+              <a:avLst/>
+            </a:prstGeom>
+            <a:noFill/>
+            <a:ln w="25400" cap="flat">
+              <a:solidFill>
+                <a:srgbClr val="000000"/>
+              </a:solidFill>
+              <a:prstDash val="solid"/>
+              <a:miter lim="400000"/>
+              <a:tailEnd type="triangle" w="med" len="med"/>
+            </a:ln>
+            <a:effectLst/>
+          </p:spPr>
+          <p:txBody>
+            <a:bodyPr wrap="square" lIns="50800" tIns="50800" rIns="50800" bIns="50800" numCol="1" anchor="ctr">
+              <a:noAutofit/>
+            </a:bodyPr>
+            <a:lstStyle/>
+            <a:p>
+              <a:pPr>
+                <a:defRPr b="0" sz="2200">
+                  <a:solidFill>
+                    <a:srgbClr val="FFFFFF"/>
+                  </a:solidFill>
+                  <a:latin typeface="+mn-lt"/>
+                  <a:ea typeface="+mn-ea"/>
+                  <a:cs typeface="+mn-cs"/>
+                  <a:sym typeface="Helvetica Neue Medium"/>
+                </a:defRPr>
+              </a:pPr>
+            </a:p>
+          </p:txBody>
+        </p:sp>
+        <p:sp>
+          <p:nvSpPr>
+            <p:cNvPr id="252" name="Line"/>
+            <p:cNvSpPr/>
+            <p:nvPr/>
+          </p:nvSpPr>
+          <p:spPr>
+            <a:xfrm>
+              <a:off x="1157585" y="3099393"/>
+              <a:ext cx="509290" cy="1388667"/>
+            </a:xfrm>
+            <a:prstGeom prst="line">
+              <a:avLst/>
+            </a:prstGeom>
+            <a:noFill/>
+            <a:ln w="25400" cap="flat">
+              <a:solidFill>
+                <a:srgbClr val="000000"/>
+              </a:solidFill>
+              <a:prstDash val="solid"/>
+              <a:miter lim="400000"/>
+              <a:tailEnd type="triangle" w="med" len="med"/>
+            </a:ln>
+            <a:effectLst/>
+          </p:spPr>
+          <p:txBody>
+            <a:bodyPr wrap="square" lIns="50800" tIns="50800" rIns="50800" bIns="50800" numCol="1" anchor="ctr">
+              <a:noAutofit/>
+            </a:bodyPr>
+            <a:lstStyle/>
+            <a:p>
+              <a:pPr>
+                <a:defRPr b="0" sz="2200">
+                  <a:solidFill>
+                    <a:srgbClr val="FFFFFF"/>
+                  </a:solidFill>
+                  <a:latin typeface="+mn-lt"/>
+                  <a:ea typeface="+mn-ea"/>
+                  <a:cs typeface="+mn-cs"/>
+                  <a:sym typeface="Helvetica Neue Medium"/>
+                </a:defRPr>
+              </a:pPr>
+            </a:p>
+          </p:txBody>
+        </p:sp>
+        <p:grpSp>
+          <p:nvGrpSpPr>
+            <p:cNvPr id="255" name="Group"/>
+            <p:cNvGrpSpPr/>
+            <p:nvPr/>
+          </p:nvGrpSpPr>
+          <p:grpSpPr>
+            <a:xfrm>
+              <a:off x="5278413" y="7006310"/>
+              <a:ext cx="1947417" cy="759520"/>
+              <a:chOff x="0" y="0"/>
+              <a:chExt cx="1947416" cy="759519"/>
+            </a:xfrm>
+          </p:grpSpPr>
+          <p:sp>
+            <p:nvSpPr>
+              <p:cNvPr id="253" name="Rectangle"/>
+              <p:cNvSpPr/>
+              <p:nvPr/>
+            </p:nvSpPr>
+            <p:spPr>
+              <a:xfrm>
+                <a:off x="0" y="0"/>
+                <a:ext cx="1947417" cy="759520"/>
+              </a:xfrm>
+              <a:prstGeom prst="rect">
+                <a:avLst/>
+              </a:prstGeom>
+              <a:noFill/>
+              <a:ln w="12700" cap="flat">
+                <a:solidFill>
+                  <a:srgbClr val="000000"/>
+                </a:solidFill>
+                <a:prstDash val="solid"/>
+                <a:miter lim="400000"/>
+              </a:ln>
+              <a:effectLst/>
+            </p:spPr>
+            <p:txBody>
+              <a:bodyPr wrap="square" lIns="50800" tIns="50800" rIns="50800" bIns="50800" numCol="1" anchor="ctr">
+                <a:noAutofit/>
+              </a:bodyPr>
+              <a:lstStyle/>
+              <a:p>
+                <a:pPr>
+                  <a:defRPr b="0" sz="2200">
+                    <a:solidFill>
+                      <a:srgbClr val="FFFFFF"/>
+                    </a:solidFill>
+                    <a:latin typeface="+mn-lt"/>
+                    <a:ea typeface="+mn-ea"/>
+                    <a:cs typeface="+mn-cs"/>
+                    <a:sym typeface="Helvetica Neue Medium"/>
+                  </a:defRPr>
+                </a:pPr>
+              </a:p>
+            </p:txBody>
+          </p:sp>
+          <p:sp>
+            <p:nvSpPr>
+              <p:cNvPr id="254" name="Asset"/>
+              <p:cNvSpPr txBox="1"/>
+              <p:nvPr/>
+            </p:nvSpPr>
+            <p:spPr>
+              <a:xfrm>
+                <a:off x="180329" y="148929"/>
+                <a:ext cx="1586758" cy="461661"/>
+              </a:xfrm>
+              <a:prstGeom prst="rect">
+                <a:avLst/>
+              </a:prstGeom>
+              <a:noFill/>
+              <a:ln w="12700" cap="flat">
+                <a:noFill/>
+                <a:miter lim="400000"/>
+              </a:ln>
+              <a:effectLst/>
+              <a:extLst>
+                <a:ext uri="{C572A759-6A51-4108-AA02-DFA0A04FC94B}">
+                  <ma14:wrappingTextBoxFlag xmlns:ma14="http://schemas.microsoft.com/office/mac/drawingml/2011/main" val="1"/>
+                </a:ext>
+              </a:extLst>
+            </p:spPr>
+            <p:txBody>
+              <a:bodyPr wrap="square" lIns="50800" tIns="50800" rIns="50800" bIns="50800" numCol="1" anchor="ctr">
+                <a:noAutofit/>
+              </a:bodyPr>
+              <a:lstStyle/>
+              <a:p>
+                <a:pPr/>
+                <a:r>
+                  <a:t>Asset</a:t>
+                </a:r>
+              </a:p>
+              <a:p>
+                <a:pPr/>
+              </a:p>
+              <a:p>
+                <a:pPr/>
+              </a:p>
+              <a:p>
+                <a:pPr/>
+              </a:p>
+            </p:txBody>
+          </p:sp>
+        </p:grpSp>
+        <p:sp>
+          <p:nvSpPr>
+            <p:cNvPr id="256" name="Line"/>
+            <p:cNvSpPr/>
+            <p:nvPr/>
+          </p:nvSpPr>
+          <p:spPr>
+            <a:xfrm>
+              <a:off x="6252121" y="6121992"/>
+              <a:ext cx="1" cy="870378"/>
+            </a:xfrm>
+            <a:prstGeom prst="line">
+              <a:avLst/>
+            </a:prstGeom>
+            <a:noFill/>
+            <a:ln w="25400" cap="flat">
+              <a:solidFill>
+                <a:srgbClr val="000000"/>
+              </a:solidFill>
+              <a:prstDash val="solid"/>
+              <a:miter lim="400000"/>
+              <a:tailEnd type="triangle" w="med" len="med"/>
+            </a:ln>
+            <a:effectLst/>
+          </p:spPr>
+          <p:txBody>
+            <a:bodyPr wrap="square" lIns="50800" tIns="50800" rIns="50800" bIns="50800" numCol="1" anchor="ctr">
+              <a:noAutofit/>
+            </a:bodyPr>
+            <a:lstStyle/>
+            <a:p>
+              <a:pPr>
+                <a:defRPr b="0" sz="2200">
+                  <a:solidFill>
+                    <a:srgbClr val="FFFFFF"/>
+                  </a:solidFill>
+                  <a:latin typeface="+mn-lt"/>
+                  <a:ea typeface="+mn-ea"/>
+                  <a:cs typeface="+mn-cs"/>
+                  <a:sym typeface="Helvetica Neue Medium"/>
+                </a:defRPr>
+              </a:pPr>
+            </a:p>
+          </p:txBody>
+        </p:sp>
+      </p:grpSp>
+      <p:sp>
+        <p:nvSpPr>
+          <p:cNvPr id="258" name="Database Schema is Crown Jewel of JEMM2"/>
+          <p:cNvSpPr txBox="1"/>
+          <p:nvPr>
+            <p:ph type="ctrTitle"/>
+          </p:nvPr>
+        </p:nvSpPr>
+        <p:spPr>
+          <a:xfrm>
+            <a:off x="952500" y="8722003"/>
+            <a:ext cx="11099801" cy="657815"/>
+          </a:xfrm>
+          <a:prstGeom prst="rect">
+            <a:avLst/>
+          </a:prstGeom>
+        </p:spPr>
+        <p:txBody>
+          <a:bodyPr anchor="ctr"/>
+          <a:lstStyle>
+            <a:lvl1pPr defTabSz="543305">
+              <a:defRPr sz="3720"/>
+            </a:lvl1pPr>
+          </a:lstStyle>
+          <a:p>
+            <a:pPr/>
+            <a:r>
+              <a:t>Database Schema is Crown Jewel of JEMM2</a:t>
+            </a:r>
+          </a:p>
+        </p:txBody>
+      </p:sp>
+    </p:spTree>
+  </p:cSld>
+  <p:clrMapOvr>
+    <a:masterClrMapping/>
+  </p:clrMapOvr>
+  <p:transition xmlns:p14="http://schemas.microsoft.com/office/powerpoint/2010/main" spd="med" advClick="1"/>
+</p:sld>
+</file>
+
 <file path=ppt/slides/slide2.xml><?xml version="1.0" encoding="utf-8"?>
 <p:sld xmlns:a="http://schemas.openxmlformats.org/drawingml/2006/main" xmlns:r="http://schemas.openxmlformats.org/officeDocument/2006/relationships" xmlns:p="http://schemas.openxmlformats.org/presentationml/2006/main" showMasterSp="1" showMasterPhAnim="1">
   <p:cSld>
@@ -3092,7 +5676,7 @@
         <p:spPr>
           <a:xfrm>
             <a:off x="952500" y="192254"/>
-            <a:ext cx="11099801" cy="7213601"/>
+            <a:ext cx="11099800" cy="7213601"/>
           </a:xfrm>
           <a:prstGeom prst="rect">
             <a:avLst/>
@@ -3134,21 +5718,21 @@
               <a:buNone/>
             </a:pPr>
             <a:r>
-              <a:t>This provides Jostens a three year window to have the next Digital Asset Management solution in place</a:t>
+              <a:t>This upgrade provides Jostens a three year window to have the next Digital Asset Management (DAM) solution in place</a:t>
             </a:r>
           </a:p>
         </p:txBody>
       </p:sp>
       <p:sp>
         <p:nvSpPr>
-          <p:cNvPr id="123" name="But to make proper decisions about a replacement DAM, what is MediaBin must be understood."/>
+          <p:cNvPr id="123" name="But to make informed decisions about a replacement DAM, there should be a understanding of “what is MediaBin”"/>
           <p:cNvSpPr txBox="1"/>
           <p:nvPr/>
         </p:nvSpPr>
         <p:spPr>
           <a:xfrm>
             <a:off x="923131" y="6836866"/>
-            <a:ext cx="10501627" cy="1055422"/>
+            <a:ext cx="11158538" cy="1055422"/>
           </a:xfrm>
           <a:prstGeom prst="rect">
             <a:avLst/>
@@ -3177,7 +5761,7 @@
           <a:p>
             <a:pPr/>
             <a:r>
-              <a:t>But to make proper decisions about a replacement DAM, what is MediaBin must be understood.</a:t>
+              <a:t>But to make informed decisions about a replacement DAM, there should be a understanding of “what is MediaBin”</a:t>
             </a:r>
           </a:p>
         </p:txBody>
@@ -3473,8 +6057,8 @@
         </p:nvGrpSpPr>
         <p:grpSpPr>
           <a:xfrm>
-            <a:off x="4892308" y="8128245"/>
-            <a:ext cx="2834954" cy="1190137"/>
+            <a:off x="4892308" y="8128244"/>
+            <a:ext cx="2834954" cy="1190138"/>
             <a:chOff x="0" y="0"/>
             <a:chExt cx="2834952" cy="1190136"/>
           </a:xfrm>
@@ -3583,7 +6167,7 @@
         </p:nvSpPr>
         <p:spPr>
           <a:xfrm>
-            <a:off x="6225905" y="7128012"/>
+            <a:off x="6225905" y="7128013"/>
             <a:ext cx="1" cy="1012866"/>
           </a:xfrm>
           <a:prstGeom prst="line">
@@ -3623,8 +6207,8 @@
         </p:nvGrpSpPr>
         <p:grpSpPr>
           <a:xfrm>
-            <a:off x="8149903" y="5968924"/>
-            <a:ext cx="1579348" cy="1190138"/>
+            <a:off x="8149904" y="5968924"/>
+            <a:ext cx="1579347" cy="1190138"/>
             <a:chOff x="0" y="0"/>
             <a:chExt cx="1579346" cy="1190136"/>
           </a:xfrm>
@@ -4044,8 +6628,8 @@
         </p:nvSpPr>
         <p:spPr>
           <a:xfrm>
-            <a:off x="5204733" y="3947339"/>
-            <a:ext cx="917230" cy="1998899"/>
+            <a:off x="5204733" y="3947340"/>
+            <a:ext cx="917230" cy="1998898"/>
           </a:xfrm>
           <a:prstGeom prst="line">
             <a:avLst/>
@@ -4085,8 +6669,8 @@
         </p:nvSpPr>
         <p:spPr>
           <a:xfrm>
-            <a:off x="2940451" y="3431084"/>
-            <a:ext cx="1031712" cy="317730"/>
+            <a:off x="2940451" y="3431083"/>
+            <a:ext cx="1031712" cy="317731"/>
           </a:xfrm>
           <a:custGeom>
             <a:avLst/>
@@ -4145,7 +6729,7 @@
         <p:grpSpPr>
           <a:xfrm>
             <a:off x="6685945" y="2729251"/>
-            <a:ext cx="1579348" cy="1190138"/>
+            <a:ext cx="1579347" cy="1190138"/>
             <a:chOff x="0" y="0"/>
             <a:chExt cx="1579346" cy="1190136"/>
           </a:xfrm>
@@ -4600,7 +7184,7 @@
         <p:spPr>
           <a:xfrm flipH="1">
             <a:off x="6456052" y="4312135"/>
-            <a:ext cx="2621443" cy="1634103"/>
+            <a:ext cx="2621444" cy="1634103"/>
           </a:xfrm>
           <a:prstGeom prst="line">
             <a:avLst/>
@@ -4765,7 +7349,7 @@
         <p:spPr>
           <a:xfrm>
             <a:off x="5078415" y="1831072"/>
-            <a:ext cx="4052333" cy="868845"/>
+            <a:ext cx="4052334" cy="868845"/>
           </a:xfrm>
           <a:custGeom>
             <a:avLst/>
@@ -5687,25 +8271,25 @@
       </p:par>
     </p:tnLst>
     <p:bldLst>
+      <p:bldP build="whole" bldLvl="1" animBg="1" rev="0" advAuto="0" spid="139" grpId="9"/>
+      <p:bldP build="whole" bldLvl="1" animBg="1" rev="0" advAuto="0" spid="157" grpId="10"/>
+      <p:bldP build="whole" bldLvl="1" animBg="1" rev="0" advAuto="0" spid="144" grpId="12"/>
+      <p:bldP build="whole" bldLvl="1" animBg="1" rev="0" advAuto="0" spid="152" grpId="16"/>
+      <p:bldP build="whole" bldLvl="1" animBg="1" rev="0" advAuto="0" spid="132" grpId="2"/>
+      <p:bldP build="whole" bldLvl="1" animBg="1" rev="0" advAuto="0" spid="156" grpId="6"/>
       <p:bldP build="whole" bldLvl="1" animBg="1" rev="0" advAuto="0" spid="155" grpId="7"/>
-      <p:bldP build="whole" bldLvl="1" animBg="1" rev="0" advAuto="0" spid="144" grpId="12"/>
-      <p:bldP build="whole" bldLvl="1" animBg="1" rev="0" advAuto="0" spid="157" grpId="10"/>
-      <p:bldP build="whole" bldLvl="1" animBg="1" rev="0" advAuto="0" spid="128" grpId="1"/>
-      <p:bldP build="whole" bldLvl="1" animBg="1" rev="0" advAuto="0" spid="132" grpId="2"/>
+      <p:bldP build="whole" bldLvl="1" animBg="1" rev="0" advAuto="0" spid="143" grpId="11"/>
+      <p:bldP build="whole" bldLvl="1" animBg="1" rev="0" advAuto="0" spid="163" grpId="13"/>
       <p:bldP build="whole" bldLvl="1" animBg="1" rev="0" advAuto="0" spid="135" grpId="5"/>
+      <p:bldP build="whole" bldLvl="1" animBg="1" rev="0" advAuto="0" spid="148" grpId="14"/>
       <p:bldP build="whole" bldLvl="1" animBg="1" rev="0" advAuto="0" spid="136" grpId="4"/>
-      <p:bldP build="whole" bldLvl="1" animBg="1" rev="0" advAuto="0" spid="156" grpId="6"/>
+      <p:bldP build="whole" bldLvl="1" animBg="1" rev="0" advAuto="0" spid="149" grpId="15"/>
+      <p:bldP build="whole" bldLvl="1" animBg="1" rev="0" advAuto="0" spid="158" grpId="17"/>
+      <p:bldP build="whole" bldLvl="1" animBg="1" rev="0" advAuto="0" spid="140" grpId="8"/>
       <p:bldP build="whole" bldLvl="1" animBg="1" rev="0" advAuto="0" spid="131" grpId="3"/>
-      <p:bldP build="whole" bldLvl="1" animBg="1" rev="0" advAuto="0" spid="139" grpId="9"/>
-      <p:bldP build="whole" bldLvl="1" animBg="1" rev="0" advAuto="0" spid="148" grpId="14"/>
-      <p:bldP build="whole" bldLvl="1" animBg="1" rev="0" advAuto="0" spid="158" grpId="17"/>
-      <p:bldP build="whole" bldLvl="1" animBg="1" rev="0" advAuto="0" spid="152" grpId="16"/>
-      <p:bldP build="whole" bldLvl="1" animBg="1" rev="0" advAuto="0" spid="143" grpId="11"/>
       <p:bldP build="whole" bldLvl="1" animBg="1" rev="0" advAuto="0" spid="161" grpId="18"/>
       <p:bldP build="whole" bldLvl="1" animBg="1" rev="0" advAuto="0" spid="164" grpId="19"/>
-      <p:bldP build="whole" bldLvl="1" animBg="1" rev="0" advAuto="0" spid="149" grpId="15"/>
-      <p:bldP build="whole" bldLvl="1" animBg="1" rev="0" advAuto="0" spid="140" grpId="8"/>
-      <p:bldP build="whole" bldLvl="1" animBg="1" rev="0" advAuto="0" spid="163" grpId="13"/>
+      <p:bldP build="whole" bldLvl="1" animBg="1" rev="0" advAuto="0" spid="128" grpId="1"/>
     </p:bldLst>
   </p:timing>
 </p:sld>
@@ -5728,30 +8312,1101 @@
           <a:chExt cx="0" cy="0"/>
         </a:xfrm>
       </p:grpSpPr>
+      <p:sp>
+        <p:nvSpPr>
+          <p:cNvPr id="166" name="The MediaBin technology stack is very busy…"/>
+          <p:cNvSpPr txBox="1"/>
+          <p:nvPr>
+            <p:ph type="body" idx="1"/>
+          </p:nvPr>
+        </p:nvSpPr>
+        <p:spPr>
+          <a:xfrm>
+            <a:off x="983292" y="1270000"/>
+            <a:ext cx="11668063" cy="7213600"/>
+          </a:xfrm>
+          <a:prstGeom prst="rect">
+            <a:avLst/>
+          </a:prstGeom>
+        </p:spPr>
+        <p:txBody>
+          <a:bodyPr/>
+          <a:lstStyle/>
+          <a:p>
+            <a:pPr marL="0" indent="0" defTabSz="508254">
+              <a:spcBef>
+                <a:spcPts val="3600"/>
+              </a:spcBef>
+              <a:buSzTx/>
+              <a:buNone/>
+              <a:defRPr sz="2784"/>
+            </a:pPr>
+            <a:r>
+              <a:t>The MediaBin technology stack is very busy</a:t>
+            </a:r>
+          </a:p>
+          <a:p>
+            <a:pPr marL="0" indent="0" defTabSz="508254">
+              <a:spcBef>
+                <a:spcPts val="3600"/>
+              </a:spcBef>
+              <a:buSzTx/>
+              <a:buNone/>
+              <a:defRPr sz="2784"/>
+            </a:pPr>
+            <a:r>
+              <a:t>There are many points of potential failure</a:t>
+            </a:r>
+          </a:p>
+          <a:p>
+            <a:pPr marL="0" indent="0" defTabSz="508254">
+              <a:spcBef>
+                <a:spcPts val="3600"/>
+              </a:spcBef>
+              <a:buSzTx/>
+              <a:buNone/>
+              <a:defRPr sz="2784"/>
+            </a:pPr>
+            <a:r>
+              <a:t>It appears over time as new functionality was needed or someone new owned the product things were bolted on</a:t>
+            </a:r>
+          </a:p>
+          <a:p>
+            <a:pPr marL="0" indent="0" defTabSz="508254">
+              <a:spcBef>
+                <a:spcPts val="3600"/>
+              </a:spcBef>
+              <a:buSzTx/>
+              <a:buNone/>
+              <a:defRPr sz="2784"/>
+            </a:pPr>
+            <a:r>
+              <a:t>Instead of re-architecting the entire solution</a:t>
+            </a:r>
+          </a:p>
+          <a:p>
+            <a:pPr marL="0" indent="0" defTabSz="508254">
+              <a:spcBef>
+                <a:spcPts val="3600"/>
+              </a:spcBef>
+              <a:buSzTx/>
+              <a:buNone/>
+              <a:defRPr sz="2784"/>
+            </a:pPr>
+            <a:r>
+              <a:t>This complexity is the reason for the amount of time the DAM team spends on support and size of custom code</a:t>
+            </a:r>
+          </a:p>
+          <a:p>
+            <a:pPr marL="0" indent="0" defTabSz="508254">
+              <a:spcBef>
+                <a:spcPts val="3600"/>
+              </a:spcBef>
+              <a:buSzTx/>
+              <a:buNone/>
+              <a:defRPr sz="2784"/>
+            </a:pPr>
+            <a:r>
+              <a:t>But in the end, MediaBin is simply a </a:t>
+            </a:r>
+            <a:r>
+              <a:rPr u="sng"/>
+              <a:t>DATABASE for assets</a:t>
+            </a:r>
+          </a:p>
+          <a:p>
+            <a:pPr marL="0" indent="0" defTabSz="508254">
+              <a:spcBef>
+                <a:spcPts val="3600"/>
+              </a:spcBef>
+              <a:buSzTx/>
+              <a:buNone/>
+              <a:defRPr sz="2784"/>
+            </a:pPr>
+            <a:r>
+              <a:t>On top of that database is an aging user interface, functionality enabling image format transformation and simple workflows</a:t>
+            </a:r>
+          </a:p>
+        </p:txBody>
+      </p:sp>
+    </p:spTree>
+  </p:cSld>
+  <p:clrMapOvr>
+    <a:masterClrMapping/>
+  </p:clrMapOvr>
+  <p:transition xmlns:p14="http://schemas.microsoft.com/office/powerpoint/2010/main" spd="med" advClick="1"/>
+</p:sld>
+</file>
+
+<file path=ppt/slides/slide5.xml><?xml version="1.0" encoding="utf-8"?>
+<p:sld xmlns:a="http://schemas.openxmlformats.org/drawingml/2006/main" xmlns:r="http://schemas.openxmlformats.org/officeDocument/2006/relationships" xmlns:p="http://schemas.openxmlformats.org/presentationml/2006/main" showMasterSp="1" showMasterPhAnim="1">
+  <p:cSld>
+    <p:spTree>
+      <p:nvGrpSpPr>
+        <p:cNvPr id="1" name=""/>
+        <p:cNvGrpSpPr/>
+        <p:nvPr/>
+      </p:nvGrpSpPr>
+      <p:grpSpPr>
+        <a:xfrm>
+          <a:off x="0" y="0"/>
+          <a:ext cx="0" cy="0"/>
+          <a:chOff x="0" y="0"/>
+          <a:chExt cx="0" cy="0"/>
+        </a:xfrm>
+      </p:grpSpPr>
+      <p:sp>
+        <p:nvSpPr>
+          <p:cNvPr id="168" name="Leading solution at this time…"/>
+          <p:cNvSpPr txBox="1"/>
+          <p:nvPr>
+            <p:ph type="body" idx="1"/>
+          </p:nvPr>
+        </p:nvSpPr>
+        <p:spPr>
+          <a:xfrm>
+            <a:off x="952500" y="1270000"/>
+            <a:ext cx="11099800" cy="8164407"/>
+          </a:xfrm>
+          <a:prstGeom prst="rect">
+            <a:avLst/>
+          </a:prstGeom>
+        </p:spPr>
+        <p:txBody>
+          <a:bodyPr/>
+          <a:lstStyle/>
+          <a:p>
+            <a:pPr marL="0" indent="0" defTabSz="554990">
+              <a:spcBef>
+                <a:spcPts val="3900"/>
+              </a:spcBef>
+              <a:buSzTx/>
+              <a:buNone/>
+              <a:defRPr sz="3040"/>
+            </a:pPr>
+            <a:r>
+              <a:t>Leading solution at this time</a:t>
+            </a:r>
+          </a:p>
+          <a:p>
+            <a:pPr marL="0" indent="0" defTabSz="554990">
+              <a:spcBef>
+                <a:spcPts val="3900"/>
+              </a:spcBef>
+              <a:buSzTx/>
+              <a:buNone/>
+              <a:defRPr sz="3040"/>
+            </a:pPr>
+            <a:r>
+              <a:t>Jostens has been told the software investment will be applied to the OTMM purchase</a:t>
+            </a:r>
+          </a:p>
+          <a:p>
+            <a:pPr marL="0" indent="0" defTabSz="554990">
+              <a:spcBef>
+                <a:spcPts val="3900"/>
+              </a:spcBef>
+              <a:buSzTx/>
+              <a:buNone/>
+              <a:defRPr sz="3040"/>
+            </a:pPr>
+            <a:r>
+              <a:t>Demonstrations of the product have been positive</a:t>
+            </a:r>
+          </a:p>
+          <a:p>
+            <a:pPr marL="0" indent="0" defTabSz="554990">
+              <a:spcBef>
+                <a:spcPts val="3900"/>
+              </a:spcBef>
+              <a:buSzTx/>
+              <a:buNone/>
+              <a:defRPr sz="3040"/>
+            </a:pPr>
+            <a:r>
+              <a:t>It’s however a completely new product with a lengthy learning curve for the DAM team</a:t>
+            </a:r>
+          </a:p>
+          <a:p>
+            <a:pPr marL="0" indent="0" defTabSz="554990">
+              <a:spcBef>
+                <a:spcPts val="3900"/>
+              </a:spcBef>
+              <a:buSzTx/>
+              <a:buNone/>
+              <a:defRPr sz="3040"/>
+            </a:pPr>
+            <a:r>
+              <a:t>Every process and customization created will need to be examined to determine how it fits with OTMM</a:t>
+            </a:r>
+          </a:p>
+          <a:p>
+            <a:pPr marL="0" indent="0" defTabSz="554990">
+              <a:spcBef>
+                <a:spcPts val="3900"/>
+              </a:spcBef>
+              <a:buSzTx/>
+              <a:buNone/>
+              <a:defRPr sz="3040"/>
+            </a:pPr>
+            <a:r>
+              <a:t>With recent staff changes at OpenText and how several meetings have progressed, it’s raised questions about OpenText as a partner and how badly they want to be a DAM partner with Jostens</a:t>
+            </a:r>
+          </a:p>
+        </p:txBody>
+      </p:sp>
+      <p:sp>
+        <p:nvSpPr>
+          <p:cNvPr id="169" name="Option 1 - OpenText OTMM"/>
+          <p:cNvSpPr txBox="1"/>
+          <p:nvPr>
+            <p:ph type="title" idx="4294967295"/>
+          </p:nvPr>
+        </p:nvSpPr>
+        <p:spPr>
+          <a:xfrm>
+            <a:off x="952500" y="254000"/>
+            <a:ext cx="10819017" cy="1223791"/>
+          </a:xfrm>
+          <a:prstGeom prst="rect">
+            <a:avLst/>
+          </a:prstGeom>
+        </p:spPr>
+        <p:txBody>
+          <a:bodyPr/>
+          <a:lstStyle>
+            <a:lvl1pPr>
+              <a:defRPr sz="4000"/>
+            </a:lvl1pPr>
+          </a:lstStyle>
+          <a:p>
+            <a:pPr/>
+            <a:r>
+              <a:t>Option 1 - OpenText OTMM</a:t>
+            </a:r>
+          </a:p>
+        </p:txBody>
+      </p:sp>
+    </p:spTree>
+  </p:cSld>
+  <p:clrMapOvr>
+    <a:masterClrMapping/>
+  </p:clrMapOvr>
+  <p:transition xmlns:p14="http://schemas.microsoft.com/office/powerpoint/2010/main" spd="med" advClick="1"/>
+</p:sld>
+</file>
+
+<file path=ppt/slides/slide6.xml><?xml version="1.0" encoding="utf-8"?>
+<p:sld xmlns:a="http://schemas.openxmlformats.org/drawingml/2006/main" xmlns:r="http://schemas.openxmlformats.org/officeDocument/2006/relationships" xmlns:p="http://schemas.openxmlformats.org/presentationml/2006/main" showMasterSp="1" showMasterPhAnim="1">
+  <p:cSld>
+    <p:spTree>
+      <p:nvGrpSpPr>
+        <p:cNvPr id="1" name=""/>
+        <p:cNvGrpSpPr/>
+        <p:nvPr/>
+      </p:nvGrpSpPr>
+      <p:grpSpPr>
+        <a:xfrm>
+          <a:off x="0" y="0"/>
+          <a:ext cx="0" cy="0"/>
+          <a:chOff x="0" y="0"/>
+          <a:chExt cx="0" cy="0"/>
+        </a:xfrm>
+      </p:grpSpPr>
+      <p:sp>
+        <p:nvSpPr>
+          <p:cNvPr id="171" name="Centralized global brand repository to maintain brand consistency and standards throughout asset acquisition, sharing, repurposing, disposition…"/>
+          <p:cNvSpPr txBox="1"/>
+          <p:nvPr>
+            <p:ph type="body" idx="1"/>
+          </p:nvPr>
+        </p:nvSpPr>
+        <p:spPr>
+          <a:xfrm>
+            <a:off x="952500" y="1270000"/>
+            <a:ext cx="11099800" cy="7093036"/>
+          </a:xfrm>
+          <a:prstGeom prst="rect">
+            <a:avLst/>
+          </a:prstGeom>
+        </p:spPr>
+        <p:txBody>
+          <a:bodyPr/>
+          <a:lstStyle/>
+          <a:p>
+            <a:pPr marL="0" indent="0" defTabSz="457200">
+              <a:lnSpc>
+                <a:spcPts val="3900"/>
+              </a:lnSpc>
+              <a:spcBef>
+                <a:spcPts val="1200"/>
+              </a:spcBef>
+              <a:buSzTx/>
+              <a:buNone/>
+              <a:defRPr i="1" sz="2200">
+                <a:latin typeface="Times"/>
+                <a:ea typeface="Times"/>
+                <a:cs typeface="Times"/>
+                <a:sym typeface="Times"/>
+              </a:defRPr>
+            </a:pPr>
+            <a:r>
+              <a:t>Centralized global brand repository to maintain brand consistency and standards throughout asset acquisition, sharing, repurposing, disposition</a:t>
+            </a:r>
+          </a:p>
+          <a:p>
+            <a:pPr marL="0" indent="0" defTabSz="457200">
+              <a:lnSpc>
+                <a:spcPts val="3900"/>
+              </a:lnSpc>
+              <a:spcBef>
+                <a:spcPts val="1200"/>
+              </a:spcBef>
+              <a:buSzTx/>
+              <a:buNone/>
+              <a:defRPr i="1" sz="2200">
+                <a:latin typeface="Times"/>
+                <a:ea typeface="Times"/>
+                <a:cs typeface="Times"/>
+                <a:sym typeface="Times"/>
+              </a:defRPr>
+            </a:pPr>
+            <a:r>
+              <a:t>Digital Hub to easily create branded micro sites</a:t>
+            </a:r>
+          </a:p>
+          <a:p>
+            <a:pPr marL="0" indent="0" defTabSz="457200">
+              <a:lnSpc>
+                <a:spcPts val="3900"/>
+              </a:lnSpc>
+              <a:spcBef>
+                <a:spcPts val="1200"/>
+              </a:spcBef>
+              <a:buSzTx/>
+              <a:buNone/>
+              <a:defRPr i="1" sz="2200">
+                <a:latin typeface="Times"/>
+                <a:ea typeface="Times"/>
+                <a:cs typeface="Times"/>
+                <a:sym typeface="Times"/>
+              </a:defRPr>
+            </a:pPr>
+            <a:r>
+              <a:t>Marketing collaboration to streamline review and approval with creative agencies </a:t>
+            </a:r>
+          </a:p>
+          <a:p>
+            <a:pPr marL="0" indent="0" defTabSz="457200">
+              <a:lnSpc>
+                <a:spcPts val="3900"/>
+              </a:lnSpc>
+              <a:spcBef>
+                <a:spcPts val="1200"/>
+              </a:spcBef>
+              <a:buSzTx/>
+              <a:buNone/>
+              <a:defRPr i="1" sz="2200">
+                <a:latin typeface="Times"/>
+                <a:ea typeface="Times"/>
+                <a:cs typeface="Times"/>
+                <a:sym typeface="Times"/>
+              </a:defRPr>
+            </a:pPr>
+            <a:r>
+              <a:t>Mobile app for on-the-go review, approval, jobs, tasks, and notifications </a:t>
+            </a:r>
+          </a:p>
+          <a:p>
+            <a:pPr marL="0" indent="0" defTabSz="457200">
+              <a:lnSpc>
+                <a:spcPts val="3900"/>
+              </a:lnSpc>
+              <a:spcBef>
+                <a:spcPts val="1200"/>
+              </a:spcBef>
+              <a:buSzTx/>
+              <a:buNone/>
+              <a:defRPr i="1" sz="2200">
+                <a:latin typeface="Times"/>
+                <a:ea typeface="Times"/>
+                <a:cs typeface="Times"/>
+                <a:sym typeface="Times"/>
+              </a:defRPr>
+            </a:pPr>
+            <a:r>
+              <a:t>Digital asset provision for campaigns, collateral, and publish to print for online and go-to market channels </a:t>
+            </a:r>
+            <a:endParaRPr i="0"/>
+          </a:p>
+          <a:p>
+            <a:pPr marL="0" indent="0" defTabSz="457200">
+              <a:lnSpc>
+                <a:spcPts val="3900"/>
+              </a:lnSpc>
+              <a:spcBef>
+                <a:spcPts val="1200"/>
+              </a:spcBef>
+              <a:buSzTx/>
+              <a:buNone/>
+              <a:defRPr i="1" sz="2200">
+                <a:latin typeface="Times"/>
+                <a:ea typeface="Times"/>
+                <a:cs typeface="Times"/>
+                <a:sym typeface="Times"/>
+              </a:defRPr>
+            </a:pPr>
+            <a:r>
+              <a:rPr i="0"/>
+              <a:t> </a:t>
+            </a:r>
+            <a:r>
+              <a:t>Secure, controlled global access to image and video libraries</a:t>
+            </a:r>
+          </a:p>
+          <a:p>
+            <a:pPr marL="0" indent="0" defTabSz="457200">
+              <a:lnSpc>
+                <a:spcPts val="3900"/>
+              </a:lnSpc>
+              <a:spcBef>
+                <a:spcPts val="1200"/>
+              </a:spcBef>
+              <a:buSzTx/>
+              <a:buNone/>
+              <a:defRPr i="1" sz="2200">
+                <a:latin typeface="Times"/>
+                <a:ea typeface="Times"/>
+                <a:cs typeface="Times"/>
+                <a:sym typeface="Times"/>
+              </a:defRPr>
+            </a:pPr>
+            <a:r>
+              <a:t> Creative agency workflows that allow marketers to manage jobs across multiple agencies/vendors</a:t>
+            </a:r>
+          </a:p>
+          <a:p>
+            <a:pPr marL="0" indent="0" defTabSz="457200">
+              <a:lnSpc>
+                <a:spcPts val="3900"/>
+              </a:lnSpc>
+              <a:spcBef>
+                <a:spcPts val="1200"/>
+              </a:spcBef>
+              <a:buSzTx/>
+              <a:buNone/>
+              <a:defRPr sz="2200">
+                <a:latin typeface="Times"/>
+                <a:ea typeface="Times"/>
+                <a:cs typeface="Times"/>
+                <a:sym typeface="Times"/>
+              </a:defRPr>
+            </a:pPr>
+            <a:r>
+              <a:t>These features seems to go far beyond how Jostens uses its DAM. </a:t>
+            </a:r>
+          </a:p>
+          <a:p>
+            <a:pPr marL="305593" indent="-305593" defTabSz="457200">
+              <a:lnSpc>
+                <a:spcPts val="3900"/>
+              </a:lnSpc>
+              <a:spcBef>
+                <a:spcPts val="1200"/>
+              </a:spcBef>
+              <a:defRPr sz="2200">
+                <a:latin typeface="Times"/>
+                <a:ea typeface="Times"/>
+                <a:cs typeface="Times"/>
+                <a:sym typeface="Times"/>
+              </a:defRPr>
+            </a:pPr>
+            <a:r>
+              <a:t>Jostens - DAM is a supporting system for customer facing websites and manufacturing</a:t>
+            </a:r>
+          </a:p>
+          <a:p>
+            <a:pPr marL="305593" indent="-305593" defTabSz="457200">
+              <a:lnSpc>
+                <a:spcPts val="3900"/>
+              </a:lnSpc>
+              <a:spcBef>
+                <a:spcPts val="1200"/>
+              </a:spcBef>
+              <a:defRPr sz="2200">
+                <a:latin typeface="Times"/>
+                <a:ea typeface="Times"/>
+                <a:cs typeface="Times"/>
+                <a:sym typeface="Times"/>
+              </a:defRPr>
+            </a:pPr>
+            <a:r>
+              <a:t>OTMM - DAM is a centerpiece of interactions with customers</a:t>
+            </a:r>
+          </a:p>
+          <a:p>
+            <a:pPr marL="0" indent="0" defTabSz="457200">
+              <a:lnSpc>
+                <a:spcPts val="3900"/>
+              </a:lnSpc>
+              <a:spcBef>
+                <a:spcPts val="1200"/>
+              </a:spcBef>
+              <a:buSzTx/>
+              <a:buNone/>
+              <a:defRPr sz="2200">
+                <a:latin typeface="Times"/>
+                <a:ea typeface="Times"/>
+                <a:cs typeface="Times"/>
+                <a:sym typeface="Times"/>
+              </a:defRPr>
+            </a:pPr>
+            <a:r>
+              <a:t>Would Jostens be paying for functionality it will never use?</a:t>
+            </a:r>
+          </a:p>
+        </p:txBody>
+      </p:sp>
+      <p:sp>
+        <p:nvSpPr>
+          <p:cNvPr id="172" name="OpenText OTMM Product Features"/>
+          <p:cNvSpPr txBox="1"/>
+          <p:nvPr>
+            <p:ph type="title" idx="4294967295"/>
+          </p:nvPr>
+        </p:nvSpPr>
+        <p:spPr>
+          <a:xfrm>
+            <a:off x="952500" y="254000"/>
+            <a:ext cx="10819017" cy="1223791"/>
+          </a:xfrm>
+          <a:prstGeom prst="rect">
+            <a:avLst/>
+          </a:prstGeom>
+        </p:spPr>
+        <p:txBody>
+          <a:bodyPr/>
+          <a:lstStyle>
+            <a:lvl1pPr>
+              <a:defRPr sz="4000"/>
+            </a:lvl1pPr>
+          </a:lstStyle>
+          <a:p>
+            <a:pPr/>
+            <a:r>
+              <a:t>OpenText OTMM Product Features</a:t>
+            </a:r>
+          </a:p>
+        </p:txBody>
+      </p:sp>
+    </p:spTree>
+  </p:cSld>
+  <p:clrMapOvr>
+    <a:masterClrMapping/>
+  </p:clrMapOvr>
+  <p:transition xmlns:p14="http://schemas.microsoft.com/office/powerpoint/2010/main" spd="med" advClick="1"/>
+</p:sld>
+</file>
+
+<file path=ppt/slides/slide7.xml><?xml version="1.0" encoding="utf-8"?>
+<p:sld xmlns:a="http://schemas.openxmlformats.org/drawingml/2006/main" xmlns:r="http://schemas.openxmlformats.org/officeDocument/2006/relationships" xmlns:p="http://schemas.openxmlformats.org/presentationml/2006/main" showMasterSp="1" showMasterPhAnim="1">
+  <p:cSld>
+    <p:spTree>
+      <p:nvGrpSpPr>
+        <p:cNvPr id="1" name=""/>
+        <p:cNvGrpSpPr/>
+        <p:nvPr/>
+      </p:nvGrpSpPr>
+      <p:grpSpPr>
+        <a:xfrm>
+          <a:off x="0" y="0"/>
+          <a:ext cx="0" cy="0"/>
+          <a:chOff x="0" y="0"/>
+          <a:chExt cx="0" cy="0"/>
+        </a:xfrm>
+      </p:grpSpPr>
+      <p:sp>
+        <p:nvSpPr>
+          <p:cNvPr id="174" name="Begin DAM RFP process for the third time at Jostens…"/>
+          <p:cNvSpPr txBox="1"/>
+          <p:nvPr>
+            <p:ph type="body" idx="1"/>
+          </p:nvPr>
+        </p:nvSpPr>
+        <p:spPr>
+          <a:prstGeom prst="rect">
+            <a:avLst/>
+          </a:prstGeom>
+        </p:spPr>
+        <p:txBody>
+          <a:bodyPr/>
+          <a:lstStyle/>
+          <a:p>
+            <a:pPr marL="0" indent="0">
+              <a:buSzTx/>
+              <a:buNone/>
+            </a:pPr>
+            <a:r>
+              <a:t>Begin DAM RFP process for the third time at Jostens</a:t>
+            </a:r>
+          </a:p>
+          <a:p>
+            <a:pPr marL="0" indent="0">
+              <a:buSzTx/>
+              <a:buNone/>
+            </a:pPr>
+            <a:r>
+              <a:t>Google search of 2019 DAM vendors returns lists of up to companies and organizations of various sizes</a:t>
+            </a:r>
+          </a:p>
+          <a:p>
+            <a:pPr marL="0" indent="0">
+              <a:buSzTx/>
+              <a:buNone/>
+            </a:pPr>
+            <a:r>
+              <a:t>There might be a half dozen legitimate vendors who’s product could handle the scope of Jostens requirements</a:t>
+            </a:r>
+          </a:p>
+          <a:p>
+            <a:pPr marL="0" indent="0">
+              <a:buSzTx/>
+              <a:buNone/>
+            </a:pPr>
+            <a:r>
+              <a:t>The time to craft an RFP, select whom to receive the RFP, receive the responses, have meetings and make a selection could be a year long effort</a:t>
+            </a:r>
+          </a:p>
+          <a:p>
+            <a:pPr marL="0" indent="0">
+              <a:buSzTx/>
+              <a:buNone/>
+            </a:pPr>
+            <a:r>
+              <a:t>Seems like an effort Jostens would prefer not to undertake at this time</a:t>
+            </a:r>
+          </a:p>
+        </p:txBody>
+      </p:sp>
+      <p:sp>
+        <p:nvSpPr>
+          <p:cNvPr id="175" name="Option 2 - Select Another DAM Vendor"/>
+          <p:cNvSpPr txBox="1"/>
+          <p:nvPr>
+            <p:ph type="title" idx="4294967295"/>
+          </p:nvPr>
+        </p:nvSpPr>
+        <p:spPr>
+          <a:xfrm>
+            <a:off x="952500" y="254000"/>
+            <a:ext cx="10819017" cy="1223791"/>
+          </a:xfrm>
+          <a:prstGeom prst="rect">
+            <a:avLst/>
+          </a:prstGeom>
+        </p:spPr>
+        <p:txBody>
+          <a:bodyPr/>
+          <a:lstStyle>
+            <a:lvl1pPr>
+              <a:defRPr sz="4000"/>
+            </a:lvl1pPr>
+          </a:lstStyle>
+          <a:p>
+            <a:pPr/>
+            <a:r>
+              <a:t>Option 2 - Select Another DAM Vendor</a:t>
+            </a:r>
+          </a:p>
+        </p:txBody>
+      </p:sp>
+    </p:spTree>
+  </p:cSld>
+  <p:clrMapOvr>
+    <a:masterClrMapping/>
+  </p:clrMapOvr>
+  <p:transition xmlns:p14="http://schemas.microsoft.com/office/powerpoint/2010/main" spd="med" advClick="1"/>
+</p:sld>
+</file>
+
+<file path=ppt/slides/slide8.xml><?xml version="1.0" encoding="utf-8"?>
+<p:sld xmlns:a="http://schemas.openxmlformats.org/drawingml/2006/main" xmlns:r="http://schemas.openxmlformats.org/officeDocument/2006/relationships" xmlns:p="http://schemas.openxmlformats.org/presentationml/2006/main" showMasterSp="1" showMasterPhAnim="1">
+  <p:cSld>
+    <p:spTree>
+      <p:nvGrpSpPr>
+        <p:cNvPr id="1" name=""/>
+        <p:cNvGrpSpPr/>
+        <p:nvPr/>
+      </p:nvGrpSpPr>
+      <p:grpSpPr>
+        <a:xfrm>
+          <a:off x="0" y="0"/>
+          <a:ext cx="0" cy="0"/>
+          <a:chOff x="0" y="0"/>
+          <a:chExt cx="0" cy="0"/>
+        </a:xfrm>
+      </p:grpSpPr>
+      <p:sp>
+        <p:nvSpPr>
+          <p:cNvPr id="177" name="Neither option seems ideal…"/>
+          <p:cNvSpPr txBox="1"/>
+          <p:nvPr>
+            <p:ph type="body" sz="half" idx="1"/>
+          </p:nvPr>
+        </p:nvSpPr>
+        <p:spPr>
+          <a:xfrm>
+            <a:off x="952500" y="1270000"/>
+            <a:ext cx="11099800" cy="3162471"/>
+          </a:xfrm>
+          <a:prstGeom prst="rect">
+            <a:avLst/>
+          </a:prstGeom>
+        </p:spPr>
+        <p:txBody>
+          <a:bodyPr/>
+          <a:lstStyle/>
+          <a:p>
+            <a:pPr marL="0" indent="0">
+              <a:buSzTx/>
+              <a:buNone/>
+            </a:pPr>
+            <a:r>
+              <a:t>Neither option seems ideal</a:t>
+            </a:r>
+          </a:p>
+          <a:p>
+            <a:pPr marL="0" indent="0">
+              <a:buSzTx/>
+              <a:buNone/>
+            </a:pPr>
+            <a:r>
+              <a:t>By default, Option 1 would seem far superior considering time and money</a:t>
+            </a:r>
+          </a:p>
+          <a:p>
+            <a:pPr marL="0" indent="0">
+              <a:buSzTx/>
+              <a:buNone/>
+            </a:pPr>
+            <a:r>
+              <a:t>So the question is, what do we do?</a:t>
+            </a:r>
+          </a:p>
+        </p:txBody>
+      </p:sp>
+      <p:sp>
+        <p:nvSpPr>
+          <p:cNvPr id="178" name="We go back to 1993 and a project I did called THE PORT"/>
+          <p:cNvSpPr txBox="1"/>
+          <p:nvPr/>
+        </p:nvSpPr>
+        <p:spPr>
+          <a:xfrm>
+            <a:off x="952499" y="4681558"/>
+            <a:ext cx="11099801" cy="3162472"/>
+          </a:xfrm>
+          <a:prstGeom prst="rect">
+            <a:avLst/>
+          </a:prstGeom>
+          <a:ln w="12700">
+            <a:miter lim="400000"/>
+          </a:ln>
+          <a:extLst>
+            <a:ext uri="{C572A759-6A51-4108-AA02-DFA0A04FC94B}">
+              <ma14:wrappingTextBoxFlag xmlns:ma14="http://schemas.microsoft.com/office/mac/drawingml/2011/main" val="1"/>
+            </a:ext>
+          </a:extLst>
+        </p:spPr>
+        <p:txBody>
+          <a:bodyPr lIns="50800" tIns="50800" rIns="50800" bIns="50800" anchor="ctr">
+            <a:normAutofit fontScale="100000" lnSpcReduction="0"/>
+          </a:bodyPr>
+          <a:lstStyle/>
+          <a:p>
+            <a:pPr algn="l">
+              <a:spcBef>
+                <a:spcPts val="4200"/>
+              </a:spcBef>
+              <a:defRPr b="0" sz="3200"/>
+            </a:pPr>
+            <a:r>
+              <a:t>We go back to 1993 and a project I did called </a:t>
+            </a:r>
+            <a:r>
+              <a:rPr b="1"/>
+              <a:t>THE PORT</a:t>
+            </a:r>
+          </a:p>
+        </p:txBody>
+      </p:sp>
+    </p:spTree>
+  </p:cSld>
+  <p:clrMapOvr>
+    <a:masterClrMapping/>
+  </p:clrMapOvr>
+  <p:transition xmlns:p14="http://schemas.microsoft.com/office/powerpoint/2010/main" spd="med" advClick="1"/>
+  <p:timing>
+    <p:tnLst>
+      <p:par>
+        <p:cTn id="1" nodeType="tmRoot" restart="never" dur="indefinite" fill="hold">
+          <p:childTnLst>
+            <p:seq concurrent="1" prevAc="none" nextAc="seek">
+              <p:cTn id="2" nodeType="mainSeq" dur="indefinite" fill="hold">
+                <p:childTnLst>
+                  <p:par>
+                    <p:cTn id="3" fill="hold">
+                      <p:stCondLst>
+                        <p:cond delay="indefinite"/>
+                      </p:stCondLst>
+                      <p:childTnLst>
+                        <p:par>
+                          <p:cTn id="4" fill="hold">
+                            <p:stCondLst>
+                              <p:cond delay="0"/>
+                            </p:stCondLst>
+                            <p:childTnLst>
+                              <p:par>
+                                <p:cTn id="5" presetClass="entr" nodeType="clickEffect" presetSubtype="2" presetID="2" grpId="1" fill="hold">
+                                  <p:stCondLst>
+                                    <p:cond delay="0"/>
+                                  </p:stCondLst>
+                                  <p:iterate type="el" backwards="0">
+                                    <p:tmAbs val="0"/>
+                                  </p:iterate>
+                                  <p:childTnLst>
+                                    <p:set>
+                                      <p:cBhvr>
+                                        <p:cTn id="6" fill="hold"/>
+                                        <p:tgtEl>
+                                          <p:spTgt spid="178"/>
+                                        </p:tgtEl>
+                                        <p:attrNameLst>
+                                          <p:attrName>style.visibility</p:attrName>
+                                        </p:attrNameLst>
+                                      </p:cBhvr>
+                                      <p:to>
+                                        <p:strVal val="visible"/>
+                                      </p:to>
+                                    </p:set>
+                                    <p:anim calcmode="lin" valueType="num">
+                                      <p:cBhvr>
+                                        <p:cTn id="7" dur="1000" fill="hold"/>
+                                        <p:tgtEl>
+                                          <p:spTgt spid="178"/>
+                                        </p:tgtEl>
+                                        <p:attrNameLst>
+                                          <p:attrName>ppt_x</p:attrName>
+                                        </p:attrNameLst>
+                                      </p:cBhvr>
+                                      <p:tavLst>
+                                        <p:tav tm="0">
+                                          <p:val>
+                                            <p:strVal val="1+#ppt_w/2"/>
+                                          </p:val>
+                                        </p:tav>
+                                        <p:tav tm="100000">
+                                          <p:val>
+                                            <p:strVal val="#ppt_x"/>
+                                          </p:val>
+                                        </p:tav>
+                                      </p:tavLst>
+                                    </p:anim>
+                                    <p:anim calcmode="lin" valueType="num">
+                                      <p:cBhvr>
+                                        <p:cTn id="8" dur="1000" fill="hold"/>
+                                        <p:tgtEl>
+                                          <p:spTgt spid="178"/>
+                                        </p:tgtEl>
+                                        <p:attrNameLst>
+                                          <p:attrName>ppt_y</p:attrName>
+                                        </p:attrNameLst>
+                                      </p:cBhvr>
+                                      <p:tavLst>
+                                        <p:tav tm="0">
+                                          <p:val>
+                                            <p:strVal val="#ppt_y"/>
+                                          </p:val>
+                                        </p:tav>
+                                        <p:tav tm="100000">
+                                          <p:val>
+                                            <p:strVal val="#ppt_y"/>
+                                          </p:val>
+                                        </p:tav>
+                                      </p:tavLst>
+                                    </p:anim>
+                                  </p:childTnLst>
+                                </p:cTn>
+                              </p:par>
+                            </p:childTnLst>
+                          </p:cTn>
+                        </p:par>
+                      </p:childTnLst>
+                    </p:cTn>
+                  </p:par>
+                </p:childTnLst>
+              </p:cTn>
+              <p:prevCondLst>
+                <p:cond evt="onPrev">
+                  <p:tgtEl>
+                    <p:sldTgt/>
+                  </p:tgtEl>
+                </p:cond>
+              </p:prevCondLst>
+              <p:nextCondLst>
+                <p:cond evt="onNext">
+                  <p:tgtEl>
+                    <p:sldTgt/>
+                  </p:tgtEl>
+                </p:cond>
+              </p:nextCondLst>
+            </p:seq>
+          </p:childTnLst>
+        </p:cTn>
+      </p:par>
+    </p:tnLst>
+    <p:bldLst>
+      <p:bldP build="whole" bldLvl="1" animBg="1" rev="0" advAuto="0" spid="178" grpId="1"/>
+    </p:bldLst>
+  </p:timing>
+</p:sld>
+</file>
+
+<file path=ppt/slides/slide9.xml><?xml version="1.0" encoding="utf-8"?>
+<p:sld xmlns:a="http://schemas.openxmlformats.org/drawingml/2006/main" xmlns:r="http://schemas.openxmlformats.org/officeDocument/2006/relationships" xmlns:p="http://schemas.openxmlformats.org/presentationml/2006/main" showMasterSp="1" showMasterPhAnim="1">
+  <p:cSld>
+    <p:spTree>
+      <p:nvGrpSpPr>
+        <p:cNvPr id="1" name=""/>
+        <p:cNvGrpSpPr/>
+        <p:nvPr/>
+      </p:nvGrpSpPr>
+      <p:grpSpPr>
+        <a:xfrm>
+          <a:off x="0" y="0"/>
+          <a:ext cx="0" cy="0"/>
+          <a:chOff x="0" y="0"/>
+          <a:chExt cx="0" cy="0"/>
+        </a:xfrm>
+      </p:grpSpPr>
+      <p:sp>
+        <p:nvSpPr>
+          <p:cNvPr id="180" name="Company in St. Paul…"/>
+          <p:cNvSpPr txBox="1"/>
+          <p:nvPr>
+            <p:ph type="body" sz="half" idx="1"/>
+          </p:nvPr>
+        </p:nvSpPr>
+        <p:spPr>
+          <a:xfrm>
+            <a:off x="326380" y="397539"/>
+            <a:ext cx="3509832" cy="8522853"/>
+          </a:xfrm>
+          <a:prstGeom prst="rect">
+            <a:avLst/>
+          </a:prstGeom>
+        </p:spPr>
+        <p:txBody>
+          <a:bodyPr/>
+          <a:lstStyle/>
+          <a:p>
+            <a:pPr>
+              <a:defRPr sz="1900"/>
+            </a:pPr>
+            <a:r>
+              <a:t>Company in St. Paul</a:t>
+            </a:r>
+          </a:p>
+          <a:p>
+            <a:pPr>
+              <a:defRPr sz="1900"/>
+            </a:pPr>
+            <a:r>
+              <a:t>Name: Job Control System</a:t>
+            </a:r>
+          </a:p>
+          <a:p>
+            <a:pPr>
+              <a:defRPr sz="1900"/>
+            </a:pPr>
+            <a:r>
+              <a:t>Written in C</a:t>
+            </a:r>
+          </a:p>
+          <a:p>
+            <a:pPr>
+              <a:defRPr sz="1900"/>
+            </a:pPr>
+            <a:r>
+              <a:t>Used in offices across the country</a:t>
+            </a:r>
+          </a:p>
+          <a:p>
+            <a:pPr>
+              <a:defRPr sz="1900"/>
+            </a:pPr>
+            <a:r>
+              <a:t>400 concurrent users</a:t>
+            </a:r>
+          </a:p>
+          <a:p>
+            <a:pPr>
+              <a:defRPr sz="1900"/>
+            </a:pPr>
+            <a:r>
+              <a:t>Unsupported UNIX hardware</a:t>
+            </a:r>
+          </a:p>
+          <a:p>
+            <a:pPr>
+              <a:defRPr sz="1900"/>
+            </a:pPr>
+            <a:r>
+              <a:t>Unsupported Informix database on that version of UNIX hardware</a:t>
+            </a:r>
+          </a:p>
+          <a:p>
+            <a:pPr>
+              <a:defRPr sz="1900"/>
+            </a:pPr>
+            <a:r>
+              <a:t>Cost to rewrite estimated at $750,000</a:t>
+            </a:r>
+          </a:p>
+          <a:p>
+            <a:pPr>
+              <a:defRPr sz="1900"/>
+            </a:pPr>
+            <a:r>
+              <a:t>1.5 year project</a:t>
+            </a:r>
+          </a:p>
+        </p:txBody>
+      </p:sp>
       <p:grpSp>
         <p:nvGrpSpPr>
-          <p:cNvPr id="168" name="Group"/>
+          <p:cNvPr id="183" name="Group"/>
           <p:cNvGrpSpPr/>
           <p:nvPr/>
         </p:nvGrpSpPr>
         <p:grpSpPr>
           <a:xfrm>
-            <a:off x="876845" y="686816"/>
-            <a:ext cx="1947417" cy="759521"/>
+            <a:off x="5712726" y="1308956"/>
+            <a:ext cx="1579348" cy="1190138"/>
             <a:chOff x="0" y="0"/>
-            <a:chExt cx="1947416" cy="759519"/>
+            <a:chExt cx="1579346" cy="1190136"/>
           </a:xfrm>
         </p:grpSpPr>
         <p:sp>
           <p:nvSpPr>
-            <p:cNvPr id="166" name="Rectangle"/>
+            <p:cNvPr id="181" name="Rectangle"/>
             <p:cNvSpPr/>
             <p:nvPr/>
           </p:nvSpPr>
           <p:spPr>
             <a:xfrm>
               <a:off x="0" y="0"/>
-              <a:ext cx="1947417" cy="759520"/>
+              <a:ext cx="1579347" cy="1190137"/>
             </a:xfrm>
             <a:prstGeom prst="rect">
               <a:avLst/>
@@ -5788,14 +9443,14 @@
         </p:sp>
         <p:sp>
           <p:nvSpPr>
-            <p:cNvPr id="167" name="Metadata"/>
+            <p:cNvPr id="182" name="C Custom Application"/>
             <p:cNvSpPr txBox="1"/>
             <p:nvPr/>
           </p:nvSpPr>
           <p:spPr>
             <a:xfrm>
-              <a:off x="180329" y="148929"/>
-              <a:ext cx="1586758" cy="461661"/>
+              <a:off x="29811" y="149388"/>
+              <a:ext cx="1519724" cy="891361"/>
             </a:xfrm>
             <a:prstGeom prst="rect">
               <a:avLst/>
@@ -5816,80 +9471,44 @@
             <a:bodyPr wrap="square" lIns="50800" tIns="50800" rIns="50800" bIns="50800" numCol="1" anchor="ctr">
               <a:noAutofit/>
             </a:bodyPr>
-            <a:lstStyle/>
+            <a:lstStyle>
+              <a:lvl1pPr>
+                <a:defRPr sz="2000"/>
+              </a:lvl1pPr>
+            </a:lstStyle>
             <a:p>
               <a:pPr/>
               <a:r>
-                <a:t>Metadata</a:t>
+                <a:t>C Custom Application</a:t>
               </a:r>
             </a:p>
           </p:txBody>
         </p:sp>
       </p:grpSp>
-      <p:sp>
-        <p:nvSpPr>
-          <p:cNvPr id="169" name="Line"/>
-          <p:cNvSpPr/>
-          <p:nvPr/>
-        </p:nvSpPr>
-        <p:spPr>
-          <a:xfrm>
-            <a:off x="7128967" y="3098576"/>
-            <a:ext cx="1" cy="870378"/>
-          </a:xfrm>
-          <a:prstGeom prst="line">
-            <a:avLst/>
-          </a:prstGeom>
-          <a:ln w="25400">
-            <a:solidFill>
-              <a:srgbClr val="000000"/>
-            </a:solidFill>
-            <a:miter lim="400000"/>
-            <a:tailEnd type="triangle"/>
-          </a:ln>
-        </p:spPr>
-        <p:txBody>
-          <a:bodyPr lIns="50800" tIns="50800" rIns="50800" bIns="50800" anchor="ctr"/>
-          <a:lstStyle/>
-          <a:p>
-            <a:pPr>
-              <a:defRPr b="0" sz="2200">
-                <a:solidFill>
-                  <a:srgbClr val="FFFFFF"/>
-                </a:solidFill>
-                <a:latin typeface="+mn-lt"/>
-                <a:ea typeface="+mn-ea"/>
-                <a:cs typeface="+mn-cs"/>
-                <a:sym typeface="Helvetica Neue Medium"/>
-              </a:defRPr>
-            </a:pPr>
-          </a:p>
-        </p:txBody>
-      </p:sp>
       <p:grpSp>
         <p:nvGrpSpPr>
-          <p:cNvPr id="172" name="Group"/>
+          <p:cNvPr id="186" name="Group"/>
           <p:cNvGrpSpPr/>
           <p:nvPr/>
         </p:nvGrpSpPr>
         <p:grpSpPr>
           <a:xfrm>
-            <a:off x="6108700" y="552226"/>
-            <a:ext cx="2214662" cy="1028701"/>
+            <a:off x="5712726" y="3919904"/>
+            <a:ext cx="1579348" cy="1190137"/>
             <a:chOff x="0" y="0"/>
-            <a:chExt cx="2214661" cy="1028700"/>
+            <a:chExt cx="1579346" cy="1190136"/>
           </a:xfrm>
         </p:grpSpPr>
         <p:sp>
           <p:nvSpPr>
-            <p:cNvPr id="170" name="Rectangle"/>
+            <p:cNvPr id="184" name="Rectangle"/>
             <p:cNvSpPr/>
             <p:nvPr/>
           </p:nvSpPr>
           <p:spPr>
             <a:xfrm>
               <a:off x="0" y="0"/>
-              <a:ext cx="2214662" cy="1028700"/>
+              <a:ext cx="1579347" cy="1190137"/>
             </a:xfrm>
             <a:prstGeom prst="rect">
               <a:avLst/>
@@ -5926,14 +9545,14 @@
         </p:sp>
         <p:sp>
           <p:nvSpPr>
-            <p:cNvPr id="171" name="Content…"/>
+            <p:cNvPr id="185" name="Informix Database"/>
             <p:cNvSpPr txBox="1"/>
             <p:nvPr/>
           </p:nvSpPr>
           <p:spPr>
             <a:xfrm>
-              <a:off x="212285" y="99670"/>
-              <a:ext cx="1790092" cy="829360"/>
+              <a:off x="29811" y="149388"/>
+              <a:ext cx="1519724" cy="891361"/>
             </a:xfrm>
             <a:prstGeom prst="rect">
               <a:avLst/>
@@ -5951,200 +9570,47 @@
             </a:extLst>
           </p:spPr>
           <p:txBody>
-            <a:bodyPr wrap="none" lIns="50800" tIns="50800" rIns="50800" bIns="50800" numCol="1" anchor="ctr">
-              <a:spAutoFit/>
+            <a:bodyPr wrap="square" lIns="50800" tIns="50800" rIns="50800" bIns="50800" numCol="1" anchor="ctr">
+              <a:noAutofit/>
             </a:bodyPr>
-            <a:lstStyle/>
+            <a:lstStyle>
+              <a:lvl1pPr>
+                <a:defRPr sz="2000"/>
+              </a:lvl1pPr>
+            </a:lstStyle>
             <a:p>
               <a:pPr/>
               <a:r>
-                <a:t>Content</a:t>
-              </a:r>
-            </a:p>
-            <a:p>
-              <a:pPr/>
-              <a:r>
-                <a:t>Description</a:t>
+                <a:t>Informix Database</a:t>
               </a:r>
             </a:p>
           </p:txBody>
         </p:sp>
       </p:grpSp>
-      <p:sp>
-        <p:nvSpPr>
-          <p:cNvPr id="173" name="Shape"/>
-          <p:cNvSpPr/>
-          <p:nvPr/>
-        </p:nvSpPr>
-        <p:spPr>
-          <a:xfrm>
-            <a:off x="3899197" y="686816"/>
-            <a:ext cx="946449" cy="759521"/>
-          </a:xfrm>
-          <a:custGeom>
-            <a:avLst/>
-            <a:gdLst/>
-            <a:ahLst/>
-            <a:cxnLst>
-              <a:cxn ang="0">
-                <a:pos x="wd2" y="hd2"/>
-              </a:cxn>
-              <a:cxn ang="5400000">
-                <a:pos x="wd2" y="hd2"/>
-              </a:cxn>
-              <a:cxn ang="10800000">
-                <a:pos x="wd2" y="hd2"/>
-              </a:cxn>
-              <a:cxn ang="16200000">
-                <a:pos x="wd2" y="hd2"/>
-              </a:cxn>
-            </a:cxnLst>
-            <a:rect l="0" t="0" r="r" b="b"/>
-            <a:pathLst>
-              <a:path w="21600" h="21600" fill="norm" stroke="1" extrusionOk="0">
-                <a:moveTo>
-                  <a:pt x="0" y="10800"/>
-                </a:moveTo>
-                <a:lnTo>
-                  <a:pt x="10800" y="21600"/>
-                </a:lnTo>
-                <a:lnTo>
-                  <a:pt x="21600" y="10800"/>
-                </a:lnTo>
-                <a:lnTo>
-                  <a:pt x="10800" y="0"/>
-                </a:lnTo>
-                <a:close/>
-              </a:path>
-            </a:pathLst>
-          </a:custGeom>
-          <a:solidFill>
-            <a:schemeClr val="accent1"/>
-          </a:solidFill>
-          <a:ln w="12700">
-            <a:miter lim="400000"/>
-          </a:ln>
-        </p:spPr>
-        <p:txBody>
-          <a:bodyPr lIns="50800" tIns="50800" rIns="50800" bIns="50800" anchor="ctr"/>
-          <a:lstStyle/>
-          <a:p>
-            <a:pPr>
-              <a:defRPr b="0" sz="2200">
-                <a:solidFill>
-                  <a:srgbClr val="FFFFFF"/>
-                </a:solidFill>
-                <a:latin typeface="+mn-lt"/>
-                <a:ea typeface="+mn-ea"/>
-                <a:cs typeface="+mn-cs"/>
-                <a:sym typeface="Helvetica Neue Medium"/>
-              </a:defRPr>
-            </a:pPr>
-          </a:p>
-        </p:txBody>
-      </p:sp>
-      <p:sp>
-        <p:nvSpPr>
-          <p:cNvPr id="174" name="Line"/>
-          <p:cNvSpPr/>
-          <p:nvPr/>
-        </p:nvSpPr>
-        <p:spPr>
-          <a:xfrm>
-            <a:off x="2795537" y="1010791"/>
-            <a:ext cx="1126168" cy="1"/>
-          </a:xfrm>
-          <a:prstGeom prst="line">
-            <a:avLst/>
-          </a:prstGeom>
-          <a:ln w="25400">
-            <a:solidFill>
-              <a:srgbClr val="000000"/>
-            </a:solidFill>
-            <a:miter lim="400000"/>
-          </a:ln>
-        </p:spPr>
-        <p:txBody>
-          <a:bodyPr lIns="50800" tIns="50800" rIns="50800" bIns="50800" anchor="ctr"/>
-          <a:lstStyle/>
-          <a:p>
-            <a:pPr>
-              <a:defRPr b="0" sz="2200">
-                <a:solidFill>
-                  <a:srgbClr val="FFFFFF"/>
-                </a:solidFill>
-                <a:latin typeface="+mn-lt"/>
-                <a:ea typeface="+mn-ea"/>
-                <a:cs typeface="+mn-cs"/>
-                <a:sym typeface="Helvetica Neue Medium"/>
-              </a:defRPr>
-            </a:pPr>
-          </a:p>
-        </p:txBody>
-      </p:sp>
-      <p:sp>
-        <p:nvSpPr>
-          <p:cNvPr id="175" name="Line"/>
-          <p:cNvSpPr/>
-          <p:nvPr/>
-        </p:nvSpPr>
-        <p:spPr>
-          <a:xfrm>
-            <a:off x="4802137" y="1066576"/>
-            <a:ext cx="1350071" cy="1"/>
-          </a:xfrm>
-          <a:prstGeom prst="line">
-            <a:avLst/>
-          </a:prstGeom>
-          <a:ln w="25400">
-            <a:solidFill>
-              <a:srgbClr val="000000"/>
-            </a:solidFill>
-            <a:miter lim="400000"/>
-          </a:ln>
-        </p:spPr>
-        <p:txBody>
-          <a:bodyPr lIns="50800" tIns="50800" rIns="50800" bIns="50800" anchor="ctr"/>
-          <a:lstStyle/>
-          <a:p>
-            <a:pPr>
-              <a:defRPr b="0" sz="2200">
-                <a:solidFill>
-                  <a:srgbClr val="FFFFFF"/>
-                </a:solidFill>
-                <a:latin typeface="+mn-lt"/>
-                <a:ea typeface="+mn-ea"/>
-                <a:cs typeface="+mn-cs"/>
-                <a:sym typeface="Helvetica Neue Medium"/>
-              </a:defRPr>
-            </a:pPr>
-          </a:p>
-        </p:txBody>
-      </p:sp>
       <p:grpSp>
         <p:nvGrpSpPr>
-          <p:cNvPr id="178" name="Group"/>
+          <p:cNvPr id="189" name="Group"/>
           <p:cNvGrpSpPr/>
           <p:nvPr/>
         </p:nvGrpSpPr>
         <p:grpSpPr>
           <a:xfrm>
-            <a:off x="6242322" y="2325116"/>
-            <a:ext cx="1947417" cy="759521"/>
+            <a:off x="5712726" y="6253717"/>
+            <a:ext cx="1579348" cy="1190137"/>
             <a:chOff x="0" y="0"/>
-            <a:chExt cx="1947416" cy="759519"/>
+            <a:chExt cx="1579346" cy="1190136"/>
           </a:xfrm>
         </p:grpSpPr>
         <p:sp>
           <p:nvSpPr>
-            <p:cNvPr id="176" name="Rectangle"/>
+            <p:cNvPr id="187" name="Rectangle"/>
             <p:cNvSpPr/>
             <p:nvPr/>
           </p:nvSpPr>
           <p:spPr>
             <a:xfrm>
               <a:off x="0" y="0"/>
-              <a:ext cx="1947417" cy="759520"/>
+              <a:ext cx="1579347" cy="1190137"/>
             </a:xfrm>
             <a:prstGeom prst="rect">
               <a:avLst/>
@@ -6181,14 +9647,14 @@
         </p:sp>
         <p:sp>
           <p:nvSpPr>
-            <p:cNvPr id="177" name="Design"/>
+            <p:cNvPr id="188" name="UNIX Hardware"/>
             <p:cNvSpPr txBox="1"/>
             <p:nvPr/>
           </p:nvSpPr>
           <p:spPr>
             <a:xfrm>
-              <a:off x="180329" y="148929"/>
-              <a:ext cx="1586758" cy="461661"/>
+              <a:off x="29811" y="149388"/>
+              <a:ext cx="1519724" cy="891361"/>
             </a:xfrm>
             <a:prstGeom prst="rect">
               <a:avLst/>
@@ -6209,11 +9675,15 @@
             <a:bodyPr wrap="square" lIns="50800" tIns="50800" rIns="50800" bIns="50800" numCol="1" anchor="ctr">
               <a:noAutofit/>
             </a:bodyPr>
-            <a:lstStyle/>
+            <a:lstStyle>
+              <a:lvl1pPr>
+                <a:defRPr sz="2000"/>
+              </a:lvl1pPr>
+            </a:lstStyle>
             <a:p>
               <a:pPr/>
               <a:r>
-                <a:t>Design</a:t>
+                <a:t>UNIX Hardware</a:t>
               </a:r>
             </a:p>
           </p:txBody>
@@ -6221,14 +9691,14 @@
       </p:grpSp>
       <p:sp>
         <p:nvSpPr>
-          <p:cNvPr id="179" name="Line"/>
+          <p:cNvPr id="190" name="Line"/>
           <p:cNvSpPr/>
           <p:nvPr/>
         </p:nvSpPr>
         <p:spPr>
           <a:xfrm>
-            <a:off x="7055792" y="1594867"/>
-            <a:ext cx="1" cy="716310"/>
+            <a:off x="6456052" y="2525230"/>
+            <a:ext cx="1" cy="1368538"/>
           </a:xfrm>
           <a:prstGeom prst="line">
             <a:avLst/>
@@ -6258,30 +9728,69 @@
           </a:p>
         </p:txBody>
       </p:sp>
+      <p:sp>
+        <p:nvSpPr>
+          <p:cNvPr id="191" name="Line"/>
+          <p:cNvSpPr/>
+          <p:nvPr/>
+        </p:nvSpPr>
+        <p:spPr>
+          <a:xfrm>
+            <a:off x="6502399" y="5095120"/>
+            <a:ext cx="1" cy="1190138"/>
+          </a:xfrm>
+          <a:prstGeom prst="line">
+            <a:avLst/>
+          </a:prstGeom>
+          <a:ln w="25400">
+            <a:solidFill>
+              <a:srgbClr val="000000"/>
+            </a:solidFill>
+            <a:miter lim="400000"/>
+          </a:ln>
+        </p:spPr>
+        <p:txBody>
+          <a:bodyPr lIns="50800" tIns="50800" rIns="50800" bIns="50800" anchor="ctr"/>
+          <a:lstStyle/>
+          <a:p>
+            <a:pPr>
+              <a:defRPr b="0" sz="2200">
+                <a:solidFill>
+                  <a:srgbClr val="FFFFFF"/>
+                </a:solidFill>
+                <a:latin typeface="+mn-lt"/>
+                <a:ea typeface="+mn-ea"/>
+                <a:cs typeface="+mn-cs"/>
+                <a:sym typeface="Helvetica Neue Medium"/>
+              </a:defRPr>
+            </a:pPr>
+          </a:p>
+        </p:txBody>
+      </p:sp>
       <p:grpSp>
         <p:nvGrpSpPr>
-          <p:cNvPr id="182" name="Group"/>
+          <p:cNvPr id="194" name="Group"/>
           <p:cNvGrpSpPr/>
           <p:nvPr/>
         </p:nvGrpSpPr>
         <p:grpSpPr>
           <a:xfrm>
-            <a:off x="6155259" y="4002027"/>
-            <a:ext cx="1947417" cy="759520"/>
+            <a:off x="5422138" y="2910179"/>
+            <a:ext cx="2327114" cy="418054"/>
             <a:chOff x="0" y="0"/>
-            <a:chExt cx="1947416" cy="759519"/>
+            <a:chExt cx="2327112" cy="418052"/>
           </a:xfrm>
         </p:grpSpPr>
         <p:sp>
           <p:nvSpPr>
-            <p:cNvPr id="180" name="Rectangle"/>
+            <p:cNvPr id="192" name="Rectangle"/>
             <p:cNvSpPr/>
             <p:nvPr/>
           </p:nvSpPr>
           <p:spPr>
             <a:xfrm>
               <a:off x="0" y="0"/>
-              <a:ext cx="1947417" cy="759520"/>
+              <a:ext cx="2327113" cy="418053"/>
             </a:xfrm>
             <a:prstGeom prst="rect">
               <a:avLst/>
@@ -6318,14 +9827,14 @@
         </p:sp>
         <p:sp>
           <p:nvSpPr>
-            <p:cNvPr id="181" name="Part"/>
+            <p:cNvPr id="193" name="IFL Layer"/>
             <p:cNvSpPr txBox="1"/>
             <p:nvPr/>
           </p:nvSpPr>
           <p:spPr>
             <a:xfrm>
-              <a:off x="180329" y="148929"/>
-              <a:ext cx="1586758" cy="461661"/>
+              <a:off x="215489" y="10226"/>
+              <a:ext cx="1896135" cy="401702"/>
             </a:xfrm>
             <a:prstGeom prst="rect">
               <a:avLst/>
@@ -6346,43 +9855,44 @@
             <a:bodyPr wrap="square" lIns="50800" tIns="50800" rIns="50800" bIns="50800" numCol="1" anchor="ctr">
               <a:noAutofit/>
             </a:bodyPr>
-            <a:lstStyle/>
+            <a:lstStyle>
+              <a:lvl1pPr>
+                <a:defRPr sz="2000"/>
+              </a:lvl1pPr>
+            </a:lstStyle>
             <a:p>
               <a:pPr/>
               <a:r>
-                <a:t>Part</a:t>
+                <a:t>IFL Layer</a:t>
               </a:r>
-            </a:p>
-            <a:p>
-              <a:pPr/>
             </a:p>
           </p:txBody>
         </p:sp>
       </p:grpSp>
       <p:grpSp>
         <p:nvGrpSpPr>
-          <p:cNvPr id="185" name="Group"/>
+          <p:cNvPr id="197" name="Group"/>
           <p:cNvGrpSpPr/>
           <p:nvPr/>
         </p:nvGrpSpPr>
         <p:grpSpPr>
           <a:xfrm>
-            <a:off x="876845" y="2909540"/>
-            <a:ext cx="1947417" cy="759520"/>
+            <a:off x="5796021" y="3919904"/>
+            <a:ext cx="1579348" cy="1190137"/>
             <a:chOff x="0" y="0"/>
-            <a:chExt cx="1947416" cy="759519"/>
+            <a:chExt cx="1579346" cy="1190136"/>
           </a:xfrm>
         </p:grpSpPr>
         <p:sp>
           <p:nvSpPr>
-            <p:cNvPr id="183" name="Rectangle"/>
+            <p:cNvPr id="195" name="Rectangle"/>
             <p:cNvSpPr/>
             <p:nvPr/>
           </p:nvSpPr>
           <p:spPr>
             <a:xfrm>
               <a:off x="0" y="0"/>
-              <a:ext cx="1947417" cy="759520"/>
+              <a:ext cx="1579347" cy="1190137"/>
             </a:xfrm>
             <a:prstGeom prst="rect">
               <a:avLst/>
@@ -6419,14 +9929,14 @@
         </p:sp>
         <p:sp>
           <p:nvSpPr>
-            <p:cNvPr id="184" name="Customer"/>
+            <p:cNvPr id="196" name="Oracle Database"/>
             <p:cNvSpPr txBox="1"/>
             <p:nvPr/>
           </p:nvSpPr>
           <p:spPr>
             <a:xfrm>
-              <a:off x="180329" y="148929"/>
-              <a:ext cx="1586758" cy="461661"/>
+              <a:off x="29811" y="149388"/>
+              <a:ext cx="1519724" cy="891361"/>
             </a:xfrm>
             <a:prstGeom prst="rect">
               <a:avLst/>
@@ -6447,43 +9957,44 @@
             <a:bodyPr wrap="square" lIns="50800" tIns="50800" rIns="50800" bIns="50800" numCol="1" anchor="ctr">
               <a:noAutofit/>
             </a:bodyPr>
-            <a:lstStyle/>
+            <a:lstStyle>
+              <a:lvl1pPr>
+                <a:defRPr sz="2000"/>
+              </a:lvl1pPr>
+            </a:lstStyle>
             <a:p>
               <a:pPr/>
               <a:r>
-                <a:t>Customer</a:t>
+                <a:t>Oracle Database</a:t>
               </a:r>
-            </a:p>
-            <a:p>
-              <a:pPr/>
             </a:p>
           </p:txBody>
         </p:sp>
       </p:grpSp>
       <p:grpSp>
         <p:nvGrpSpPr>
-          <p:cNvPr id="188" name="Group"/>
+          <p:cNvPr id="200" name="Group"/>
           <p:cNvGrpSpPr/>
           <p:nvPr/>
         </p:nvGrpSpPr>
         <p:grpSpPr>
           <a:xfrm>
-            <a:off x="6082084" y="5881627"/>
-            <a:ext cx="1947417" cy="759520"/>
+            <a:off x="5796021" y="6253717"/>
+            <a:ext cx="1579348" cy="1190137"/>
             <a:chOff x="0" y="0"/>
-            <a:chExt cx="1947416" cy="759519"/>
+            <a:chExt cx="1579346" cy="1190136"/>
           </a:xfrm>
         </p:grpSpPr>
         <p:sp>
           <p:nvSpPr>
-            <p:cNvPr id="186" name="Rectangle"/>
+            <p:cNvPr id="198" name="Rectangle"/>
             <p:cNvSpPr/>
             <p:nvPr/>
           </p:nvSpPr>
           <p:spPr>
             <a:xfrm>
               <a:off x="0" y="0"/>
-              <a:ext cx="1947417" cy="759520"/>
+              <a:ext cx="1579347" cy="1190137"/>
             </a:xfrm>
             <a:prstGeom prst="rect">
               <a:avLst/>
@@ -6520,14 +10031,14 @@
         </p:sp>
         <p:sp>
           <p:nvSpPr>
-            <p:cNvPr id="187" name="Package"/>
+            <p:cNvPr id="199" name="HP/UX Unix Hardware"/>
             <p:cNvSpPr txBox="1"/>
             <p:nvPr/>
           </p:nvSpPr>
           <p:spPr>
             <a:xfrm>
-              <a:off x="180329" y="148929"/>
-              <a:ext cx="1586758" cy="461661"/>
+              <a:off x="33700" y="149388"/>
+              <a:ext cx="1515835" cy="1016176"/>
             </a:xfrm>
             <a:prstGeom prst="rect">
               <a:avLst/>
@@ -6548,121 +10059,15 @@
             <a:bodyPr wrap="square" lIns="50800" tIns="50800" rIns="50800" bIns="50800" numCol="1" anchor="ctr">
               <a:noAutofit/>
             </a:bodyPr>
-            <a:lstStyle/>
+            <a:lstStyle>
+              <a:lvl1pPr>
+                <a:defRPr sz="2000"/>
+              </a:lvl1pPr>
+            </a:lstStyle>
             <a:p>
               <a:pPr/>
               <a:r>
-                <a:t>Package</a:t>
-              </a:r>
-            </a:p>
-            <a:p>
-              <a:pPr/>
-            </a:p>
-            <a:p>
-              <a:pPr/>
-            </a:p>
-          </p:txBody>
-        </p:sp>
-      </p:grpSp>
-      <p:grpSp>
-        <p:nvGrpSpPr>
-          <p:cNvPr id="191" name="Group"/>
-          <p:cNvGrpSpPr/>
-          <p:nvPr/>
-        </p:nvGrpSpPr>
-        <p:grpSpPr>
-          <a:xfrm>
-            <a:off x="876845" y="5018027"/>
-            <a:ext cx="3831680" cy="759520"/>
-            <a:chOff x="0" y="0"/>
-            <a:chExt cx="3831679" cy="759519"/>
-          </a:xfrm>
-        </p:grpSpPr>
-        <p:sp>
-          <p:nvSpPr>
-            <p:cNvPr id="189" name="Rectangle"/>
-            <p:cNvSpPr/>
-            <p:nvPr/>
-          </p:nvSpPr>
-          <p:spPr>
-            <a:xfrm>
-              <a:off x="0" y="0"/>
-              <a:ext cx="3831680" cy="759520"/>
-            </a:xfrm>
-            <a:prstGeom prst="rect">
-              <a:avLst/>
-            </a:prstGeom>
-            <a:noFill/>
-            <a:ln w="12700" cap="flat">
-              <a:solidFill>
-                <a:srgbClr val="000000"/>
-              </a:solidFill>
-              <a:prstDash val="solid"/>
-              <a:miter lim="400000"/>
-            </a:ln>
-            <a:effectLst/>
-          </p:spPr>
-          <p:txBody>
-            <a:bodyPr wrap="square" lIns="50800" tIns="50800" rIns="50800" bIns="50800" numCol="1" anchor="ctr">
-              <a:noAutofit/>
-            </a:bodyPr>
-            <a:lstStyle/>
-            <a:p>
-              <a:pPr>
-                <a:defRPr b="0" sz="2200">
-                  <a:solidFill>
-                    <a:srgbClr val="FFFFFF"/>
-                  </a:solidFill>
-                  <a:latin typeface="+mn-lt"/>
-                  <a:ea typeface="+mn-ea"/>
-                  <a:cs typeface="+mn-cs"/>
-                  <a:sym typeface="Helvetica Neue Medium"/>
-                </a:defRPr>
-              </a:pPr>
-            </a:p>
-          </p:txBody>
-        </p:sp>
-        <p:sp>
-          <p:nvSpPr>
-            <p:cNvPr id="190" name="Customer_Package…"/>
-            <p:cNvSpPr txBox="1"/>
-            <p:nvPr/>
-          </p:nvSpPr>
-          <p:spPr>
-            <a:xfrm>
-              <a:off x="354811" y="148929"/>
-              <a:ext cx="3122057" cy="461661"/>
-            </a:xfrm>
-            <a:prstGeom prst="rect">
-              <a:avLst/>
-            </a:prstGeom>
-            <a:noFill/>
-            <a:ln w="12700" cap="flat">
-              <a:noFill/>
-              <a:miter lim="400000"/>
-            </a:ln>
-            <a:effectLst/>
-            <a:extLst>
-              <a:ext uri="{C572A759-6A51-4108-AA02-DFA0A04FC94B}">
-                <ma14:wrappingTextBoxFlag xmlns:ma14="http://schemas.microsoft.com/office/mac/drawingml/2011/main" val="1"/>
-              </a:ext>
-            </a:extLst>
-          </p:spPr>
-          <p:txBody>
-            <a:bodyPr wrap="square" lIns="50800" tIns="50800" rIns="50800" bIns="50800" numCol="1" anchor="ctr">
-              <a:noAutofit/>
-            </a:bodyPr>
-            <a:lstStyle/>
-            <a:p>
-              <a:pPr/>
-              <a:r>
-                <a:t>Customer_Package</a:t>
-              </a:r>
-            </a:p>
-            <a:p>
-              <a:pPr/>
-              <a:r>
-                <a:t>Package</a:t>
+                <a:t>HP/UX Unix Hardware</a:t>
               </a:r>
             </a:p>
           </p:txBody>
@@ -6670,268 +10075,109 @@
       </p:grpSp>
       <p:sp>
         <p:nvSpPr>
-          <p:cNvPr id="192" name="Line"/>
-          <p:cNvSpPr/>
+          <p:cNvPr id="201" name="IFL Layer translated Informix function calls the code was making into SQL statements for Oracle…"/>
+          <p:cNvSpPr txBox="1"/>
           <p:nvPr/>
         </p:nvSpPr>
         <p:spPr>
           <a:xfrm>
-            <a:off x="7216030" y="4794619"/>
-            <a:ext cx="1" cy="1053935"/>
+            <a:off x="8582664" y="253546"/>
+            <a:ext cx="3509831" cy="8522853"/>
           </a:xfrm>
-          <a:prstGeom prst="line">
+          <a:prstGeom prst="rect">
             <a:avLst/>
           </a:prstGeom>
-          <a:ln w="25400">
-            <a:solidFill>
-              <a:srgbClr val="000000"/>
-            </a:solidFill>
+          <a:ln w="12700">
             <a:miter lim="400000"/>
-            <a:tailEnd type="triangle"/>
           </a:ln>
+          <a:extLst>
+            <a:ext uri="{C572A759-6A51-4108-AA02-DFA0A04FC94B}">
+              <ma14:wrappingTextBoxFlag xmlns:ma14="http://schemas.microsoft.com/office/mac/drawingml/2011/main" val="1"/>
+            </a:ext>
+          </a:extLst>
         </p:spPr>
         <p:txBody>
-          <a:bodyPr lIns="50800" tIns="50800" rIns="50800" bIns="50800" anchor="ctr"/>
+          <a:bodyPr lIns="50800" tIns="50800" rIns="50800" bIns="50800" anchor="ctr">
+            <a:normAutofit fontScale="100000" lnSpcReduction="0"/>
+          </a:bodyPr>
           <a:lstStyle/>
           <a:p>
-            <a:pPr>
-              <a:defRPr b="0" sz="2200">
-                <a:solidFill>
-                  <a:srgbClr val="FFFFFF"/>
-                </a:solidFill>
-                <a:latin typeface="+mn-lt"/>
-                <a:ea typeface="+mn-ea"/>
-                <a:cs typeface="+mn-cs"/>
-                <a:sym typeface="Helvetica Neue Medium"/>
-              </a:defRPr>
+            <a:pPr marL="444500" indent="-444500" algn="l">
+              <a:spcBef>
+                <a:spcPts val="4200"/>
+              </a:spcBef>
+              <a:buSzPct val="145000"/>
+              <a:buChar char="•"/>
+              <a:defRPr b="0" sz="1900"/>
             </a:pPr>
-          </a:p>
-        </p:txBody>
-      </p:sp>
-      <p:sp>
-        <p:nvSpPr>
-          <p:cNvPr id="193" name="Line"/>
-          <p:cNvSpPr/>
-          <p:nvPr/>
-        </p:nvSpPr>
-        <p:spPr>
-          <a:xfrm flipH="1" flipV="1">
-            <a:off x="4693312" y="5431891"/>
-            <a:ext cx="1342859" cy="859924"/>
-          </a:xfrm>
-          <a:prstGeom prst="line">
-            <a:avLst/>
-          </a:prstGeom>
-          <a:ln w="25400">
-            <a:solidFill>
-              <a:srgbClr val="000000"/>
-            </a:solidFill>
-            <a:miter lim="400000"/>
-            <a:tailEnd type="triangle"/>
-          </a:ln>
-        </p:spPr>
-        <p:txBody>
-          <a:bodyPr lIns="50800" tIns="50800" rIns="50800" bIns="50800" anchor="ctr"/>
-          <a:lstStyle/>
-          <a:p>
-            <a:pPr>
-              <a:defRPr b="0" sz="2200">
-                <a:solidFill>
-                  <a:srgbClr val="FFFFFF"/>
-                </a:solidFill>
-                <a:latin typeface="+mn-lt"/>
-                <a:ea typeface="+mn-ea"/>
-                <a:cs typeface="+mn-cs"/>
-                <a:sym typeface="Helvetica Neue Medium"/>
-              </a:defRPr>
+            <a:r>
+              <a:t>IFL Layer translated Informix function calls the code was making into SQL statements for Oracle</a:t>
+            </a:r>
+          </a:p>
+          <a:p>
+            <a:pPr marL="444500" indent="-444500" algn="l">
+              <a:spcBef>
+                <a:spcPts val="4200"/>
+              </a:spcBef>
+              <a:buSzPct val="145000"/>
+              <a:buChar char="•"/>
+              <a:defRPr b="0" sz="1900"/>
             </a:pPr>
-          </a:p>
-        </p:txBody>
-      </p:sp>
-      <p:sp>
-        <p:nvSpPr>
-          <p:cNvPr id="194" name="Line"/>
-          <p:cNvSpPr/>
-          <p:nvPr/>
-        </p:nvSpPr>
-        <p:spPr>
-          <a:xfrm>
-            <a:off x="2034430" y="3651619"/>
-            <a:ext cx="509291" cy="1388668"/>
-          </a:xfrm>
-          <a:prstGeom prst="line">
-            <a:avLst/>
-          </a:prstGeom>
-          <a:ln w="25400">
-            <a:solidFill>
-              <a:srgbClr val="000000"/>
-            </a:solidFill>
-            <a:miter lim="400000"/>
-            <a:tailEnd type="triangle"/>
-          </a:ln>
-        </p:spPr>
-        <p:txBody>
-          <a:bodyPr lIns="50800" tIns="50800" rIns="50800" bIns="50800" anchor="ctr"/>
-          <a:lstStyle/>
-          <a:p>
-            <a:pPr>
-              <a:defRPr b="0" sz="2200">
-                <a:solidFill>
-                  <a:srgbClr val="FFFFFF"/>
-                </a:solidFill>
-                <a:latin typeface="+mn-lt"/>
-                <a:ea typeface="+mn-ea"/>
-                <a:cs typeface="+mn-cs"/>
-                <a:sym typeface="Helvetica Neue Medium"/>
-              </a:defRPr>
+            <a:r>
+              <a:t>Very minimal C code changes required</a:t>
+            </a:r>
+          </a:p>
+          <a:p>
+            <a:pPr marL="444500" indent="-444500" algn="l">
+              <a:spcBef>
+                <a:spcPts val="4200"/>
+              </a:spcBef>
+              <a:buSzPct val="145000"/>
+              <a:buChar char="•"/>
+              <a:defRPr b="0" sz="1900"/>
             </a:pPr>
-          </a:p>
-        </p:txBody>
-      </p:sp>
-      <p:grpSp>
-        <p:nvGrpSpPr>
-          <p:cNvPr id="197" name="Group"/>
-          <p:cNvGrpSpPr/>
-          <p:nvPr/>
-        </p:nvGrpSpPr>
-        <p:grpSpPr>
-          <a:xfrm>
-            <a:off x="6155259" y="7558537"/>
-            <a:ext cx="1947417" cy="759520"/>
-            <a:chOff x="0" y="0"/>
-            <a:chExt cx="1947416" cy="759519"/>
-          </a:xfrm>
-        </p:grpSpPr>
-        <p:sp>
-          <p:nvSpPr>
-            <p:cNvPr id="195" name="Rectangle"/>
-            <p:cNvSpPr/>
-            <p:nvPr/>
-          </p:nvSpPr>
-          <p:spPr>
-            <a:xfrm>
-              <a:off x="0" y="0"/>
-              <a:ext cx="1947417" cy="759520"/>
-            </a:xfrm>
-            <a:prstGeom prst="rect">
-              <a:avLst/>
-            </a:prstGeom>
-            <a:noFill/>
-            <a:ln w="12700" cap="flat">
-              <a:solidFill>
-                <a:srgbClr val="000000"/>
-              </a:solidFill>
-              <a:prstDash val="solid"/>
-              <a:miter lim="400000"/>
-            </a:ln>
-            <a:effectLst/>
-          </p:spPr>
-          <p:txBody>
-            <a:bodyPr wrap="square" lIns="50800" tIns="50800" rIns="50800" bIns="50800" numCol="1" anchor="ctr">
-              <a:noAutofit/>
-            </a:bodyPr>
-            <a:lstStyle/>
-            <a:p>
-              <a:pPr>
-                <a:defRPr b="0" sz="2200">
-                  <a:solidFill>
-                    <a:srgbClr val="FFFFFF"/>
-                  </a:solidFill>
-                  <a:latin typeface="+mn-lt"/>
-                  <a:ea typeface="+mn-ea"/>
-                  <a:cs typeface="+mn-cs"/>
-                  <a:sym typeface="Helvetica Neue Medium"/>
-                </a:defRPr>
-              </a:pPr>
-            </a:p>
-          </p:txBody>
-        </p:sp>
-        <p:sp>
-          <p:nvSpPr>
-            <p:cNvPr id="196" name="Asset"/>
-            <p:cNvSpPr txBox="1"/>
-            <p:nvPr/>
-          </p:nvSpPr>
-          <p:spPr>
-            <a:xfrm>
-              <a:off x="180329" y="148929"/>
-              <a:ext cx="1586758" cy="461661"/>
-            </a:xfrm>
-            <a:prstGeom prst="rect">
-              <a:avLst/>
-            </a:prstGeom>
-            <a:noFill/>
-            <a:ln w="12700" cap="flat">
-              <a:noFill/>
-              <a:miter lim="400000"/>
-            </a:ln>
-            <a:effectLst/>
-            <a:extLst>
-              <a:ext uri="{C572A759-6A51-4108-AA02-DFA0A04FC94B}">
-                <ma14:wrappingTextBoxFlag xmlns:ma14="http://schemas.microsoft.com/office/mac/drawingml/2011/main" val="1"/>
-              </a:ext>
-            </a:extLst>
-          </p:spPr>
-          <p:txBody>
-            <a:bodyPr wrap="square" lIns="50800" tIns="50800" rIns="50800" bIns="50800" numCol="1" anchor="ctr">
-              <a:noAutofit/>
-            </a:bodyPr>
-            <a:lstStyle/>
-            <a:p>
-              <a:pPr/>
-              <a:r>
-                <a:t>Asset</a:t>
-              </a:r>
-            </a:p>
-            <a:p>
-              <a:pPr/>
-            </a:p>
-            <a:p>
-              <a:pPr/>
-            </a:p>
-            <a:p>
-              <a:pPr/>
-            </a:p>
-          </p:txBody>
-        </p:sp>
-      </p:grpSp>
-      <p:sp>
-        <p:nvSpPr>
-          <p:cNvPr id="198" name="Line"/>
-          <p:cNvSpPr/>
-          <p:nvPr/>
-        </p:nvSpPr>
-        <p:spPr>
-          <a:xfrm>
-            <a:off x="7128967" y="6674219"/>
-            <a:ext cx="1" cy="870378"/>
-          </a:xfrm>
-          <a:prstGeom prst="line">
-            <a:avLst/>
-          </a:prstGeom>
-          <a:ln w="25400">
-            <a:solidFill>
-              <a:srgbClr val="000000"/>
-            </a:solidFill>
-            <a:miter lim="400000"/>
-            <a:tailEnd type="triangle"/>
-          </a:ln>
-        </p:spPr>
-        <p:txBody>
-          <a:bodyPr lIns="50800" tIns="50800" rIns="50800" bIns="50800" anchor="ctr"/>
-          <a:lstStyle/>
-          <a:p>
-            <a:pPr>
-              <a:defRPr b="0" sz="2200">
-                <a:solidFill>
-                  <a:srgbClr val="FFFFFF"/>
-                </a:solidFill>
-                <a:latin typeface="+mn-lt"/>
-                <a:ea typeface="+mn-ea"/>
-                <a:cs typeface="+mn-cs"/>
-                <a:sym typeface="Helvetica Neue Medium"/>
-              </a:defRPr>
+            <a:r>
+              <a:t>Took three months to complete</a:t>
+            </a:r>
+          </a:p>
+          <a:p>
+            <a:pPr marL="444500" indent="-444500" algn="l">
+              <a:spcBef>
+                <a:spcPts val="4200"/>
+              </a:spcBef>
+              <a:buSzPct val="145000"/>
+              <a:buChar char="•"/>
+              <a:defRPr b="0" sz="1900"/>
             </a:pPr>
+            <a:r>
+              <a:t>System was fully retired in 2013</a:t>
+            </a:r>
+          </a:p>
+          <a:p>
+            <a:pPr marL="444500" indent="-444500" algn="l">
+              <a:spcBef>
+                <a:spcPts val="4200"/>
+              </a:spcBef>
+              <a:buSzPct val="145000"/>
+              <a:buChar char="•"/>
+              <a:defRPr b="0" sz="1900"/>
+            </a:pPr>
+            <a:r>
+              <a:t>An idea I had saved the company a lot of money and time and gave 20 years life to an application</a:t>
+            </a:r>
+          </a:p>
+          <a:p>
+            <a:pPr marL="444500" indent="-444500" algn="l">
+              <a:spcBef>
+                <a:spcPts val="4200"/>
+              </a:spcBef>
+              <a:buSzPct val="145000"/>
+              <a:buChar char="•"/>
+              <a:defRPr b="0" sz="1900"/>
+            </a:pPr>
+            <a:r>
+              <a:t>My top career achievement</a:t>
+            </a:r>
           </a:p>
         </p:txBody>
       </p:sp>
@@ -6941,6 +10187,394 @@
     <a:masterClrMapping/>
   </p:clrMapOvr>
   <p:transition xmlns:p14="http://schemas.microsoft.com/office/powerpoint/2010/main" spd="med" advClick="1"/>
+  <p:timing>
+    <p:tnLst>
+      <p:par>
+        <p:cTn id="1" nodeType="tmRoot" restart="never" dur="indefinite" fill="hold">
+          <p:childTnLst>
+            <p:seq concurrent="1" prevAc="none" nextAc="seek">
+              <p:cTn id="2" nodeType="mainSeq" dur="indefinite" fill="hold">
+                <p:childTnLst>
+                  <p:par>
+                    <p:cTn id="3" fill="hold">
+                      <p:stCondLst>
+                        <p:cond delay="indefinite"/>
+                      </p:stCondLst>
+                      <p:childTnLst>
+                        <p:par>
+                          <p:cTn id="4" fill="hold">
+                            <p:stCondLst>
+                              <p:cond delay="0"/>
+                            </p:stCondLst>
+                            <p:childTnLst>
+                              <p:par>
+                                <p:cTn id="5" presetClass="entr" nodeType="clickEffect" presetSubtype="2" presetID="2" grpId="1" fill="hold">
+                                  <p:stCondLst>
+                                    <p:cond delay="0"/>
+                                  </p:stCondLst>
+                                  <p:iterate type="el" backwards="0">
+                                    <p:tmAbs val="0"/>
+                                  </p:iterate>
+                                  <p:childTnLst>
+                                    <p:set>
+                                      <p:cBhvr>
+                                        <p:cTn id="6" fill="hold"/>
+                                        <p:tgtEl>
+                                          <p:spTgt spid="194"/>
+                                        </p:tgtEl>
+                                        <p:attrNameLst>
+                                          <p:attrName>style.visibility</p:attrName>
+                                        </p:attrNameLst>
+                                      </p:cBhvr>
+                                      <p:to>
+                                        <p:strVal val="visible"/>
+                                      </p:to>
+                                    </p:set>
+                                    <p:anim calcmode="lin" valueType="num">
+                                      <p:cBhvr>
+                                        <p:cTn id="7" dur="500" fill="hold"/>
+                                        <p:tgtEl>
+                                          <p:spTgt spid="194"/>
+                                        </p:tgtEl>
+                                        <p:attrNameLst>
+                                          <p:attrName>ppt_x</p:attrName>
+                                        </p:attrNameLst>
+                                      </p:cBhvr>
+                                      <p:tavLst>
+                                        <p:tav tm="0">
+                                          <p:val>
+                                            <p:strVal val="1+#ppt_w/2"/>
+                                          </p:val>
+                                        </p:tav>
+                                        <p:tav tm="100000">
+                                          <p:val>
+                                            <p:strVal val="#ppt_x"/>
+                                          </p:val>
+                                        </p:tav>
+                                      </p:tavLst>
+                                    </p:anim>
+                                    <p:anim calcmode="lin" valueType="num">
+                                      <p:cBhvr>
+                                        <p:cTn id="8" dur="500" fill="hold"/>
+                                        <p:tgtEl>
+                                          <p:spTgt spid="194"/>
+                                        </p:tgtEl>
+                                        <p:attrNameLst>
+                                          <p:attrName>ppt_y</p:attrName>
+                                        </p:attrNameLst>
+                                      </p:cBhvr>
+                                      <p:tavLst>
+                                        <p:tav tm="0">
+                                          <p:val>
+                                            <p:strVal val="#ppt_y"/>
+                                          </p:val>
+                                        </p:tav>
+                                        <p:tav tm="100000">
+                                          <p:val>
+                                            <p:strVal val="#ppt_y"/>
+                                          </p:val>
+                                        </p:tav>
+                                      </p:tavLst>
+                                    </p:anim>
+                                  </p:childTnLst>
+                                </p:cTn>
+                              </p:par>
+                            </p:childTnLst>
+                          </p:cTn>
+                        </p:par>
+                      </p:childTnLst>
+                    </p:cTn>
+                  </p:par>
+                  <p:par>
+                    <p:cTn id="9" fill="hold">
+                      <p:stCondLst>
+                        <p:cond delay="indefinite"/>
+                      </p:stCondLst>
+                      <p:childTnLst>
+                        <p:par>
+                          <p:cTn id="10" fill="hold">
+                            <p:stCondLst>
+                              <p:cond delay="0"/>
+                            </p:stCondLst>
+                            <p:childTnLst>
+                              <p:par>
+                                <p:cTn id="11" presetClass="exit" nodeType="clickEffect" presetID="9" grpId="2" fill="hold">
+                                  <p:stCondLst>
+                                    <p:cond delay="0"/>
+                                  </p:stCondLst>
+                                  <p:iterate type="el" backwards="0">
+                                    <p:tmAbs val="0"/>
+                                  </p:iterate>
+                                  <p:childTnLst>
+                                    <p:animEffect filter="dissolve" transition="out">
+                                      <p:cBhvr>
+                                        <p:cTn id="12" dur="500" fill="hold"/>
+                                        <p:tgtEl>
+                                          <p:spTgt spid="186"/>
+                                        </p:tgtEl>
+                                      </p:cBhvr>
+                                    </p:animEffect>
+                                    <p:set>
+                                      <p:cBhvr>
+                                        <p:cTn id="13" fill="hold">
+                                          <p:stCondLst>
+                                            <p:cond delay="499"/>
+                                          </p:stCondLst>
+                                        </p:cTn>
+                                        <p:tgtEl>
+                                          <p:spTgt spid="186"/>
+                                        </p:tgtEl>
+                                        <p:attrNameLst>
+                                          <p:attrName>style.visibility</p:attrName>
+                                        </p:attrNameLst>
+                                      </p:cBhvr>
+                                      <p:to>
+                                        <p:strVal val="hidden"/>
+                                      </p:to>
+                                    </p:set>
+                                  </p:childTnLst>
+                                </p:cTn>
+                              </p:par>
+                            </p:childTnLst>
+                          </p:cTn>
+                        </p:par>
+                      </p:childTnLst>
+                    </p:cTn>
+                  </p:par>
+                  <p:par>
+                    <p:cTn id="14" fill="hold">
+                      <p:stCondLst>
+                        <p:cond delay="indefinite"/>
+                      </p:stCondLst>
+                      <p:childTnLst>
+                        <p:par>
+                          <p:cTn id="15" fill="hold">
+                            <p:stCondLst>
+                              <p:cond delay="0"/>
+                            </p:stCondLst>
+                            <p:childTnLst>
+                              <p:par>
+                                <p:cTn id="16" presetClass="entr" nodeType="clickEffect" presetID="9" grpId="3" fill="hold">
+                                  <p:stCondLst>
+                                    <p:cond delay="0"/>
+                                  </p:stCondLst>
+                                  <p:iterate type="el" backwards="0">
+                                    <p:tmAbs val="0"/>
+                                  </p:iterate>
+                                  <p:childTnLst>
+                                    <p:set>
+                                      <p:cBhvr>
+                                        <p:cTn id="17" fill="hold"/>
+                                        <p:tgtEl>
+                                          <p:spTgt spid="197"/>
+                                        </p:tgtEl>
+                                        <p:attrNameLst>
+                                          <p:attrName>style.visibility</p:attrName>
+                                        </p:attrNameLst>
+                                      </p:cBhvr>
+                                      <p:to>
+                                        <p:strVal val="visible"/>
+                                      </p:to>
+                                    </p:set>
+                                    <p:animEffect filter="dissolve" transition="in">
+                                      <p:cBhvr>
+                                        <p:cTn id="18" dur="500"/>
+                                        <p:tgtEl>
+                                          <p:spTgt spid="197"/>
+                                        </p:tgtEl>
+                                      </p:cBhvr>
+                                    </p:animEffect>
+                                  </p:childTnLst>
+                                </p:cTn>
+                              </p:par>
+                            </p:childTnLst>
+                          </p:cTn>
+                        </p:par>
+                      </p:childTnLst>
+                    </p:cTn>
+                  </p:par>
+                  <p:par>
+                    <p:cTn id="19" fill="hold">
+                      <p:stCondLst>
+                        <p:cond delay="indefinite"/>
+                      </p:stCondLst>
+                      <p:childTnLst>
+                        <p:par>
+                          <p:cTn id="20" fill="hold">
+                            <p:stCondLst>
+                              <p:cond delay="0"/>
+                            </p:stCondLst>
+                            <p:childTnLst>
+                              <p:par>
+                                <p:cTn id="21" presetClass="exit" nodeType="clickEffect" presetID="9" grpId="4" fill="hold">
+                                  <p:stCondLst>
+                                    <p:cond delay="0"/>
+                                  </p:stCondLst>
+                                  <p:iterate type="el" backwards="0">
+                                    <p:tmAbs val="0"/>
+                                  </p:iterate>
+                                  <p:childTnLst>
+                                    <p:animEffect filter="dissolve" transition="out">
+                                      <p:cBhvr>
+                                        <p:cTn id="22" dur="1500" fill="hold"/>
+                                        <p:tgtEl>
+                                          <p:spTgt spid="189"/>
+                                        </p:tgtEl>
+                                      </p:cBhvr>
+                                    </p:animEffect>
+                                    <p:set>
+                                      <p:cBhvr>
+                                        <p:cTn id="23" fill="hold">
+                                          <p:stCondLst>
+                                            <p:cond delay="1499"/>
+                                          </p:stCondLst>
+                                        </p:cTn>
+                                        <p:tgtEl>
+                                          <p:spTgt spid="189"/>
+                                        </p:tgtEl>
+                                        <p:attrNameLst>
+                                          <p:attrName>style.visibility</p:attrName>
+                                        </p:attrNameLst>
+                                      </p:cBhvr>
+                                      <p:to>
+                                        <p:strVal val="hidden"/>
+                                      </p:to>
+                                    </p:set>
+                                  </p:childTnLst>
+                                </p:cTn>
+                              </p:par>
+                            </p:childTnLst>
+                          </p:cTn>
+                        </p:par>
+                      </p:childTnLst>
+                    </p:cTn>
+                  </p:par>
+                  <p:par>
+                    <p:cTn id="24" fill="hold">
+                      <p:stCondLst>
+                        <p:cond delay="indefinite"/>
+                      </p:stCondLst>
+                      <p:childTnLst>
+                        <p:par>
+                          <p:cTn id="25" fill="hold">
+                            <p:stCondLst>
+                              <p:cond delay="0"/>
+                            </p:stCondLst>
+                            <p:childTnLst>
+                              <p:par>
+                                <p:cTn id="26" presetClass="entr" nodeType="clickEffect" presetID="9" grpId="5" fill="hold">
+                                  <p:stCondLst>
+                                    <p:cond delay="0"/>
+                                  </p:stCondLst>
+                                  <p:iterate type="el" backwards="0">
+                                    <p:tmAbs val="0"/>
+                                  </p:iterate>
+                                  <p:childTnLst>
+                                    <p:set>
+                                      <p:cBhvr>
+                                        <p:cTn id="27" fill="hold"/>
+                                        <p:tgtEl>
+                                          <p:spTgt spid="200"/>
+                                        </p:tgtEl>
+                                        <p:attrNameLst>
+                                          <p:attrName>style.visibility</p:attrName>
+                                        </p:attrNameLst>
+                                      </p:cBhvr>
+                                      <p:to>
+                                        <p:strVal val="visible"/>
+                                      </p:to>
+                                    </p:set>
+                                    <p:animEffect filter="dissolve" transition="in">
+                                      <p:cBhvr>
+                                        <p:cTn id="28" dur="1500"/>
+                                        <p:tgtEl>
+                                          <p:spTgt spid="200"/>
+                                        </p:tgtEl>
+                                      </p:cBhvr>
+                                    </p:animEffect>
+                                  </p:childTnLst>
+                                </p:cTn>
+                              </p:par>
+                            </p:childTnLst>
+                          </p:cTn>
+                        </p:par>
+                      </p:childTnLst>
+                    </p:cTn>
+                  </p:par>
+                  <p:par>
+                    <p:cTn id="29" fill="hold">
+                      <p:stCondLst>
+                        <p:cond delay="indefinite"/>
+                      </p:stCondLst>
+                      <p:childTnLst>
+                        <p:par>
+                          <p:cTn id="30" fill="hold">
+                            <p:stCondLst>
+                              <p:cond delay="0"/>
+                            </p:stCondLst>
+                            <p:childTnLst>
+                              <p:par>
+                                <p:cTn id="31" presetClass="entr" nodeType="clickEffect" presetSubtype="0" presetID="1" grpId="6" fill="hold">
+                                  <p:stCondLst>
+                                    <p:cond delay="0"/>
+                                  </p:stCondLst>
+                                  <p:iterate type="el" backwards="0">
+                                    <p:tmAbs val="0"/>
+                                  </p:iterate>
+                                  <p:childTnLst>
+                                    <p:set>
+                                      <p:cBhvr>
+                                        <p:cTn id="32" fill="hold"/>
+                                        <p:tgtEl>
+                                          <p:spTgt spid="201"/>
+                                        </p:tgtEl>
+                                        <p:attrNameLst>
+                                          <p:attrName>style.visibility</p:attrName>
+                                        </p:attrNameLst>
+                                      </p:cBhvr>
+                                      <p:to>
+                                        <p:strVal val="visible"/>
+                                      </p:to>
+                                    </p:set>
+                                  </p:childTnLst>
+                                </p:cTn>
+                              </p:par>
+                            </p:childTnLst>
+                          </p:cTn>
+                        </p:par>
+                      </p:childTnLst>
+                    </p:cTn>
+                  </p:par>
+                </p:childTnLst>
+              </p:cTn>
+              <p:prevCondLst>
+                <p:cond evt="onPrev">
+                  <p:tgtEl>
+                    <p:sldTgt/>
+                  </p:tgtEl>
+                </p:cond>
+              </p:prevCondLst>
+              <p:nextCondLst>
+                <p:cond evt="onNext">
+                  <p:tgtEl>
+                    <p:sldTgt/>
+                  </p:tgtEl>
+                </p:cond>
+              </p:nextCondLst>
+            </p:seq>
+          </p:childTnLst>
+        </p:cTn>
+      </p:par>
+    </p:tnLst>
+    <p:bldLst>
+      <p:bldP build="whole" bldLvl="1" animBg="1" rev="0" advAuto="0" spid="201" grpId="6"/>
+      <p:bldP build="whole" bldLvl="1" animBg="1" rev="0" advAuto="0" spid="189" grpId="4"/>
+      <p:bldP build="whole" bldLvl="1" animBg="1" rev="0" advAuto="0" spid="194" grpId="1"/>
+      <p:bldP build="whole" bldLvl="1" animBg="1" rev="0" advAuto="0" spid="197" grpId="3"/>
+      <p:bldP build="whole" bldLvl="1" animBg="1" rev="0" advAuto="0" spid="186" grpId="2"/>
+      <p:bldP build="whole" bldLvl="1" animBg="1" rev="0" advAuto="0" spid="200" grpId="5"/>
+    </p:bldLst>
+  </p:timing>
 </p:sld>
 </file>
 

--- a/Files/Metadata_Groupings/Tables.pptx
+++ b/Files/Metadata_Groupings/Tables.pptx
@@ -20,6 +20,11 @@
     <p:sldId id="265" r:id="rId17"/>
     <p:sldId id="266" r:id="rId18"/>
     <p:sldId id="267" r:id="rId19"/>
+    <p:sldId id="268" r:id="rId20"/>
+    <p:sldId id="269" r:id="rId21"/>
+    <p:sldId id="270" r:id="rId22"/>
+    <p:sldId id="271" r:id="rId23"/>
+    <p:sldId id="272" r:id="rId24"/>
   </p:sldIdLst>
   <p:sldSz cx="13004800" cy="9753600"/>
   <p:notesSz cx="6858000" cy="9144000"/>
@@ -3157,14 +3162,14 @@
       </p:sp>
       <p:sp>
         <p:nvSpPr>
-          <p:cNvPr id="205" name="We build our OWN DAM"/>
+          <p:cNvPr id="205" name="YES, we build our OWN DAM"/>
           <p:cNvSpPr txBox="1"/>
           <p:nvPr/>
         </p:nvSpPr>
         <p:spPr>
           <a:xfrm>
-            <a:off x="2672823" y="6488066"/>
-            <a:ext cx="7147264" cy="1774553"/>
+            <a:off x="2030166" y="6467537"/>
+            <a:ext cx="8944468" cy="1774553"/>
           </a:xfrm>
           <a:prstGeom prst="rect">
             <a:avLst/>
@@ -3193,7 +3198,7 @@
           <a:p>
             <a:pPr/>
             <a:r>
-              <a:t>We build our OWN DAM</a:t>
+              <a:t>YES, we build our OWN DAM</a:t>
             </a:r>
           </a:p>
         </p:txBody>
@@ -4312,13 +4317,13 @@
       </p:par>
     </p:tnLst>
     <p:bldLst>
-      <p:bldP build="whole" bldLvl="1" animBg="1" rev="0" advAuto="0" spid="221" grpId="3"/>
-      <p:bldP build="whole" bldLvl="1" animBg="1" rev="0" advAuto="0" spid="222" grpId="2"/>
-      <p:bldP build="whole" bldLvl="1" animBg="1" rev="0" advAuto="0" spid="216" grpId="7"/>
-      <p:bldP build="whole" bldLvl="1" animBg="1" rev="0" advAuto="0" spid="217" grpId="4"/>
-      <p:bldP build="whole" bldLvl="1" animBg="1" rev="0" advAuto="0" spid="218" grpId="6"/>
       <p:bldP build="whole" bldLvl="1" animBg="1" rev="0" advAuto="0" spid="210" grpId="1"/>
       <p:bldP build="whole" bldLvl="1" animBg="1" rev="0" advAuto="0" spid="213" grpId="5"/>
+      <p:bldP build="whole" bldLvl="1" animBg="1" rev="0" advAuto="0" spid="217" grpId="4"/>
+      <p:bldP build="whole" bldLvl="1" animBg="1" rev="0" advAuto="0" spid="221" grpId="3"/>
+      <p:bldP build="whole" bldLvl="1" animBg="1" rev="0" advAuto="0" spid="216" grpId="7"/>
+      <p:bldP build="whole" bldLvl="1" animBg="1" rev="0" advAuto="0" spid="218" grpId="6"/>
+      <p:bldP build="whole" bldLvl="1" animBg="1" rev="0" advAuto="0" spid="222" grpId="2"/>
     </p:bldLst>
   </p:timing>
 </p:sld>
@@ -5609,7 +5614,7 @@
       </p:grpSp>
       <p:sp>
         <p:nvSpPr>
-          <p:cNvPr id="258" name="Database Schema is Crown Jewel of JEMM2"/>
+          <p:cNvPr id="258" name="Database Schema would be the Crown Jewel of JEMM2"/>
           <p:cNvSpPr txBox="1"/>
           <p:nvPr>
             <p:ph type="ctrTitle"/>
@@ -5627,6 +5632,164 @@
         <p:txBody>
           <a:bodyPr anchor="ctr"/>
           <a:lstStyle>
+            <a:lvl1pPr defTabSz="484886">
+              <a:defRPr sz="3320"/>
+            </a:lvl1pPr>
+          </a:lstStyle>
+          <a:p>
+            <a:pPr/>
+            <a:r>
+              <a:t>Database Schema would be the Crown Jewel of JEMM2</a:t>
+            </a:r>
+          </a:p>
+        </p:txBody>
+      </p:sp>
+    </p:spTree>
+  </p:cSld>
+  <p:clrMapOvr>
+    <a:masterClrMapping/>
+  </p:clrMapOvr>
+  <p:transition xmlns:p14="http://schemas.microsoft.com/office/powerpoint/2010/main" spd="med" advClick="1"/>
+</p:sld>
+</file>
+
+<file path=ppt/slides/slide13.xml><?xml version="1.0" encoding="utf-8"?>
+<p:sld xmlns:a="http://schemas.openxmlformats.org/drawingml/2006/main" xmlns:r="http://schemas.openxmlformats.org/officeDocument/2006/relationships" xmlns:p="http://schemas.openxmlformats.org/presentationml/2006/main" showMasterSp="1" showMasterPhAnim="1">
+  <p:cSld>
+    <p:spTree>
+      <p:nvGrpSpPr>
+        <p:cNvPr id="1" name=""/>
+        <p:cNvGrpSpPr/>
+        <p:nvPr/>
+      </p:nvGrpSpPr>
+      <p:grpSpPr>
+        <a:xfrm>
+          <a:off x="0" y="0"/>
+          <a:ext cx="0" cy="0"/>
+          <a:chOff x="0" y="0"/>
+          <a:chExt cx="0" cy="0"/>
+        </a:xfrm>
+      </p:grpSpPr>
+      <p:sp>
+        <p:nvSpPr>
+          <p:cNvPr id="260" name="Simplified architecture means less potential for problems…"/>
+          <p:cNvSpPr txBox="1"/>
+          <p:nvPr>
+            <p:ph type="body" idx="1"/>
+          </p:nvPr>
+        </p:nvSpPr>
+        <p:spPr>
+          <a:xfrm>
+            <a:off x="952500" y="1270000"/>
+            <a:ext cx="11099800" cy="7955914"/>
+          </a:xfrm>
+          <a:prstGeom prst="rect">
+            <a:avLst/>
+          </a:prstGeom>
+        </p:spPr>
+        <p:txBody>
+          <a:bodyPr/>
+          <a:lstStyle/>
+          <a:p>
+            <a:pPr marL="0" indent="0" defTabSz="496570">
+              <a:spcBef>
+                <a:spcPts val="3500"/>
+              </a:spcBef>
+              <a:buSzTx/>
+              <a:buNone/>
+              <a:defRPr sz="2720"/>
+            </a:pPr>
+            <a:r>
+              <a:t>Simplified architecture means less potential for problems</a:t>
+            </a:r>
+          </a:p>
+          <a:p>
+            <a:pPr marL="0" indent="0" defTabSz="496570">
+              <a:spcBef>
+                <a:spcPts val="3500"/>
+              </a:spcBef>
+              <a:buSzTx/>
+              <a:buNone/>
+              <a:defRPr sz="2720"/>
+            </a:pPr>
+            <a:r>
+              <a:t>DAM technology is no longer the exception to every other application at Jostens</a:t>
+            </a:r>
+          </a:p>
+          <a:p>
+            <a:pPr marL="0" indent="0" defTabSz="496570">
+              <a:spcBef>
+                <a:spcPts val="3500"/>
+              </a:spcBef>
+              <a:buSzTx/>
+              <a:buNone/>
+              <a:defRPr sz="2720"/>
+            </a:pPr>
+            <a:r>
+              <a:t>Custom code will use as much of the technology stack other web applications currently use</a:t>
+            </a:r>
+          </a:p>
+          <a:p>
+            <a:pPr marL="0" indent="0" defTabSz="496570">
+              <a:spcBef>
+                <a:spcPts val="3500"/>
+              </a:spcBef>
+              <a:buSzTx/>
+              <a:buNone/>
+              <a:defRPr sz="2720"/>
+            </a:pPr>
+            <a:r>
+              <a:t>DAM applications will follow Jostens best practices for deployment, security and monitoring</a:t>
+            </a:r>
+          </a:p>
+          <a:p>
+            <a:pPr marL="0" indent="0" defTabSz="496570">
+              <a:spcBef>
+                <a:spcPts val="3500"/>
+              </a:spcBef>
+              <a:buSzTx/>
+              <a:buNone/>
+              <a:defRPr sz="2720"/>
+            </a:pPr>
+            <a:r>
+              <a:t>Resources from other teams or outside Jostens can be brought in to help on projects because the technology is modern and commonplace</a:t>
+            </a:r>
+          </a:p>
+          <a:p>
+            <a:pPr marL="0" indent="0" defTabSz="496570">
+              <a:spcBef>
+                <a:spcPts val="3500"/>
+              </a:spcBef>
+              <a:buSzTx/>
+              <a:buNone/>
+              <a:defRPr sz="2720"/>
+            </a:pPr>
+            <a:r>
+              <a:t>DAM team is freed from majority of support responsibilities and worry about what might break next.  Instead their efforts could be towards a constantly evolving suite of applications and functionality that brings enhanced value of DAM assets to every part of Jostens</a:t>
+            </a:r>
+          </a:p>
+        </p:txBody>
+      </p:sp>
+      <p:sp>
+        <p:nvSpPr>
+          <p:cNvPr id="261" name="JEMM2 Technology Notes"/>
+          <p:cNvSpPr txBox="1"/>
+          <p:nvPr>
+            <p:ph type="title" idx="4294967295"/>
+          </p:nvPr>
+        </p:nvSpPr>
+        <p:spPr>
+          <a:xfrm>
+            <a:off x="952500" y="254000"/>
+            <a:ext cx="11099800" cy="657814"/>
+          </a:xfrm>
+          <a:prstGeom prst="rect">
+            <a:avLst/>
+          </a:prstGeom>
+        </p:spPr>
+        <p:txBody>
+          <a:bodyPr/>
+          <a:lstStyle>
             <a:lvl1pPr defTabSz="543305">
               <a:defRPr sz="3720"/>
             </a:lvl1pPr>
@@ -5634,7 +5797,700 @@
           <a:p>
             <a:pPr/>
             <a:r>
-              <a:t>Database Schema is Crown Jewel of JEMM2</a:t>
+              <a:t>JEMM2 Technology Notes</a:t>
+            </a:r>
+          </a:p>
+        </p:txBody>
+      </p:sp>
+    </p:spTree>
+  </p:cSld>
+  <p:clrMapOvr>
+    <a:masterClrMapping/>
+  </p:clrMapOvr>
+  <p:transition xmlns:p14="http://schemas.microsoft.com/office/powerpoint/2010/main" spd="med" advClick="1"/>
+</p:sld>
+</file>
+
+<file path=ppt/slides/slide14.xml><?xml version="1.0" encoding="utf-8"?>
+<p:sld xmlns:a="http://schemas.openxmlformats.org/drawingml/2006/main" xmlns:r="http://schemas.openxmlformats.org/officeDocument/2006/relationships" xmlns:p="http://schemas.openxmlformats.org/presentationml/2006/main" showMasterSp="1" showMasterPhAnim="1">
+  <p:cSld>
+    <p:spTree>
+      <p:nvGrpSpPr>
+        <p:cNvPr id="1" name=""/>
+        <p:cNvGrpSpPr/>
+        <p:nvPr/>
+      </p:nvGrpSpPr>
+      <p:grpSpPr>
+        <a:xfrm>
+          <a:off x="0" y="0"/>
+          <a:ext cx="0" cy="0"/>
+          <a:chOff x="0" y="0"/>
+          <a:chExt cx="0" cy="0"/>
+        </a:xfrm>
+      </p:grpSpPr>
+      <p:sp>
+        <p:nvSpPr>
+          <p:cNvPr id="263" name="This is a complete 180 to how DAM is implemented at Jostens and is a return to the past…"/>
+          <p:cNvSpPr txBox="1"/>
+          <p:nvPr>
+            <p:ph type="body" idx="1"/>
+          </p:nvPr>
+        </p:nvSpPr>
+        <p:spPr>
+          <a:prstGeom prst="rect">
+            <a:avLst/>
+          </a:prstGeom>
+        </p:spPr>
+        <p:txBody>
+          <a:bodyPr/>
+          <a:lstStyle/>
+          <a:p>
+            <a:pPr marL="0" indent="0">
+              <a:buSzTx/>
+              <a:buNone/>
+            </a:pPr>
+            <a:r>
+              <a:t>This is a complete 180 to how DAM is implemented at Jostens and is a return to the past</a:t>
+            </a:r>
+          </a:p>
+          <a:p>
+            <a:pPr marL="0" indent="0">
+              <a:buSzTx/>
+              <a:buNone/>
+            </a:pPr>
+            <a:r>
+              <a:t>But </a:t>
+            </a:r>
+            <a:r>
+              <a:rPr b="1"/>
+              <a:t>THIS IS NOT JOG 2</a:t>
+            </a:r>
+          </a:p>
+          <a:p>
+            <a:pPr marL="0" indent="0">
+              <a:buSzTx/>
+              <a:buNone/>
+            </a:pPr>
+            <a:r>
+              <a:t>JOGs bad reputation is not because it’s an internally developed system.  It’s because of the technology at the time of its development and some questionable architecture decisions</a:t>
+            </a:r>
+          </a:p>
+          <a:p>
+            <a:pPr marL="0" indent="0">
+              <a:buSzTx/>
+              <a:buNone/>
+            </a:pPr>
+            <a:r>
+              <a:t>This technology enables simplified web development in an agile manner</a:t>
+            </a:r>
+          </a:p>
+        </p:txBody>
+      </p:sp>
+      <p:sp>
+        <p:nvSpPr>
+          <p:cNvPr id="264" name="JEMM2 Technology Notes Continued"/>
+          <p:cNvSpPr txBox="1"/>
+          <p:nvPr>
+            <p:ph type="title" idx="4294967295"/>
+          </p:nvPr>
+        </p:nvSpPr>
+        <p:spPr>
+          <a:xfrm>
+            <a:off x="952500" y="254000"/>
+            <a:ext cx="11099800" cy="657814"/>
+          </a:xfrm>
+          <a:prstGeom prst="rect">
+            <a:avLst/>
+          </a:prstGeom>
+        </p:spPr>
+        <p:txBody>
+          <a:bodyPr/>
+          <a:lstStyle>
+            <a:lvl1pPr defTabSz="543305">
+              <a:defRPr sz="3720"/>
+            </a:lvl1pPr>
+          </a:lstStyle>
+          <a:p>
+            <a:pPr/>
+            <a:r>
+              <a:t>JEMM2 Technology Notes Continued</a:t>
+            </a:r>
+          </a:p>
+        </p:txBody>
+      </p:sp>
+    </p:spTree>
+  </p:cSld>
+  <p:clrMapOvr>
+    <a:masterClrMapping/>
+  </p:clrMapOvr>
+  <p:transition xmlns:p14="http://schemas.microsoft.com/office/powerpoint/2010/main" spd="med" advClick="1"/>
+</p:sld>
+</file>
+
+<file path=ppt/slides/slide15.xml><?xml version="1.0" encoding="utf-8"?>
+<p:sld xmlns:a="http://schemas.openxmlformats.org/drawingml/2006/main" xmlns:r="http://schemas.openxmlformats.org/officeDocument/2006/relationships" xmlns:p="http://schemas.openxmlformats.org/presentationml/2006/main" showMasterSp="1" showMasterPhAnim="1">
+  <p:cSld>
+    <p:spTree>
+      <p:nvGrpSpPr>
+        <p:cNvPr id="1" name=""/>
+        <p:cNvGrpSpPr/>
+        <p:nvPr/>
+      </p:nvGrpSpPr>
+      <p:grpSpPr>
+        <a:xfrm>
+          <a:off x="0" y="0"/>
+          <a:ext cx="0" cy="0"/>
+          <a:chOff x="0" y="0"/>
+          <a:chExt cx="0" cy="0"/>
+        </a:xfrm>
+      </p:grpSpPr>
+      <p:sp>
+        <p:nvSpPr>
+          <p:cNvPr id="266" name="Would never expect decision makers at Jostens to approve such a change based on a Powerpoint slide deck…"/>
+          <p:cNvSpPr txBox="1"/>
+          <p:nvPr>
+            <p:ph type="body" sz="half" idx="1"/>
+          </p:nvPr>
+        </p:nvSpPr>
+        <p:spPr>
+          <a:xfrm>
+            <a:off x="952499" y="1516341"/>
+            <a:ext cx="11099801" cy="2775277"/>
+          </a:xfrm>
+          <a:prstGeom prst="rect">
+            <a:avLst/>
+          </a:prstGeom>
+        </p:spPr>
+        <p:txBody>
+          <a:bodyPr/>
+          <a:lstStyle/>
+          <a:p>
+            <a:pPr marL="0" indent="0">
+              <a:buSzTx/>
+              <a:buNone/>
+            </a:pPr>
+            <a:r>
+              <a:t>Would never expect decision makers at Jostens to approve such a change based on a Powerpoint slide deck</a:t>
+            </a:r>
+          </a:p>
+          <a:p>
+            <a:pPr marL="0" indent="0">
+              <a:buSzTx/>
+              <a:buNone/>
+            </a:pPr>
+            <a:r>
+              <a:t>There needs to be a way to touch and feel what it might look like….</a:t>
+            </a:r>
+          </a:p>
+        </p:txBody>
+      </p:sp>
+      <p:sp>
+        <p:nvSpPr>
+          <p:cNvPr id="267" name="JEMM2 What’s Next?"/>
+          <p:cNvSpPr txBox="1"/>
+          <p:nvPr>
+            <p:ph type="title" idx="4294967295"/>
+          </p:nvPr>
+        </p:nvSpPr>
+        <p:spPr>
+          <a:xfrm>
+            <a:off x="952500" y="254000"/>
+            <a:ext cx="11099800" cy="657814"/>
+          </a:xfrm>
+          <a:prstGeom prst="rect">
+            <a:avLst/>
+          </a:prstGeom>
+        </p:spPr>
+        <p:txBody>
+          <a:bodyPr/>
+          <a:lstStyle>
+            <a:lvl1pPr defTabSz="543305">
+              <a:defRPr sz="3720"/>
+            </a:lvl1pPr>
+          </a:lstStyle>
+          <a:p>
+            <a:pPr/>
+            <a:r>
+              <a:t>JEMM2 What’s Next?</a:t>
+            </a:r>
+          </a:p>
+        </p:txBody>
+      </p:sp>
+      <p:sp>
+        <p:nvSpPr>
+          <p:cNvPr id="268" name="That is why I’ve spent about 60 hours of my own time over the past two months building a proof of concept.  How it functions represents ideas I’ve built up over the past few years"/>
+          <p:cNvSpPr txBox="1"/>
+          <p:nvPr/>
+        </p:nvSpPr>
+        <p:spPr>
+          <a:xfrm>
+            <a:off x="952499" y="4650766"/>
+            <a:ext cx="11099801" cy="2010790"/>
+          </a:xfrm>
+          <a:prstGeom prst="rect">
+            <a:avLst/>
+          </a:prstGeom>
+          <a:ln w="12700">
+            <a:miter lim="400000"/>
+          </a:ln>
+          <a:extLst>
+            <a:ext uri="{C572A759-6A51-4108-AA02-DFA0A04FC94B}">
+              <ma14:wrappingTextBoxFlag xmlns:ma14="http://schemas.microsoft.com/office/mac/drawingml/2011/main" val="1"/>
+            </a:ext>
+          </a:extLst>
+        </p:spPr>
+        <p:txBody>
+          <a:bodyPr lIns="50800" tIns="50800" rIns="50800" bIns="50800" anchor="ctr">
+            <a:normAutofit fontScale="100000" lnSpcReduction="0"/>
+          </a:bodyPr>
+          <a:lstStyle>
+            <a:lvl1pPr algn="l" defTabSz="560831">
+              <a:spcBef>
+                <a:spcPts val="4000"/>
+              </a:spcBef>
+              <a:defRPr b="0" sz="3072"/>
+            </a:lvl1pPr>
+          </a:lstStyle>
+          <a:p>
+            <a:pPr/>
+            <a:r>
+              <a:t>That is why I’ve spent about 60 hours of my own time over the past two months building a proof of concept.  How it functions represents ideas I’ve built up over the past few years</a:t>
+            </a:r>
+          </a:p>
+        </p:txBody>
+      </p:sp>
+      <p:sp>
+        <p:nvSpPr>
+          <p:cNvPr id="269" name="Allow me to demonstrate this for you now"/>
+          <p:cNvSpPr txBox="1"/>
+          <p:nvPr/>
+        </p:nvSpPr>
+        <p:spPr>
+          <a:xfrm>
+            <a:off x="1038443" y="6543216"/>
+            <a:ext cx="11099801" cy="2010791"/>
+          </a:xfrm>
+          <a:prstGeom prst="rect">
+            <a:avLst/>
+          </a:prstGeom>
+          <a:ln w="12700">
+            <a:miter lim="400000"/>
+          </a:ln>
+          <a:extLst>
+            <a:ext uri="{C572A759-6A51-4108-AA02-DFA0A04FC94B}">
+              <ma14:wrappingTextBoxFlag xmlns:ma14="http://schemas.microsoft.com/office/mac/drawingml/2011/main" val="1"/>
+            </a:ext>
+          </a:extLst>
+        </p:spPr>
+        <p:txBody>
+          <a:bodyPr lIns="50800" tIns="50800" rIns="50800" bIns="50800" anchor="ctr">
+            <a:normAutofit fontScale="100000" lnSpcReduction="0"/>
+          </a:bodyPr>
+          <a:lstStyle>
+            <a:lvl1pPr algn="l">
+              <a:spcBef>
+                <a:spcPts val="4200"/>
+              </a:spcBef>
+              <a:defRPr b="0" sz="3200"/>
+            </a:lvl1pPr>
+          </a:lstStyle>
+          <a:p>
+            <a:pPr/>
+            <a:r>
+              <a:t>Allow me to demonstrate this for you now</a:t>
+            </a:r>
+          </a:p>
+        </p:txBody>
+      </p:sp>
+    </p:spTree>
+  </p:cSld>
+  <p:clrMapOvr>
+    <a:masterClrMapping/>
+  </p:clrMapOvr>
+  <p:transition xmlns:p14="http://schemas.microsoft.com/office/powerpoint/2010/main" spd="med" advClick="1"/>
+  <p:timing>
+    <p:tnLst>
+      <p:par>
+        <p:cTn id="1" nodeType="tmRoot" restart="never" dur="indefinite" fill="hold">
+          <p:childTnLst>
+            <p:seq concurrent="1" prevAc="none" nextAc="seek">
+              <p:cTn id="2" nodeType="mainSeq" dur="indefinite" fill="hold">
+                <p:childTnLst>
+                  <p:par>
+                    <p:cTn id="3" fill="hold">
+                      <p:stCondLst>
+                        <p:cond delay="indefinite"/>
+                      </p:stCondLst>
+                      <p:childTnLst>
+                        <p:par>
+                          <p:cTn id="4" fill="hold">
+                            <p:stCondLst>
+                              <p:cond delay="0"/>
+                            </p:stCondLst>
+                            <p:childTnLst>
+                              <p:par>
+                                <p:cTn id="5" presetClass="entr" nodeType="clickEffect" presetSubtype="0" presetID="1" grpId="1" fill="hold">
+                                  <p:stCondLst>
+                                    <p:cond delay="0"/>
+                                  </p:stCondLst>
+                                  <p:iterate type="el" backwards="0">
+                                    <p:tmAbs val="0"/>
+                                  </p:iterate>
+                                  <p:childTnLst>
+                                    <p:set>
+                                      <p:cBhvr>
+                                        <p:cTn id="6" fill="hold"/>
+                                        <p:tgtEl>
+                                          <p:spTgt spid="266"/>
+                                        </p:tgtEl>
+                                        <p:attrNameLst>
+                                          <p:attrName>style.visibility</p:attrName>
+                                        </p:attrNameLst>
+                                      </p:cBhvr>
+                                      <p:to>
+                                        <p:strVal val="visible"/>
+                                      </p:to>
+                                    </p:set>
+                                  </p:childTnLst>
+                                </p:cTn>
+                              </p:par>
+                            </p:childTnLst>
+                          </p:cTn>
+                        </p:par>
+                      </p:childTnLst>
+                    </p:cTn>
+                  </p:par>
+                  <p:par>
+                    <p:cTn id="7" fill="hold">
+                      <p:stCondLst>
+                        <p:cond delay="indefinite"/>
+                      </p:stCondLst>
+                      <p:childTnLst>
+                        <p:par>
+                          <p:cTn id="8" fill="hold">
+                            <p:stCondLst>
+                              <p:cond delay="0"/>
+                            </p:stCondLst>
+                            <p:childTnLst>
+                              <p:par>
+                                <p:cTn id="9" presetClass="entr" nodeType="clickEffect" presetSubtype="0" presetID="1" grpId="2" fill="hold">
+                                  <p:stCondLst>
+                                    <p:cond delay="0"/>
+                                  </p:stCondLst>
+                                  <p:iterate type="el" backwards="0">
+                                    <p:tmAbs val="0"/>
+                                  </p:iterate>
+                                  <p:childTnLst>
+                                    <p:set>
+                                      <p:cBhvr>
+                                        <p:cTn id="10" fill="hold"/>
+                                        <p:tgtEl>
+                                          <p:spTgt spid="268"/>
+                                        </p:tgtEl>
+                                        <p:attrNameLst>
+                                          <p:attrName>style.visibility</p:attrName>
+                                        </p:attrNameLst>
+                                      </p:cBhvr>
+                                      <p:to>
+                                        <p:strVal val="visible"/>
+                                      </p:to>
+                                    </p:set>
+                                  </p:childTnLst>
+                                </p:cTn>
+                              </p:par>
+                            </p:childTnLst>
+                          </p:cTn>
+                        </p:par>
+                      </p:childTnLst>
+                    </p:cTn>
+                  </p:par>
+                  <p:par>
+                    <p:cTn id="11" fill="hold">
+                      <p:stCondLst>
+                        <p:cond delay="indefinite"/>
+                      </p:stCondLst>
+                      <p:childTnLst>
+                        <p:par>
+                          <p:cTn id="12" fill="hold">
+                            <p:stCondLst>
+                              <p:cond delay="0"/>
+                            </p:stCondLst>
+                            <p:childTnLst>
+                              <p:par>
+                                <p:cTn id="13" presetClass="entr" nodeType="clickEffect" presetID="9" grpId="3" fill="hold">
+                                  <p:stCondLst>
+                                    <p:cond delay="0"/>
+                                  </p:stCondLst>
+                                  <p:iterate type="el" backwards="0">
+                                    <p:tmAbs val="0"/>
+                                  </p:iterate>
+                                  <p:childTnLst>
+                                    <p:set>
+                                      <p:cBhvr>
+                                        <p:cTn id="14" fill="hold"/>
+                                        <p:tgtEl>
+                                          <p:spTgt spid="269"/>
+                                        </p:tgtEl>
+                                        <p:attrNameLst>
+                                          <p:attrName>style.visibility</p:attrName>
+                                        </p:attrNameLst>
+                                      </p:cBhvr>
+                                      <p:to>
+                                        <p:strVal val="visible"/>
+                                      </p:to>
+                                    </p:set>
+                                    <p:animEffect filter="dissolve" transition="in">
+                                      <p:cBhvr>
+                                        <p:cTn id="15" dur="500"/>
+                                        <p:tgtEl>
+                                          <p:spTgt spid="269"/>
+                                        </p:tgtEl>
+                                      </p:cBhvr>
+                                    </p:animEffect>
+                                  </p:childTnLst>
+                                </p:cTn>
+                              </p:par>
+                            </p:childTnLst>
+                          </p:cTn>
+                        </p:par>
+                      </p:childTnLst>
+                    </p:cTn>
+                  </p:par>
+                </p:childTnLst>
+              </p:cTn>
+              <p:prevCondLst>
+                <p:cond evt="onPrev">
+                  <p:tgtEl>
+                    <p:sldTgt/>
+                  </p:tgtEl>
+                </p:cond>
+              </p:prevCondLst>
+              <p:nextCondLst>
+                <p:cond evt="onNext">
+                  <p:tgtEl>
+                    <p:sldTgt/>
+                  </p:tgtEl>
+                </p:cond>
+              </p:nextCondLst>
+            </p:seq>
+          </p:childTnLst>
+        </p:cTn>
+      </p:par>
+    </p:tnLst>
+    <p:bldLst>
+      <p:bldP build="whole" bldLvl="1" animBg="1" rev="0" advAuto="0" spid="268" grpId="2"/>
+      <p:bldP build="whole" bldLvl="1" animBg="1" rev="0" advAuto="0" spid="269" grpId="3"/>
+      <p:bldP build="whole" bldLvl="1" animBg="1" rev="0" advAuto="0" spid="266" grpId="1"/>
+    </p:bldLst>
+  </p:timing>
+</p:sld>
+</file>
+
+<file path=ppt/slides/slide16.xml><?xml version="1.0" encoding="utf-8"?>
+<p:sld xmlns:a="http://schemas.openxmlformats.org/drawingml/2006/main" xmlns:r="http://schemas.openxmlformats.org/officeDocument/2006/relationships" xmlns:p="http://schemas.openxmlformats.org/presentationml/2006/main" showMasterSp="1" showMasterPhAnim="1">
+  <p:cSld>
+    <p:spTree>
+      <p:nvGrpSpPr>
+        <p:cNvPr id="1" name=""/>
+        <p:cNvGrpSpPr/>
+        <p:nvPr/>
+      </p:nvGrpSpPr>
+      <p:grpSpPr>
+        <a:xfrm>
+          <a:off x="0" y="0"/>
+          <a:ext cx="0" cy="0"/>
+          <a:chOff x="0" y="0"/>
+          <a:chExt cx="0" cy="0"/>
+        </a:xfrm>
+      </p:grpSpPr>
+      <p:sp>
+        <p:nvSpPr>
+          <p:cNvPr id="271" name="Data is a subset of what currently is found in the 8.2 MediaBin integration environment…"/>
+          <p:cNvSpPr txBox="1"/>
+          <p:nvPr>
+            <p:ph type="body" idx="1"/>
+          </p:nvPr>
+        </p:nvSpPr>
+        <p:spPr>
+          <a:xfrm>
+            <a:off x="952500" y="1270000"/>
+            <a:ext cx="11511613" cy="8191791"/>
+          </a:xfrm>
+          <a:prstGeom prst="rect">
+            <a:avLst/>
+          </a:prstGeom>
+        </p:spPr>
+        <p:txBody>
+          <a:bodyPr/>
+          <a:lstStyle/>
+          <a:p>
+            <a:pPr marL="0" indent="0" defTabSz="543305">
+              <a:spcBef>
+                <a:spcPts val="3900"/>
+              </a:spcBef>
+              <a:buSzTx/>
+              <a:buNone/>
+              <a:defRPr sz="2976"/>
+            </a:pPr>
+            <a:r>
+              <a:t>Data is a subset of what currently is found in the 8.2 MediaBin integration environment</a:t>
+            </a:r>
+          </a:p>
+          <a:p>
+            <a:pPr marL="0" indent="0" defTabSz="543305">
+              <a:spcBef>
+                <a:spcPts val="3900"/>
+              </a:spcBef>
+              <a:buSzTx/>
+              <a:buNone/>
+              <a:defRPr sz="2976"/>
+            </a:pPr>
+            <a:r>
+              <a:t>Only images supported are Black, Gold, Silver, Best Available images</a:t>
+            </a:r>
+          </a:p>
+          <a:p>
+            <a:pPr marL="0" indent="0" defTabSz="543305">
+              <a:spcBef>
+                <a:spcPts val="3900"/>
+              </a:spcBef>
+              <a:buSzTx/>
+              <a:buNone/>
+              <a:defRPr sz="2976"/>
+            </a:pPr>
+            <a:r>
+              <a:t>Other image formats were to difficult to implement on a proof of concept web application</a:t>
+            </a:r>
+          </a:p>
+          <a:p>
+            <a:pPr marL="0" indent="0" defTabSz="543305">
+              <a:spcBef>
+                <a:spcPts val="3900"/>
+              </a:spcBef>
+              <a:buSzTx/>
+              <a:buNone/>
+              <a:defRPr sz="2976"/>
+            </a:pPr>
+            <a:r>
+              <a:t>Images are taken from Customer Profile which currently DOES NOT include etching assets.  So etching images will appear not found</a:t>
+            </a:r>
+          </a:p>
+          <a:p>
+            <a:pPr marL="0" indent="0" defTabSz="543305">
+              <a:spcBef>
+                <a:spcPts val="3900"/>
+              </a:spcBef>
+              <a:buSzTx/>
+              <a:buNone/>
+              <a:defRPr sz="2976"/>
+            </a:pPr>
+            <a:r>
+              <a:t>The objective is to show potential concepts and not how it will look or behave</a:t>
+            </a:r>
+          </a:p>
+          <a:p>
+            <a:pPr marL="0" indent="0" defTabSz="543305">
+              <a:spcBef>
+                <a:spcPts val="3900"/>
+              </a:spcBef>
+              <a:buSzTx/>
+              <a:buNone/>
+              <a:defRPr sz="2976"/>
+            </a:pPr>
+            <a:r>
+              <a:t>Things like security, session management and performance requirements were not implemented</a:t>
+            </a:r>
+          </a:p>
+        </p:txBody>
+      </p:sp>
+      <p:sp>
+        <p:nvSpPr>
+          <p:cNvPr id="272" name="JEMM2 Demonstration"/>
+          <p:cNvSpPr txBox="1"/>
+          <p:nvPr>
+            <p:ph type="title" idx="4294967295"/>
+          </p:nvPr>
+        </p:nvSpPr>
+        <p:spPr>
+          <a:xfrm>
+            <a:off x="952500" y="254000"/>
+            <a:ext cx="11099800" cy="657814"/>
+          </a:xfrm>
+          <a:prstGeom prst="rect">
+            <a:avLst/>
+          </a:prstGeom>
+        </p:spPr>
+        <p:txBody>
+          <a:bodyPr/>
+          <a:lstStyle>
+            <a:lvl1pPr defTabSz="543305">
+              <a:defRPr sz="3720"/>
+            </a:lvl1pPr>
+          </a:lstStyle>
+          <a:p>
+            <a:pPr/>
+            <a:r>
+              <a:t>JEMM2 Demonstration</a:t>
+            </a:r>
+          </a:p>
+        </p:txBody>
+      </p:sp>
+    </p:spTree>
+  </p:cSld>
+  <p:clrMapOvr>
+    <a:masterClrMapping/>
+  </p:clrMapOvr>
+  <p:transition xmlns:p14="http://schemas.microsoft.com/office/powerpoint/2010/main" spd="med" advClick="1"/>
+</p:sld>
+</file>
+
+<file path=ppt/slides/slide17.xml><?xml version="1.0" encoding="utf-8"?>
+<p:sld xmlns:a="http://schemas.openxmlformats.org/drawingml/2006/main" xmlns:r="http://schemas.openxmlformats.org/officeDocument/2006/relationships" xmlns:p="http://schemas.openxmlformats.org/presentationml/2006/main" showMasterSp="1" showMasterPhAnim="1">
+  <p:cSld>
+    <p:spTree>
+      <p:nvGrpSpPr>
+        <p:cNvPr id="1" name=""/>
+        <p:cNvGrpSpPr/>
+        <p:nvPr/>
+      </p:nvGrpSpPr>
+      <p:grpSpPr>
+        <a:xfrm>
+          <a:off x="0" y="0"/>
+          <a:ext cx="0" cy="0"/>
+          <a:chOff x="0" y="0"/>
+          <a:chExt cx="0" cy="0"/>
+        </a:xfrm>
+      </p:grpSpPr>
+      <p:sp>
+        <p:nvSpPr>
+          <p:cNvPr id="274" name="Demonstration"/>
+          <p:cNvSpPr txBox="1"/>
+          <p:nvPr>
+            <p:ph type="body" sz="quarter" idx="4294967295"/>
+          </p:nvPr>
+        </p:nvSpPr>
+        <p:spPr>
+          <a:xfrm>
+            <a:off x="3921854" y="3737709"/>
+            <a:ext cx="5161092" cy="2278182"/>
+          </a:xfrm>
+          <a:prstGeom prst="rect">
+            <a:avLst/>
+          </a:prstGeom>
+        </p:spPr>
+        <p:txBody>
+          <a:bodyPr/>
+          <a:lstStyle>
+            <a:lvl1pPr marL="0" indent="0">
+              <a:buSzTx/>
+              <a:buNone/>
+              <a:defRPr sz="6000"/>
+            </a:lvl1pPr>
+          </a:lstStyle>
+          <a:p>
+            <a:pPr/>
+            <a:r>
+              <a:t>Demonstration</a:t>
             </a:r>
           </a:p>
         </p:txBody>
@@ -8271,25 +9127,25 @@
       </p:par>
     </p:tnLst>
     <p:bldLst>
+      <p:bldP build="whole" bldLvl="1" animBg="1" rev="0" advAuto="0" spid="132" grpId="2"/>
+      <p:bldP build="whole" bldLvl="1" animBg="1" rev="0" advAuto="0" spid="140" grpId="8"/>
+      <p:bldP build="whole" bldLvl="1" animBg="1" rev="0" advAuto="0" spid="135" grpId="5"/>
+      <p:bldP build="whole" bldLvl="1" animBg="1" rev="0" advAuto="0" spid="131" grpId="3"/>
+      <p:bldP build="whole" bldLvl="1" animBg="1" rev="0" advAuto="0" spid="156" grpId="6"/>
+      <p:bldP build="whole" bldLvl="1" animBg="1" rev="0" advAuto="0" spid="136" grpId="4"/>
+      <p:bldP build="whole" bldLvl="1" animBg="1" rev="0" advAuto="0" spid="148" grpId="14"/>
+      <p:bldP build="whole" bldLvl="1" animBg="1" rev="0" advAuto="0" spid="143" grpId="11"/>
+      <p:bldP build="whole" bldLvl="1" animBg="1" rev="0" advAuto="0" spid="158" grpId="17"/>
+      <p:bldP build="whole" bldLvl="1" animBg="1" rev="0" advAuto="0" spid="155" grpId="7"/>
       <p:bldP build="whole" bldLvl="1" animBg="1" rev="0" advAuto="0" spid="139" grpId="9"/>
+      <p:bldP build="whole" bldLvl="1" animBg="1" rev="0" advAuto="0" spid="144" grpId="12"/>
+      <p:bldP build="whole" bldLvl="1" animBg="1" rev="0" advAuto="0" spid="149" grpId="15"/>
+      <p:bldP build="whole" bldLvl="1" animBg="1" rev="0" advAuto="0" spid="163" grpId="13"/>
+      <p:bldP build="whole" bldLvl="1" animBg="1" rev="0" advAuto="0" spid="128" grpId="1"/>
+      <p:bldP build="whole" bldLvl="1" animBg="1" rev="0" advAuto="0" spid="164" grpId="19"/>
+      <p:bldP build="whole" bldLvl="1" animBg="1" rev="0" advAuto="0" spid="161" grpId="18"/>
+      <p:bldP build="whole" bldLvl="1" animBg="1" rev="0" advAuto="0" spid="152" grpId="16"/>
       <p:bldP build="whole" bldLvl="1" animBg="1" rev="0" advAuto="0" spid="157" grpId="10"/>
-      <p:bldP build="whole" bldLvl="1" animBg="1" rev="0" advAuto="0" spid="144" grpId="12"/>
-      <p:bldP build="whole" bldLvl="1" animBg="1" rev="0" advAuto="0" spid="152" grpId="16"/>
-      <p:bldP build="whole" bldLvl="1" animBg="1" rev="0" advAuto="0" spid="132" grpId="2"/>
-      <p:bldP build="whole" bldLvl="1" animBg="1" rev="0" advAuto="0" spid="156" grpId="6"/>
-      <p:bldP build="whole" bldLvl="1" animBg="1" rev="0" advAuto="0" spid="155" grpId="7"/>
-      <p:bldP build="whole" bldLvl="1" animBg="1" rev="0" advAuto="0" spid="143" grpId="11"/>
-      <p:bldP build="whole" bldLvl="1" animBg="1" rev="0" advAuto="0" spid="163" grpId="13"/>
-      <p:bldP build="whole" bldLvl="1" animBg="1" rev="0" advAuto="0" spid="135" grpId="5"/>
-      <p:bldP build="whole" bldLvl="1" animBg="1" rev="0" advAuto="0" spid="148" grpId="14"/>
-      <p:bldP build="whole" bldLvl="1" animBg="1" rev="0" advAuto="0" spid="136" grpId="4"/>
-      <p:bldP build="whole" bldLvl="1" animBg="1" rev="0" advAuto="0" spid="149" grpId="15"/>
-      <p:bldP build="whole" bldLvl="1" animBg="1" rev="0" advAuto="0" spid="158" grpId="17"/>
-      <p:bldP build="whole" bldLvl="1" animBg="1" rev="0" advAuto="0" spid="140" grpId="8"/>
-      <p:bldP build="whole" bldLvl="1" animBg="1" rev="0" advAuto="0" spid="131" grpId="3"/>
-      <p:bldP build="whole" bldLvl="1" animBg="1" rev="0" advAuto="0" spid="161" grpId="18"/>
-      <p:bldP build="whole" bldLvl="1" animBg="1" rev="0" advAuto="0" spid="164" grpId="19"/>
-      <p:bldP build="whole" bldLvl="1" animBg="1" rev="0" advAuto="0" spid="128" grpId="1"/>
     </p:bldLst>
   </p:timing>
 </p:sld>
@@ -10567,12 +11423,12 @@
       </p:par>
     </p:tnLst>
     <p:bldLst>
-      <p:bldP build="whole" bldLvl="1" animBg="1" rev="0" advAuto="0" spid="201" grpId="6"/>
-      <p:bldP build="whole" bldLvl="1" animBg="1" rev="0" advAuto="0" spid="189" grpId="4"/>
       <p:bldP build="whole" bldLvl="1" animBg="1" rev="0" advAuto="0" spid="194" grpId="1"/>
       <p:bldP build="whole" bldLvl="1" animBg="1" rev="0" advAuto="0" spid="197" grpId="3"/>
+      <p:bldP build="whole" bldLvl="1" animBg="1" rev="0" advAuto="0" spid="200" grpId="5"/>
+      <p:bldP build="whole" bldLvl="1" animBg="1" rev="0" advAuto="0" spid="189" grpId="4"/>
+      <p:bldP build="whole" bldLvl="1" animBg="1" rev="0" advAuto="0" spid="201" grpId="6"/>
       <p:bldP build="whole" bldLvl="1" animBg="1" rev="0" advAuto="0" spid="186" grpId="2"/>
-      <p:bldP build="whole" bldLvl="1" animBg="1" rev="0" advAuto="0" spid="200" grpId="5"/>
     </p:bldLst>
   </p:timing>
 </p:sld>

--- a/Files/Metadata_Groupings/Tables.pptx
+++ b/Files/Metadata_Groupings/Tables.pptx
@@ -2,29 +2,30 @@
 <file path=ppt/presentation.xml><?xml version="1.0" encoding="utf-8"?>
 <p:presentation xmlns:a="http://schemas.openxmlformats.org/drawingml/2006/main" xmlns:r="http://schemas.openxmlformats.org/officeDocument/2006/relationships" xmlns:p="http://schemas.openxmlformats.org/presentationml/2006/main">
   <p:sldMasterIdLst>
-    <p:sldMasterId id="2147483648" r:id="rId5"/>
+    <p:sldMasterId id="2147483648" r:id="rId1"/>
   </p:sldMasterIdLst>
   <p:notesMasterIdLst>
-    <p:notesMasterId r:id="rId7"/>
+    <p:notesMasterId r:id="rId20"/>
   </p:notesMasterIdLst>
   <p:sldIdLst>
-    <p:sldId id="256" r:id="rId8"/>
-    <p:sldId id="257" r:id="rId9"/>
-    <p:sldId id="258" r:id="rId10"/>
-    <p:sldId id="259" r:id="rId11"/>
-    <p:sldId id="260" r:id="rId12"/>
-    <p:sldId id="261" r:id="rId13"/>
-    <p:sldId id="262" r:id="rId14"/>
-    <p:sldId id="263" r:id="rId15"/>
-    <p:sldId id="264" r:id="rId16"/>
-    <p:sldId id="265" r:id="rId17"/>
-    <p:sldId id="266" r:id="rId18"/>
-    <p:sldId id="267" r:id="rId19"/>
-    <p:sldId id="268" r:id="rId20"/>
-    <p:sldId id="269" r:id="rId21"/>
-    <p:sldId id="270" r:id="rId22"/>
-    <p:sldId id="271" r:id="rId23"/>
-    <p:sldId id="272" r:id="rId24"/>
+    <p:sldId id="256" r:id="rId2"/>
+    <p:sldId id="257" r:id="rId3"/>
+    <p:sldId id="258" r:id="rId4"/>
+    <p:sldId id="259" r:id="rId5"/>
+    <p:sldId id="260" r:id="rId6"/>
+    <p:sldId id="261" r:id="rId7"/>
+    <p:sldId id="262" r:id="rId8"/>
+    <p:sldId id="263" r:id="rId9"/>
+    <p:sldId id="264" r:id="rId10"/>
+    <p:sldId id="265" r:id="rId11"/>
+    <p:sldId id="266" r:id="rId12"/>
+    <p:sldId id="267" r:id="rId13"/>
+    <p:sldId id="268" r:id="rId14"/>
+    <p:sldId id="269" r:id="rId15"/>
+    <p:sldId id="270" r:id="rId16"/>
+    <p:sldId id="271" r:id="rId17"/>
+    <p:sldId id="272" r:id="rId18"/>
+    <p:sldId id="273" r:id="rId19"/>
   </p:sldIdLst>
   <p:sldSz cx="13004800" cy="9753600"/>
   <p:notesSz cx="6858000" cy="9144000"/>
@@ -44,7 +45,7 @@
       <a:buFontTx/>
       <a:buNone/>
       <a:tabLst/>
-      <a:defRPr b="0" baseline="0" cap="none" i="0" spc="0" strike="noStrike" sz="1800" u="none" kumimoji="0" normalizeH="0">
+      <a:defRPr kumimoji="0" sz="1800" b="0" i="0" u="none" strike="noStrike" cap="none" spc="0" normalizeH="0" baseline="0">
         <a:ln>
           <a:noFill/>
         </a:ln>
@@ -70,7 +71,7 @@
       <a:buFontTx/>
       <a:buNone/>
       <a:tabLst/>
-      <a:defRPr b="1" baseline="0" cap="none" i="0" spc="0" strike="noStrike" sz="2400" u="none" kumimoji="0" normalizeH="0">
+      <a:defRPr kumimoji="0" sz="2400" b="1" i="0" u="none" strike="noStrike" cap="none" spc="0" normalizeH="0" baseline="0">
         <a:ln>
           <a:noFill/>
         </a:ln>
@@ -100,7 +101,7 @@
       <a:buFontTx/>
       <a:buNone/>
       <a:tabLst/>
-      <a:defRPr b="1" baseline="0" cap="none" i="0" spc="0" strike="noStrike" sz="2400" u="none" kumimoji="0" normalizeH="0">
+      <a:defRPr kumimoji="0" sz="2400" b="1" i="0" u="none" strike="noStrike" cap="none" spc="0" normalizeH="0" baseline="0">
         <a:ln>
           <a:noFill/>
         </a:ln>
@@ -130,7 +131,7 @@
       <a:buFontTx/>
       <a:buNone/>
       <a:tabLst/>
-      <a:defRPr b="1" baseline="0" cap="none" i="0" spc="0" strike="noStrike" sz="2400" u="none" kumimoji="0" normalizeH="0">
+      <a:defRPr kumimoji="0" sz="2400" b="1" i="0" u="none" strike="noStrike" cap="none" spc="0" normalizeH="0" baseline="0">
         <a:ln>
           <a:noFill/>
         </a:ln>
@@ -160,7 +161,7 @@
       <a:buFontTx/>
       <a:buNone/>
       <a:tabLst/>
-      <a:defRPr b="1" baseline="0" cap="none" i="0" spc="0" strike="noStrike" sz="2400" u="none" kumimoji="0" normalizeH="0">
+      <a:defRPr kumimoji="0" sz="2400" b="1" i="0" u="none" strike="noStrike" cap="none" spc="0" normalizeH="0" baseline="0">
         <a:ln>
           <a:noFill/>
         </a:ln>
@@ -190,7 +191,7 @@
       <a:buFontTx/>
       <a:buNone/>
       <a:tabLst/>
-      <a:defRPr b="1" baseline="0" cap="none" i="0" spc="0" strike="noStrike" sz="2400" u="none" kumimoji="0" normalizeH="0">
+      <a:defRPr kumimoji="0" sz="2400" b="1" i="0" u="none" strike="noStrike" cap="none" spc="0" normalizeH="0" baseline="0">
         <a:ln>
           <a:noFill/>
         </a:ln>
@@ -220,7 +221,7 @@
       <a:buFontTx/>
       <a:buNone/>
       <a:tabLst/>
-      <a:defRPr b="1" baseline="0" cap="none" i="0" spc="0" strike="noStrike" sz="2400" u="none" kumimoji="0" normalizeH="0">
+      <a:defRPr kumimoji="0" sz="2400" b="1" i="0" u="none" strike="noStrike" cap="none" spc="0" normalizeH="0" baseline="0">
         <a:ln>
           <a:noFill/>
         </a:ln>
@@ -250,7 +251,7 @@
       <a:buFontTx/>
       <a:buNone/>
       <a:tabLst/>
-      <a:defRPr b="1" baseline="0" cap="none" i="0" spc="0" strike="noStrike" sz="2400" u="none" kumimoji="0" normalizeH="0">
+      <a:defRPr kumimoji="0" sz="2400" b="1" i="0" u="none" strike="noStrike" cap="none" spc="0" normalizeH="0" baseline="0">
         <a:ln>
           <a:noFill/>
         </a:ln>
@@ -280,7 +281,7 @@
       <a:buFontTx/>
       <a:buNone/>
       <a:tabLst/>
-      <a:defRPr b="1" baseline="0" cap="none" i="0" spc="0" strike="noStrike" sz="2400" u="none" kumimoji="0" normalizeH="0">
+      <a:defRPr kumimoji="0" sz="2400" b="1" i="0" u="none" strike="noStrike" cap="none" spc="0" normalizeH="0" baseline="0">
         <a:ln>
           <a:noFill/>
         </a:ln>
@@ -310,7 +311,7 @@
       <a:buFontTx/>
       <a:buNone/>
       <a:tabLst/>
-      <a:defRPr b="1" baseline="0" cap="none" i="0" spc="0" strike="noStrike" sz="2400" u="none" kumimoji="0" normalizeH="0">
+      <a:defRPr kumimoji="0" sz="2400" b="1" i="0" u="none" strike="noStrike" cap="none" spc="0" normalizeH="0" baseline="0">
         <a:ln>
           <a:noFill/>
         </a:ln>
@@ -329,13 +330,14 @@
 </p:presentation>
 </file>
 
-<file path=ppt/commentAuthors.xml><?xml version="1.0" encoding="utf-8"?>
-<p:cmAuthorLst xmlns:a="http://schemas.openxmlformats.org/drawingml/2006/main" xmlns:r="http://schemas.openxmlformats.org/officeDocument/2006/relationships" xmlns:p="http://schemas.openxmlformats.org/presentationml/2006/main"/>
-</file>
-
 <file path=ppt/notesMasters/notesMaster1.xml><?xml version="1.0" encoding="utf-8"?>
 <p:notesMaster xmlns:a="http://schemas.openxmlformats.org/drawingml/2006/main" xmlns:r="http://schemas.openxmlformats.org/officeDocument/2006/relationships" xmlns:p="http://schemas.openxmlformats.org/presentationml/2006/main">
   <p:cSld>
+    <p:bg>
+      <p:bgRef idx="1001">
+        <a:schemeClr val="bg1"/>
+      </p:bgRef>
+    </p:bg>
     <p:spTree>
       <p:nvGrpSpPr>
         <p:cNvPr id="1" name=""/>
@@ -353,7 +355,9 @@
       <p:sp>
         <p:nvSpPr>
           <p:cNvPr id="116" name="Shape 116"/>
-          <p:cNvSpPr/>
+          <p:cNvSpPr>
+            <a:spLocks noGrp="1" noRot="1" noChangeAspect="1"/>
+          </p:cNvSpPr>
           <p:nvPr>
             <p:ph type="sldImg"/>
           </p:nvPr>
@@ -371,14 +375,16 @@
           <a:bodyPr/>
           <a:lstStyle/>
           <a:p>
-            <a:pPr/>
+            <a:endParaRPr/>
           </a:p>
         </p:txBody>
       </p:sp>
       <p:sp>
         <p:nvSpPr>
           <p:cNvPr id="117" name="Shape 117"/>
-          <p:cNvSpPr/>
+          <p:cNvSpPr>
+            <a:spLocks noGrp="1"/>
+          </p:cNvSpPr>
           <p:nvPr>
             <p:ph type="body" sz="quarter" idx="1"/>
           </p:nvPr>
@@ -396,7 +402,7 @@
           <a:bodyPr/>
           <a:lstStyle/>
           <a:p>
-            <a:pPr/>
+            <a:endParaRPr/>
           </a:p>
         </p:txBody>
       </p:sp>
@@ -508,7 +514,7 @@
 </file>
 
 <file path=ppt/slideLayouts/slideLayout1.xml><?xml version="1.0" encoding="utf-8"?>
-<p:sldLayout xmlns:a="http://schemas.openxmlformats.org/drawingml/2006/main" xmlns:r="http://schemas.openxmlformats.org/officeDocument/2006/relationships" xmlns:p="http://schemas.openxmlformats.org/presentationml/2006/main" type="title" showMasterSp="1" showMasterPhAnim="1">
+<p:sldLayout xmlns:a="http://schemas.openxmlformats.org/drawingml/2006/main" xmlns:r="http://schemas.openxmlformats.org/officeDocument/2006/relationships" xmlns:p="http://schemas.openxmlformats.org/presentationml/2006/main" type="title">
   <p:cSld name="Title &amp; Subtitle">
     <p:spTree>
       <p:nvGrpSpPr>
@@ -527,7 +533,9 @@
       <p:sp>
         <p:nvSpPr>
           <p:cNvPr id="11" name="Title Text"/>
-          <p:cNvSpPr txBox="1"/>
+          <p:cNvSpPr txBox="1">
+            <a:spLocks noGrp="1"/>
+          </p:cNvSpPr>
           <p:nvPr>
             <p:ph type="title"/>
           </p:nvPr>
@@ -545,7 +553,6 @@
           <a:bodyPr anchor="b"/>
           <a:lstStyle/>
           <a:p>
-            <a:pPr/>
             <a:r>
               <a:t>Title Text</a:t>
             </a:r>
@@ -555,7 +562,9 @@
       <p:sp>
         <p:nvSpPr>
           <p:cNvPr id="12" name="Body Level One…"/>
-          <p:cNvSpPr txBox="1"/>
+          <p:cNvSpPr txBox="1">
+            <a:spLocks noGrp="1"/>
+          </p:cNvSpPr>
           <p:nvPr>
             <p:ph type="body" sz="quarter" idx="1"/>
           </p:nvPr>
@@ -614,7 +623,6 @@
             </a:lvl5pPr>
           </a:lstStyle>
           <a:p>
-            <a:pPr/>
             <a:r>
               <a:t>Body Level One</a:t>
             </a:r>
@@ -648,7 +656,9 @@
       <p:sp>
         <p:nvSpPr>
           <p:cNvPr id="13" name="Slide Number"/>
-          <p:cNvSpPr txBox="1"/>
+          <p:cNvSpPr txBox="1">
+            <a:spLocks noGrp="1"/>
+          </p:cNvSpPr>
           <p:nvPr>
             <p:ph type="sldNum" sz="quarter" idx="2"/>
           </p:nvPr>
@@ -671,8 +681,10 @@
             </a:lvl1pPr>
           </a:lstStyle>
           <a:p>
-            <a:pPr/>
-            <a:fld id="{86CB4B4D-7CA3-9044-876B-883B54F8677D}" type="slidenum"/>
+            <a:fld id="{86CB4B4D-7CA3-9044-876B-883B54F8677D}" type="slidenum">
+              <a:t>‹#›</a:t>
+            </a:fld>
+            <a:endParaRPr/>
           </a:p>
         </p:txBody>
       </p:sp>
@@ -681,12 +693,12 @@
   <p:clrMapOvr>
     <a:masterClrMapping/>
   </p:clrMapOvr>
-  <p:transition xmlns:p14="http://schemas.microsoft.com/office/powerpoint/2010/main" spd="med" advClick="1"/>
+  <p:transition spd="med"/>
 </p:sldLayout>
 </file>
 
 <file path=ppt/slideLayouts/slideLayout10.xml><?xml version="1.0" encoding="utf-8"?>
-<p:sldLayout xmlns:a="http://schemas.openxmlformats.org/drawingml/2006/main" xmlns:r="http://schemas.openxmlformats.org/officeDocument/2006/relationships" xmlns:p="http://schemas.openxmlformats.org/presentationml/2006/main" type="tx" showMasterSp="1" showMasterPhAnim="1">
+<p:sldLayout xmlns:a="http://schemas.openxmlformats.org/drawingml/2006/main" xmlns:r="http://schemas.openxmlformats.org/officeDocument/2006/relationships" xmlns:p="http://schemas.openxmlformats.org/presentationml/2006/main" type="tx">
   <p:cSld name="Quote">
     <p:spTree>
       <p:nvGrpSpPr>
@@ -705,7 +717,9 @@
       <p:sp>
         <p:nvSpPr>
           <p:cNvPr id="93" name="–Johnny Appleseed"/>
-          <p:cNvSpPr txBox="1"/>
+          <p:cNvSpPr txBox="1">
+            <a:spLocks noGrp="1"/>
+          </p:cNvSpPr>
           <p:nvPr>
             <p:ph type="body" sz="quarter" idx="13"/>
           </p:nvPr>
@@ -730,11 +744,10 @@
               </a:spcBef>
               <a:buSzTx/>
               <a:buNone/>
-              <a:defRPr i="1" sz="2400"/>
+              <a:defRPr sz="2400" i="1"/>
             </a:lvl1pPr>
           </a:lstStyle>
           <a:p>
-            <a:pPr/>
             <a:r>
               <a:t>–Johnny Appleseed</a:t>
             </a:r>
@@ -744,7 +757,9 @@
       <p:sp>
         <p:nvSpPr>
           <p:cNvPr id="94" name="“Type a quote here.”"/>
-          <p:cNvSpPr txBox="1"/>
+          <p:cNvSpPr txBox="1">
+            <a:spLocks noGrp="1"/>
+          </p:cNvSpPr>
           <p:nvPr>
             <p:ph type="body" sz="quarter" idx="14"/>
           </p:nvPr>
@@ -778,7 +793,6 @@
             </a:lvl1pPr>
           </a:lstStyle>
           <a:p>
-            <a:pPr/>
             <a:r>
               <a:t>“Type a quote here.” </a:t>
             </a:r>
@@ -788,7 +802,9 @@
       <p:sp>
         <p:nvSpPr>
           <p:cNvPr id="95" name="Slide Number"/>
-          <p:cNvSpPr txBox="1"/>
+          <p:cNvSpPr txBox="1">
+            <a:spLocks noGrp="1"/>
+          </p:cNvSpPr>
           <p:nvPr>
             <p:ph type="sldNum" sz="quarter" idx="2"/>
           </p:nvPr>
@@ -802,8 +818,10 @@
           <a:bodyPr/>
           <a:lstStyle/>
           <a:p>
-            <a:pPr/>
-            <a:fld id="{86CB4B4D-7CA3-9044-876B-883B54F8677D}" type="slidenum"/>
+            <a:fld id="{86CB4B4D-7CA3-9044-876B-883B54F8677D}" type="slidenum">
+              <a:t>‹#›</a:t>
+            </a:fld>
+            <a:endParaRPr/>
           </a:p>
         </p:txBody>
       </p:sp>
@@ -812,12 +830,12 @@
   <p:clrMapOvr>
     <a:masterClrMapping/>
   </p:clrMapOvr>
-  <p:transition xmlns:p14="http://schemas.microsoft.com/office/powerpoint/2010/main" spd="med" advClick="1"/>
+  <p:transition spd="med"/>
 </p:sldLayout>
 </file>
 
 <file path=ppt/slideLayouts/slideLayout11.xml><?xml version="1.0" encoding="utf-8"?>
-<p:sldLayout xmlns:a="http://schemas.openxmlformats.org/drawingml/2006/main" xmlns:r="http://schemas.openxmlformats.org/officeDocument/2006/relationships" xmlns:p="http://schemas.openxmlformats.org/presentationml/2006/main" type="tx" showMasterSp="1" showMasterPhAnim="1">
+<p:sldLayout xmlns:a="http://schemas.openxmlformats.org/drawingml/2006/main" xmlns:r="http://schemas.openxmlformats.org/officeDocument/2006/relationships" xmlns:p="http://schemas.openxmlformats.org/presentationml/2006/main" type="tx">
   <p:cSld name="Photo">
     <p:spTree>
       <p:nvGrpSpPr>
@@ -836,7 +854,9 @@
       <p:sp>
         <p:nvSpPr>
           <p:cNvPr id="102" name="Image"/>
-          <p:cNvSpPr/>
+          <p:cNvSpPr>
+            <a:spLocks noGrp="1"/>
+          </p:cNvSpPr>
           <p:nvPr>
             <p:ph type="pic" idx="13"/>
           </p:nvPr>
@@ -856,14 +876,16 @@
           </a:bodyPr>
           <a:lstStyle/>
           <a:p>
-            <a:pPr/>
+            <a:endParaRPr/>
           </a:p>
         </p:txBody>
       </p:sp>
       <p:sp>
         <p:nvSpPr>
           <p:cNvPr id="103" name="Slide Number"/>
-          <p:cNvSpPr txBox="1"/>
+          <p:cNvSpPr txBox="1">
+            <a:spLocks noGrp="1"/>
+          </p:cNvSpPr>
           <p:nvPr>
             <p:ph type="sldNum" sz="quarter" idx="2"/>
           </p:nvPr>
@@ -877,8 +899,10 @@
           <a:bodyPr/>
           <a:lstStyle/>
           <a:p>
-            <a:pPr/>
-            <a:fld id="{86CB4B4D-7CA3-9044-876B-883B54F8677D}" type="slidenum"/>
+            <a:fld id="{86CB4B4D-7CA3-9044-876B-883B54F8677D}" type="slidenum">
+              <a:t>‹#›</a:t>
+            </a:fld>
+            <a:endParaRPr/>
           </a:p>
         </p:txBody>
       </p:sp>
@@ -887,12 +911,12 @@
   <p:clrMapOvr>
     <a:masterClrMapping/>
   </p:clrMapOvr>
-  <p:transition xmlns:p14="http://schemas.microsoft.com/office/powerpoint/2010/main" spd="med" advClick="1"/>
+  <p:transition spd="med"/>
 </p:sldLayout>
 </file>
 
 <file path=ppt/slideLayouts/slideLayout12.xml><?xml version="1.0" encoding="utf-8"?>
-<p:sldLayout xmlns:a="http://schemas.openxmlformats.org/drawingml/2006/main" xmlns:r="http://schemas.openxmlformats.org/officeDocument/2006/relationships" xmlns:p="http://schemas.openxmlformats.org/presentationml/2006/main" type="tx" showMasterSp="1" showMasterPhAnim="1">
+<p:sldLayout xmlns:a="http://schemas.openxmlformats.org/drawingml/2006/main" xmlns:r="http://schemas.openxmlformats.org/officeDocument/2006/relationships" xmlns:p="http://schemas.openxmlformats.org/presentationml/2006/main" type="tx">
   <p:cSld name="Blank">
     <p:spTree>
       <p:nvGrpSpPr>
@@ -911,7 +935,9 @@
       <p:sp>
         <p:nvSpPr>
           <p:cNvPr id="110" name="Slide Number"/>
-          <p:cNvSpPr txBox="1"/>
+          <p:cNvSpPr txBox="1">
+            <a:spLocks noGrp="1"/>
+          </p:cNvSpPr>
           <p:nvPr>
             <p:ph type="sldNum" sz="quarter" idx="2"/>
           </p:nvPr>
@@ -925,8 +951,10 @@
           <a:bodyPr/>
           <a:lstStyle/>
           <a:p>
-            <a:pPr/>
-            <a:fld id="{86CB4B4D-7CA3-9044-876B-883B54F8677D}" type="slidenum"/>
+            <a:fld id="{86CB4B4D-7CA3-9044-876B-883B54F8677D}" type="slidenum">
+              <a:t>‹#›</a:t>
+            </a:fld>
+            <a:endParaRPr/>
           </a:p>
         </p:txBody>
       </p:sp>
@@ -935,12 +963,12 @@
   <p:clrMapOvr>
     <a:masterClrMapping/>
   </p:clrMapOvr>
-  <p:transition xmlns:p14="http://schemas.microsoft.com/office/powerpoint/2010/main" spd="med" advClick="1"/>
+  <p:transition spd="med"/>
 </p:sldLayout>
 </file>
 
 <file path=ppt/slideLayouts/slideLayout2.xml><?xml version="1.0" encoding="utf-8"?>
-<p:sldLayout xmlns:a="http://schemas.openxmlformats.org/drawingml/2006/main" xmlns:r="http://schemas.openxmlformats.org/officeDocument/2006/relationships" xmlns:p="http://schemas.openxmlformats.org/presentationml/2006/main" type="tx" showMasterSp="1" showMasterPhAnim="1">
+<p:sldLayout xmlns:a="http://schemas.openxmlformats.org/drawingml/2006/main" xmlns:r="http://schemas.openxmlformats.org/officeDocument/2006/relationships" xmlns:p="http://schemas.openxmlformats.org/presentationml/2006/main" type="tx">
   <p:cSld name="Photo - Horizontal">
     <p:spTree>
       <p:nvGrpSpPr>
@@ -959,7 +987,9 @@
       <p:sp>
         <p:nvSpPr>
           <p:cNvPr id="20" name="Image"/>
-          <p:cNvSpPr/>
+          <p:cNvSpPr>
+            <a:spLocks noGrp="1"/>
+          </p:cNvSpPr>
           <p:nvPr>
             <p:ph type="pic" idx="13"/>
           </p:nvPr>
@@ -979,14 +1009,16 @@
           </a:bodyPr>
           <a:lstStyle/>
           <a:p>
-            <a:pPr/>
+            <a:endParaRPr/>
           </a:p>
         </p:txBody>
       </p:sp>
       <p:sp>
         <p:nvSpPr>
           <p:cNvPr id="21" name="Title Text"/>
-          <p:cNvSpPr txBox="1"/>
+          <p:cNvSpPr txBox="1">
+            <a:spLocks noGrp="1"/>
+          </p:cNvSpPr>
           <p:nvPr>
             <p:ph type="title"/>
           </p:nvPr>
@@ -1004,7 +1036,6 @@
           <a:bodyPr anchor="b"/>
           <a:lstStyle/>
           <a:p>
-            <a:pPr/>
             <a:r>
               <a:t>Title Text</a:t>
             </a:r>
@@ -1014,7 +1045,9 @@
       <p:sp>
         <p:nvSpPr>
           <p:cNvPr id="22" name="Body Level One…"/>
-          <p:cNvSpPr txBox="1"/>
+          <p:cNvSpPr txBox="1">
+            <a:spLocks noGrp="1"/>
+          </p:cNvSpPr>
           <p:nvPr>
             <p:ph type="body" sz="quarter" idx="1"/>
           </p:nvPr>
@@ -1073,7 +1106,6 @@
             </a:lvl5pPr>
           </a:lstStyle>
           <a:p>
-            <a:pPr/>
             <a:r>
               <a:t>Body Level One</a:t>
             </a:r>
@@ -1107,7 +1139,9 @@
       <p:sp>
         <p:nvSpPr>
           <p:cNvPr id="23" name="Slide Number"/>
-          <p:cNvSpPr txBox="1"/>
+          <p:cNvSpPr txBox="1">
+            <a:spLocks noGrp="1"/>
+          </p:cNvSpPr>
           <p:nvPr>
             <p:ph type="sldNum" sz="quarter" idx="2"/>
           </p:nvPr>
@@ -1121,8 +1155,10 @@
           <a:bodyPr/>
           <a:lstStyle/>
           <a:p>
-            <a:pPr/>
-            <a:fld id="{86CB4B4D-7CA3-9044-876B-883B54F8677D}" type="slidenum"/>
+            <a:fld id="{86CB4B4D-7CA3-9044-876B-883B54F8677D}" type="slidenum">
+              <a:t>‹#›</a:t>
+            </a:fld>
+            <a:endParaRPr/>
           </a:p>
         </p:txBody>
       </p:sp>
@@ -1131,12 +1167,12 @@
   <p:clrMapOvr>
     <a:masterClrMapping/>
   </p:clrMapOvr>
-  <p:transition xmlns:p14="http://schemas.microsoft.com/office/powerpoint/2010/main" spd="med" advClick="1"/>
+  <p:transition spd="med"/>
 </p:sldLayout>
 </file>
 
 <file path=ppt/slideLayouts/slideLayout3.xml><?xml version="1.0" encoding="utf-8"?>
-<p:sldLayout xmlns:a="http://schemas.openxmlformats.org/drawingml/2006/main" xmlns:r="http://schemas.openxmlformats.org/officeDocument/2006/relationships" xmlns:p="http://schemas.openxmlformats.org/presentationml/2006/main" type="tx" showMasterSp="1" showMasterPhAnim="1">
+<p:sldLayout xmlns:a="http://schemas.openxmlformats.org/drawingml/2006/main" xmlns:r="http://schemas.openxmlformats.org/officeDocument/2006/relationships" xmlns:p="http://schemas.openxmlformats.org/presentationml/2006/main" type="tx">
   <p:cSld name="Title - Center">
     <p:spTree>
       <p:nvGrpSpPr>
@@ -1155,7 +1191,9 @@
       <p:sp>
         <p:nvSpPr>
           <p:cNvPr id="30" name="Title Text"/>
-          <p:cNvSpPr txBox="1"/>
+          <p:cNvSpPr txBox="1">
+            <a:spLocks noGrp="1"/>
+          </p:cNvSpPr>
           <p:nvPr>
             <p:ph type="title"/>
           </p:nvPr>
@@ -1173,7 +1211,6 @@
           <a:bodyPr/>
           <a:lstStyle/>
           <a:p>
-            <a:pPr/>
             <a:r>
               <a:t>Title Text</a:t>
             </a:r>
@@ -1183,7 +1220,9 @@
       <p:sp>
         <p:nvSpPr>
           <p:cNvPr id="31" name="Slide Number"/>
-          <p:cNvSpPr txBox="1"/>
+          <p:cNvSpPr txBox="1">
+            <a:spLocks noGrp="1"/>
+          </p:cNvSpPr>
           <p:nvPr>
             <p:ph type="sldNum" sz="quarter" idx="2"/>
           </p:nvPr>
@@ -1197,8 +1236,10 @@
           <a:bodyPr/>
           <a:lstStyle/>
           <a:p>
-            <a:pPr/>
-            <a:fld id="{86CB4B4D-7CA3-9044-876B-883B54F8677D}" type="slidenum"/>
+            <a:fld id="{86CB4B4D-7CA3-9044-876B-883B54F8677D}" type="slidenum">
+              <a:t>‹#›</a:t>
+            </a:fld>
+            <a:endParaRPr/>
           </a:p>
         </p:txBody>
       </p:sp>
@@ -1207,12 +1248,12 @@
   <p:clrMapOvr>
     <a:masterClrMapping/>
   </p:clrMapOvr>
-  <p:transition xmlns:p14="http://schemas.microsoft.com/office/powerpoint/2010/main" spd="med" advClick="1"/>
+  <p:transition spd="med"/>
 </p:sldLayout>
 </file>
 
 <file path=ppt/slideLayouts/slideLayout4.xml><?xml version="1.0" encoding="utf-8"?>
-<p:sldLayout xmlns:a="http://schemas.openxmlformats.org/drawingml/2006/main" xmlns:r="http://schemas.openxmlformats.org/officeDocument/2006/relationships" xmlns:p="http://schemas.openxmlformats.org/presentationml/2006/main" type="tx" showMasterSp="1" showMasterPhAnim="1">
+<p:sldLayout xmlns:a="http://schemas.openxmlformats.org/drawingml/2006/main" xmlns:r="http://schemas.openxmlformats.org/officeDocument/2006/relationships" xmlns:p="http://schemas.openxmlformats.org/presentationml/2006/main" type="tx">
   <p:cSld name="Photo - Vertical">
     <p:spTree>
       <p:nvGrpSpPr>
@@ -1231,7 +1272,9 @@
       <p:sp>
         <p:nvSpPr>
           <p:cNvPr id="38" name="Image"/>
-          <p:cNvSpPr/>
+          <p:cNvSpPr>
+            <a:spLocks noGrp="1"/>
+          </p:cNvSpPr>
           <p:nvPr>
             <p:ph type="pic" sz="half" idx="13"/>
           </p:nvPr>
@@ -1251,14 +1294,16 @@
           </a:bodyPr>
           <a:lstStyle/>
           <a:p>
-            <a:pPr/>
+            <a:endParaRPr/>
           </a:p>
         </p:txBody>
       </p:sp>
       <p:sp>
         <p:nvSpPr>
           <p:cNvPr id="39" name="Title Text"/>
-          <p:cNvSpPr txBox="1"/>
+          <p:cNvSpPr txBox="1">
+            <a:spLocks noGrp="1"/>
+          </p:cNvSpPr>
           <p:nvPr>
             <p:ph type="title"/>
           </p:nvPr>
@@ -1280,7 +1325,6 @@
             </a:lvl1pPr>
           </a:lstStyle>
           <a:p>
-            <a:pPr/>
             <a:r>
               <a:t>Title Text</a:t>
             </a:r>
@@ -1290,7 +1334,9 @@
       <p:sp>
         <p:nvSpPr>
           <p:cNvPr id="40" name="Body Level One…"/>
-          <p:cNvSpPr txBox="1"/>
+          <p:cNvSpPr txBox="1">
+            <a:spLocks noGrp="1"/>
+          </p:cNvSpPr>
           <p:nvPr>
             <p:ph type="body" sz="quarter" idx="1"/>
           </p:nvPr>
@@ -1349,7 +1395,6 @@
             </a:lvl5pPr>
           </a:lstStyle>
           <a:p>
-            <a:pPr/>
             <a:r>
               <a:t>Body Level One</a:t>
             </a:r>
@@ -1383,7 +1428,9 @@
       <p:sp>
         <p:nvSpPr>
           <p:cNvPr id="41" name="Slide Number"/>
-          <p:cNvSpPr txBox="1"/>
+          <p:cNvSpPr txBox="1">
+            <a:spLocks noGrp="1"/>
+          </p:cNvSpPr>
           <p:nvPr>
             <p:ph type="sldNum" sz="quarter" idx="2"/>
           </p:nvPr>
@@ -1397,8 +1444,10 @@
           <a:bodyPr/>
           <a:lstStyle/>
           <a:p>
-            <a:pPr/>
-            <a:fld id="{86CB4B4D-7CA3-9044-876B-883B54F8677D}" type="slidenum"/>
+            <a:fld id="{86CB4B4D-7CA3-9044-876B-883B54F8677D}" type="slidenum">
+              <a:t>‹#›</a:t>
+            </a:fld>
+            <a:endParaRPr/>
           </a:p>
         </p:txBody>
       </p:sp>
@@ -1407,12 +1456,12 @@
   <p:clrMapOvr>
     <a:masterClrMapping/>
   </p:clrMapOvr>
-  <p:transition xmlns:p14="http://schemas.microsoft.com/office/powerpoint/2010/main" spd="med" advClick="1"/>
+  <p:transition spd="med"/>
 </p:sldLayout>
 </file>
 
 <file path=ppt/slideLayouts/slideLayout5.xml><?xml version="1.0" encoding="utf-8"?>
-<p:sldLayout xmlns:a="http://schemas.openxmlformats.org/drawingml/2006/main" xmlns:r="http://schemas.openxmlformats.org/officeDocument/2006/relationships" xmlns:p="http://schemas.openxmlformats.org/presentationml/2006/main" type="tx" showMasterSp="1" showMasterPhAnim="1">
+<p:sldLayout xmlns:a="http://schemas.openxmlformats.org/drawingml/2006/main" xmlns:r="http://schemas.openxmlformats.org/officeDocument/2006/relationships" xmlns:p="http://schemas.openxmlformats.org/presentationml/2006/main" type="tx">
   <p:cSld name="Title - Top">
     <p:spTree>
       <p:nvGrpSpPr>
@@ -1431,7 +1480,9 @@
       <p:sp>
         <p:nvSpPr>
           <p:cNvPr id="48" name="Title Text"/>
-          <p:cNvSpPr txBox="1"/>
+          <p:cNvSpPr txBox="1">
+            <a:spLocks noGrp="1"/>
+          </p:cNvSpPr>
           <p:nvPr>
             <p:ph type="title"/>
           </p:nvPr>
@@ -1445,7 +1496,6 @@
           <a:bodyPr/>
           <a:lstStyle/>
           <a:p>
-            <a:pPr/>
             <a:r>
               <a:t>Title Text</a:t>
             </a:r>
@@ -1455,7 +1505,9 @@
       <p:sp>
         <p:nvSpPr>
           <p:cNvPr id="49" name="Slide Number"/>
-          <p:cNvSpPr txBox="1"/>
+          <p:cNvSpPr txBox="1">
+            <a:spLocks noGrp="1"/>
+          </p:cNvSpPr>
           <p:nvPr>
             <p:ph type="sldNum" sz="quarter" idx="2"/>
           </p:nvPr>
@@ -1469,8 +1521,10 @@
           <a:bodyPr/>
           <a:lstStyle/>
           <a:p>
-            <a:pPr/>
-            <a:fld id="{86CB4B4D-7CA3-9044-876B-883B54F8677D}" type="slidenum"/>
+            <a:fld id="{86CB4B4D-7CA3-9044-876B-883B54F8677D}" type="slidenum">
+              <a:t>‹#›</a:t>
+            </a:fld>
+            <a:endParaRPr/>
           </a:p>
         </p:txBody>
       </p:sp>
@@ -1479,12 +1533,12 @@
   <p:clrMapOvr>
     <a:masterClrMapping/>
   </p:clrMapOvr>
-  <p:transition xmlns:p14="http://schemas.microsoft.com/office/powerpoint/2010/main" spd="med" advClick="1"/>
+  <p:transition spd="med"/>
 </p:sldLayout>
 </file>
 
 <file path=ppt/slideLayouts/slideLayout6.xml><?xml version="1.0" encoding="utf-8"?>
-<p:sldLayout xmlns:a="http://schemas.openxmlformats.org/drawingml/2006/main" xmlns:r="http://schemas.openxmlformats.org/officeDocument/2006/relationships" xmlns:p="http://schemas.openxmlformats.org/presentationml/2006/main" type="tx" showMasterSp="1" showMasterPhAnim="1">
+<p:sldLayout xmlns:a="http://schemas.openxmlformats.org/drawingml/2006/main" xmlns:r="http://schemas.openxmlformats.org/officeDocument/2006/relationships" xmlns:p="http://schemas.openxmlformats.org/presentationml/2006/main" type="tx">
   <p:cSld name="Title &amp; Bullets">
     <p:spTree>
       <p:nvGrpSpPr>
@@ -1503,7 +1557,9 @@
       <p:sp>
         <p:nvSpPr>
           <p:cNvPr id="56" name="Title Text"/>
-          <p:cNvSpPr txBox="1"/>
+          <p:cNvSpPr txBox="1">
+            <a:spLocks noGrp="1"/>
+          </p:cNvSpPr>
           <p:nvPr>
             <p:ph type="title"/>
           </p:nvPr>
@@ -1517,7 +1573,6 @@
           <a:bodyPr/>
           <a:lstStyle/>
           <a:p>
-            <a:pPr/>
             <a:r>
               <a:t>Title Text</a:t>
             </a:r>
@@ -1527,7 +1582,9 @@
       <p:sp>
         <p:nvSpPr>
           <p:cNvPr id="57" name="Body Level One…"/>
-          <p:cNvSpPr txBox="1"/>
+          <p:cNvSpPr txBox="1">
+            <a:spLocks noGrp="1"/>
+          </p:cNvSpPr>
           <p:nvPr>
             <p:ph type="body" idx="1"/>
           </p:nvPr>
@@ -1541,7 +1598,6 @@
           <a:bodyPr/>
           <a:lstStyle/>
           <a:p>
-            <a:pPr/>
             <a:r>
               <a:t>Body Level One</a:t>
             </a:r>
@@ -1575,7 +1631,9 @@
       <p:sp>
         <p:nvSpPr>
           <p:cNvPr id="58" name="Slide Number"/>
-          <p:cNvSpPr txBox="1"/>
+          <p:cNvSpPr txBox="1">
+            <a:spLocks noGrp="1"/>
+          </p:cNvSpPr>
           <p:nvPr>
             <p:ph type="sldNum" sz="quarter" idx="2"/>
           </p:nvPr>
@@ -1589,8 +1647,10 @@
           <a:bodyPr/>
           <a:lstStyle/>
           <a:p>
-            <a:pPr/>
-            <a:fld id="{86CB4B4D-7CA3-9044-876B-883B54F8677D}" type="slidenum"/>
+            <a:fld id="{86CB4B4D-7CA3-9044-876B-883B54F8677D}" type="slidenum">
+              <a:t>‹#›</a:t>
+            </a:fld>
+            <a:endParaRPr/>
           </a:p>
         </p:txBody>
       </p:sp>
@@ -1599,12 +1659,12 @@
   <p:clrMapOvr>
     <a:masterClrMapping/>
   </p:clrMapOvr>
-  <p:transition xmlns:p14="http://schemas.microsoft.com/office/powerpoint/2010/main" spd="med" advClick="1"/>
+  <p:transition spd="med"/>
 </p:sldLayout>
 </file>
 
 <file path=ppt/slideLayouts/slideLayout7.xml><?xml version="1.0" encoding="utf-8"?>
-<p:sldLayout xmlns:a="http://schemas.openxmlformats.org/drawingml/2006/main" xmlns:r="http://schemas.openxmlformats.org/officeDocument/2006/relationships" xmlns:p="http://schemas.openxmlformats.org/presentationml/2006/main" type="tx" showMasterSp="1" showMasterPhAnim="1">
+<p:sldLayout xmlns:a="http://schemas.openxmlformats.org/drawingml/2006/main" xmlns:r="http://schemas.openxmlformats.org/officeDocument/2006/relationships" xmlns:p="http://schemas.openxmlformats.org/presentationml/2006/main" type="tx">
   <p:cSld name="Title, Bullets &amp; Photo">
     <p:spTree>
       <p:nvGrpSpPr>
@@ -1623,7 +1683,9 @@
       <p:sp>
         <p:nvSpPr>
           <p:cNvPr id="65" name="Image"/>
-          <p:cNvSpPr/>
+          <p:cNvSpPr>
+            <a:spLocks noGrp="1"/>
+          </p:cNvSpPr>
           <p:nvPr>
             <p:ph type="pic" sz="half" idx="13"/>
           </p:nvPr>
@@ -1643,14 +1705,16 @@
           </a:bodyPr>
           <a:lstStyle/>
           <a:p>
-            <a:pPr/>
+            <a:endParaRPr/>
           </a:p>
         </p:txBody>
       </p:sp>
       <p:sp>
         <p:nvSpPr>
           <p:cNvPr id="66" name="Title Text"/>
-          <p:cNvSpPr txBox="1"/>
+          <p:cNvSpPr txBox="1">
+            <a:spLocks noGrp="1"/>
+          </p:cNvSpPr>
           <p:nvPr>
             <p:ph type="title"/>
           </p:nvPr>
@@ -1664,7 +1728,6 @@
           <a:bodyPr/>
           <a:lstStyle/>
           <a:p>
-            <a:pPr/>
             <a:r>
               <a:t>Title Text</a:t>
             </a:r>
@@ -1674,7 +1737,9 @@
       <p:sp>
         <p:nvSpPr>
           <p:cNvPr id="67" name="Body Level One…"/>
-          <p:cNvSpPr txBox="1"/>
+          <p:cNvSpPr txBox="1">
+            <a:spLocks noGrp="1"/>
+          </p:cNvSpPr>
           <p:nvPr>
             <p:ph type="body" sz="half" idx="1"/>
           </p:nvPr>
@@ -1723,7 +1788,6 @@
             </a:lvl5pPr>
           </a:lstStyle>
           <a:p>
-            <a:pPr/>
             <a:r>
               <a:t>Body Level One</a:t>
             </a:r>
@@ -1757,7 +1821,9 @@
       <p:sp>
         <p:nvSpPr>
           <p:cNvPr id="68" name="Slide Number"/>
-          <p:cNvSpPr txBox="1"/>
+          <p:cNvSpPr txBox="1">
+            <a:spLocks noGrp="1"/>
+          </p:cNvSpPr>
           <p:nvPr>
             <p:ph type="sldNum" sz="quarter" idx="2"/>
           </p:nvPr>
@@ -1784,8 +1850,10 @@
             </a:lvl1pPr>
           </a:lstStyle>
           <a:p>
-            <a:pPr/>
-            <a:fld id="{86CB4B4D-7CA3-9044-876B-883B54F8677D}" type="slidenum"/>
+            <a:fld id="{86CB4B4D-7CA3-9044-876B-883B54F8677D}" type="slidenum">
+              <a:t>‹#›</a:t>
+            </a:fld>
+            <a:endParaRPr/>
           </a:p>
         </p:txBody>
       </p:sp>
@@ -1794,12 +1862,12 @@
   <p:clrMapOvr>
     <a:masterClrMapping/>
   </p:clrMapOvr>
-  <p:transition xmlns:p14="http://schemas.microsoft.com/office/powerpoint/2010/main" spd="med" advClick="1"/>
+  <p:transition spd="med"/>
 </p:sldLayout>
 </file>
 
 <file path=ppt/slideLayouts/slideLayout8.xml><?xml version="1.0" encoding="utf-8"?>
-<p:sldLayout xmlns:a="http://schemas.openxmlformats.org/drawingml/2006/main" xmlns:r="http://schemas.openxmlformats.org/officeDocument/2006/relationships" xmlns:p="http://schemas.openxmlformats.org/presentationml/2006/main" type="tx" showMasterSp="1" showMasterPhAnim="1">
+<p:sldLayout xmlns:a="http://schemas.openxmlformats.org/drawingml/2006/main" xmlns:r="http://schemas.openxmlformats.org/officeDocument/2006/relationships" xmlns:p="http://schemas.openxmlformats.org/presentationml/2006/main" type="tx">
   <p:cSld name="Bullets">
     <p:spTree>
       <p:nvGrpSpPr>
@@ -1818,7 +1886,9 @@
       <p:sp>
         <p:nvSpPr>
           <p:cNvPr id="75" name="Body Level One…"/>
-          <p:cNvSpPr txBox="1"/>
+          <p:cNvSpPr txBox="1">
+            <a:spLocks noGrp="1"/>
+          </p:cNvSpPr>
           <p:nvPr>
             <p:ph type="body" idx="1"/>
           </p:nvPr>
@@ -1836,7 +1906,6 @@
           <a:bodyPr/>
           <a:lstStyle/>
           <a:p>
-            <a:pPr/>
             <a:r>
               <a:t>Body Level One</a:t>
             </a:r>
@@ -1870,7 +1939,9 @@
       <p:sp>
         <p:nvSpPr>
           <p:cNvPr id="76" name="Slide Number"/>
-          <p:cNvSpPr txBox="1"/>
+          <p:cNvSpPr txBox="1">
+            <a:spLocks noGrp="1"/>
+          </p:cNvSpPr>
           <p:nvPr>
             <p:ph type="sldNum" sz="quarter" idx="2"/>
           </p:nvPr>
@@ -1884,8 +1955,10 @@
           <a:bodyPr/>
           <a:lstStyle/>
           <a:p>
-            <a:pPr/>
-            <a:fld id="{86CB4B4D-7CA3-9044-876B-883B54F8677D}" type="slidenum"/>
+            <a:fld id="{86CB4B4D-7CA3-9044-876B-883B54F8677D}" type="slidenum">
+              <a:t>‹#›</a:t>
+            </a:fld>
+            <a:endParaRPr/>
           </a:p>
         </p:txBody>
       </p:sp>
@@ -1894,12 +1967,12 @@
   <p:clrMapOvr>
     <a:masterClrMapping/>
   </p:clrMapOvr>
-  <p:transition xmlns:p14="http://schemas.microsoft.com/office/powerpoint/2010/main" spd="med" advClick="1"/>
+  <p:transition spd="med"/>
 </p:sldLayout>
 </file>
 
 <file path=ppt/slideLayouts/slideLayout9.xml><?xml version="1.0" encoding="utf-8"?>
-<p:sldLayout xmlns:a="http://schemas.openxmlformats.org/drawingml/2006/main" xmlns:r="http://schemas.openxmlformats.org/officeDocument/2006/relationships" xmlns:p="http://schemas.openxmlformats.org/presentationml/2006/main" type="tx" showMasterSp="1" showMasterPhAnim="1">
+<p:sldLayout xmlns:a="http://schemas.openxmlformats.org/drawingml/2006/main" xmlns:r="http://schemas.openxmlformats.org/officeDocument/2006/relationships" xmlns:p="http://schemas.openxmlformats.org/presentationml/2006/main" type="tx">
   <p:cSld name="Photo - 3 Up">
     <p:spTree>
       <p:nvGrpSpPr>
@@ -1918,7 +1991,9 @@
       <p:sp>
         <p:nvSpPr>
           <p:cNvPr id="83" name="Image"/>
-          <p:cNvSpPr/>
+          <p:cNvSpPr>
+            <a:spLocks noGrp="1"/>
+          </p:cNvSpPr>
           <p:nvPr>
             <p:ph type="pic" sz="quarter" idx="13"/>
           </p:nvPr>
@@ -1938,14 +2013,16 @@
           </a:bodyPr>
           <a:lstStyle/>
           <a:p>
-            <a:pPr/>
+            <a:endParaRPr/>
           </a:p>
         </p:txBody>
       </p:sp>
       <p:sp>
         <p:nvSpPr>
           <p:cNvPr id="84" name="Image"/>
-          <p:cNvSpPr/>
+          <p:cNvSpPr>
+            <a:spLocks noGrp="1"/>
+          </p:cNvSpPr>
           <p:nvPr>
             <p:ph type="pic" sz="quarter" idx="14"/>
           </p:nvPr>
@@ -1965,14 +2042,16 @@
           </a:bodyPr>
           <a:lstStyle/>
           <a:p>
-            <a:pPr/>
+            <a:endParaRPr/>
           </a:p>
         </p:txBody>
       </p:sp>
       <p:sp>
         <p:nvSpPr>
           <p:cNvPr id="85" name="Image"/>
-          <p:cNvSpPr/>
+          <p:cNvSpPr>
+            <a:spLocks noGrp="1"/>
+          </p:cNvSpPr>
           <p:nvPr>
             <p:ph type="pic" sz="half" idx="15"/>
           </p:nvPr>
@@ -1992,14 +2071,16 @@
           </a:bodyPr>
           <a:lstStyle/>
           <a:p>
-            <a:pPr/>
+            <a:endParaRPr/>
           </a:p>
         </p:txBody>
       </p:sp>
       <p:sp>
         <p:nvSpPr>
           <p:cNvPr id="86" name="Slide Number"/>
-          <p:cNvSpPr txBox="1"/>
+          <p:cNvSpPr txBox="1">
+            <a:spLocks noGrp="1"/>
+          </p:cNvSpPr>
           <p:nvPr>
             <p:ph type="sldNum" sz="quarter" idx="2"/>
           </p:nvPr>
@@ -2013,8 +2094,10 @@
           <a:bodyPr/>
           <a:lstStyle/>
           <a:p>
-            <a:pPr/>
-            <a:fld id="{86CB4B4D-7CA3-9044-876B-883B54F8677D}" type="slidenum"/>
+            <a:fld id="{86CB4B4D-7CA3-9044-876B-883B54F8677D}" type="slidenum">
+              <a:t>‹#›</a:t>
+            </a:fld>
+            <a:endParaRPr/>
           </a:p>
         </p:txBody>
       </p:sp>
@@ -2023,7 +2106,7 @@
   <p:clrMapOvr>
     <a:masterClrMapping/>
   </p:clrMapOvr>
-  <p:transition xmlns:p14="http://schemas.microsoft.com/office/powerpoint/2010/main" spd="med" advClick="1"/>
+  <p:transition spd="med"/>
 </p:sldLayout>
 </file>
 
@@ -2035,6 +2118,7 @@
         <a:solidFill>
           <a:srgbClr val="FFFFFF"/>
         </a:solidFill>
+        <a:effectLst/>
       </p:bgPr>
     </p:bg>
     <p:spTree>
@@ -2054,7 +2138,9 @@
       <p:sp>
         <p:nvSpPr>
           <p:cNvPr id="2" name="Title Text"/>
-          <p:cNvSpPr txBox="1"/>
+          <p:cNvSpPr txBox="1">
+            <a:spLocks noGrp="1"/>
+          </p:cNvSpPr>
           <p:nvPr>
             <p:ph type="title"/>
           </p:nvPr>
@@ -2072,17 +2158,16 @@
           </a:ln>
           <a:extLst>
             <a:ext uri="{C572A759-6A51-4108-AA02-DFA0A04FC94B}">
-              <ma14:wrappingTextBoxFlag xmlns:ma14="http://schemas.microsoft.com/office/mac/drawingml/2011/main" val="1"/>
+              <ma14:wrappingTextBoxFlag xmlns:ma14="http://schemas.microsoft.com/office/mac/drawingml/2011/main" xmlns="" val="1"/>
             </a:ext>
           </a:extLst>
         </p:spPr>
         <p:txBody>
           <a:bodyPr lIns="50800" tIns="50800" rIns="50800" bIns="50800" anchor="ctr">
-            <a:normAutofit fontScale="100000" lnSpcReduction="0"/>
+            <a:normAutofit/>
           </a:bodyPr>
           <a:lstStyle/>
           <a:p>
-            <a:pPr/>
             <a:r>
               <a:t>Title Text</a:t>
             </a:r>
@@ -2092,7 +2177,9 @@
       <p:sp>
         <p:nvSpPr>
           <p:cNvPr id="3" name="Body Level One…"/>
-          <p:cNvSpPr txBox="1"/>
+          <p:cNvSpPr txBox="1">
+            <a:spLocks noGrp="1"/>
+          </p:cNvSpPr>
           <p:nvPr>
             <p:ph type="body" idx="1"/>
           </p:nvPr>
@@ -2110,17 +2197,16 @@
           </a:ln>
           <a:extLst>
             <a:ext uri="{C572A759-6A51-4108-AA02-DFA0A04FC94B}">
-              <ma14:wrappingTextBoxFlag xmlns:ma14="http://schemas.microsoft.com/office/mac/drawingml/2011/main" val="1"/>
+              <ma14:wrappingTextBoxFlag xmlns:ma14="http://schemas.microsoft.com/office/mac/drawingml/2011/main" xmlns="" val="1"/>
             </a:ext>
           </a:extLst>
         </p:spPr>
         <p:txBody>
           <a:bodyPr lIns="50800" tIns="50800" rIns="50800" bIns="50800" anchor="ctr">
-            <a:normAutofit fontScale="100000" lnSpcReduction="0"/>
+            <a:normAutofit/>
           </a:bodyPr>
           <a:lstStyle/>
           <a:p>
-            <a:pPr/>
             <a:r>
               <a:t>Body Level One</a:t>
             </a:r>
@@ -2154,7 +2240,9 @@
       <p:sp>
         <p:nvSpPr>
           <p:cNvPr id="4" name="Slide Number"/>
-          <p:cNvSpPr txBox="1"/>
+          <p:cNvSpPr txBox="1">
+            <a:spLocks noGrp="1"/>
+          </p:cNvSpPr>
           <p:nvPr>
             <p:ph type="sldNum" sz="quarter" idx="2"/>
           </p:nvPr>
@@ -2177,7 +2265,7 @@
           </a:bodyPr>
           <a:lstStyle>
             <a:lvl1pPr>
-              <a:defRPr b="0" sz="1600">
+              <a:defRPr sz="1600" b="0">
                 <a:latin typeface="Helvetica Neue Light"/>
                 <a:ea typeface="Helvetica Neue Light"/>
                 <a:cs typeface="Helvetica Neue Light"/>
@@ -2186,8 +2274,10 @@
             </a:lvl1pPr>
           </a:lstStyle>
           <a:p>
-            <a:pPr/>
-            <a:fld id="{86CB4B4D-7CA3-9044-876B-883B54F8677D}" type="slidenum"/>
+            <a:fld id="{86CB4B4D-7CA3-9044-876B-883B54F8677D}" type="slidenum">
+              <a:t>‹#›</a:t>
+            </a:fld>
+            <a:endParaRPr/>
           </a:p>
         </p:txBody>
       </p:sp>
@@ -2195,20 +2285,20 @@
   </p:cSld>
   <p:clrMap bg1="lt1" tx1="dk1" bg2="lt2" tx2="dk2" accent1="accent1" accent2="accent2" accent3="accent3" accent4="accent4" accent5="accent5" accent6="accent6" hlink="hlink" folHlink="folHlink"/>
   <p:sldLayoutIdLst>
-    <p:sldLayoutId id="2147483649" r:id="rId2"/>
-    <p:sldLayoutId id="2147483650" r:id="rId3"/>
-    <p:sldLayoutId id="2147483651" r:id="rId4"/>
-    <p:sldLayoutId id="2147483652" r:id="rId5"/>
-    <p:sldLayoutId id="2147483653" r:id="rId6"/>
-    <p:sldLayoutId id="2147483654" r:id="rId7"/>
-    <p:sldLayoutId id="2147483655" r:id="rId8"/>
-    <p:sldLayoutId id="2147483656" r:id="rId9"/>
-    <p:sldLayoutId id="2147483657" r:id="rId10"/>
-    <p:sldLayoutId id="2147483658" r:id="rId11"/>
-    <p:sldLayoutId id="2147483659" r:id="rId12"/>
-    <p:sldLayoutId id="2147483660" r:id="rId13"/>
+    <p:sldLayoutId id="2147483649" r:id="rId1"/>
+    <p:sldLayoutId id="2147483650" r:id="rId2"/>
+    <p:sldLayoutId id="2147483651" r:id="rId3"/>
+    <p:sldLayoutId id="2147483652" r:id="rId4"/>
+    <p:sldLayoutId id="2147483653" r:id="rId5"/>
+    <p:sldLayoutId id="2147483654" r:id="rId6"/>
+    <p:sldLayoutId id="2147483655" r:id="rId7"/>
+    <p:sldLayoutId id="2147483656" r:id="rId8"/>
+    <p:sldLayoutId id="2147483657" r:id="rId9"/>
+    <p:sldLayoutId id="2147483658" r:id="rId10"/>
+    <p:sldLayoutId id="2147483659" r:id="rId11"/>
+    <p:sldLayoutId id="2147483660" r:id="rId12"/>
   </p:sldLayoutIdLst>
-  <p:transition xmlns:p14="http://schemas.microsoft.com/office/powerpoint/2010/main" spd="med" advClick="1"/>
+  <p:transition spd="med"/>
   <p:txStyles>
     <p:titleStyle>
       <a:lvl1pPr marL="0" marR="0" indent="0" algn="ctr" defTabSz="584200" rtl="0" latinLnBrk="0">
@@ -2226,7 +2316,7 @@
         <a:buFontTx/>
         <a:buNone/>
         <a:tabLst/>
-        <a:defRPr b="0" baseline="0" cap="none" i="0" spc="0" strike="noStrike" sz="8000" u="none">
+        <a:defRPr sz="8000" b="0" i="0" u="none" strike="noStrike" cap="none" spc="0" baseline="0">
           <a:ln>
             <a:noFill/>
           </a:ln>
@@ -2255,7 +2345,7 @@
         <a:buFontTx/>
         <a:buNone/>
         <a:tabLst/>
-        <a:defRPr b="0" baseline="0" cap="none" i="0" spc="0" strike="noStrike" sz="8000" u="none">
+        <a:defRPr sz="8000" b="0" i="0" u="none" strike="noStrike" cap="none" spc="0" baseline="0">
           <a:ln>
             <a:noFill/>
           </a:ln>
@@ -2284,7 +2374,7 @@
         <a:buFontTx/>
         <a:buNone/>
         <a:tabLst/>
-        <a:defRPr b="0" baseline="0" cap="none" i="0" spc="0" strike="noStrike" sz="8000" u="none">
+        <a:defRPr sz="8000" b="0" i="0" u="none" strike="noStrike" cap="none" spc="0" baseline="0">
           <a:ln>
             <a:noFill/>
           </a:ln>
@@ -2313,7 +2403,7 @@
         <a:buFontTx/>
         <a:buNone/>
         <a:tabLst/>
-        <a:defRPr b="0" baseline="0" cap="none" i="0" spc="0" strike="noStrike" sz="8000" u="none">
+        <a:defRPr sz="8000" b="0" i="0" u="none" strike="noStrike" cap="none" spc="0" baseline="0">
           <a:ln>
             <a:noFill/>
           </a:ln>
@@ -2342,7 +2432,7 @@
         <a:buFontTx/>
         <a:buNone/>
         <a:tabLst/>
-        <a:defRPr b="0" baseline="0" cap="none" i="0" spc="0" strike="noStrike" sz="8000" u="none">
+        <a:defRPr sz="8000" b="0" i="0" u="none" strike="noStrike" cap="none" spc="0" baseline="0">
           <a:ln>
             <a:noFill/>
           </a:ln>
@@ -2371,7 +2461,7 @@
         <a:buFontTx/>
         <a:buNone/>
         <a:tabLst/>
-        <a:defRPr b="0" baseline="0" cap="none" i="0" spc="0" strike="noStrike" sz="8000" u="none">
+        <a:defRPr sz="8000" b="0" i="0" u="none" strike="noStrike" cap="none" spc="0" baseline="0">
           <a:ln>
             <a:noFill/>
           </a:ln>
@@ -2400,7 +2490,7 @@
         <a:buFontTx/>
         <a:buNone/>
         <a:tabLst/>
-        <a:defRPr b="0" baseline="0" cap="none" i="0" spc="0" strike="noStrike" sz="8000" u="none">
+        <a:defRPr sz="8000" b="0" i="0" u="none" strike="noStrike" cap="none" spc="0" baseline="0">
           <a:ln>
             <a:noFill/>
           </a:ln>
@@ -2429,7 +2519,7 @@
         <a:buFontTx/>
         <a:buNone/>
         <a:tabLst/>
-        <a:defRPr b="0" baseline="0" cap="none" i="0" spc="0" strike="noStrike" sz="8000" u="none">
+        <a:defRPr sz="8000" b="0" i="0" u="none" strike="noStrike" cap="none" spc="0" baseline="0">
           <a:ln>
             <a:noFill/>
           </a:ln>
@@ -2458,7 +2548,7 @@
         <a:buFontTx/>
         <a:buNone/>
         <a:tabLst/>
-        <a:defRPr b="0" baseline="0" cap="none" i="0" spc="0" strike="noStrike" sz="8000" u="none">
+        <a:defRPr sz="8000" b="0" i="0" u="none" strike="noStrike" cap="none" spc="0" baseline="0">
           <a:ln>
             <a:noFill/>
           </a:ln>
@@ -2489,7 +2579,7 @@
         <a:buFontTx/>
         <a:buChar char="•"/>
         <a:tabLst/>
-        <a:defRPr b="0" baseline="0" cap="none" i="0" spc="0" strike="noStrike" sz="3200" u="none">
+        <a:defRPr sz="3200" b="0" i="0" u="none" strike="noStrike" cap="none" spc="0" baseline="0">
           <a:ln>
             <a:noFill/>
           </a:ln>
@@ -2518,7 +2608,7 @@
         <a:buFontTx/>
         <a:buChar char="•"/>
         <a:tabLst/>
-        <a:defRPr b="0" baseline="0" cap="none" i="0" spc="0" strike="noStrike" sz="3200" u="none">
+        <a:defRPr sz="3200" b="0" i="0" u="none" strike="noStrike" cap="none" spc="0" baseline="0">
           <a:ln>
             <a:noFill/>
           </a:ln>
@@ -2547,7 +2637,7 @@
         <a:buFontTx/>
         <a:buChar char="•"/>
         <a:tabLst/>
-        <a:defRPr b="0" baseline="0" cap="none" i="0" spc="0" strike="noStrike" sz="3200" u="none">
+        <a:defRPr sz="3200" b="0" i="0" u="none" strike="noStrike" cap="none" spc="0" baseline="0">
           <a:ln>
             <a:noFill/>
           </a:ln>
@@ -2576,7 +2666,7 @@
         <a:buFontTx/>
         <a:buChar char="•"/>
         <a:tabLst/>
-        <a:defRPr b="0" baseline="0" cap="none" i="0" spc="0" strike="noStrike" sz="3200" u="none">
+        <a:defRPr sz="3200" b="0" i="0" u="none" strike="noStrike" cap="none" spc="0" baseline="0">
           <a:ln>
             <a:noFill/>
           </a:ln>
@@ -2605,7 +2695,7 @@
         <a:buFontTx/>
         <a:buChar char="•"/>
         <a:tabLst/>
-        <a:defRPr b="0" baseline="0" cap="none" i="0" spc="0" strike="noStrike" sz="3200" u="none">
+        <a:defRPr sz="3200" b="0" i="0" u="none" strike="noStrike" cap="none" spc="0" baseline="0">
           <a:ln>
             <a:noFill/>
           </a:ln>
@@ -2634,7 +2724,7 @@
         <a:buFontTx/>
         <a:buChar char="•"/>
         <a:tabLst/>
-        <a:defRPr b="0" baseline="0" cap="none" i="0" spc="0" strike="noStrike" sz="3200" u="none">
+        <a:defRPr sz="3200" b="0" i="0" u="none" strike="noStrike" cap="none" spc="0" baseline="0">
           <a:ln>
             <a:noFill/>
           </a:ln>
@@ -2663,7 +2753,7 @@
         <a:buFontTx/>
         <a:buChar char="•"/>
         <a:tabLst/>
-        <a:defRPr b="0" baseline="0" cap="none" i="0" spc="0" strike="noStrike" sz="3200" u="none">
+        <a:defRPr sz="3200" b="0" i="0" u="none" strike="noStrike" cap="none" spc="0" baseline="0">
           <a:ln>
             <a:noFill/>
           </a:ln>
@@ -2692,7 +2782,7 @@
         <a:buFontTx/>
         <a:buChar char="•"/>
         <a:tabLst/>
-        <a:defRPr b="0" baseline="0" cap="none" i="0" spc="0" strike="noStrike" sz="3200" u="none">
+        <a:defRPr sz="3200" b="0" i="0" u="none" strike="noStrike" cap="none" spc="0" baseline="0">
           <a:ln>
             <a:noFill/>
           </a:ln>
@@ -2721,7 +2811,7 @@
         <a:buFontTx/>
         <a:buChar char="•"/>
         <a:tabLst/>
-        <a:defRPr b="0" baseline="0" cap="none" i="0" spc="0" strike="noStrike" sz="3200" u="none">
+        <a:defRPr sz="3200" b="0" i="0" u="none" strike="noStrike" cap="none" spc="0" baseline="0">
           <a:ln>
             <a:noFill/>
           </a:ln>
@@ -2752,7 +2842,7 @@
         <a:buFontTx/>
         <a:buNone/>
         <a:tabLst/>
-        <a:defRPr b="0" baseline="0" cap="none" i="0" spc="0" strike="noStrike" sz="1600" u="none">
+        <a:defRPr sz="1600" b="0" i="0" u="none" strike="noStrike" cap="none" spc="0" baseline="0">
           <a:ln>
             <a:noFill/>
           </a:ln>
@@ -2781,7 +2871,7 @@
         <a:buFontTx/>
         <a:buNone/>
         <a:tabLst/>
-        <a:defRPr b="0" baseline="0" cap="none" i="0" spc="0" strike="noStrike" sz="1600" u="none">
+        <a:defRPr sz="1600" b="0" i="0" u="none" strike="noStrike" cap="none" spc="0" baseline="0">
           <a:ln>
             <a:noFill/>
           </a:ln>
@@ -2810,7 +2900,7 @@
         <a:buFontTx/>
         <a:buNone/>
         <a:tabLst/>
-        <a:defRPr b="0" baseline="0" cap="none" i="0" spc="0" strike="noStrike" sz="1600" u="none">
+        <a:defRPr sz="1600" b="0" i="0" u="none" strike="noStrike" cap="none" spc="0" baseline="0">
           <a:ln>
             <a:noFill/>
           </a:ln>
@@ -2839,7 +2929,7 @@
         <a:buFontTx/>
         <a:buNone/>
         <a:tabLst/>
-        <a:defRPr b="0" baseline="0" cap="none" i="0" spc="0" strike="noStrike" sz="1600" u="none">
+        <a:defRPr sz="1600" b="0" i="0" u="none" strike="noStrike" cap="none" spc="0" baseline="0">
           <a:ln>
             <a:noFill/>
           </a:ln>
@@ -2868,7 +2958,7 @@
         <a:buFontTx/>
         <a:buNone/>
         <a:tabLst/>
-        <a:defRPr b="0" baseline="0" cap="none" i="0" spc="0" strike="noStrike" sz="1600" u="none">
+        <a:defRPr sz="1600" b="0" i="0" u="none" strike="noStrike" cap="none" spc="0" baseline="0">
           <a:ln>
             <a:noFill/>
           </a:ln>
@@ -2897,7 +2987,7 @@
         <a:buFontTx/>
         <a:buNone/>
         <a:tabLst/>
-        <a:defRPr b="0" baseline="0" cap="none" i="0" spc="0" strike="noStrike" sz="1600" u="none">
+        <a:defRPr sz="1600" b="0" i="0" u="none" strike="noStrike" cap="none" spc="0" baseline="0">
           <a:ln>
             <a:noFill/>
           </a:ln>
@@ -2926,7 +3016,7 @@
         <a:buFontTx/>
         <a:buNone/>
         <a:tabLst/>
-        <a:defRPr b="0" baseline="0" cap="none" i="0" spc="0" strike="noStrike" sz="1600" u="none">
+        <a:defRPr sz="1600" b="0" i="0" u="none" strike="noStrike" cap="none" spc="0" baseline="0">
           <a:ln>
             <a:noFill/>
           </a:ln>
@@ -2955,7 +3045,7 @@
         <a:buFontTx/>
         <a:buNone/>
         <a:tabLst/>
-        <a:defRPr b="0" baseline="0" cap="none" i="0" spc="0" strike="noStrike" sz="1600" u="none">
+        <a:defRPr sz="1600" b="0" i="0" u="none" strike="noStrike" cap="none" spc="0" baseline="0">
           <a:ln>
             <a:noFill/>
           </a:ln>
@@ -2984,7 +3074,7 @@
         <a:buFontTx/>
         <a:buNone/>
         <a:tabLst/>
-        <a:defRPr b="0" baseline="0" cap="none" i="0" spc="0" strike="noStrike" sz="1600" u="none">
+        <a:defRPr sz="1600" b="0" i="0" u="none" strike="noStrike" cap="none" spc="0" baseline="0">
           <a:ln>
             <a:noFill/>
           </a:ln>
@@ -3004,7 +3094,7 @@
 </file>
 
 <file path=ppt/slides/slide1.xml><?xml version="1.0" encoding="utf-8"?>
-<p:sld xmlns:a="http://schemas.openxmlformats.org/drawingml/2006/main" xmlns:r="http://schemas.openxmlformats.org/officeDocument/2006/relationships" xmlns:p="http://schemas.openxmlformats.org/presentationml/2006/main" showMasterSp="1" showMasterPhAnim="1">
+<p:sld xmlns:a="http://schemas.openxmlformats.org/drawingml/2006/main" xmlns:r="http://schemas.openxmlformats.org/officeDocument/2006/relationships" xmlns:p="http://schemas.openxmlformats.org/presentationml/2006/main">
   <p:cSld>
     <p:spTree>
       <p:nvGrpSpPr>
@@ -3023,7 +3113,9 @@
       <p:sp>
         <p:nvSpPr>
           <p:cNvPr id="119" name="MediaBin"/>
-          <p:cNvSpPr txBox="1"/>
+          <p:cNvSpPr txBox="1">
+            <a:spLocks noGrp="1"/>
+          </p:cNvSpPr>
           <p:nvPr>
             <p:ph type="ctrTitle"/>
           </p:nvPr>
@@ -3037,7 +3129,6 @@
           <a:bodyPr/>
           <a:lstStyle/>
           <a:p>
-            <a:pPr/>
             <a:r>
               <a:t>MediaBin</a:t>
             </a:r>
@@ -3047,7 +3138,9 @@
       <p:sp>
         <p:nvSpPr>
           <p:cNvPr id="120" name="What’s Next?"/>
-          <p:cNvSpPr txBox="1"/>
+          <p:cNvSpPr txBox="1">
+            <a:spLocks noGrp="1"/>
+          </p:cNvSpPr>
           <p:nvPr>
             <p:ph type="subTitle" sz="quarter" idx="1"/>
           </p:nvPr>
@@ -3061,7 +3154,6 @@
           <a:bodyPr/>
           <a:lstStyle/>
           <a:p>
-            <a:pPr/>
             <a:r>
               <a:t>What’s Next?</a:t>
             </a:r>
@@ -3073,12 +3165,12 @@
   <p:clrMapOvr>
     <a:masterClrMapping/>
   </p:clrMapOvr>
-  <p:transition xmlns:p14="http://schemas.microsoft.com/office/powerpoint/2010/main" spd="med" advClick="1"/>
+  <p:transition spd="med"/>
 </p:sld>
 </file>
 
 <file path=ppt/slides/slide10.xml><?xml version="1.0" encoding="utf-8"?>
-<p:sld xmlns:a="http://schemas.openxmlformats.org/drawingml/2006/main" xmlns:r="http://schemas.openxmlformats.org/officeDocument/2006/relationships" xmlns:p="http://schemas.openxmlformats.org/presentationml/2006/main" showMasterSp="1" showMasterPhAnim="1">
+<p:sld xmlns:a="http://schemas.openxmlformats.org/drawingml/2006/main" xmlns:r="http://schemas.openxmlformats.org/officeDocument/2006/relationships" xmlns:p="http://schemas.openxmlformats.org/presentationml/2006/main">
   <p:cSld>
     <p:spTree>
       <p:nvGrpSpPr>
@@ -3097,7 +3189,9 @@
       <p:sp>
         <p:nvSpPr>
           <p:cNvPr id="203" name="JEMM 2"/>
-          <p:cNvSpPr txBox="1"/>
+          <p:cNvSpPr txBox="1">
+            <a:spLocks noGrp="1"/>
+          </p:cNvSpPr>
           <p:nvPr>
             <p:ph type="body" sz="half" idx="1"/>
           </p:nvPr>
@@ -3121,7 +3215,6 @@
             </a:lvl1pPr>
           </a:lstStyle>
           <a:p>
-            <a:pPr/>
             <a:r>
               <a:t>JEMM 2</a:t>
             </a:r>
@@ -3131,7 +3224,9 @@
       <p:sp>
         <p:nvSpPr>
           <p:cNvPr id="204" name="There is Option 3"/>
-          <p:cNvSpPr txBox="1"/>
+          <p:cNvSpPr txBox="1">
+            <a:spLocks noGrp="1"/>
+          </p:cNvSpPr>
           <p:nvPr>
             <p:ph type="title" idx="4294967295"/>
           </p:nvPr>
@@ -3153,7 +3248,6 @@
             </a:lvl1pPr>
           </a:lstStyle>
           <a:p>
-            <a:pPr/>
             <a:r>
               <a:t>There is Option 3</a:t>
             </a:r>
@@ -3168,8 +3262,8 @@
         </p:nvSpPr>
         <p:spPr>
           <a:xfrm>
-            <a:off x="2030166" y="6467537"/>
-            <a:ext cx="8944468" cy="1774553"/>
+            <a:off x="525780" y="6467537"/>
+            <a:ext cx="12001500" cy="1774553"/>
           </a:xfrm>
           <a:prstGeom prst="rect">
             <a:avLst/>
@@ -3179,26 +3273,34 @@
           </a:ln>
           <a:extLst>
             <a:ext uri="{C572A759-6A51-4108-AA02-DFA0A04FC94B}">
-              <ma14:wrappingTextBoxFlag xmlns:ma14="http://schemas.microsoft.com/office/mac/drawingml/2011/main" val="1"/>
+              <ma14:wrappingTextBoxFlag xmlns:ma14="http://schemas.microsoft.com/office/mac/drawingml/2011/main" xmlns="" val="1"/>
             </a:ext>
           </a:extLst>
         </p:spPr>
         <p:txBody>
           <a:bodyPr lIns="50800" tIns="50800" rIns="50800" bIns="50800" anchor="ctr">
-            <a:normAutofit fontScale="100000" lnSpcReduction="0"/>
+            <a:normAutofit/>
           </a:bodyPr>
           <a:lstStyle>
             <a:lvl1pPr algn="l">
               <a:spcBef>
                 <a:spcPts val="4200"/>
               </a:spcBef>
-              <a:defRPr b="0" sz="5000"/>
+              <a:defRPr sz="5000" b="0"/>
             </a:lvl1pPr>
           </a:lstStyle>
           <a:p>
-            <a:pPr/>
-            <a:r>
-              <a:t>YES, we build our OWN DAM</a:t>
+            <a:r>
+              <a:rPr sz="4500" dirty="0"/>
+              <a:t>YES, </a:t>
+            </a:r>
+            <a:r>
+              <a:rPr lang="en-US" sz="4500" dirty="0"/>
+              <a:t>I’m suggesting </a:t>
+            </a:r>
+            <a:r>
+              <a:rPr sz="4500" dirty="0"/>
+              <a:t>we build our OWN DAM</a:t>
             </a:r>
           </a:p>
         </p:txBody>
@@ -3208,14 +3310,14 @@
   <p:clrMapOvr>
     <a:masterClrMapping/>
   </p:clrMapOvr>
-  <p:transition xmlns:p14="http://schemas.microsoft.com/office/powerpoint/2010/main" spd="med" advClick="1"/>
+  <p:transition spd="med"/>
   <p:timing>
     <p:tnLst>
       <p:par>
-        <p:cTn id="1" nodeType="tmRoot" restart="never" dur="indefinite" fill="hold">
+        <p:cTn id="1" dur="indefinite" restart="never" fill="hold" nodeType="tmRoot">
           <p:childTnLst>
             <p:seq concurrent="1" prevAc="none" nextAc="seek">
-              <p:cTn id="2" nodeType="mainSeq" dur="indefinite" fill="hold">
+              <p:cTn id="2" dur="indefinite" fill="hold" nodeType="mainSeq">
                 <p:childTnLst>
                   <p:par>
                     <p:cTn id="3" fill="hold">
@@ -3230,11 +3332,11 @@
                             </p:stCondLst>
                             <p:childTnLst>
                               <p:par>
-                                <p:cTn id="5" presetClass="entr" nodeType="clickEffect" presetID="9" grpId="1" fill="hold">
+                                <p:cTn id="5" presetID="9" presetClass="entr" fill="hold" grpId="1" nodeType="clickEffect">
                                   <p:stCondLst>
                                     <p:cond delay="0"/>
                                   </p:stCondLst>
-                                  <p:iterate type="el" backwards="0">
+                                  <p:iterate>
                                     <p:tmAbs val="0"/>
                                   </p:iterate>
                                   <p:childTnLst>
@@ -3252,7 +3354,7 @@
                                         <p:strVal val="visible"/>
                                       </p:to>
                                     </p:set>
-                                    <p:animEffect filter="dissolve" transition="in">
+                                    <p:animEffect transition="in" filter="dissolve">
                                       <p:cBhvr>
                                         <p:cTn id="7" dur="1500"/>
                                         <p:tgtEl>
@@ -3282,11 +3384,11 @@
                             </p:stCondLst>
                             <p:childTnLst>
                               <p:par>
-                                <p:cTn id="10" presetClass="entr" nodeType="clickEffect" presetSubtype="0" presetID="1" grpId="2" fill="hold">
+                                <p:cTn id="10" presetID="1" presetClass="entr" presetSubtype="0" fill="hold" grpId="2" nodeType="clickEffect">
                                   <p:stCondLst>
                                     <p:cond delay="0"/>
                                   </p:stCondLst>
-                                  <p:iterate type="el" backwards="0">
+                                  <p:iterate>
                                     <p:tmAbs val="0"/>
                                   </p:iterate>
                                   <p:childTnLst>
@@ -3316,14 +3418,14 @@
                 </p:childTnLst>
               </p:cTn>
               <p:prevCondLst>
-                <p:cond evt="onPrev">
+                <p:cond evt="onPrev" delay="0">
                   <p:tgtEl>
                     <p:sldTgt/>
                   </p:tgtEl>
                 </p:cond>
               </p:prevCondLst>
               <p:nextCondLst>
-                <p:cond evt="onNext">
+                <p:cond evt="onNext" delay="0">
                   <p:tgtEl>
                     <p:sldTgt/>
                   </p:tgtEl>
@@ -3335,15 +3437,15 @@
       </p:par>
     </p:tnLst>
     <p:bldLst>
-      <p:bldP build="whole" bldLvl="1" animBg="1" rev="0" advAuto="0" spid="203" grpId="1"/>
-      <p:bldP build="whole" bldLvl="1" animBg="1" rev="0" advAuto="0" spid="205" grpId="2"/>
+      <p:bldP spid="203" grpId="1" animBg="1" advAuto="0"/>
+      <p:bldP spid="205" grpId="2" animBg="1" advAuto="0"/>
     </p:bldLst>
   </p:timing>
 </p:sld>
 </file>
 
 <file path=ppt/slides/slide11.xml><?xml version="1.0" encoding="utf-8"?>
-<p:sld xmlns:a="http://schemas.openxmlformats.org/drawingml/2006/main" xmlns:r="http://schemas.openxmlformats.org/officeDocument/2006/relationships" xmlns:p="http://schemas.openxmlformats.org/presentationml/2006/main" showMasterSp="1" showMasterPhAnim="1">
+<p:sld xmlns:a="http://schemas.openxmlformats.org/drawingml/2006/main" xmlns:r="http://schemas.openxmlformats.org/officeDocument/2006/relationships" xmlns:p="http://schemas.openxmlformats.org/presentationml/2006/main">
   <p:cSld>
     <p:spTree>
       <p:nvGrpSpPr>
@@ -3362,7 +3464,9 @@
       <p:sp>
         <p:nvSpPr>
           <p:cNvPr id="207" name="JEMM2 Technology Stack"/>
-          <p:cNvSpPr txBox="1"/>
+          <p:cNvSpPr txBox="1">
+            <a:spLocks noGrp="1"/>
+          </p:cNvSpPr>
           <p:nvPr>
             <p:ph type="title" idx="4294967295"/>
           </p:nvPr>
@@ -3377,14 +3481,15 @@
           </a:prstGeom>
         </p:spPr>
         <p:txBody>
-          <a:bodyPr/>
+          <a:bodyPr>
+            <a:normAutofit fontScale="90000"/>
+          </a:bodyPr>
           <a:lstStyle>
             <a:lvl1pPr defTabSz="543305">
               <a:defRPr sz="3720"/>
             </a:lvl1pPr>
           </a:lstStyle>
           <a:p>
-            <a:pPr/>
             <a:r>
               <a:t>JEMM2 Technology Stack</a:t>
             </a:r>
@@ -3436,7 +3541,7 @@
             <a:lstStyle/>
             <a:p>
               <a:pPr>
-                <a:defRPr b="0" sz="2200">
+                <a:defRPr sz="2200" b="0">
                   <a:solidFill>
                     <a:srgbClr val="FFFFFF"/>
                   </a:solidFill>
@@ -3446,6 +3551,7 @@
                   <a:sym typeface="Helvetica Neue Medium"/>
                 </a:defRPr>
               </a:pPr>
+              <a:endParaRPr/>
             </a:p>
           </p:txBody>
         </p:sp>
@@ -3471,7 +3577,7 @@
             <a:effectLst/>
             <a:extLst>
               <a:ext uri="{C572A759-6A51-4108-AA02-DFA0A04FC94B}">
-                <ma14:wrappingTextBoxFlag xmlns:ma14="http://schemas.microsoft.com/office/mac/drawingml/2011/main" val="1"/>
+                <ma14:wrappingTextBoxFlag xmlns:ma14="http://schemas.microsoft.com/office/mac/drawingml/2011/main" xmlns="" val="1"/>
               </a:ext>
             </a:extLst>
           </p:spPr>
@@ -3492,10 +3598,11 @@
               <a:pPr>
                 <a:defRPr sz="2000"/>
               </a:pPr>
+              <a:endParaRPr/>
             </a:p>
             <a:p>
               <a:pPr>
-                <a:defRPr b="0" i="1" sz="2000"/>
+                <a:defRPr sz="2000" b="0" i="1"/>
               </a:pPr>
               <a:r>
                 <a:t>Web Applications</a:t>
@@ -3505,10 +3612,11 @@
               <a:pPr>
                 <a:defRPr sz="2000"/>
               </a:pPr>
+              <a:endParaRPr/>
             </a:p>
             <a:p>
               <a:pPr>
-                <a:defRPr b="0" i="1" sz="2000"/>
+                <a:defRPr sz="2000" b="0" i="1"/>
               </a:pPr>
               <a:r>
                 <a:t>Automations</a:t>
@@ -3562,7 +3670,7 @@
             <a:lstStyle/>
             <a:p>
               <a:pPr>
-                <a:defRPr b="0" sz="2200">
+                <a:defRPr sz="2200" b="0">
                   <a:solidFill>
                     <a:srgbClr val="FFFFFF"/>
                   </a:solidFill>
@@ -3572,6 +3680,7 @@
                   <a:sym typeface="Helvetica Neue Medium"/>
                 </a:defRPr>
               </a:pPr>
+              <a:endParaRPr/>
             </a:p>
           </p:txBody>
         </p:sp>
@@ -3597,7 +3706,7 @@
             <a:effectLst/>
             <a:extLst>
               <a:ext uri="{C572A759-6A51-4108-AA02-DFA0A04FC94B}">
-                <ma14:wrappingTextBoxFlag xmlns:ma14="http://schemas.microsoft.com/office/mac/drawingml/2011/main" val="1"/>
+                <ma14:wrappingTextBoxFlag xmlns:ma14="http://schemas.microsoft.com/office/mac/drawingml/2011/main" xmlns="" val="1"/>
               </a:ext>
             </a:extLst>
           </p:spPr>
@@ -3618,10 +3727,11 @@
               <a:pPr>
                 <a:defRPr sz="2000"/>
               </a:pPr>
+              <a:endParaRPr/>
             </a:p>
             <a:p>
               <a:pPr>
-                <a:defRPr b="0" i="1" sz="2000"/>
+                <a:defRPr sz="2000" b="0" i="1"/>
               </a:pPr>
               <a:r>
                 <a:t>Database</a:t>
@@ -3675,7 +3785,7 @@
             <a:lstStyle/>
             <a:p>
               <a:pPr>
-                <a:defRPr b="0" sz="2200">
+                <a:defRPr sz="2200" b="0">
                   <a:solidFill>
                     <a:srgbClr val="FFFFFF"/>
                   </a:solidFill>
@@ -3685,6 +3795,7 @@
                   <a:sym typeface="Helvetica Neue Medium"/>
                 </a:defRPr>
               </a:pPr>
+              <a:endParaRPr/>
             </a:p>
           </p:txBody>
         </p:sp>
@@ -3710,7 +3821,7 @@
             <a:effectLst/>
             <a:extLst>
               <a:ext uri="{C572A759-6A51-4108-AA02-DFA0A04FC94B}">
-                <ma14:wrappingTextBoxFlag xmlns:ma14="http://schemas.microsoft.com/office/mac/drawingml/2011/main" val="1"/>
+                <ma14:wrappingTextBoxFlag xmlns:ma14="http://schemas.microsoft.com/office/mac/drawingml/2011/main" xmlns="" val="1"/>
               </a:ext>
             </a:extLst>
           </p:spPr>
@@ -3731,10 +3842,11 @@
               <a:pPr>
                 <a:defRPr sz="2000"/>
               </a:pPr>
+              <a:endParaRPr/>
             </a:p>
             <a:p>
               <a:pPr>
-                <a:defRPr b="0" i="1" sz="2000"/>
+                <a:defRPr sz="2000" b="0" i="1"/>
               </a:pPr>
               <a:r>
                 <a:t>Search</a:t>
@@ -3770,7 +3882,7 @@
           <a:lstStyle/>
           <a:p>
             <a:pPr>
-              <a:defRPr b="0" sz="2200">
+              <a:defRPr sz="2200" b="0">
                 <a:solidFill>
                   <a:srgbClr val="FFFFFF"/>
                 </a:solidFill>
@@ -3780,6 +3892,7 @@
                 <a:sym typeface="Helvetica Neue Medium"/>
               </a:defRPr>
             </a:pPr>
+            <a:endParaRPr/>
           </a:p>
         </p:txBody>
       </p:sp>
@@ -3810,7 +3923,7 @@
           <a:lstStyle/>
           <a:p>
             <a:pPr>
-              <a:defRPr b="0" sz="2200">
+              <a:defRPr sz="2200" b="0">
                 <a:solidFill>
                   <a:srgbClr val="FFFFFF"/>
                 </a:solidFill>
@@ -3820,6 +3933,7 @@
                 <a:sym typeface="Helvetica Neue Medium"/>
               </a:defRPr>
             </a:pPr>
+            <a:endParaRPr/>
           </a:p>
         </p:txBody>
       </p:sp>
@@ -3868,7 +3982,7 @@
             <a:lstStyle/>
             <a:p>
               <a:pPr>
-                <a:defRPr b="0" sz="2200">
+                <a:defRPr sz="2200" b="0">
                   <a:solidFill>
                     <a:srgbClr val="FFFFFF"/>
                   </a:solidFill>
@@ -3878,6 +3992,7 @@
                   <a:sym typeface="Helvetica Neue Medium"/>
                 </a:defRPr>
               </a:pPr>
+              <a:endParaRPr/>
             </a:p>
           </p:txBody>
         </p:sp>
@@ -3903,7 +4018,7 @@
             <a:effectLst/>
             <a:extLst>
               <a:ext uri="{C572A759-6A51-4108-AA02-DFA0A04FC94B}">
-                <ma14:wrappingTextBoxFlag xmlns:ma14="http://schemas.microsoft.com/office/mac/drawingml/2011/main" val="1"/>
+                <ma14:wrappingTextBoxFlag xmlns:ma14="http://schemas.microsoft.com/office/mac/drawingml/2011/main" xmlns="" val="1"/>
               </a:ext>
             </a:extLst>
           </p:spPr>
@@ -3916,7 +4031,20 @@
               <a:pPr>
                 <a:defRPr sz="2000"/>
               </a:pPr>
+              <a:endParaRPr lang="en-US" dirty="0"/>
+            </a:p>
+            <a:p>
+              <a:pPr>
+                <a:defRPr sz="2000"/>
+              </a:pPr>
+              <a:endParaRPr lang="en-US" dirty="0"/>
+            </a:p>
+            <a:p>
+              <a:pPr>
+                <a:defRPr sz="2000"/>
+              </a:pPr>
               <a:r>
+                <a:rPr dirty="0"/>
                 <a:t>Asset File Storage Network Drive</a:t>
               </a:r>
             </a:p>
@@ -3924,11 +4052,13 @@
               <a:pPr>
                 <a:defRPr sz="2000"/>
               </a:pPr>
+              <a:endParaRPr dirty="0"/>
             </a:p>
             <a:p>
               <a:pPr>
                 <a:defRPr sz="2000"/>
               </a:pPr>
+              <a:endParaRPr dirty="0"/>
             </a:p>
           </p:txBody>
         </p:sp>
@@ -3960,7 +4090,7 @@
           <a:lstStyle/>
           <a:p>
             <a:pPr>
-              <a:defRPr b="0" sz="2200">
+              <a:defRPr sz="2200" b="0">
                 <a:solidFill>
                   <a:srgbClr val="FFFFFF"/>
                 </a:solidFill>
@@ -3970,6 +4100,7 @@
                 <a:sym typeface="Helvetica Neue Medium"/>
               </a:defRPr>
             </a:pPr>
+            <a:endParaRPr/>
           </a:p>
         </p:txBody>
       </p:sp>
@@ -3978,14 +4109,14 @@
   <p:clrMapOvr>
     <a:masterClrMapping/>
   </p:clrMapOvr>
-  <p:transition xmlns:p14="http://schemas.microsoft.com/office/powerpoint/2010/main" spd="med" advClick="1"/>
+  <p:transition spd="med"/>
   <p:timing>
     <p:tnLst>
       <p:par>
-        <p:cTn id="1" nodeType="tmRoot" restart="never" dur="indefinite" fill="hold">
+        <p:cTn id="1" dur="indefinite" restart="never" fill="hold" nodeType="tmRoot">
           <p:childTnLst>
             <p:seq concurrent="1" prevAc="none" nextAc="seek">
-              <p:cTn id="2" nodeType="mainSeq" dur="indefinite" fill="hold">
+              <p:cTn id="2" dur="indefinite" fill="hold" nodeType="mainSeq">
                 <p:childTnLst>
                   <p:par>
                     <p:cTn id="3" fill="hold">
@@ -4000,11 +4131,11 @@
                             </p:stCondLst>
                             <p:childTnLst>
                               <p:par>
-                                <p:cTn id="5" presetClass="entr" nodeType="clickEffect" presetSubtype="0" presetID="1" grpId="1" fill="hold">
+                                <p:cTn id="5" presetID="1" presetClass="entr" presetSubtype="0" fill="hold" grpId="1" nodeType="clickEffect">
                                   <p:stCondLst>
                                     <p:cond delay="0"/>
                                   </p:stCondLst>
-                                  <p:iterate type="el" backwards="0">
+                                  <p:iterate>
                                     <p:tmAbs val="0"/>
                                   </p:iterate>
                                   <p:childTnLst>
@@ -4044,11 +4175,11 @@
                             </p:stCondLst>
                             <p:childTnLst>
                               <p:par>
-                                <p:cTn id="9" presetClass="entr" nodeType="clickEffect" presetSubtype="0" presetID="1" grpId="2" fill="hold">
+                                <p:cTn id="9" presetID="1" presetClass="entr" presetSubtype="0" fill="hold" grpId="2" nodeType="clickEffect">
                                   <p:stCondLst>
                                     <p:cond delay="0"/>
                                   </p:stCondLst>
-                                  <p:iterate type="el" backwards="0">
+                                  <p:iterate>
                                     <p:tmAbs val="0"/>
                                   </p:iterate>
                                   <p:childTnLst>
@@ -4088,11 +4219,11 @@
                             </p:stCondLst>
                             <p:childTnLst>
                               <p:par>
-                                <p:cTn id="13" presetClass="entr" nodeType="clickEffect" presetSubtype="0" presetID="1" grpId="3" fill="hold">
+                                <p:cTn id="13" presetID="1" presetClass="entr" presetSubtype="0" fill="hold" grpId="3" nodeType="clickEffect">
                                   <p:stCondLst>
                                     <p:cond delay="0"/>
                                   </p:stCondLst>
-                                  <p:iterate type="el" backwards="0">
+                                  <p:iterate>
                                     <p:tmAbs val="0"/>
                                   </p:iterate>
                                   <p:childTnLst>
@@ -4132,11 +4263,11 @@
                             </p:stCondLst>
                             <p:childTnLst>
                               <p:par>
-                                <p:cTn id="17" presetClass="entr" nodeType="clickEffect" presetSubtype="0" presetID="1" grpId="4" fill="hold">
+                                <p:cTn id="17" presetID="1" presetClass="entr" presetSubtype="0" fill="hold" grpId="4" nodeType="clickEffect">
                                   <p:stCondLst>
                                     <p:cond delay="0"/>
                                   </p:stCondLst>
-                                  <p:iterate type="el" backwards="0">
+                                  <p:iterate>
                                     <p:tmAbs val="0"/>
                                   </p:iterate>
                                   <p:childTnLst>
@@ -4176,11 +4307,11 @@
                             </p:stCondLst>
                             <p:childTnLst>
                               <p:par>
-                                <p:cTn id="21" presetClass="entr" nodeType="clickEffect" presetSubtype="0" presetID="1" grpId="5" fill="hold">
+                                <p:cTn id="21" presetID="1" presetClass="entr" presetSubtype="0" fill="hold" grpId="5" nodeType="clickEffect">
                                   <p:stCondLst>
                                     <p:cond delay="0"/>
                                   </p:stCondLst>
-                                  <p:iterate type="el" backwards="0">
+                                  <p:iterate>
                                     <p:tmAbs val="0"/>
                                   </p:iterate>
                                   <p:childTnLst>
@@ -4220,11 +4351,11 @@
                             </p:stCondLst>
                             <p:childTnLst>
                               <p:par>
-                                <p:cTn id="25" presetClass="entr" nodeType="clickEffect" presetSubtype="0" presetID="1" grpId="6" fill="hold">
+                                <p:cTn id="25" presetID="1" presetClass="entr" presetSubtype="0" fill="hold" grpId="6" nodeType="clickEffect">
                                   <p:stCondLst>
                                     <p:cond delay="0"/>
                                   </p:stCondLst>
-                                  <p:iterate type="el" backwards="0">
+                                  <p:iterate>
                                     <p:tmAbs val="0"/>
                                   </p:iterate>
                                   <p:childTnLst>
@@ -4264,11 +4395,11 @@
                             </p:stCondLst>
                             <p:childTnLst>
                               <p:par>
-                                <p:cTn id="29" presetClass="entr" nodeType="clickEffect" presetSubtype="0" presetID="1" grpId="7" fill="hold">
+                                <p:cTn id="29" presetID="1" presetClass="entr" presetSubtype="0" fill="hold" grpId="7" nodeType="clickEffect">
                                   <p:stCondLst>
                                     <p:cond delay="0"/>
                                   </p:stCondLst>
-                                  <p:iterate type="el" backwards="0">
+                                  <p:iterate>
                                     <p:tmAbs val="0"/>
                                   </p:iterate>
                                   <p:childTnLst>
@@ -4298,14 +4429,14 @@
                 </p:childTnLst>
               </p:cTn>
               <p:prevCondLst>
-                <p:cond evt="onPrev">
+                <p:cond evt="onPrev" delay="0">
                   <p:tgtEl>
                     <p:sldTgt/>
                   </p:tgtEl>
                 </p:cond>
               </p:prevCondLst>
               <p:nextCondLst>
-                <p:cond evt="onNext">
+                <p:cond evt="onNext" delay="0">
                   <p:tgtEl>
                     <p:sldTgt/>
                   </p:tgtEl>
@@ -4317,20 +4448,20 @@
       </p:par>
     </p:tnLst>
     <p:bldLst>
-      <p:bldP build="whole" bldLvl="1" animBg="1" rev="0" advAuto="0" spid="210" grpId="1"/>
-      <p:bldP build="whole" bldLvl="1" animBg="1" rev="0" advAuto="0" spid="213" grpId="5"/>
-      <p:bldP build="whole" bldLvl="1" animBg="1" rev="0" advAuto="0" spid="217" grpId="4"/>
-      <p:bldP build="whole" bldLvl="1" animBg="1" rev="0" advAuto="0" spid="221" grpId="3"/>
-      <p:bldP build="whole" bldLvl="1" animBg="1" rev="0" advAuto="0" spid="216" grpId="7"/>
-      <p:bldP build="whole" bldLvl="1" animBg="1" rev="0" advAuto="0" spid="218" grpId="6"/>
-      <p:bldP build="whole" bldLvl="1" animBg="1" rev="0" advAuto="0" spid="222" grpId="2"/>
+      <p:bldP spid="210" grpId="1" animBg="1" advAuto="0"/>
+      <p:bldP spid="213" grpId="5" animBg="1" advAuto="0"/>
+      <p:bldP spid="216" grpId="7" animBg="1" advAuto="0"/>
+      <p:bldP spid="217" grpId="4" animBg="1" advAuto="0"/>
+      <p:bldP spid="218" grpId="6" animBg="1" advAuto="0"/>
+      <p:bldP spid="221" grpId="3" animBg="1" advAuto="0"/>
+      <p:bldP spid="222" grpId="2" animBg="1" advAuto="0"/>
     </p:bldLst>
   </p:timing>
 </p:sld>
 </file>
 
 <file path=ppt/slides/slide12.xml><?xml version="1.0" encoding="utf-8"?>
-<p:sld xmlns:a="http://schemas.openxmlformats.org/drawingml/2006/main" xmlns:r="http://schemas.openxmlformats.org/officeDocument/2006/relationships" xmlns:p="http://schemas.openxmlformats.org/presentationml/2006/main" showMasterSp="1" showMasterPhAnim="1">
+<p:sld xmlns:a="http://schemas.openxmlformats.org/drawingml/2006/main" xmlns:r="http://schemas.openxmlformats.org/officeDocument/2006/relationships" xmlns:p="http://schemas.openxmlformats.org/presentationml/2006/main">
   <p:cSld>
     <p:spTree>
       <p:nvGrpSpPr>
@@ -4405,7 +4536,7 @@
               <a:lstStyle/>
               <a:p>
                 <a:pPr>
-                  <a:defRPr b="0" sz="2200">
+                  <a:defRPr sz="2200" b="0">
                     <a:solidFill>
                       <a:srgbClr val="FFFFFF"/>
                     </a:solidFill>
@@ -4415,6 +4546,7 @@
                     <a:sym typeface="Helvetica Neue Medium"/>
                   </a:defRPr>
                 </a:pPr>
+                <a:endParaRPr/>
               </a:p>
             </p:txBody>
           </p:sp>
@@ -4440,7 +4572,7 @@
               <a:effectLst/>
               <a:extLst>
                 <a:ext uri="{C572A759-6A51-4108-AA02-DFA0A04FC94B}">
-                  <ma14:wrappingTextBoxFlag xmlns:ma14="http://schemas.microsoft.com/office/mac/drawingml/2011/main" val="1"/>
+                  <ma14:wrappingTextBoxFlag xmlns:ma14="http://schemas.microsoft.com/office/mac/drawingml/2011/main" xmlns="" val="1"/>
                 </a:ext>
               </a:extLst>
             </p:spPr>
@@ -4450,7 +4582,6 @@
               </a:bodyPr>
               <a:lstStyle/>
               <a:p>
-                <a:pPr/>
                 <a:r>
                   <a:t>Metadata</a:t>
                 </a:r>
@@ -4490,7 +4621,7 @@
             <a:lstStyle/>
             <a:p>
               <a:pPr>
-                <a:defRPr b="0" sz="2200">
+                <a:defRPr sz="2200" b="0">
                   <a:solidFill>
                     <a:srgbClr val="FFFFFF"/>
                   </a:solidFill>
@@ -4500,6 +4631,7 @@
                   <a:sym typeface="Helvetica Neue Medium"/>
                 </a:defRPr>
               </a:pPr>
+              <a:endParaRPr/>
             </a:p>
           </p:txBody>
         </p:sp>
@@ -4548,7 +4680,7 @@
               <a:lstStyle/>
               <a:p>
                 <a:pPr>
-                  <a:defRPr b="0" sz="2200">
+                  <a:defRPr sz="2200" b="0">
                     <a:solidFill>
                       <a:srgbClr val="FFFFFF"/>
                     </a:solidFill>
@@ -4558,6 +4690,7 @@
                     <a:sym typeface="Helvetica Neue Medium"/>
                   </a:defRPr>
                 </a:pPr>
+                <a:endParaRPr/>
               </a:p>
             </p:txBody>
           </p:sp>
@@ -4583,7 +4716,7 @@
               <a:effectLst/>
               <a:extLst>
                 <a:ext uri="{C572A759-6A51-4108-AA02-DFA0A04FC94B}">
-                  <ma14:wrappingTextBoxFlag xmlns:ma14="http://schemas.microsoft.com/office/mac/drawingml/2011/main" val="1"/>
+                  <ma14:wrappingTextBoxFlag xmlns:ma14="http://schemas.microsoft.com/office/mac/drawingml/2011/main" xmlns="" val="1"/>
                 </a:ext>
               </a:extLst>
             </p:spPr>
@@ -4593,13 +4726,11 @@
               </a:bodyPr>
               <a:lstStyle/>
               <a:p>
-                <a:pPr/>
                 <a:r>
                   <a:t>Content</a:t>
                 </a:r>
               </a:p>
               <a:p>
-                <a:pPr/>
                 <a:r>
                   <a:t>Description</a:t>
                 </a:r>
@@ -4638,7 +4769,7 @@
               </a:cxnLst>
               <a:rect l="0" t="0" r="r" b="b"/>
               <a:pathLst>
-                <a:path w="21600" h="21600" fill="norm" stroke="1" extrusionOk="0">
+                <a:path w="21600" h="21600" extrusionOk="0">
                   <a:moveTo>
                     <a:pt x="0" y="10800"/>
                   </a:moveTo>
@@ -4671,7 +4802,7 @@
             <a:lstStyle/>
             <a:p>
               <a:pPr>
-                <a:defRPr b="0" sz="2200">
+                <a:defRPr sz="2200" b="0">
                   <a:solidFill>
                     <a:srgbClr val="FFFFFF"/>
                   </a:solidFill>
@@ -4681,6 +4812,7 @@
                   <a:sym typeface="Helvetica Neue Medium"/>
                 </a:defRPr>
               </a:pPr>
+              <a:endParaRPr/>
             </a:p>
           </p:txBody>
         </p:sp>
@@ -4715,7 +4847,7 @@
             <a:lstStyle/>
             <a:p>
               <a:pPr>
-                <a:defRPr b="0" sz="2200">
+                <a:defRPr sz="2200" b="0">
                   <a:solidFill>
                     <a:srgbClr val="FFFFFF"/>
                   </a:solidFill>
@@ -4725,6 +4857,7 @@
                   <a:sym typeface="Helvetica Neue Medium"/>
                 </a:defRPr>
               </a:pPr>
+              <a:endParaRPr/>
             </a:p>
           </p:txBody>
         </p:sp>
@@ -4759,7 +4892,7 @@
             <a:lstStyle/>
             <a:p>
               <a:pPr>
-                <a:defRPr b="0" sz="2200">
+                <a:defRPr sz="2200" b="0">
                   <a:solidFill>
                     <a:srgbClr val="FFFFFF"/>
                   </a:solidFill>
@@ -4769,6 +4902,7 @@
                   <a:sym typeface="Helvetica Neue Medium"/>
                 </a:defRPr>
               </a:pPr>
+              <a:endParaRPr/>
             </a:p>
           </p:txBody>
         </p:sp>
@@ -4817,7 +4951,7 @@
               <a:lstStyle/>
               <a:p>
                 <a:pPr>
-                  <a:defRPr b="0" sz="2200">
+                  <a:defRPr sz="2200" b="0">
                     <a:solidFill>
                       <a:srgbClr val="FFFFFF"/>
                     </a:solidFill>
@@ -4827,6 +4961,7 @@
                     <a:sym typeface="Helvetica Neue Medium"/>
                   </a:defRPr>
                 </a:pPr>
+                <a:endParaRPr/>
               </a:p>
             </p:txBody>
           </p:sp>
@@ -4852,7 +4987,7 @@
               <a:effectLst/>
               <a:extLst>
                 <a:ext uri="{C572A759-6A51-4108-AA02-DFA0A04FC94B}">
-                  <ma14:wrappingTextBoxFlag xmlns:ma14="http://schemas.microsoft.com/office/mac/drawingml/2011/main" val="1"/>
+                  <ma14:wrappingTextBoxFlag xmlns:ma14="http://schemas.microsoft.com/office/mac/drawingml/2011/main" xmlns="" val="1"/>
                 </a:ext>
               </a:extLst>
             </p:spPr>
@@ -4862,7 +4997,6 @@
               </a:bodyPr>
               <a:lstStyle/>
               <a:p>
-                <a:pPr/>
                 <a:r>
                   <a:t>Design</a:t>
                 </a:r>
@@ -4901,7 +5035,7 @@
             <a:lstStyle/>
             <a:p>
               <a:pPr>
-                <a:defRPr b="0" sz="2200">
+                <a:defRPr sz="2200" b="0">
                   <a:solidFill>
                     <a:srgbClr val="FFFFFF"/>
                   </a:solidFill>
@@ -4911,6 +5045,7 @@
                   <a:sym typeface="Helvetica Neue Medium"/>
                 </a:defRPr>
               </a:pPr>
+              <a:endParaRPr/>
             </a:p>
           </p:txBody>
         </p:sp>
@@ -4959,7 +5094,7 @@
               <a:lstStyle/>
               <a:p>
                 <a:pPr>
-                  <a:defRPr b="0" sz="2200">
+                  <a:defRPr sz="2200" b="0">
                     <a:solidFill>
                       <a:srgbClr val="FFFFFF"/>
                     </a:solidFill>
@@ -4969,6 +5104,7 @@
                     <a:sym typeface="Helvetica Neue Medium"/>
                   </a:defRPr>
                 </a:pPr>
+                <a:endParaRPr/>
               </a:p>
             </p:txBody>
           </p:sp>
@@ -4994,7 +5130,7 @@
               <a:effectLst/>
               <a:extLst>
                 <a:ext uri="{C572A759-6A51-4108-AA02-DFA0A04FC94B}">
-                  <ma14:wrappingTextBoxFlag xmlns:ma14="http://schemas.microsoft.com/office/mac/drawingml/2011/main" val="1"/>
+                  <ma14:wrappingTextBoxFlag xmlns:ma14="http://schemas.microsoft.com/office/mac/drawingml/2011/main" xmlns="" val="1"/>
                 </a:ext>
               </a:extLst>
             </p:spPr>
@@ -5004,13 +5140,16 @@
               </a:bodyPr>
               <a:lstStyle/>
               <a:p>
-                <a:pPr/>
+                <a:endParaRPr lang="en-US" dirty="0"/>
+              </a:p>
+              <a:p>
                 <a:r>
+                  <a:rPr dirty="0"/>
                   <a:t>Part</a:t>
                 </a:r>
               </a:p>
               <a:p>
-                <a:pPr/>
+                <a:endParaRPr dirty="0"/>
               </a:p>
             </p:txBody>
           </p:sp>
@@ -5060,7 +5199,7 @@
               <a:lstStyle/>
               <a:p>
                 <a:pPr>
-                  <a:defRPr b="0" sz="2200">
+                  <a:defRPr sz="2200" b="0">
                     <a:solidFill>
                       <a:srgbClr val="FFFFFF"/>
                     </a:solidFill>
@@ -5070,6 +5209,7 @@
                     <a:sym typeface="Helvetica Neue Medium"/>
                   </a:defRPr>
                 </a:pPr>
+                <a:endParaRPr/>
               </a:p>
             </p:txBody>
           </p:sp>
@@ -5095,7 +5235,7 @@
               <a:effectLst/>
               <a:extLst>
                 <a:ext uri="{C572A759-6A51-4108-AA02-DFA0A04FC94B}">
-                  <ma14:wrappingTextBoxFlag xmlns:ma14="http://schemas.microsoft.com/office/mac/drawingml/2011/main" val="1"/>
+                  <ma14:wrappingTextBoxFlag xmlns:ma14="http://schemas.microsoft.com/office/mac/drawingml/2011/main" xmlns="" val="1"/>
                 </a:ext>
               </a:extLst>
             </p:spPr>
@@ -5105,13 +5245,16 @@
               </a:bodyPr>
               <a:lstStyle/>
               <a:p>
-                <a:pPr/>
+                <a:endParaRPr lang="en-US" dirty="0"/>
+              </a:p>
+              <a:p>
                 <a:r>
+                  <a:rPr dirty="0"/>
                   <a:t>Customer</a:t>
                 </a:r>
               </a:p>
               <a:p>
-                <a:pPr/>
+                <a:endParaRPr dirty="0"/>
               </a:p>
             </p:txBody>
           </p:sp>
@@ -5161,7 +5304,7 @@
               <a:lstStyle/>
               <a:p>
                 <a:pPr>
-                  <a:defRPr b="0" sz="2200">
+                  <a:defRPr sz="2200" b="0">
                     <a:solidFill>
                       <a:srgbClr val="FFFFFF"/>
                     </a:solidFill>
@@ -5171,6 +5314,7 @@
                     <a:sym typeface="Helvetica Neue Medium"/>
                   </a:defRPr>
                 </a:pPr>
+                <a:endParaRPr/>
               </a:p>
             </p:txBody>
           </p:sp>
@@ -5196,7 +5340,7 @@
               <a:effectLst/>
               <a:extLst>
                 <a:ext uri="{C572A759-6A51-4108-AA02-DFA0A04FC94B}">
-                  <ma14:wrappingTextBoxFlag xmlns:ma14="http://schemas.microsoft.com/office/mac/drawingml/2011/main" val="1"/>
+                  <ma14:wrappingTextBoxFlag xmlns:ma14="http://schemas.microsoft.com/office/mac/drawingml/2011/main" xmlns="" val="1"/>
                 </a:ext>
               </a:extLst>
             </p:spPr>
@@ -5206,16 +5350,22 @@
               </a:bodyPr>
               <a:lstStyle/>
               <a:p>
-                <a:pPr/>
+                <a:endParaRPr lang="en-US" dirty="0"/>
+              </a:p>
+              <a:p>
+                <a:endParaRPr lang="en-US" dirty="0"/>
+              </a:p>
+              <a:p>
                 <a:r>
+                  <a:rPr dirty="0"/>
                   <a:t>Package</a:t>
                 </a:r>
               </a:p>
               <a:p>
-                <a:pPr/>
+                <a:endParaRPr dirty="0"/>
               </a:p>
               <a:p>
-                <a:pPr/>
+                <a:endParaRPr dirty="0"/>
               </a:p>
             </p:txBody>
           </p:sp>
@@ -5265,7 +5415,7 @@
               <a:lstStyle/>
               <a:p>
                 <a:pPr>
-                  <a:defRPr b="0" sz="2200">
+                  <a:defRPr sz="2200" b="0">
                     <a:solidFill>
                       <a:srgbClr val="FFFFFF"/>
                     </a:solidFill>
@@ -5275,6 +5425,7 @@
                     <a:sym typeface="Helvetica Neue Medium"/>
                   </a:defRPr>
                 </a:pPr>
+                <a:endParaRPr/>
               </a:p>
             </p:txBody>
           </p:sp>
@@ -5300,7 +5451,7 @@
               <a:effectLst/>
               <a:extLst>
                 <a:ext uri="{C572A759-6A51-4108-AA02-DFA0A04FC94B}">
-                  <ma14:wrappingTextBoxFlag xmlns:ma14="http://schemas.microsoft.com/office/mac/drawingml/2011/main" val="1"/>
+                  <ma14:wrappingTextBoxFlag xmlns:ma14="http://schemas.microsoft.com/office/mac/drawingml/2011/main" xmlns="" val="1"/>
                 </a:ext>
               </a:extLst>
             </p:spPr>
@@ -5310,13 +5461,11 @@
               </a:bodyPr>
               <a:lstStyle/>
               <a:p>
-                <a:pPr/>
                 <a:r>
                   <a:t>Customer_Package</a:t>
                 </a:r>
               </a:p>
               <a:p>
-                <a:pPr/>
                 <a:r>
                   <a:t>Package</a:t>
                 </a:r>
@@ -5356,7 +5505,7 @@
             <a:lstStyle/>
             <a:p>
               <a:pPr>
-                <a:defRPr b="0" sz="2200">
+                <a:defRPr sz="2200" b="0">
                   <a:solidFill>
                     <a:srgbClr val="FFFFFF"/>
                   </a:solidFill>
@@ -5366,6 +5515,7 @@
                   <a:sym typeface="Helvetica Neue Medium"/>
                 </a:defRPr>
               </a:pPr>
+              <a:endParaRPr/>
             </a:p>
           </p:txBody>
         </p:sp>
@@ -5401,7 +5551,7 @@
             <a:lstStyle/>
             <a:p>
               <a:pPr>
-                <a:defRPr b="0" sz="2200">
+                <a:defRPr sz="2200" b="0">
                   <a:solidFill>
                     <a:srgbClr val="FFFFFF"/>
                   </a:solidFill>
@@ -5411,6 +5561,7 @@
                   <a:sym typeface="Helvetica Neue Medium"/>
                 </a:defRPr>
               </a:pPr>
+              <a:endParaRPr/>
             </a:p>
           </p:txBody>
         </p:sp>
@@ -5446,7 +5597,7 @@
             <a:lstStyle/>
             <a:p>
               <a:pPr>
-                <a:defRPr b="0" sz="2200">
+                <a:defRPr sz="2200" b="0">
                   <a:solidFill>
                     <a:srgbClr val="FFFFFF"/>
                   </a:solidFill>
@@ -5456,6 +5607,7 @@
                   <a:sym typeface="Helvetica Neue Medium"/>
                 </a:defRPr>
               </a:pPr>
+              <a:endParaRPr/>
             </a:p>
           </p:txBody>
         </p:sp>
@@ -5504,7 +5656,7 @@
               <a:lstStyle/>
               <a:p>
                 <a:pPr>
-                  <a:defRPr b="0" sz="2200">
+                  <a:defRPr sz="2200" b="0">
                     <a:solidFill>
                       <a:srgbClr val="FFFFFF"/>
                     </a:solidFill>
@@ -5514,6 +5666,7 @@
                     <a:sym typeface="Helvetica Neue Medium"/>
                   </a:defRPr>
                 </a:pPr>
+                <a:endParaRPr/>
               </a:p>
             </p:txBody>
           </p:sp>
@@ -5539,7 +5692,7 @@
               <a:effectLst/>
               <a:extLst>
                 <a:ext uri="{C572A759-6A51-4108-AA02-DFA0A04FC94B}">
-                  <ma14:wrappingTextBoxFlag xmlns:ma14="http://schemas.microsoft.com/office/mac/drawingml/2011/main" val="1"/>
+                  <ma14:wrappingTextBoxFlag xmlns:ma14="http://schemas.microsoft.com/office/mac/drawingml/2011/main" xmlns="" val="1"/>
                 </a:ext>
               </a:extLst>
             </p:spPr>
@@ -5549,19 +5702,28 @@
               </a:bodyPr>
               <a:lstStyle/>
               <a:p>
-                <a:pPr/>
+                <a:endParaRPr lang="en-US" dirty="0"/>
+              </a:p>
+              <a:p>
+                <a:endParaRPr lang="en-US" dirty="0"/>
+              </a:p>
+              <a:p>
+                <a:endParaRPr lang="en-US" dirty="0"/>
+              </a:p>
+              <a:p>
                 <a:r>
+                  <a:rPr dirty="0"/>
                   <a:t>Asset</a:t>
                 </a:r>
               </a:p>
               <a:p>
-                <a:pPr/>
+                <a:endParaRPr dirty="0"/>
               </a:p>
               <a:p>
-                <a:pPr/>
+                <a:endParaRPr dirty="0"/>
               </a:p>
               <a:p>
-                <a:pPr/>
+                <a:endParaRPr dirty="0"/>
               </a:p>
             </p:txBody>
           </p:sp>
@@ -5598,7 +5760,7 @@
             <a:lstStyle/>
             <a:p>
               <a:pPr>
-                <a:defRPr b="0" sz="2200">
+                <a:defRPr sz="2200" b="0">
                   <a:solidFill>
                     <a:srgbClr val="FFFFFF"/>
                   </a:solidFill>
@@ -5608,6 +5770,7 @@
                   <a:sym typeface="Helvetica Neue Medium"/>
                 </a:defRPr>
               </a:pPr>
+              <a:endParaRPr/>
             </a:p>
           </p:txBody>
         </p:sp>
@@ -5615,7 +5778,9 @@
       <p:sp>
         <p:nvSpPr>
           <p:cNvPr id="258" name="Database Schema would be the Crown Jewel of JEMM2"/>
-          <p:cNvSpPr txBox="1"/>
+          <p:cNvSpPr txBox="1">
+            <a:spLocks noGrp="1"/>
+          </p:cNvSpPr>
           <p:nvPr>
             <p:ph type="ctrTitle"/>
           </p:nvPr>
@@ -5637,7 +5802,6 @@
             </a:lvl1pPr>
           </a:lstStyle>
           <a:p>
-            <a:pPr/>
             <a:r>
               <a:t>Database Schema would be the Crown Jewel of JEMM2</a:t>
             </a:r>
@@ -5649,12 +5813,12 @@
   <p:clrMapOvr>
     <a:masterClrMapping/>
   </p:clrMapOvr>
-  <p:transition xmlns:p14="http://schemas.microsoft.com/office/powerpoint/2010/main" spd="med" advClick="1"/>
+  <p:transition spd="med"/>
 </p:sld>
 </file>
 
 <file path=ppt/slides/slide13.xml><?xml version="1.0" encoding="utf-8"?>
-<p:sld xmlns:a="http://schemas.openxmlformats.org/drawingml/2006/main" xmlns:r="http://schemas.openxmlformats.org/officeDocument/2006/relationships" xmlns:p="http://schemas.openxmlformats.org/presentationml/2006/main" showMasterSp="1" showMasterPhAnim="1">
+<p:sld xmlns:a="http://schemas.openxmlformats.org/drawingml/2006/main" xmlns:r="http://schemas.openxmlformats.org/officeDocument/2006/relationships" xmlns:p="http://schemas.openxmlformats.org/presentationml/2006/main">
   <p:cSld>
     <p:spTree>
       <p:nvGrpSpPr>
@@ -5673,7 +5837,9 @@
       <p:sp>
         <p:nvSpPr>
           <p:cNvPr id="260" name="Simplified architecture means less potential for problems…"/>
-          <p:cNvSpPr txBox="1"/>
+          <p:cNvSpPr txBox="1">
+            <a:spLocks noGrp="1"/>
+          </p:cNvSpPr>
           <p:nvPr>
             <p:ph type="body" idx="1"/>
           </p:nvPr>
@@ -5773,7 +5939,9 @@
       <p:sp>
         <p:nvSpPr>
           <p:cNvPr id="261" name="JEMM2 Technology Notes"/>
-          <p:cNvSpPr txBox="1"/>
+          <p:cNvSpPr txBox="1">
+            <a:spLocks noGrp="1"/>
+          </p:cNvSpPr>
           <p:nvPr>
             <p:ph type="title" idx="4294967295"/>
           </p:nvPr>
@@ -5788,14 +5956,15 @@
           </a:prstGeom>
         </p:spPr>
         <p:txBody>
-          <a:bodyPr/>
+          <a:bodyPr>
+            <a:normAutofit fontScale="90000"/>
+          </a:bodyPr>
           <a:lstStyle>
             <a:lvl1pPr defTabSz="543305">
               <a:defRPr sz="3720"/>
             </a:lvl1pPr>
           </a:lstStyle>
           <a:p>
-            <a:pPr/>
             <a:r>
               <a:t>JEMM2 Technology Notes</a:t>
             </a:r>
@@ -5807,12 +5976,12 @@
   <p:clrMapOvr>
     <a:masterClrMapping/>
   </p:clrMapOvr>
-  <p:transition xmlns:p14="http://schemas.microsoft.com/office/powerpoint/2010/main" spd="med" advClick="1"/>
+  <p:transition spd="med"/>
 </p:sld>
 </file>
 
 <file path=ppt/slides/slide14.xml><?xml version="1.0" encoding="utf-8"?>
-<p:sld xmlns:a="http://schemas.openxmlformats.org/drawingml/2006/main" xmlns:r="http://schemas.openxmlformats.org/officeDocument/2006/relationships" xmlns:p="http://schemas.openxmlformats.org/presentationml/2006/main" showMasterSp="1" showMasterPhAnim="1">
+<p:sld xmlns:a="http://schemas.openxmlformats.org/drawingml/2006/main" xmlns:r="http://schemas.openxmlformats.org/officeDocument/2006/relationships" xmlns:p="http://schemas.openxmlformats.org/presentationml/2006/main">
   <p:cSld>
     <p:spTree>
       <p:nvGrpSpPr>
@@ -5831,7 +6000,9 @@
       <p:sp>
         <p:nvSpPr>
           <p:cNvPr id="263" name="This is a complete 180 to how DAM is implemented at Jostens and is a return to the past…"/>
-          <p:cNvSpPr txBox="1"/>
+          <p:cNvSpPr txBox="1">
+            <a:spLocks noGrp="1"/>
+          </p:cNvSpPr>
           <p:nvPr>
             <p:ph type="body" idx="1"/>
           </p:nvPr>
@@ -5889,7 +6060,9 @@
       <p:sp>
         <p:nvSpPr>
           <p:cNvPr id="264" name="JEMM2 Technology Notes Continued"/>
-          <p:cNvSpPr txBox="1"/>
+          <p:cNvSpPr txBox="1">
+            <a:spLocks noGrp="1"/>
+          </p:cNvSpPr>
           <p:nvPr>
             <p:ph type="title" idx="4294967295"/>
           </p:nvPr>
@@ -5904,14 +6077,15 @@
           </a:prstGeom>
         </p:spPr>
         <p:txBody>
-          <a:bodyPr/>
+          <a:bodyPr>
+            <a:normAutofit fontScale="90000"/>
+          </a:bodyPr>
           <a:lstStyle>
             <a:lvl1pPr defTabSz="543305">
               <a:defRPr sz="3720"/>
             </a:lvl1pPr>
           </a:lstStyle>
           <a:p>
-            <a:pPr/>
             <a:r>
               <a:t>JEMM2 Technology Notes Continued</a:t>
             </a:r>
@@ -5923,12 +6097,12 @@
   <p:clrMapOvr>
     <a:masterClrMapping/>
   </p:clrMapOvr>
-  <p:transition xmlns:p14="http://schemas.microsoft.com/office/powerpoint/2010/main" spd="med" advClick="1"/>
+  <p:transition spd="med"/>
 </p:sld>
 </file>
 
 <file path=ppt/slides/slide15.xml><?xml version="1.0" encoding="utf-8"?>
-<p:sld xmlns:a="http://schemas.openxmlformats.org/drawingml/2006/main" xmlns:r="http://schemas.openxmlformats.org/officeDocument/2006/relationships" xmlns:p="http://schemas.openxmlformats.org/presentationml/2006/main" showMasterSp="1" showMasterPhAnim="1">
+<p:sld xmlns:a="http://schemas.openxmlformats.org/drawingml/2006/main" xmlns:r="http://schemas.openxmlformats.org/officeDocument/2006/relationships" xmlns:p="http://schemas.openxmlformats.org/presentationml/2006/main">
   <p:cSld>
     <p:spTree>
       <p:nvGrpSpPr>
@@ -5947,7 +6121,9 @@
       <p:sp>
         <p:nvSpPr>
           <p:cNvPr id="266" name="Would never expect decision makers at Jostens to approve such a change based on a Powerpoint slide deck…"/>
-          <p:cNvSpPr txBox="1"/>
+          <p:cNvSpPr txBox="1">
+            <a:spLocks noGrp="1"/>
+          </p:cNvSpPr>
           <p:nvPr>
             <p:ph type="body" sz="half" idx="1"/>
           </p:nvPr>
@@ -5987,7 +6163,9 @@
       <p:sp>
         <p:nvSpPr>
           <p:cNvPr id="267" name="JEMM2 What’s Next?"/>
-          <p:cNvSpPr txBox="1"/>
+          <p:cNvSpPr txBox="1">
+            <a:spLocks noGrp="1"/>
+          </p:cNvSpPr>
           <p:nvPr>
             <p:ph type="title" idx="4294967295"/>
           </p:nvPr>
@@ -6002,14 +6180,15 @@
           </a:prstGeom>
         </p:spPr>
         <p:txBody>
-          <a:bodyPr/>
+          <a:bodyPr>
+            <a:normAutofit fontScale="90000"/>
+          </a:bodyPr>
           <a:lstStyle>
             <a:lvl1pPr defTabSz="543305">
               <a:defRPr sz="3720"/>
             </a:lvl1pPr>
           </a:lstStyle>
           <a:p>
-            <a:pPr/>
             <a:r>
               <a:t>JEMM2 What’s Next?</a:t>
             </a:r>
@@ -6035,24 +6214,23 @@
           </a:ln>
           <a:extLst>
             <a:ext uri="{C572A759-6A51-4108-AA02-DFA0A04FC94B}">
-              <ma14:wrappingTextBoxFlag xmlns:ma14="http://schemas.microsoft.com/office/mac/drawingml/2011/main" val="1"/>
+              <ma14:wrappingTextBoxFlag xmlns:ma14="http://schemas.microsoft.com/office/mac/drawingml/2011/main" xmlns="" val="1"/>
             </a:ext>
           </a:extLst>
         </p:spPr>
         <p:txBody>
           <a:bodyPr lIns="50800" tIns="50800" rIns="50800" bIns="50800" anchor="ctr">
-            <a:normAutofit fontScale="100000" lnSpcReduction="0"/>
+            <a:normAutofit/>
           </a:bodyPr>
           <a:lstStyle>
             <a:lvl1pPr algn="l" defTabSz="560831">
               <a:spcBef>
                 <a:spcPts val="4000"/>
               </a:spcBef>
-              <a:defRPr b="0" sz="3072"/>
+              <a:defRPr sz="3072" b="0"/>
             </a:lvl1pPr>
           </a:lstStyle>
           <a:p>
-            <a:pPr/>
             <a:r>
               <a:t>That is why I’ve spent about 60 hours of my own time over the past two months building a proof of concept.  How it functions represents ideas I’ve built up over the past few years</a:t>
             </a:r>
@@ -6078,24 +6256,23 @@
           </a:ln>
           <a:extLst>
             <a:ext uri="{C572A759-6A51-4108-AA02-DFA0A04FC94B}">
-              <ma14:wrappingTextBoxFlag xmlns:ma14="http://schemas.microsoft.com/office/mac/drawingml/2011/main" val="1"/>
+              <ma14:wrappingTextBoxFlag xmlns:ma14="http://schemas.microsoft.com/office/mac/drawingml/2011/main" xmlns="" val="1"/>
             </a:ext>
           </a:extLst>
         </p:spPr>
         <p:txBody>
           <a:bodyPr lIns="50800" tIns="50800" rIns="50800" bIns="50800" anchor="ctr">
-            <a:normAutofit fontScale="100000" lnSpcReduction="0"/>
+            <a:normAutofit/>
           </a:bodyPr>
           <a:lstStyle>
             <a:lvl1pPr algn="l">
               <a:spcBef>
                 <a:spcPts val="4200"/>
               </a:spcBef>
-              <a:defRPr b="0" sz="3200"/>
+              <a:defRPr sz="3200" b="0"/>
             </a:lvl1pPr>
           </a:lstStyle>
           <a:p>
-            <a:pPr/>
             <a:r>
               <a:t>Allow me to demonstrate this for you now</a:t>
             </a:r>
@@ -6107,14 +6284,14 @@
   <p:clrMapOvr>
     <a:masterClrMapping/>
   </p:clrMapOvr>
-  <p:transition xmlns:p14="http://schemas.microsoft.com/office/powerpoint/2010/main" spd="med" advClick="1"/>
+  <p:transition spd="med"/>
   <p:timing>
     <p:tnLst>
       <p:par>
-        <p:cTn id="1" nodeType="tmRoot" restart="never" dur="indefinite" fill="hold">
+        <p:cTn id="1" dur="indefinite" restart="never" fill="hold" nodeType="tmRoot">
           <p:childTnLst>
             <p:seq concurrent="1" prevAc="none" nextAc="seek">
-              <p:cTn id="2" nodeType="mainSeq" dur="indefinite" fill="hold">
+              <p:cTn id="2" dur="indefinite" fill="hold" nodeType="mainSeq">
                 <p:childTnLst>
                   <p:par>
                     <p:cTn id="3" fill="hold">
@@ -6129,11 +6306,11 @@
                             </p:stCondLst>
                             <p:childTnLst>
                               <p:par>
-                                <p:cTn id="5" presetClass="entr" nodeType="clickEffect" presetSubtype="0" presetID="1" grpId="1" fill="hold">
+                                <p:cTn id="5" presetID="1" presetClass="entr" presetSubtype="0" fill="hold" grpId="1" nodeType="clickEffect">
                                   <p:stCondLst>
                                     <p:cond delay="0"/>
                                   </p:stCondLst>
-                                  <p:iterate type="el" backwards="0">
+                                  <p:iterate>
                                     <p:tmAbs val="0"/>
                                   </p:iterate>
                                   <p:childTnLst>
@@ -6173,11 +6350,11 @@
                             </p:stCondLst>
                             <p:childTnLst>
                               <p:par>
-                                <p:cTn id="9" presetClass="entr" nodeType="clickEffect" presetSubtype="0" presetID="1" grpId="2" fill="hold">
+                                <p:cTn id="9" presetID="1" presetClass="entr" presetSubtype="0" fill="hold" grpId="2" nodeType="clickEffect">
                                   <p:stCondLst>
                                     <p:cond delay="0"/>
                                   </p:stCondLst>
-                                  <p:iterate type="el" backwards="0">
+                                  <p:iterate>
                                     <p:tmAbs val="0"/>
                                   </p:iterate>
                                   <p:childTnLst>
@@ -6217,11 +6394,11 @@
                             </p:stCondLst>
                             <p:childTnLst>
                               <p:par>
-                                <p:cTn id="13" presetClass="entr" nodeType="clickEffect" presetID="9" grpId="3" fill="hold">
+                                <p:cTn id="13" presetID="9" presetClass="entr" fill="hold" grpId="3" nodeType="clickEffect">
                                   <p:stCondLst>
                                     <p:cond delay="0"/>
                                   </p:stCondLst>
-                                  <p:iterate type="el" backwards="0">
+                                  <p:iterate>
                                     <p:tmAbs val="0"/>
                                   </p:iterate>
                                   <p:childTnLst>
@@ -6239,7 +6416,7 @@
                                         <p:strVal val="visible"/>
                                       </p:to>
                                     </p:set>
-                                    <p:animEffect filter="dissolve" transition="in">
+                                    <p:animEffect transition="in" filter="dissolve">
                                       <p:cBhvr>
                                         <p:cTn id="15" dur="500"/>
                                         <p:tgtEl>
@@ -6259,14 +6436,14 @@
                 </p:childTnLst>
               </p:cTn>
               <p:prevCondLst>
-                <p:cond evt="onPrev">
+                <p:cond evt="onPrev" delay="0">
                   <p:tgtEl>
                     <p:sldTgt/>
                   </p:tgtEl>
                 </p:cond>
               </p:prevCondLst>
               <p:nextCondLst>
-                <p:cond evt="onNext">
+                <p:cond evt="onNext" delay="0">
                   <p:tgtEl>
                     <p:sldTgt/>
                   </p:tgtEl>
@@ -6278,16 +6455,16 @@
       </p:par>
     </p:tnLst>
     <p:bldLst>
-      <p:bldP build="whole" bldLvl="1" animBg="1" rev="0" advAuto="0" spid="268" grpId="2"/>
-      <p:bldP build="whole" bldLvl="1" animBg="1" rev="0" advAuto="0" spid="269" grpId="3"/>
-      <p:bldP build="whole" bldLvl="1" animBg="1" rev="0" advAuto="0" spid="266" grpId="1"/>
+      <p:bldP spid="266" grpId="1" animBg="1" advAuto="0"/>
+      <p:bldP spid="268" grpId="2" animBg="1" advAuto="0"/>
+      <p:bldP spid="269" grpId="3" animBg="1" advAuto="0"/>
     </p:bldLst>
   </p:timing>
 </p:sld>
 </file>
 
 <file path=ppt/slides/slide16.xml><?xml version="1.0" encoding="utf-8"?>
-<p:sld xmlns:a="http://schemas.openxmlformats.org/drawingml/2006/main" xmlns:r="http://schemas.openxmlformats.org/officeDocument/2006/relationships" xmlns:p="http://schemas.openxmlformats.org/presentationml/2006/main" showMasterSp="1" showMasterPhAnim="1">
+<p:sld xmlns:a="http://schemas.openxmlformats.org/drawingml/2006/main" xmlns:r="http://schemas.openxmlformats.org/officeDocument/2006/relationships" xmlns:p="http://schemas.openxmlformats.org/presentationml/2006/main">
   <p:cSld>
     <p:spTree>
       <p:nvGrpSpPr>
@@ -6306,7 +6483,9 @@
       <p:sp>
         <p:nvSpPr>
           <p:cNvPr id="271" name="Data is a subset of what currently is found in the 8.2 MediaBin integration environment…"/>
-          <p:cNvSpPr txBox="1"/>
+          <p:cNvSpPr txBox="1">
+            <a:spLocks noGrp="1"/>
+          </p:cNvSpPr>
           <p:nvPr>
             <p:ph type="body" idx="1"/>
           </p:nvPr>
@@ -6333,6 +6512,7 @@
               <a:defRPr sz="2976"/>
             </a:pPr>
             <a:r>
+              <a:rPr dirty="0"/>
               <a:t>Data is a subset of what currently is found in the 8.2 MediaBin integration environment</a:t>
             </a:r>
           </a:p>
@@ -6346,7 +6526,24 @@
               <a:defRPr sz="2976"/>
             </a:pPr>
             <a:r>
-              <a:t>Only images supported are Black, Gold, Silver, Best Available images</a:t>
+              <a:rPr dirty="0"/>
+              <a:t>Only images supported are Black, Gold, Silver, Best Available </a:t>
+            </a:r>
+            <a:r>
+              <a:rPr lang="en-US" dirty="0"/>
+              <a:t>.</a:t>
+            </a:r>
+            <a:r>
+              <a:rPr lang="en-US" dirty="0" err="1"/>
+              <a:t>png</a:t>
+            </a:r>
+            <a:r>
+              <a:rPr lang="en-US" dirty="0"/>
+              <a:t> </a:t>
+            </a:r>
+            <a:r>
+              <a:rPr dirty="0"/>
+              <a:t>images</a:t>
             </a:r>
           </a:p>
           <a:p>
@@ -6359,6 +6556,7 @@
               <a:defRPr sz="2976"/>
             </a:pPr>
             <a:r>
+              <a:rPr dirty="0"/>
               <a:t>Other image formats were to difficult to implement on a proof of concept web application</a:t>
             </a:r>
           </a:p>
@@ -6372,6 +6570,7 @@
               <a:defRPr sz="2976"/>
             </a:pPr>
             <a:r>
+              <a:rPr dirty="0"/>
               <a:t>Images are taken from Customer Profile which currently DOES NOT include etching assets.  So etching images will appear not found</a:t>
             </a:r>
           </a:p>
@@ -6385,7 +6584,20 @@
               <a:defRPr sz="2976"/>
             </a:pPr>
             <a:r>
-              <a:t>The objective is to show potential concepts and not how it will look or behave</a:t>
+              <a:rPr dirty="0"/>
+              <a:t>The objective is to show potential concepts and not </a:t>
+            </a:r>
+            <a:r>
+              <a:rPr lang="en-US" dirty="0" err="1"/>
+              <a:t>necessarialy</a:t>
+            </a:r>
+            <a:r>
+              <a:rPr lang="en-US" dirty="0"/>
+              <a:t> </a:t>
+            </a:r>
+            <a:r>
+              <a:rPr dirty="0"/>
+              <a:t>how it will look or behave</a:t>
             </a:r>
           </a:p>
           <a:p>
@@ -6398,6 +6610,7 @@
               <a:defRPr sz="2976"/>
             </a:pPr>
             <a:r>
+              <a:rPr dirty="0"/>
               <a:t>Things like security, session management and performance requirements were not implemented</a:t>
             </a:r>
           </a:p>
@@ -6406,7 +6619,9 @@
       <p:sp>
         <p:nvSpPr>
           <p:cNvPr id="272" name="JEMM2 Demonstration"/>
-          <p:cNvSpPr txBox="1"/>
+          <p:cNvSpPr txBox="1">
+            <a:spLocks noGrp="1"/>
+          </p:cNvSpPr>
           <p:nvPr>
             <p:ph type="title" idx="4294967295"/>
           </p:nvPr>
@@ -6421,17 +6636,24 @@
           </a:prstGeom>
         </p:spPr>
         <p:txBody>
-          <a:bodyPr/>
+          <a:bodyPr>
+            <a:normAutofit fontScale="90000"/>
+          </a:bodyPr>
           <a:lstStyle>
             <a:lvl1pPr defTabSz="543305">
               <a:defRPr sz="3720"/>
             </a:lvl1pPr>
           </a:lstStyle>
           <a:p>
-            <a:pPr/>
-            <a:r>
+            <a:r>
+              <a:rPr dirty="0"/>
               <a:t>JEMM2 Demonstration</a:t>
             </a:r>
+            <a:r>
+              <a:rPr lang="en-US" dirty="0"/>
+              <a:t> Expectations</a:t>
+            </a:r>
+            <a:endParaRPr dirty="0"/>
           </a:p>
         </p:txBody>
       </p:sp>
@@ -6440,12 +6662,12 @@
   <p:clrMapOvr>
     <a:masterClrMapping/>
   </p:clrMapOvr>
-  <p:transition xmlns:p14="http://schemas.microsoft.com/office/powerpoint/2010/main" spd="med" advClick="1"/>
+  <p:transition spd="med"/>
 </p:sld>
 </file>
 
 <file path=ppt/slides/slide17.xml><?xml version="1.0" encoding="utf-8"?>
-<p:sld xmlns:a="http://schemas.openxmlformats.org/drawingml/2006/main" xmlns:r="http://schemas.openxmlformats.org/officeDocument/2006/relationships" xmlns:p="http://schemas.openxmlformats.org/presentationml/2006/main" showMasterSp="1" showMasterPhAnim="1">
+<p:sld xmlns:a="http://schemas.openxmlformats.org/drawingml/2006/main" xmlns:r="http://schemas.openxmlformats.org/officeDocument/2006/relationships" xmlns:p="http://schemas.openxmlformats.org/presentationml/2006/main">
   <p:cSld>
     <p:spTree>
       <p:nvGrpSpPr>
@@ -6464,7 +6686,9 @@
       <p:sp>
         <p:nvSpPr>
           <p:cNvPr id="274" name="Demonstration"/>
-          <p:cNvSpPr txBox="1"/>
+          <p:cNvSpPr txBox="1">
+            <a:spLocks noGrp="1"/>
+          </p:cNvSpPr>
           <p:nvPr>
             <p:ph type="body" sz="quarter" idx="4294967295"/>
           </p:nvPr>
@@ -6488,7 +6712,6 @@
             </a:lvl1pPr>
           </a:lstStyle>
           <a:p>
-            <a:pPr/>
             <a:r>
               <a:t>Demonstration</a:t>
             </a:r>
@@ -6500,12 +6723,304 @@
   <p:clrMapOvr>
     <a:masterClrMapping/>
   </p:clrMapOvr>
-  <p:transition xmlns:p14="http://schemas.microsoft.com/office/powerpoint/2010/main" spd="med" advClick="1"/>
+  <p:transition spd="med"/>
+</p:sld>
+</file>
+
+<file path=ppt/slides/slide18.xml><?xml version="1.0" encoding="utf-8"?>
+<p:sld xmlns:a="http://schemas.openxmlformats.org/drawingml/2006/main" xmlns:r="http://schemas.openxmlformats.org/officeDocument/2006/relationships" xmlns:p="http://schemas.openxmlformats.org/presentationml/2006/main">
+  <p:cSld>
+    <p:spTree>
+      <p:nvGrpSpPr>
+        <p:cNvPr id="1" name=""/>
+        <p:cNvGrpSpPr/>
+        <p:nvPr/>
+      </p:nvGrpSpPr>
+      <p:grpSpPr>
+        <a:xfrm>
+          <a:off x="0" y="0"/>
+          <a:ext cx="0" cy="0"/>
+          <a:chOff x="0" y="0"/>
+          <a:chExt cx="0" cy="0"/>
+        </a:xfrm>
+      </p:grpSpPr>
+      <p:sp>
+        <p:nvSpPr>
+          <p:cNvPr id="2" name="Text Placeholder 1"/>
+          <p:cNvSpPr>
+            <a:spLocks noGrp="1"/>
+          </p:cNvSpPr>
+          <p:nvPr>
+            <p:ph type="body" idx="1"/>
+          </p:nvPr>
+        </p:nvSpPr>
+        <p:spPr>
+          <a:xfrm>
+            <a:off x="952500" y="240030"/>
+            <a:ext cx="11099800" cy="7006590"/>
+          </a:xfrm>
+        </p:spPr>
+        <p:txBody>
+          <a:bodyPr>
+            <a:normAutofit lnSpcReduction="10000"/>
+          </a:bodyPr>
+          <a:lstStyle/>
+          <a:p>
+            <a:pPr marL="0" indent="0">
+              <a:buNone/>
+            </a:pPr>
+            <a:r>
+              <a:rPr lang="en-US" dirty="0"/>
+              <a:t>I’m conservative when it comes to making technology predictions on functionality or timeframe.</a:t>
+            </a:r>
+          </a:p>
+          <a:p>
+            <a:pPr marL="0" indent="0">
+              <a:buNone/>
+            </a:pPr>
+            <a:r>
+              <a:rPr lang="en-US" dirty="0"/>
+              <a:t>I’m extremely cautious about production system stability</a:t>
+            </a:r>
+          </a:p>
+          <a:p>
+            <a:pPr marL="0" indent="0">
+              <a:buNone/>
+            </a:pPr>
+            <a:r>
+              <a:rPr lang="en-US" dirty="0"/>
+              <a:t>But I consider my greatest technology strengths to be Creativity and Problem Solving</a:t>
+            </a:r>
+          </a:p>
+          <a:p>
+            <a:pPr marL="0" indent="0">
+              <a:buNone/>
+            </a:pPr>
+            <a:r>
+              <a:rPr lang="en-US" dirty="0"/>
+              <a:t>I also trust my gut feelings completely</a:t>
+            </a:r>
+          </a:p>
+          <a:p>
+            <a:pPr marL="0" indent="0">
+              <a:buNone/>
+            </a:pPr>
+            <a:r>
+              <a:rPr lang="en-US" dirty="0"/>
+              <a:t>And with what 1 developer was able to do part time on creating the proof of concept, I can imagine what the DAM team as a whole could accomplish if this was a Team priority.  I’m comfortable in stating that …</a:t>
+            </a:r>
+          </a:p>
+        </p:txBody>
+      </p:sp>
+      <p:sp>
+        <p:nvSpPr>
+          <p:cNvPr id="5" name="TextBox 4"/>
+          <p:cNvSpPr txBox="1"/>
+          <p:nvPr/>
+        </p:nvSpPr>
+        <p:spPr>
+          <a:xfrm>
+            <a:off x="952500" y="7331532"/>
+            <a:ext cx="10980420" cy="1087477"/>
+          </a:xfrm>
+          <a:prstGeom prst="rect">
+            <a:avLst/>
+          </a:prstGeom>
+          <a:noFill/>
+          <a:ln w="12700" cap="flat">
+            <a:noFill/>
+            <a:miter lim="400000"/>
+          </a:ln>
+          <a:effectLst/>
+          <a:sp3d/>
+        </p:spPr>
+        <p:style>
+          <a:lnRef idx="0">
+            <a:scrgbClr r="0" g="0" b="0"/>
+          </a:lnRef>
+          <a:fillRef idx="0">
+            <a:scrgbClr r="0" g="0" b="0"/>
+          </a:fillRef>
+          <a:effectRef idx="0">
+            <a:scrgbClr r="0" g="0" b="0"/>
+          </a:effectRef>
+          <a:fontRef idx="none"/>
+        </p:style>
+        <p:txBody>
+          <a:bodyPr rot="0" spcFirstLastPara="1" vertOverflow="overflow" horzOverflow="overflow" vert="horz" wrap="square" lIns="50800" tIns="50800" rIns="50800" bIns="50800" numCol="1" spcCol="38100" rtlCol="0" anchor="ctr">
+            <a:spAutoFit/>
+          </a:bodyPr>
+          <a:lstStyle/>
+          <a:p>
+            <a:pPr marL="0" marR="0" indent="0" algn="l" defTabSz="584200" rtl="0" fontAlgn="auto" latinLnBrk="0" hangingPunct="0">
+              <a:lnSpc>
+                <a:spcPct val="100000"/>
+              </a:lnSpc>
+              <a:spcBef>
+                <a:spcPts val="0"/>
+              </a:spcBef>
+              <a:spcAft>
+                <a:spcPts val="0"/>
+              </a:spcAft>
+              <a:buClrTx/>
+              <a:buSzTx/>
+              <a:buFontTx/>
+              <a:buNone/>
+              <a:tabLst/>
+            </a:pPr>
+            <a:r>
+              <a:rPr kumimoji="0" lang="en-US" sz="3200" b="0" i="0" u="none" strike="noStrike" cap="none" spc="0" normalizeH="0" baseline="0" dirty="0">
+                <a:ln>
+                  <a:noFill/>
+                </a:ln>
+                <a:solidFill>
+                  <a:srgbClr val="000000"/>
+                </a:solidFill>
+                <a:effectLst/>
+                <a:uFillTx/>
+                <a:latin typeface="Helvetica Neue"/>
+                <a:ea typeface="Helvetica Neue"/>
+                <a:cs typeface="Helvetica Neue"/>
+                <a:sym typeface="Helvetica Neue"/>
+              </a:rPr>
+              <a:t>Within two years, MediaBin AND</a:t>
+            </a:r>
+            <a:r>
+              <a:rPr kumimoji="0" lang="en-US" sz="3200" b="0" i="0" u="none" strike="noStrike" cap="none" spc="0" normalizeH="0" dirty="0">
+                <a:ln>
+                  <a:noFill/>
+                </a:ln>
+                <a:solidFill>
+                  <a:srgbClr val="000000"/>
+                </a:solidFill>
+                <a:effectLst/>
+                <a:uFillTx/>
+                <a:latin typeface="Helvetica Neue"/>
+                <a:ea typeface="Helvetica Neue"/>
+                <a:cs typeface="Helvetica Neue"/>
+                <a:sym typeface="Helvetica Neue"/>
+              </a:rPr>
+              <a:t> JOG could be replaced with JEMM 2 </a:t>
+            </a:r>
+            <a:endParaRPr kumimoji="0" lang="en-US" sz="3200" b="0" i="0" u="none" strike="noStrike" cap="none" spc="0" normalizeH="0" baseline="0" dirty="0">
+              <a:ln>
+                <a:noFill/>
+              </a:ln>
+              <a:solidFill>
+                <a:srgbClr val="000000"/>
+              </a:solidFill>
+              <a:effectLst/>
+              <a:uFillTx/>
+              <a:latin typeface="Helvetica Neue"/>
+              <a:ea typeface="Helvetica Neue"/>
+              <a:cs typeface="Helvetica Neue"/>
+              <a:sym typeface="Helvetica Neue"/>
+            </a:endParaRPr>
+          </a:p>
+        </p:txBody>
+      </p:sp>
+    </p:spTree>
+    <p:extLst>
+      <p:ext uri="{BB962C8B-B14F-4D97-AF65-F5344CB8AC3E}">
+        <p14:creationId xmlns:p14="http://schemas.microsoft.com/office/powerpoint/2010/main" val="464430504"/>
+      </p:ext>
+    </p:extLst>
+  </p:cSld>
+  <p:clrMapOvr>
+    <a:masterClrMapping/>
+  </p:clrMapOvr>
+  <p:transition spd="med"/>
+  <p:timing>
+    <p:tnLst>
+      <p:par>
+        <p:cTn id="1" dur="indefinite" restart="never" nodeType="tmRoot">
+          <p:childTnLst>
+            <p:seq concurrent="1" nextAc="seek">
+              <p:cTn id="2" dur="indefinite" nodeType="mainSeq">
+                <p:childTnLst>
+                  <p:par>
+                    <p:cTn id="3" fill="hold">
+                      <p:stCondLst>
+                        <p:cond delay="indefinite"/>
+                      </p:stCondLst>
+                      <p:childTnLst>
+                        <p:par>
+                          <p:cTn id="4" fill="hold">
+                            <p:stCondLst>
+                              <p:cond delay="0"/>
+                            </p:stCondLst>
+                            <p:childTnLst>
+                              <p:par>
+                                <p:cTn id="5" presetID="10" presetClass="entr" presetSubtype="0" fill="hold" grpId="0" nodeType="clickEffect">
+                                  <p:stCondLst>
+                                    <p:cond delay="0"/>
+                                  </p:stCondLst>
+                                  <p:childTnLst>
+                                    <p:set>
+                                      <p:cBhvr>
+                                        <p:cTn id="6" dur="1" fill="hold">
+                                          <p:stCondLst>
+                                            <p:cond delay="0"/>
+                                          </p:stCondLst>
+                                        </p:cTn>
+                                        <p:tgtEl>
+                                          <p:spTgt spid="5"/>
+                                        </p:tgtEl>
+                                        <p:attrNameLst>
+                                          <p:attrName>style.visibility</p:attrName>
+                                        </p:attrNameLst>
+                                      </p:cBhvr>
+                                      <p:to>
+                                        <p:strVal val="visible"/>
+                                      </p:to>
+                                    </p:set>
+                                    <p:animEffect transition="in" filter="fade">
+                                      <p:cBhvr>
+                                        <p:cTn id="7" dur="500"/>
+                                        <p:tgtEl>
+                                          <p:spTgt spid="5"/>
+                                        </p:tgtEl>
+                                      </p:cBhvr>
+                                    </p:animEffect>
+                                  </p:childTnLst>
+                                </p:cTn>
+                              </p:par>
+                            </p:childTnLst>
+                          </p:cTn>
+                        </p:par>
+                      </p:childTnLst>
+                    </p:cTn>
+                  </p:par>
+                </p:childTnLst>
+              </p:cTn>
+              <p:prevCondLst>
+                <p:cond evt="onPrev" delay="0">
+                  <p:tgtEl>
+                    <p:sldTgt/>
+                  </p:tgtEl>
+                </p:cond>
+              </p:prevCondLst>
+              <p:nextCondLst>
+                <p:cond evt="onNext" delay="0">
+                  <p:tgtEl>
+                    <p:sldTgt/>
+                  </p:tgtEl>
+                </p:cond>
+              </p:nextCondLst>
+            </p:seq>
+          </p:childTnLst>
+        </p:cTn>
+      </p:par>
+    </p:tnLst>
+    <p:bldLst>
+      <p:bldP spid="5" grpId="0"/>
+    </p:bldLst>
+  </p:timing>
 </p:sld>
 </file>
 
 <file path=ppt/slides/slide2.xml><?xml version="1.0" encoding="utf-8"?>
-<p:sld xmlns:a="http://schemas.openxmlformats.org/drawingml/2006/main" xmlns:r="http://schemas.openxmlformats.org/officeDocument/2006/relationships" xmlns:p="http://schemas.openxmlformats.org/presentationml/2006/main" showMasterSp="1" showMasterPhAnim="1">
+<p:sld xmlns:a="http://schemas.openxmlformats.org/drawingml/2006/main" xmlns:r="http://schemas.openxmlformats.org/officeDocument/2006/relationships" xmlns:p="http://schemas.openxmlformats.org/presentationml/2006/main">
   <p:cSld>
     <p:spTree>
       <p:nvGrpSpPr>
@@ -6524,7 +7039,9 @@
       <p:sp>
         <p:nvSpPr>
           <p:cNvPr id="122" name="OpenText announced May 2022 as the end of life date for MediaBin 16.2…"/>
-          <p:cNvSpPr txBox="1"/>
+          <p:cNvSpPr txBox="1">
+            <a:spLocks noGrp="1"/>
+          </p:cNvSpPr>
           <p:nvPr>
             <p:ph type="body" idx="1"/>
           </p:nvPr>
@@ -6547,7 +7064,8 @@
               <a:buNone/>
             </a:pPr>
             <a:r>
-              <a:t>OpenText announced May 2022 as the end of life date for MediaBin 16.2</a:t>
+              <a:rPr dirty="0"/>
+              <a:t>OpenText announced May 2022 as the end of life date for MediaBin</a:t>
             </a:r>
           </a:p>
           <a:p>
@@ -6556,6 +7074,7 @@
               <a:buNone/>
             </a:pPr>
             <a:r>
+              <a:rPr dirty="0"/>
               <a:t>Jostens installation of MediaBin is being upgraded from 8.2 to 16.2  </a:t>
             </a:r>
           </a:p>
@@ -6565,6 +7084,7 @@
               <a:buNone/>
             </a:pPr>
             <a:r>
+              <a:rPr dirty="0"/>
               <a:t>Completion of the upgrade is expected in April 2019</a:t>
             </a:r>
           </a:p>
@@ -6574,6 +7094,7 @@
               <a:buNone/>
             </a:pPr>
             <a:r>
+              <a:rPr dirty="0"/>
               <a:t>This upgrade provides Jostens a three year window to have the next Digital Asset Management (DAM) solution in place</a:t>
             </a:r>
           </a:p>
@@ -6598,7 +7119,7 @@
           </a:ln>
           <a:extLst>
             <a:ext uri="{C572A759-6A51-4108-AA02-DFA0A04FC94B}">
-              <ma14:wrappingTextBoxFlag xmlns:ma14="http://schemas.microsoft.com/office/mac/drawingml/2011/main" val="1"/>
+              <ma14:wrappingTextBoxFlag xmlns:ma14="http://schemas.microsoft.com/office/mac/drawingml/2011/main" xmlns="" val="1"/>
             </a:ext>
           </a:extLst>
         </p:spPr>
@@ -6611,11 +7132,10 @@
               <a:spcBef>
                 <a:spcPts val="4200"/>
               </a:spcBef>
-              <a:defRPr b="0" sz="3200"/>
+              <a:defRPr sz="3200" b="0"/>
             </a:lvl1pPr>
           </a:lstStyle>
           <a:p>
-            <a:pPr/>
             <a:r>
               <a:t>But to make informed decisions about a replacement DAM, there should be a understanding of “what is MediaBin”</a:t>
             </a:r>
@@ -6627,14 +7147,14 @@
   <p:clrMapOvr>
     <a:masterClrMapping/>
   </p:clrMapOvr>
-  <p:transition xmlns:p14="http://schemas.microsoft.com/office/powerpoint/2010/main" spd="med" advClick="1"/>
+  <p:transition spd="med"/>
   <p:timing>
     <p:tnLst>
       <p:par>
-        <p:cTn id="1" nodeType="tmRoot" restart="never" dur="indefinite" fill="hold">
+        <p:cTn id="1" dur="indefinite" restart="never" fill="hold" nodeType="tmRoot">
           <p:childTnLst>
             <p:seq concurrent="1" prevAc="none" nextAc="seek">
-              <p:cTn id="2" nodeType="mainSeq" dur="indefinite" fill="hold">
+              <p:cTn id="2" dur="indefinite" fill="hold" nodeType="mainSeq">
                 <p:childTnLst>
                   <p:par>
                     <p:cTn id="3" fill="hold">
@@ -6649,11 +7169,11 @@
                             </p:stCondLst>
                             <p:childTnLst>
                               <p:par>
-                                <p:cTn id="5" presetClass="entr" nodeType="clickEffect" presetSubtype="2" presetID="2" grpId="1" fill="hold">
+                                <p:cTn id="5" presetID="2" presetClass="entr" presetSubtype="2" fill="hold" grpId="1" nodeType="clickEffect">
                                   <p:stCondLst>
                                     <p:cond delay="0"/>
                                   </p:stCondLst>
-                                  <p:iterate type="el" backwards="0">
+                                  <p:iterate>
                                     <p:tmAbs val="0"/>
                                   </p:iterate>
                                   <p:childTnLst>
@@ -6729,14 +7249,14 @@
                 </p:childTnLst>
               </p:cTn>
               <p:prevCondLst>
-                <p:cond evt="onPrev">
+                <p:cond evt="onPrev" delay="0">
                   <p:tgtEl>
                     <p:sldTgt/>
                   </p:tgtEl>
                 </p:cond>
               </p:prevCondLst>
               <p:nextCondLst>
-                <p:cond evt="onNext">
+                <p:cond evt="onNext" delay="0">
                   <p:tgtEl>
                     <p:sldTgt/>
                   </p:tgtEl>
@@ -6748,14 +7268,14 @@
       </p:par>
     </p:tnLst>
     <p:bldLst>
-      <p:bldP build="whole" bldLvl="1" animBg="1" rev="0" advAuto="0" spid="123" grpId="1"/>
+      <p:bldP spid="123" grpId="1" animBg="1" advAuto="0"/>
     </p:bldLst>
   </p:timing>
 </p:sld>
 </file>
 
 <file path=ppt/slides/slide3.xml><?xml version="1.0" encoding="utf-8"?>
-<p:sld xmlns:a="http://schemas.openxmlformats.org/drawingml/2006/main" xmlns:r="http://schemas.openxmlformats.org/officeDocument/2006/relationships" xmlns:p="http://schemas.openxmlformats.org/presentationml/2006/main" showMasterSp="1" showMasterPhAnim="1">
+<p:sld xmlns:a="http://schemas.openxmlformats.org/drawingml/2006/main" xmlns:r="http://schemas.openxmlformats.org/officeDocument/2006/relationships" xmlns:p="http://schemas.openxmlformats.org/presentationml/2006/main">
   <p:cSld>
     <p:spTree>
       <p:nvGrpSpPr>
@@ -6774,7 +7294,9 @@
       <p:sp>
         <p:nvSpPr>
           <p:cNvPr id="125" name="MediaBin Technology Stack"/>
-          <p:cNvSpPr txBox="1"/>
+          <p:cNvSpPr txBox="1">
+            <a:spLocks noGrp="1"/>
+          </p:cNvSpPr>
           <p:nvPr>
             <p:ph type="title"/>
           </p:nvPr>
@@ -6789,14 +7311,15 @@
           </a:prstGeom>
         </p:spPr>
         <p:txBody>
-          <a:bodyPr/>
+          <a:bodyPr>
+            <a:normAutofit fontScale="90000"/>
+          </a:bodyPr>
           <a:lstStyle>
             <a:lvl1pPr defTabSz="543305">
               <a:defRPr sz="3720"/>
             </a:lvl1pPr>
           </a:lstStyle>
           <a:p>
-            <a:pPr/>
             <a:r>
               <a:t>MediaBin Technology Stack</a:t>
             </a:r>
@@ -6848,7 +7371,7 @@
             <a:lstStyle/>
             <a:p>
               <a:pPr>
-                <a:defRPr b="0" sz="2200">
+                <a:defRPr sz="2200" b="0">
                   <a:solidFill>
                     <a:srgbClr val="FFFFFF"/>
                   </a:solidFill>
@@ -6858,6 +7381,7 @@
                   <a:sym typeface="Helvetica Neue Medium"/>
                 </a:defRPr>
               </a:pPr>
+              <a:endParaRPr/>
             </a:p>
           </p:txBody>
         </p:sp>
@@ -6883,7 +7407,7 @@
             <a:effectLst/>
             <a:extLst>
               <a:ext uri="{C572A759-6A51-4108-AA02-DFA0A04FC94B}">
-                <ma14:wrappingTextBoxFlag xmlns:ma14="http://schemas.microsoft.com/office/mac/drawingml/2011/main" val="1"/>
+                <ma14:wrappingTextBoxFlag xmlns:ma14="http://schemas.microsoft.com/office/mac/drawingml/2011/main" xmlns="" val="1"/>
               </a:ext>
             </a:extLst>
           </p:spPr>
@@ -6897,7 +7421,6 @@
               </a:lvl1pPr>
             </a:lstStyle>
             <a:p>
-              <a:pPr/>
               <a:r>
                 <a:t>MediaBin Service</a:t>
               </a:r>
@@ -6913,7 +7436,7 @@
         </p:nvGrpSpPr>
         <p:grpSpPr>
           <a:xfrm>
-            <a:off x="4892308" y="8128244"/>
+            <a:off x="4931820" y="8096073"/>
             <a:ext cx="2834954" cy="1190138"/>
             <a:chOff x="0" y="0"/>
             <a:chExt cx="2834952" cy="1190136"/>
@@ -6950,7 +7473,7 @@
             <a:lstStyle/>
             <a:p>
               <a:pPr>
-                <a:defRPr b="0" sz="2200">
+                <a:defRPr sz="2200" b="0">
                   <a:solidFill>
                     <a:srgbClr val="FFFFFF"/>
                   </a:solidFill>
@@ -6960,6 +7483,7 @@
                   <a:sym typeface="Helvetica Neue Medium"/>
                 </a:defRPr>
               </a:pPr>
+              <a:endParaRPr/>
             </a:p>
           </p:txBody>
         </p:sp>
@@ -6985,7 +7509,7 @@
             <a:effectLst/>
             <a:extLst>
               <a:ext uri="{C572A759-6A51-4108-AA02-DFA0A04FC94B}">
-                <ma14:wrappingTextBoxFlag xmlns:ma14="http://schemas.microsoft.com/office/mac/drawingml/2011/main" val="1"/>
+                <ma14:wrappingTextBoxFlag xmlns:ma14="http://schemas.microsoft.com/office/mac/drawingml/2011/main" xmlns="" val="1"/>
               </a:ext>
             </a:extLst>
           </p:spPr>
@@ -6998,7 +7522,20 @@
               <a:pPr>
                 <a:defRPr sz="2000"/>
               </a:pPr>
+              <a:endParaRPr lang="en-US" dirty="0"/>
+            </a:p>
+            <a:p>
+              <a:pPr>
+                <a:defRPr sz="2000"/>
+              </a:pPr>
+              <a:endParaRPr lang="en-US" dirty="0"/>
+            </a:p>
+            <a:p>
+              <a:pPr>
+                <a:defRPr sz="2000"/>
+              </a:pPr>
               <a:r>
+                <a:rPr dirty="0"/>
                 <a:t>Asset File Storage Network Drive</a:t>
               </a:r>
             </a:p>
@@ -7006,11 +7543,13 @@
               <a:pPr>
                 <a:defRPr sz="2000"/>
               </a:pPr>
+              <a:endParaRPr dirty="0"/>
             </a:p>
             <a:p>
               <a:pPr>
                 <a:defRPr sz="2000"/>
               </a:pPr>
+              <a:endParaRPr dirty="0"/>
             </a:p>
           </p:txBody>
         </p:sp>
@@ -7042,7 +7581,7 @@
           <a:lstStyle/>
           <a:p>
             <a:pPr>
-              <a:defRPr b="0" sz="2200">
+              <a:defRPr sz="2200" b="0">
                 <a:solidFill>
                   <a:srgbClr val="FFFFFF"/>
                 </a:solidFill>
@@ -7052,6 +7591,7 @@
                 <a:sym typeface="Helvetica Neue Medium"/>
               </a:defRPr>
             </a:pPr>
+            <a:endParaRPr/>
           </a:p>
         </p:txBody>
       </p:sp>
@@ -7100,7 +7640,7 @@
             <a:lstStyle/>
             <a:p>
               <a:pPr>
-                <a:defRPr b="0" sz="2200">
+                <a:defRPr sz="2200" b="0">
                   <a:solidFill>
                     <a:srgbClr val="FFFFFF"/>
                   </a:solidFill>
@@ -7110,6 +7650,7 @@
                   <a:sym typeface="Helvetica Neue Medium"/>
                 </a:defRPr>
               </a:pPr>
+              <a:endParaRPr/>
             </a:p>
           </p:txBody>
         </p:sp>
@@ -7135,7 +7676,7 @@
             <a:effectLst/>
             <a:extLst>
               <a:ext uri="{C572A759-6A51-4108-AA02-DFA0A04FC94B}">
-                <ma14:wrappingTextBoxFlag xmlns:ma14="http://schemas.microsoft.com/office/mac/drawingml/2011/main" val="1"/>
+                <ma14:wrappingTextBoxFlag xmlns:ma14="http://schemas.microsoft.com/office/mac/drawingml/2011/main" xmlns="" val="1"/>
               </a:ext>
             </a:extLst>
           </p:spPr>
@@ -7156,6 +7697,7 @@
               <a:pPr>
                 <a:defRPr sz="2000"/>
               </a:pPr>
+              <a:endParaRPr/>
             </a:p>
           </p:txBody>
         </p:sp>
@@ -7187,7 +7729,7 @@
           <a:lstStyle/>
           <a:p>
             <a:pPr>
-              <a:defRPr b="0" sz="2200">
+              <a:defRPr sz="2200" b="0">
                 <a:solidFill>
                   <a:srgbClr val="FFFFFF"/>
                 </a:solidFill>
@@ -7197,6 +7739,7 @@
                 <a:sym typeface="Helvetica Neue Medium"/>
               </a:defRPr>
             </a:pPr>
+            <a:endParaRPr/>
           </a:p>
         </p:txBody>
       </p:sp>
@@ -7245,7 +7788,7 @@
             <a:lstStyle/>
             <a:p>
               <a:pPr>
-                <a:defRPr b="0" sz="2200">
+                <a:defRPr sz="2200" b="0">
                   <a:solidFill>
                     <a:srgbClr val="FFFFFF"/>
                   </a:solidFill>
@@ -7255,6 +7798,7 @@
                   <a:sym typeface="Helvetica Neue Medium"/>
                 </a:defRPr>
               </a:pPr>
+              <a:endParaRPr/>
             </a:p>
           </p:txBody>
         </p:sp>
@@ -7280,7 +7824,7 @@
             <a:effectLst/>
             <a:extLst>
               <a:ext uri="{C572A759-6A51-4108-AA02-DFA0A04FC94B}">
-                <ma14:wrappingTextBoxFlag xmlns:ma14="http://schemas.microsoft.com/office/mac/drawingml/2011/main" val="1"/>
+                <ma14:wrappingTextBoxFlag xmlns:ma14="http://schemas.microsoft.com/office/mac/drawingml/2011/main" xmlns="" val="1"/>
               </a:ext>
             </a:extLst>
           </p:spPr>
@@ -7301,10 +7845,11 @@
               <a:pPr>
                 <a:defRPr sz="2000"/>
               </a:pPr>
+              <a:endParaRPr/>
             </a:p>
             <a:p>
               <a:pPr>
-                <a:defRPr b="0" i="1" sz="2000"/>
+                <a:defRPr sz="2000" b="0" i="1"/>
               </a:pPr>
               <a:r>
                 <a:t>Workflows</a:t>
@@ -7314,10 +7859,11 @@
               <a:pPr>
                 <a:defRPr sz="2000"/>
               </a:pPr>
+              <a:endParaRPr/>
             </a:p>
             <a:p>
               <a:pPr>
-                <a:defRPr b="0" i="1" sz="2000"/>
+                <a:defRPr sz="2000" b="0" i="1"/>
               </a:pPr>
               <a:r>
                 <a:t>Custom Java</a:t>
@@ -7354,7 +7900,7 @@
           <a:lstStyle/>
           <a:p>
             <a:pPr>
-              <a:defRPr b="0" sz="2200">
+              <a:defRPr sz="2200" b="0">
                 <a:solidFill>
                   <a:srgbClr val="FFFFFF"/>
                 </a:solidFill>
@@ -7364,6 +7910,7 @@
                 <a:sym typeface="Helvetica Neue Medium"/>
               </a:defRPr>
             </a:pPr>
+            <a:endParaRPr/>
           </a:p>
         </p:txBody>
       </p:sp>
@@ -7412,7 +7959,7 @@
             <a:lstStyle/>
             <a:p>
               <a:pPr>
-                <a:defRPr b="0" sz="2200">
+                <a:defRPr sz="2200" b="0">
                   <a:solidFill>
                     <a:srgbClr val="FFFFFF"/>
                   </a:solidFill>
@@ -7422,6 +7969,7 @@
                   <a:sym typeface="Helvetica Neue Medium"/>
                 </a:defRPr>
               </a:pPr>
+              <a:endParaRPr/>
             </a:p>
           </p:txBody>
         </p:sp>
@@ -7447,7 +7995,7 @@
             <a:effectLst/>
             <a:extLst>
               <a:ext uri="{C572A759-6A51-4108-AA02-DFA0A04FC94B}">
-                <ma14:wrappingTextBoxFlag xmlns:ma14="http://schemas.microsoft.com/office/mac/drawingml/2011/main" val="1"/>
+                <ma14:wrappingTextBoxFlag xmlns:ma14="http://schemas.microsoft.com/office/mac/drawingml/2011/main" xmlns="" val="1"/>
               </a:ext>
             </a:extLst>
           </p:spPr>
@@ -7504,7 +8052,7 @@
           <a:lstStyle/>
           <a:p>
             <a:pPr>
-              <a:defRPr b="0" sz="2200">
+              <a:defRPr sz="2200" b="0">
                 <a:solidFill>
                   <a:srgbClr val="FFFFFF"/>
                 </a:solidFill>
@@ -7514,6 +8062,7 @@
                 <a:sym typeface="Helvetica Neue Medium"/>
               </a:defRPr>
             </a:pPr>
+            <a:endParaRPr/>
           </a:p>
         </p:txBody>
       </p:sp>
@@ -7548,7 +8097,7 @@
             </a:cxnLst>
             <a:rect l="0" t="0" r="r" b="b"/>
             <a:pathLst>
-              <a:path w="21600" h="21600" fill="norm" stroke="1" extrusionOk="0">
+              <a:path w="21600" h="21600" extrusionOk="0">
                 <a:moveTo>
                   <a:pt x="0" y="21600"/>
                 </a:moveTo>
@@ -7572,7 +8121,7 @@
           <a:bodyPr/>
           <a:lstStyle/>
           <a:p>
-            <a:pPr/>
+            <a:endParaRPr/>
           </a:p>
         </p:txBody>
       </p:sp>
@@ -7621,7 +8170,7 @@
             <a:lstStyle/>
             <a:p>
               <a:pPr>
-                <a:defRPr b="0" sz="2200">
+                <a:defRPr sz="2200" b="0">
                   <a:solidFill>
                     <a:srgbClr val="FFFFFF"/>
                   </a:solidFill>
@@ -7631,6 +8180,7 @@
                   <a:sym typeface="Helvetica Neue Medium"/>
                 </a:defRPr>
               </a:pPr>
+              <a:endParaRPr/>
             </a:p>
           </p:txBody>
         </p:sp>
@@ -7656,7 +8206,7 @@
             <a:effectLst/>
             <a:extLst>
               <a:ext uri="{C572A759-6A51-4108-AA02-DFA0A04FC94B}">
-                <ma14:wrappingTextBoxFlag xmlns:ma14="http://schemas.microsoft.com/office/mac/drawingml/2011/main" val="1"/>
+                <ma14:wrappingTextBoxFlag xmlns:ma14="http://schemas.microsoft.com/office/mac/drawingml/2011/main" xmlns="" val="1"/>
               </a:ext>
             </a:extLst>
           </p:spPr>
@@ -7712,7 +8262,7 @@
           <a:lstStyle/>
           <a:p>
             <a:pPr>
-              <a:defRPr b="0" sz="2200">
+              <a:defRPr sz="2200" b="0">
                 <a:solidFill>
                   <a:srgbClr val="FFFFFF"/>
                 </a:solidFill>
@@ -7722,6 +8272,7 @@
                 <a:sym typeface="Helvetica Neue Medium"/>
               </a:defRPr>
             </a:pPr>
+            <a:endParaRPr/>
           </a:p>
         </p:txBody>
       </p:sp>
@@ -7770,7 +8321,7 @@
             <a:lstStyle/>
             <a:p>
               <a:pPr>
-                <a:defRPr b="0" sz="2200">
+                <a:defRPr sz="2200" b="0">
                   <a:solidFill>
                     <a:srgbClr val="FFFFFF"/>
                   </a:solidFill>
@@ -7780,6 +8331,7 @@
                   <a:sym typeface="Helvetica Neue Medium"/>
                 </a:defRPr>
               </a:pPr>
+              <a:endParaRPr/>
             </a:p>
           </p:txBody>
         </p:sp>
@@ -7805,7 +8357,7 @@
             <a:effectLst/>
             <a:extLst>
               <a:ext uri="{C572A759-6A51-4108-AA02-DFA0A04FC94B}">
-                <ma14:wrappingTextBoxFlag xmlns:ma14="http://schemas.microsoft.com/office/mac/drawingml/2011/main" val="1"/>
+                <ma14:wrappingTextBoxFlag xmlns:ma14="http://schemas.microsoft.com/office/mac/drawingml/2011/main" xmlns="" val="1"/>
               </a:ext>
             </a:extLst>
           </p:spPr>
@@ -7819,6 +8371,7 @@
                 <a:defRPr sz="2000"/>
               </a:pPr>
               <a:r>
+                <a:rPr dirty="0"/>
                 <a:t>Publication</a:t>
               </a:r>
             </a:p>
@@ -7827,6 +8380,7 @@
                 <a:defRPr sz="2000"/>
               </a:pPr>
               <a:r>
+                <a:rPr dirty="0"/>
                 <a:t>Service </a:t>
               </a:r>
             </a:p>
@@ -7834,10 +8388,7 @@
               <a:pPr>
                 <a:defRPr sz="2000"/>
               </a:pPr>
-              <a:r>
-                <a:rPr b="0"/>
-                <a:t>RMM UI</a:t>
-              </a:r>
+              <a:endParaRPr b="0" dirty="0"/>
             </a:p>
           </p:txBody>
         </p:sp>
@@ -7887,7 +8438,7 @@
             <a:lstStyle/>
             <a:p>
               <a:pPr>
-                <a:defRPr b="0" sz="2200">
+                <a:defRPr sz="2200" b="0">
                   <a:solidFill>
                     <a:srgbClr val="FFFFFF"/>
                   </a:solidFill>
@@ -7897,6 +8448,7 @@
                   <a:sym typeface="Helvetica Neue Medium"/>
                 </a:defRPr>
               </a:pPr>
+              <a:endParaRPr/>
             </a:p>
           </p:txBody>
         </p:sp>
@@ -7922,7 +8474,7 @@
             <a:effectLst/>
             <a:extLst>
               <a:ext uri="{C572A759-6A51-4108-AA02-DFA0A04FC94B}">
-                <ma14:wrappingTextBoxFlag xmlns:ma14="http://schemas.microsoft.com/office/mac/drawingml/2011/main" val="1"/>
+                <ma14:wrappingTextBoxFlag xmlns:ma14="http://schemas.microsoft.com/office/mac/drawingml/2011/main" xmlns="" val="1"/>
               </a:ext>
             </a:extLst>
           </p:spPr>
@@ -7978,7 +8530,7 @@
           <a:lstStyle/>
           <a:p>
             <a:pPr>
-              <a:defRPr b="0" sz="2200">
+              <a:defRPr sz="2200" b="0">
                 <a:solidFill>
                   <a:srgbClr val="FFFFFF"/>
                 </a:solidFill>
@@ -7988,6 +8540,7 @@
                 <a:sym typeface="Helvetica Neue Medium"/>
               </a:defRPr>
             </a:pPr>
+            <a:endParaRPr/>
           </a:p>
         </p:txBody>
       </p:sp>
@@ -8018,7 +8571,7 @@
           <a:lstStyle/>
           <a:p>
             <a:pPr>
-              <a:defRPr b="0" sz="2200">
+              <a:defRPr sz="2200" b="0">
                 <a:solidFill>
                   <a:srgbClr val="FFFFFF"/>
                 </a:solidFill>
@@ -8028,6 +8581,7 @@
                 <a:sym typeface="Helvetica Neue Medium"/>
               </a:defRPr>
             </a:pPr>
+            <a:endParaRPr/>
           </a:p>
         </p:txBody>
       </p:sp>
@@ -8058,7 +8612,7 @@
           <a:lstStyle/>
           <a:p>
             <a:pPr>
-              <a:defRPr b="0" sz="2200">
+              <a:defRPr sz="2200" b="0">
                 <a:solidFill>
                   <a:srgbClr val="FFFFFF"/>
                 </a:solidFill>
@@ -8068,6 +8622,7 @@
                 <a:sym typeface="Helvetica Neue Medium"/>
               </a:defRPr>
             </a:pPr>
+            <a:endParaRPr/>
           </a:p>
         </p:txBody>
       </p:sp>
@@ -8116,7 +8671,7 @@
             <a:lstStyle/>
             <a:p>
               <a:pPr>
-                <a:defRPr b="0" sz="2200">
+                <a:defRPr sz="2200" b="0">
                   <a:solidFill>
                     <a:srgbClr val="FFFFFF"/>
                   </a:solidFill>
@@ -8126,6 +8681,7 @@
                   <a:sym typeface="Helvetica Neue Medium"/>
                 </a:defRPr>
               </a:pPr>
+              <a:endParaRPr/>
             </a:p>
           </p:txBody>
         </p:sp>
@@ -8151,7 +8707,7 @@
             <a:effectLst/>
             <a:extLst>
               <a:ext uri="{C572A759-6A51-4108-AA02-DFA0A04FC94B}">
-                <ma14:wrappingTextBoxFlag xmlns:ma14="http://schemas.microsoft.com/office/mac/drawingml/2011/main" val="1"/>
+                <ma14:wrappingTextBoxFlag xmlns:ma14="http://schemas.microsoft.com/office/mac/drawingml/2011/main" xmlns="" val="1"/>
               </a:ext>
             </a:extLst>
           </p:spPr>
@@ -8165,6 +8721,7 @@
                 <a:defRPr sz="2000"/>
               </a:pPr>
               <a:r>
+                <a:rPr dirty="0"/>
                 <a:t>Deployment</a:t>
               </a:r>
             </a:p>
@@ -8173,6 +8730,7 @@
                 <a:defRPr sz="2000"/>
               </a:pPr>
               <a:r>
+                <a:rPr dirty="0"/>
                 <a:t>Agent</a:t>
               </a:r>
             </a:p>
@@ -8181,6 +8739,7 @@
                 <a:defRPr sz="2000"/>
               </a:pPr>
               <a:r>
+                <a:rPr dirty="0"/>
                 <a:t>Service </a:t>
               </a:r>
             </a:p>
@@ -8188,10 +8747,7 @@
               <a:pPr>
                 <a:defRPr sz="2000"/>
               </a:pPr>
-              <a:r>
-                <a:rPr b="0"/>
-                <a:t>RMM UI</a:t>
-              </a:r>
+              <a:endParaRPr b="0" dirty="0"/>
             </a:p>
           </p:txBody>
         </p:sp>
@@ -8227,7 +8783,7 @@
             </a:cxnLst>
             <a:rect l="0" t="0" r="r" b="b"/>
             <a:pathLst>
-              <a:path w="21600" h="16998" fill="norm" stroke="1" extrusionOk="0">
+              <a:path w="21600" h="16998" extrusionOk="0">
                 <a:moveTo>
                   <a:pt x="0" y="16998"/>
                 </a:moveTo>
@@ -8251,7 +8807,7 @@
           <a:bodyPr/>
           <a:lstStyle/>
           <a:p>
-            <a:pPr/>
+            <a:endParaRPr/>
           </a:p>
         </p:txBody>
       </p:sp>
@@ -8260,14 +8816,14 @@
   <p:clrMapOvr>
     <a:masterClrMapping/>
   </p:clrMapOvr>
-  <p:transition xmlns:p14="http://schemas.microsoft.com/office/powerpoint/2010/main" spd="med" advClick="1"/>
+  <p:transition spd="med"/>
   <p:timing>
     <p:tnLst>
       <p:par>
-        <p:cTn id="1" nodeType="tmRoot" restart="never" dur="indefinite" fill="hold">
+        <p:cTn id="1" dur="indefinite" restart="never" fill="hold" nodeType="tmRoot">
           <p:childTnLst>
             <p:seq concurrent="1" prevAc="none" nextAc="seek">
-              <p:cTn id="2" nodeType="mainSeq" dur="indefinite" fill="hold">
+              <p:cTn id="2" dur="indefinite" fill="hold" nodeType="mainSeq">
                 <p:childTnLst>
                   <p:par>
                     <p:cTn id="3" fill="hold">
@@ -8282,11 +8838,11 @@
                             </p:stCondLst>
                             <p:childTnLst>
                               <p:par>
-                                <p:cTn id="5" presetClass="entr" nodeType="clickEffect" presetSubtype="0" presetID="1" grpId="1" fill="hold">
+                                <p:cTn id="5" presetID="1" presetClass="entr" presetSubtype="0" fill="hold" grpId="1" nodeType="clickEffect">
                                   <p:stCondLst>
                                     <p:cond delay="0"/>
                                   </p:stCondLst>
-                                  <p:iterate type="el" backwards="0">
+                                  <p:iterate>
                                     <p:tmAbs val="0"/>
                                   </p:iterate>
                                   <p:childTnLst>
@@ -8326,11 +8882,11 @@
                             </p:stCondLst>
                             <p:childTnLst>
                               <p:par>
-                                <p:cTn id="9" presetClass="entr" nodeType="clickEffect" presetSubtype="0" presetID="1" grpId="2" fill="hold">
+                                <p:cTn id="9" presetID="1" presetClass="entr" presetSubtype="0" fill="hold" grpId="2" nodeType="clickEffect">
                                   <p:stCondLst>
                                     <p:cond delay="0"/>
                                   </p:stCondLst>
-                                  <p:iterate type="el" backwards="0">
+                                  <p:iterate>
                                     <p:tmAbs val="0"/>
                                   </p:iterate>
                                   <p:childTnLst>
@@ -8370,11 +8926,11 @@
                             </p:stCondLst>
                             <p:childTnLst>
                               <p:par>
-                                <p:cTn id="13" presetClass="entr" nodeType="clickEffect" presetSubtype="0" presetID="1" grpId="3" fill="hold">
+                                <p:cTn id="13" presetID="1" presetClass="entr" presetSubtype="0" fill="hold" grpId="3" nodeType="clickEffect">
                                   <p:stCondLst>
                                     <p:cond delay="0"/>
                                   </p:stCondLst>
-                                  <p:iterate type="el" backwards="0">
+                                  <p:iterate>
                                     <p:tmAbs val="0"/>
                                   </p:iterate>
                                   <p:childTnLst>
@@ -8414,11 +8970,11 @@
                             </p:stCondLst>
                             <p:childTnLst>
                               <p:par>
-                                <p:cTn id="17" presetClass="entr" nodeType="clickEffect" presetSubtype="0" presetID="1" grpId="4" fill="hold">
+                                <p:cTn id="17" presetID="1" presetClass="entr" presetSubtype="0" fill="hold" grpId="4" nodeType="clickEffect">
                                   <p:stCondLst>
                                     <p:cond delay="0"/>
                                   </p:stCondLst>
-                                  <p:iterate type="el" backwards="0">
+                                  <p:iterate>
                                     <p:tmAbs val="0"/>
                                   </p:iterate>
                                   <p:childTnLst>
@@ -8458,11 +9014,11 @@
                             </p:stCondLst>
                             <p:childTnLst>
                               <p:par>
-                                <p:cTn id="21" presetClass="entr" nodeType="clickEffect" presetSubtype="0" presetID="1" grpId="5" fill="hold">
+                                <p:cTn id="21" presetID="1" presetClass="entr" presetSubtype="0" fill="hold" grpId="5" nodeType="clickEffect">
                                   <p:stCondLst>
                                     <p:cond delay="0"/>
                                   </p:stCondLst>
-                                  <p:iterate type="el" backwards="0">
+                                  <p:iterate>
                                     <p:tmAbs val="0"/>
                                   </p:iterate>
                                   <p:childTnLst>
@@ -8502,11 +9058,11 @@
                             </p:stCondLst>
                             <p:childTnLst>
                               <p:par>
-                                <p:cTn id="25" presetClass="entr" nodeType="clickEffect" presetSubtype="0" presetID="1" grpId="6" fill="hold">
+                                <p:cTn id="25" presetID="1" presetClass="entr" presetSubtype="0" fill="hold" grpId="6" nodeType="clickEffect">
                                   <p:stCondLst>
                                     <p:cond delay="0"/>
                                   </p:stCondLst>
-                                  <p:iterate type="el" backwards="0">
+                                  <p:iterate>
                                     <p:tmAbs val="0"/>
                                   </p:iterate>
                                   <p:childTnLst>
@@ -8546,11 +9102,11 @@
                             </p:stCondLst>
                             <p:childTnLst>
                               <p:par>
-                                <p:cTn id="29" presetClass="entr" nodeType="clickEffect" presetSubtype="0" presetID="1" grpId="7" fill="hold">
+                                <p:cTn id="29" presetID="1" presetClass="entr" presetSubtype="0" fill="hold" grpId="7" nodeType="clickEffect">
                                   <p:stCondLst>
                                     <p:cond delay="0"/>
                                   </p:stCondLst>
-                                  <p:iterate type="el" backwards="0">
+                                  <p:iterate>
                                     <p:tmAbs val="0"/>
                                   </p:iterate>
                                   <p:childTnLst>
@@ -8590,11 +9146,11 @@
                             </p:stCondLst>
                             <p:childTnLst>
                               <p:par>
-                                <p:cTn id="33" presetClass="entr" nodeType="clickEffect" presetSubtype="0" presetID="1" grpId="8" fill="hold">
+                                <p:cTn id="33" presetID="1" presetClass="entr" presetSubtype="0" fill="hold" grpId="8" nodeType="clickEffect">
                                   <p:stCondLst>
                                     <p:cond delay="0"/>
                                   </p:stCondLst>
-                                  <p:iterate type="el" backwards="0">
+                                  <p:iterate>
                                     <p:tmAbs val="0"/>
                                   </p:iterate>
                                   <p:childTnLst>
@@ -8634,11 +9190,11 @@
                             </p:stCondLst>
                             <p:childTnLst>
                               <p:par>
-                                <p:cTn id="37" presetClass="entr" nodeType="clickEffect" presetSubtype="0" presetID="1" grpId="9" fill="hold">
+                                <p:cTn id="37" presetID="1" presetClass="entr" presetSubtype="0" fill="hold" grpId="9" nodeType="clickEffect">
                                   <p:stCondLst>
                                     <p:cond delay="0"/>
                                   </p:stCondLst>
-                                  <p:iterate type="el" backwards="0">
+                                  <p:iterate>
                                     <p:tmAbs val="0"/>
                                   </p:iterate>
                                   <p:childTnLst>
@@ -8678,11 +9234,11 @@
                             </p:stCondLst>
                             <p:childTnLst>
                               <p:par>
-                                <p:cTn id="41" presetClass="entr" nodeType="clickEffect" presetSubtype="0" presetID="1" grpId="10" fill="hold">
+                                <p:cTn id="41" presetID="1" presetClass="entr" presetSubtype="0" fill="hold" grpId="10" nodeType="clickEffect">
                                   <p:stCondLst>
                                     <p:cond delay="0"/>
                                   </p:stCondLst>
-                                  <p:iterate type="el" backwards="0">
+                                  <p:iterate>
                                     <p:tmAbs val="0"/>
                                   </p:iterate>
                                   <p:childTnLst>
@@ -8722,11 +9278,11 @@
                             </p:stCondLst>
                             <p:childTnLst>
                               <p:par>
-                                <p:cTn id="45" presetClass="entr" nodeType="clickEffect" presetSubtype="0" presetID="1" grpId="11" fill="hold">
+                                <p:cTn id="45" presetID="1" presetClass="entr" presetSubtype="0" fill="hold" grpId="11" nodeType="clickEffect">
                                   <p:stCondLst>
                                     <p:cond delay="0"/>
                                   </p:stCondLst>
-                                  <p:iterate type="el" backwards="0">
+                                  <p:iterate>
                                     <p:tmAbs val="0"/>
                                   </p:iterate>
                                   <p:childTnLst>
@@ -8766,11 +9322,11 @@
                             </p:stCondLst>
                             <p:childTnLst>
                               <p:par>
-                                <p:cTn id="49" presetClass="entr" nodeType="clickEffect" presetSubtype="0" presetID="1" grpId="12" fill="hold">
+                                <p:cTn id="49" presetID="1" presetClass="entr" presetSubtype="0" fill="hold" grpId="12" nodeType="clickEffect">
                                   <p:stCondLst>
                                     <p:cond delay="0"/>
                                   </p:stCondLst>
-                                  <p:iterate type="el" backwards="0">
+                                  <p:iterate>
                                     <p:tmAbs val="0"/>
                                   </p:iterate>
                                   <p:childTnLst>
@@ -8810,11 +9366,11 @@
                             </p:stCondLst>
                             <p:childTnLst>
                               <p:par>
-                                <p:cTn id="53" presetClass="entr" nodeType="clickEffect" presetSubtype="0" presetID="1" grpId="13" fill="hold">
+                                <p:cTn id="53" presetID="1" presetClass="entr" presetSubtype="0" fill="hold" grpId="13" nodeType="clickEffect">
                                   <p:stCondLst>
                                     <p:cond delay="0"/>
                                   </p:stCondLst>
-                                  <p:iterate type="el" backwards="0">
+                                  <p:iterate>
                                     <p:tmAbs val="0"/>
                                   </p:iterate>
                                   <p:childTnLst>
@@ -8854,11 +9410,11 @@
                             </p:stCondLst>
                             <p:childTnLst>
                               <p:par>
-                                <p:cTn id="57" presetClass="entr" nodeType="clickEffect" presetSubtype="0" presetID="1" grpId="14" fill="hold">
+                                <p:cTn id="57" presetID="1" presetClass="entr" presetSubtype="0" fill="hold" grpId="14" nodeType="clickEffect">
                                   <p:stCondLst>
                                     <p:cond delay="0"/>
                                   </p:stCondLst>
-                                  <p:iterate type="el" backwards="0">
+                                  <p:iterate>
                                     <p:tmAbs val="0"/>
                                   </p:iterate>
                                   <p:childTnLst>
@@ -8898,11 +9454,11 @@
                             </p:stCondLst>
                             <p:childTnLst>
                               <p:par>
-                                <p:cTn id="61" presetClass="entr" nodeType="clickEffect" presetSubtype="0" presetID="1" grpId="15" fill="hold">
+                                <p:cTn id="61" presetID="1" presetClass="entr" presetSubtype="0" fill="hold" grpId="15" nodeType="clickEffect">
                                   <p:stCondLst>
                                     <p:cond delay="0"/>
                                   </p:stCondLst>
-                                  <p:iterate type="el" backwards="0">
+                                  <p:iterate>
                                     <p:tmAbs val="0"/>
                                   </p:iterate>
                                   <p:childTnLst>
@@ -8942,11 +9498,11 @@
                             </p:stCondLst>
                             <p:childTnLst>
                               <p:par>
-                                <p:cTn id="65" presetClass="entr" nodeType="clickEffect" presetSubtype="0" presetID="1" grpId="16" fill="hold">
+                                <p:cTn id="65" presetID="1" presetClass="entr" presetSubtype="0" fill="hold" grpId="16" nodeType="clickEffect">
                                   <p:stCondLst>
                                     <p:cond delay="0"/>
                                   </p:stCondLst>
-                                  <p:iterate type="el" backwards="0">
+                                  <p:iterate>
                                     <p:tmAbs val="0"/>
                                   </p:iterate>
                                   <p:childTnLst>
@@ -8986,11 +9542,11 @@
                             </p:stCondLst>
                             <p:childTnLst>
                               <p:par>
-                                <p:cTn id="69" presetClass="entr" nodeType="clickEffect" presetSubtype="0" presetID="1" grpId="17" fill="hold">
+                                <p:cTn id="69" presetID="1" presetClass="entr" presetSubtype="0" fill="hold" grpId="17" nodeType="clickEffect">
                                   <p:stCondLst>
                                     <p:cond delay="0"/>
                                   </p:stCondLst>
-                                  <p:iterate type="el" backwards="0">
+                                  <p:iterate>
                                     <p:tmAbs val="0"/>
                                   </p:iterate>
                                   <p:childTnLst>
@@ -9030,11 +9586,11 @@
                             </p:stCondLst>
                             <p:childTnLst>
                               <p:par>
-                                <p:cTn id="73" presetClass="entr" nodeType="clickEffect" presetSubtype="0" presetID="1" grpId="18" fill="hold">
+                                <p:cTn id="73" presetID="1" presetClass="entr" presetSubtype="0" fill="hold" grpId="18" nodeType="clickEffect">
                                   <p:stCondLst>
                                     <p:cond delay="0"/>
                                   </p:stCondLst>
-                                  <p:iterate type="el" backwards="0">
+                                  <p:iterate>
                                     <p:tmAbs val="0"/>
                                   </p:iterate>
                                   <p:childTnLst>
@@ -9074,11 +9630,11 @@
                             </p:stCondLst>
                             <p:childTnLst>
                               <p:par>
-                                <p:cTn id="77" presetClass="entr" nodeType="clickEffect" presetSubtype="0" presetID="1" grpId="19" fill="hold">
+                                <p:cTn id="77" presetID="1" presetClass="entr" presetSubtype="0" fill="hold" grpId="19" nodeType="clickEffect">
                                   <p:stCondLst>
                                     <p:cond delay="0"/>
                                   </p:stCondLst>
-                                  <p:iterate type="el" backwards="0">
+                                  <p:iterate>
                                     <p:tmAbs val="0"/>
                                   </p:iterate>
                                   <p:childTnLst>
@@ -9108,14 +9664,14 @@
                 </p:childTnLst>
               </p:cTn>
               <p:prevCondLst>
-                <p:cond evt="onPrev">
+                <p:cond evt="onPrev" delay="0">
                   <p:tgtEl>
                     <p:sldTgt/>
                   </p:tgtEl>
                 </p:cond>
               </p:prevCondLst>
               <p:nextCondLst>
-                <p:cond evt="onNext">
+                <p:cond evt="onNext" delay="0">
                   <p:tgtEl>
                     <p:sldTgt/>
                   </p:tgtEl>
@@ -9127,32 +9683,32 @@
       </p:par>
     </p:tnLst>
     <p:bldLst>
-      <p:bldP build="whole" bldLvl="1" animBg="1" rev="0" advAuto="0" spid="132" grpId="2"/>
-      <p:bldP build="whole" bldLvl="1" animBg="1" rev="0" advAuto="0" spid="140" grpId="8"/>
-      <p:bldP build="whole" bldLvl="1" animBg="1" rev="0" advAuto="0" spid="135" grpId="5"/>
-      <p:bldP build="whole" bldLvl="1" animBg="1" rev="0" advAuto="0" spid="131" grpId="3"/>
-      <p:bldP build="whole" bldLvl="1" animBg="1" rev="0" advAuto="0" spid="156" grpId="6"/>
-      <p:bldP build="whole" bldLvl="1" animBg="1" rev="0" advAuto="0" spid="136" grpId="4"/>
-      <p:bldP build="whole" bldLvl="1" animBg="1" rev="0" advAuto="0" spid="148" grpId="14"/>
-      <p:bldP build="whole" bldLvl="1" animBg="1" rev="0" advAuto="0" spid="143" grpId="11"/>
-      <p:bldP build="whole" bldLvl="1" animBg="1" rev="0" advAuto="0" spid="158" grpId="17"/>
-      <p:bldP build="whole" bldLvl="1" animBg="1" rev="0" advAuto="0" spid="155" grpId="7"/>
-      <p:bldP build="whole" bldLvl="1" animBg="1" rev="0" advAuto="0" spid="139" grpId="9"/>
-      <p:bldP build="whole" bldLvl="1" animBg="1" rev="0" advAuto="0" spid="144" grpId="12"/>
-      <p:bldP build="whole" bldLvl="1" animBg="1" rev="0" advAuto="0" spid="149" grpId="15"/>
-      <p:bldP build="whole" bldLvl="1" animBg="1" rev="0" advAuto="0" spid="163" grpId="13"/>
-      <p:bldP build="whole" bldLvl="1" animBg="1" rev="0" advAuto="0" spid="128" grpId="1"/>
-      <p:bldP build="whole" bldLvl="1" animBg="1" rev="0" advAuto="0" spid="164" grpId="19"/>
-      <p:bldP build="whole" bldLvl="1" animBg="1" rev="0" advAuto="0" spid="161" grpId="18"/>
-      <p:bldP build="whole" bldLvl="1" animBg="1" rev="0" advAuto="0" spid="152" grpId="16"/>
-      <p:bldP build="whole" bldLvl="1" animBg="1" rev="0" advAuto="0" spid="157" grpId="10"/>
+      <p:bldP spid="128" grpId="1" animBg="1" advAuto="0"/>
+      <p:bldP spid="131" grpId="3" animBg="1" advAuto="0"/>
+      <p:bldP spid="132" grpId="2" animBg="1" advAuto="0"/>
+      <p:bldP spid="135" grpId="5" animBg="1" advAuto="0"/>
+      <p:bldP spid="136" grpId="4" animBg="1" advAuto="0"/>
+      <p:bldP spid="139" grpId="9" animBg="1" advAuto="0"/>
+      <p:bldP spid="140" grpId="8" animBg="1" advAuto="0"/>
+      <p:bldP spid="143" grpId="11" animBg="1" advAuto="0"/>
+      <p:bldP spid="144" grpId="12" animBg="1" advAuto="0"/>
+      <p:bldP spid="163" grpId="13" animBg="1" advAuto="0"/>
+      <p:bldP spid="148" grpId="14" animBg="1" advAuto="0"/>
+      <p:bldP spid="149" grpId="15" animBg="1" advAuto="0"/>
+      <p:bldP spid="152" grpId="16" animBg="1" advAuto="0"/>
+      <p:bldP spid="155" grpId="7" animBg="1" advAuto="0"/>
+      <p:bldP spid="156" grpId="6" animBg="1" advAuto="0"/>
+      <p:bldP spid="157" grpId="10" animBg="1" advAuto="0"/>
+      <p:bldP spid="158" grpId="17" animBg="1" advAuto="0"/>
+      <p:bldP spid="161" grpId="18" animBg="1" advAuto="0"/>
+      <p:bldP spid="164" grpId="19" animBg="1" advAuto="0"/>
     </p:bldLst>
   </p:timing>
 </p:sld>
 </file>
 
 <file path=ppt/slides/slide4.xml><?xml version="1.0" encoding="utf-8"?>
-<p:sld xmlns:a="http://schemas.openxmlformats.org/drawingml/2006/main" xmlns:r="http://schemas.openxmlformats.org/officeDocument/2006/relationships" xmlns:p="http://schemas.openxmlformats.org/presentationml/2006/main" showMasterSp="1" showMasterPhAnim="1">
+<p:sld xmlns:a="http://schemas.openxmlformats.org/drawingml/2006/main" xmlns:r="http://schemas.openxmlformats.org/officeDocument/2006/relationships" xmlns:p="http://schemas.openxmlformats.org/presentationml/2006/main">
   <p:cSld>
     <p:spTree>
       <p:nvGrpSpPr>
@@ -9171,7 +9727,9 @@
       <p:sp>
         <p:nvSpPr>
           <p:cNvPr id="166" name="The MediaBin technology stack is very busy…"/>
-          <p:cNvSpPr txBox="1"/>
+          <p:cNvSpPr txBox="1">
+            <a:spLocks noGrp="1"/>
+          </p:cNvSpPr>
           <p:nvPr>
             <p:ph type="body" idx="1"/>
           </p:nvPr>
@@ -9290,12 +9848,12 @@
   <p:clrMapOvr>
     <a:masterClrMapping/>
   </p:clrMapOvr>
-  <p:transition xmlns:p14="http://schemas.microsoft.com/office/powerpoint/2010/main" spd="med" advClick="1"/>
+  <p:transition spd="med"/>
 </p:sld>
 </file>
 
 <file path=ppt/slides/slide5.xml><?xml version="1.0" encoding="utf-8"?>
-<p:sld xmlns:a="http://schemas.openxmlformats.org/drawingml/2006/main" xmlns:r="http://schemas.openxmlformats.org/officeDocument/2006/relationships" xmlns:p="http://schemas.openxmlformats.org/presentationml/2006/main" showMasterSp="1" showMasterPhAnim="1">
+<p:sld xmlns:a="http://schemas.openxmlformats.org/drawingml/2006/main" xmlns:r="http://schemas.openxmlformats.org/officeDocument/2006/relationships" xmlns:p="http://schemas.openxmlformats.org/presentationml/2006/main">
   <p:cSld>
     <p:spTree>
       <p:nvGrpSpPr>
@@ -9314,7 +9872,9 @@
       <p:sp>
         <p:nvSpPr>
           <p:cNvPr id="168" name="Leading solution at this time…"/>
-          <p:cNvSpPr txBox="1"/>
+          <p:cNvSpPr txBox="1">
+            <a:spLocks noGrp="1"/>
+          </p:cNvSpPr>
           <p:nvPr>
             <p:ph type="body" idx="1"/>
           </p:nvPr>
@@ -9414,7 +9974,9 @@
       <p:sp>
         <p:nvSpPr>
           <p:cNvPr id="169" name="Option 1 - OpenText OTMM"/>
-          <p:cNvSpPr txBox="1"/>
+          <p:cNvSpPr txBox="1">
+            <a:spLocks noGrp="1"/>
+          </p:cNvSpPr>
           <p:nvPr>
             <p:ph type="title" idx="4294967295"/>
           </p:nvPr>
@@ -9436,7 +9998,6 @@
             </a:lvl1pPr>
           </a:lstStyle>
           <a:p>
-            <a:pPr/>
             <a:r>
               <a:t>Option 1 - OpenText OTMM</a:t>
             </a:r>
@@ -9448,12 +10009,12 @@
   <p:clrMapOvr>
     <a:masterClrMapping/>
   </p:clrMapOvr>
-  <p:transition xmlns:p14="http://schemas.microsoft.com/office/powerpoint/2010/main" spd="med" advClick="1"/>
+  <p:transition spd="med"/>
 </p:sld>
 </file>
 
 <file path=ppt/slides/slide6.xml><?xml version="1.0" encoding="utf-8"?>
-<p:sld xmlns:a="http://schemas.openxmlformats.org/drawingml/2006/main" xmlns:r="http://schemas.openxmlformats.org/officeDocument/2006/relationships" xmlns:p="http://schemas.openxmlformats.org/presentationml/2006/main" showMasterSp="1" showMasterPhAnim="1">
+<p:sld xmlns:a="http://schemas.openxmlformats.org/drawingml/2006/main" xmlns:r="http://schemas.openxmlformats.org/officeDocument/2006/relationships" xmlns:p="http://schemas.openxmlformats.org/presentationml/2006/main">
   <p:cSld>
     <p:spTree>
       <p:nvGrpSpPr>
@@ -9472,22 +10033,26 @@
       <p:sp>
         <p:nvSpPr>
           <p:cNvPr id="171" name="Centralized global brand repository to maintain brand consistency and standards throughout asset acquisition, sharing, repurposing, disposition…"/>
-          <p:cNvSpPr txBox="1"/>
+          <p:cNvSpPr txBox="1">
+            <a:spLocks noGrp="1"/>
+          </p:cNvSpPr>
           <p:nvPr>
             <p:ph type="body" idx="1"/>
           </p:nvPr>
         </p:nvSpPr>
         <p:spPr>
           <a:xfrm>
-            <a:off x="952500" y="1270000"/>
-            <a:ext cx="11099800" cy="7093036"/>
+            <a:off x="952500" y="2194560"/>
+            <a:ext cx="11099800" cy="7212330"/>
           </a:xfrm>
           <a:prstGeom prst="rect">
             <a:avLst/>
           </a:prstGeom>
         </p:spPr>
         <p:txBody>
-          <a:bodyPr/>
+          <a:bodyPr>
+            <a:normAutofit fontScale="62500" lnSpcReduction="20000"/>
+          </a:bodyPr>
           <a:lstStyle/>
           <a:p>
             <a:pPr marL="0" indent="0" defTabSz="457200">
@@ -9499,7 +10064,7 @@
               </a:spcBef>
               <a:buSzTx/>
               <a:buNone/>
-              <a:defRPr i="1" sz="2200">
+              <a:defRPr sz="2200" i="1">
                 <a:latin typeface="Times"/>
                 <a:ea typeface="Times"/>
                 <a:cs typeface="Times"/>
@@ -9507,6 +10072,7 @@
               </a:defRPr>
             </a:pPr>
             <a:r>
+              <a:rPr dirty="0"/>
               <a:t>Centralized global brand repository to maintain brand consistency and standards throughout asset acquisition, sharing, repurposing, disposition</a:t>
             </a:r>
           </a:p>
@@ -9520,7 +10086,7 @@
               </a:spcBef>
               <a:buSzTx/>
               <a:buNone/>
-              <a:defRPr i="1" sz="2200">
+              <a:defRPr sz="2200" i="1">
                 <a:latin typeface="Times"/>
                 <a:ea typeface="Times"/>
                 <a:cs typeface="Times"/>
@@ -9528,6 +10094,7 @@
               </a:defRPr>
             </a:pPr>
             <a:r>
+              <a:rPr dirty="0"/>
               <a:t>Digital Hub to easily create branded micro sites</a:t>
             </a:r>
           </a:p>
@@ -9541,7 +10108,7 @@
               </a:spcBef>
               <a:buSzTx/>
               <a:buNone/>
-              <a:defRPr i="1" sz="2200">
+              <a:defRPr sz="2200" i="1">
                 <a:latin typeface="Times"/>
                 <a:ea typeface="Times"/>
                 <a:cs typeface="Times"/>
@@ -9549,6 +10116,7 @@
               </a:defRPr>
             </a:pPr>
             <a:r>
+              <a:rPr dirty="0"/>
               <a:t>Marketing collaboration to streamline review and approval with creative agencies </a:t>
             </a:r>
           </a:p>
@@ -9562,7 +10130,7 @@
               </a:spcBef>
               <a:buSzTx/>
               <a:buNone/>
-              <a:defRPr i="1" sz="2200">
+              <a:defRPr sz="2200" i="1">
                 <a:latin typeface="Times"/>
                 <a:ea typeface="Times"/>
                 <a:cs typeface="Times"/>
@@ -9570,6 +10138,7 @@
               </a:defRPr>
             </a:pPr>
             <a:r>
+              <a:rPr dirty="0"/>
               <a:t>Mobile app for on-the-go review, approval, jobs, tasks, and notifications </a:t>
             </a:r>
           </a:p>
@@ -9583,7 +10152,7 @@
               </a:spcBef>
               <a:buSzTx/>
               <a:buNone/>
-              <a:defRPr i="1" sz="2200">
+              <a:defRPr sz="2200" i="1">
                 <a:latin typeface="Times"/>
                 <a:ea typeface="Times"/>
                 <a:cs typeface="Times"/>
@@ -9591,9 +10160,10 @@
               </a:defRPr>
             </a:pPr>
             <a:r>
+              <a:rPr dirty="0"/>
               <a:t>Digital asset provision for campaigns, collateral, and publish to print for online and go-to market channels </a:t>
             </a:r>
-            <a:endParaRPr i="0"/>
+            <a:endParaRPr i="0" dirty="0"/>
           </a:p>
           <a:p>
             <a:pPr marL="0" indent="0" defTabSz="457200">
@@ -9605,7 +10175,7 @@
               </a:spcBef>
               <a:buSzTx/>
               <a:buNone/>
-              <a:defRPr i="1" sz="2200">
+              <a:defRPr sz="2200" i="1">
                 <a:latin typeface="Times"/>
                 <a:ea typeface="Times"/>
                 <a:cs typeface="Times"/>
@@ -9613,10 +10183,11 @@
               </a:defRPr>
             </a:pPr>
             <a:r>
-              <a:rPr i="0"/>
+              <a:rPr i="0" dirty="0"/>
               <a:t> </a:t>
             </a:r>
             <a:r>
+              <a:rPr dirty="0"/>
               <a:t>Secure, controlled global access to image and video libraries</a:t>
             </a:r>
           </a:p>
@@ -9630,7 +10201,7 @@
               </a:spcBef>
               <a:buSzTx/>
               <a:buNone/>
-              <a:defRPr i="1" sz="2200">
+              <a:defRPr sz="2200" i="1">
                 <a:latin typeface="Times"/>
                 <a:ea typeface="Times"/>
                 <a:cs typeface="Times"/>
@@ -9638,6 +10209,7 @@
               </a:defRPr>
             </a:pPr>
             <a:r>
+              <a:rPr dirty="0"/>
               <a:t> Creative agency workflows that allow marketers to manage jobs across multiple agencies/vendors</a:t>
             </a:r>
           </a:p>
@@ -9659,6 +10231,7 @@
               </a:defRPr>
             </a:pPr>
             <a:r>
+              <a:rPr dirty="0"/>
               <a:t>These features seems to go far beyond how Jostens uses its DAM. </a:t>
             </a:r>
           </a:p>
@@ -9678,6 +10251,7 @@
               </a:defRPr>
             </a:pPr>
             <a:r>
+              <a:rPr dirty="0"/>
               <a:t>Jostens - DAM is a supporting system for customer facing websites and manufacturing</a:t>
             </a:r>
           </a:p>
@@ -9697,6 +10271,7 @@
               </a:defRPr>
             </a:pPr>
             <a:r>
+              <a:rPr dirty="0"/>
               <a:t>OTMM - DAM is a centerpiece of interactions with customers</a:t>
             </a:r>
           </a:p>
@@ -9718,6 +10293,7 @@
               </a:defRPr>
             </a:pPr>
             <a:r>
+              <a:rPr dirty="0"/>
               <a:t>Would Jostens be paying for functionality it will never use?</a:t>
             </a:r>
           </a:p>
@@ -9726,7 +10302,9 @@
       <p:sp>
         <p:nvSpPr>
           <p:cNvPr id="172" name="OpenText OTMM Product Features"/>
-          <p:cNvSpPr txBox="1"/>
+          <p:cNvSpPr txBox="1">
+            <a:spLocks noGrp="1"/>
+          </p:cNvSpPr>
           <p:nvPr>
             <p:ph type="title" idx="4294967295"/>
           </p:nvPr>
@@ -9748,8 +10326,8 @@
             </a:lvl1pPr>
           </a:lstStyle>
           <a:p>
-            <a:pPr/>
-            <a:r>
+            <a:r>
+              <a:rPr dirty="0"/>
               <a:t>OpenText OTMM Product Features</a:t>
             </a:r>
           </a:p>
@@ -9760,12 +10338,12 @@
   <p:clrMapOvr>
     <a:masterClrMapping/>
   </p:clrMapOvr>
-  <p:transition xmlns:p14="http://schemas.microsoft.com/office/powerpoint/2010/main" spd="med" advClick="1"/>
+  <p:transition spd="med"/>
 </p:sld>
 </file>
 
 <file path=ppt/slides/slide7.xml><?xml version="1.0" encoding="utf-8"?>
-<p:sld xmlns:a="http://schemas.openxmlformats.org/drawingml/2006/main" xmlns:r="http://schemas.openxmlformats.org/officeDocument/2006/relationships" xmlns:p="http://schemas.openxmlformats.org/presentationml/2006/main" showMasterSp="1" showMasterPhAnim="1">
+<p:sld xmlns:a="http://schemas.openxmlformats.org/drawingml/2006/main" xmlns:r="http://schemas.openxmlformats.org/officeDocument/2006/relationships" xmlns:p="http://schemas.openxmlformats.org/presentationml/2006/main">
   <p:cSld>
     <p:spTree>
       <p:nvGrpSpPr>
@@ -9784,7 +10362,9 @@
       <p:sp>
         <p:nvSpPr>
           <p:cNvPr id="174" name="Begin DAM RFP process for the third time at Jostens…"/>
-          <p:cNvSpPr txBox="1"/>
+          <p:cNvSpPr txBox="1">
+            <a:spLocks noGrp="1"/>
+          </p:cNvSpPr>
           <p:nvPr>
             <p:ph type="body" idx="1"/>
           </p:nvPr>
@@ -9803,6 +10383,7 @@
               <a:buNone/>
             </a:pPr>
             <a:r>
+              <a:rPr dirty="0"/>
               <a:t>Begin DAM RFP process for the third time at Jostens</a:t>
             </a:r>
           </a:p>
@@ -9812,7 +10393,16 @@
               <a:buNone/>
             </a:pPr>
             <a:r>
-              <a:t>Google search of 2019 DAM vendors returns lists of up to companies and organizations of various sizes</a:t>
+              <a:rPr dirty="0"/>
+              <a:t>Google search of 2019 DAM vendors returns lists of up to</a:t>
+            </a:r>
+            <a:r>
+              <a:rPr lang="en-US" dirty="0"/>
+              <a:t> 50</a:t>
+            </a:r>
+            <a:r>
+              <a:rPr dirty="0"/>
+              <a:t> companies and organizations of various sizes</a:t>
             </a:r>
           </a:p>
           <a:p>
@@ -9821,6 +10411,7 @@
               <a:buNone/>
             </a:pPr>
             <a:r>
+              <a:rPr dirty="0"/>
               <a:t>There might be a half dozen legitimate vendors who’s product could handle the scope of Jostens requirements</a:t>
             </a:r>
           </a:p>
@@ -9830,6 +10421,7 @@
               <a:buNone/>
             </a:pPr>
             <a:r>
+              <a:rPr dirty="0"/>
               <a:t>The time to craft an RFP, select whom to receive the RFP, receive the responses, have meetings and make a selection could be a year long effort</a:t>
             </a:r>
           </a:p>
@@ -9839,6 +10431,7 @@
               <a:buNone/>
             </a:pPr>
             <a:r>
+              <a:rPr dirty="0"/>
               <a:t>Seems like an effort Jostens would prefer not to undertake at this time</a:t>
             </a:r>
           </a:p>
@@ -9847,7 +10440,9 @@
       <p:sp>
         <p:nvSpPr>
           <p:cNvPr id="175" name="Option 2 - Select Another DAM Vendor"/>
-          <p:cNvSpPr txBox="1"/>
+          <p:cNvSpPr txBox="1">
+            <a:spLocks noGrp="1"/>
+          </p:cNvSpPr>
           <p:nvPr>
             <p:ph type="title" idx="4294967295"/>
           </p:nvPr>
@@ -9869,7 +10464,6 @@
             </a:lvl1pPr>
           </a:lstStyle>
           <a:p>
-            <a:pPr/>
             <a:r>
               <a:t>Option 2 - Select Another DAM Vendor</a:t>
             </a:r>
@@ -9881,12 +10475,12 @@
   <p:clrMapOvr>
     <a:masterClrMapping/>
   </p:clrMapOvr>
-  <p:transition xmlns:p14="http://schemas.microsoft.com/office/powerpoint/2010/main" spd="med" advClick="1"/>
+  <p:transition spd="med"/>
 </p:sld>
 </file>
 
 <file path=ppt/slides/slide8.xml><?xml version="1.0" encoding="utf-8"?>
-<p:sld xmlns:a="http://schemas.openxmlformats.org/drawingml/2006/main" xmlns:r="http://schemas.openxmlformats.org/officeDocument/2006/relationships" xmlns:p="http://schemas.openxmlformats.org/presentationml/2006/main" showMasterSp="1" showMasterPhAnim="1">
+<p:sld xmlns:a="http://schemas.openxmlformats.org/drawingml/2006/main" xmlns:r="http://schemas.openxmlformats.org/officeDocument/2006/relationships" xmlns:p="http://schemas.openxmlformats.org/presentationml/2006/main">
   <p:cSld>
     <p:spTree>
       <p:nvGrpSpPr>
@@ -9905,7 +10499,9 @@
       <p:sp>
         <p:nvSpPr>
           <p:cNvPr id="177" name="Neither option seems ideal…"/>
-          <p:cNvSpPr txBox="1"/>
+          <p:cNvSpPr txBox="1">
+            <a:spLocks noGrp="1"/>
+          </p:cNvSpPr>
           <p:nvPr>
             <p:ph type="body" sz="half" idx="1"/>
           </p:nvPr>
@@ -9970,13 +10566,13 @@
           </a:ln>
           <a:extLst>
             <a:ext uri="{C572A759-6A51-4108-AA02-DFA0A04FC94B}">
-              <ma14:wrappingTextBoxFlag xmlns:ma14="http://schemas.microsoft.com/office/mac/drawingml/2011/main" val="1"/>
+              <ma14:wrappingTextBoxFlag xmlns:ma14="http://schemas.microsoft.com/office/mac/drawingml/2011/main" xmlns="" val="1"/>
             </a:ext>
           </a:extLst>
         </p:spPr>
         <p:txBody>
           <a:bodyPr lIns="50800" tIns="50800" rIns="50800" bIns="50800" anchor="ctr">
-            <a:normAutofit fontScale="100000" lnSpcReduction="0"/>
+            <a:normAutofit/>
           </a:bodyPr>
           <a:lstStyle/>
           <a:p>
@@ -9984,7 +10580,7 @@
               <a:spcBef>
                 <a:spcPts val="4200"/>
               </a:spcBef>
-              <a:defRPr b="0" sz="3200"/>
+              <a:defRPr sz="3200" b="0"/>
             </a:pPr>
             <a:r>
               <a:t>We go back to 1993 and a project I did called </a:t>
@@ -10001,14 +10597,14 @@
   <p:clrMapOvr>
     <a:masterClrMapping/>
   </p:clrMapOvr>
-  <p:transition xmlns:p14="http://schemas.microsoft.com/office/powerpoint/2010/main" spd="med" advClick="1"/>
+  <p:transition spd="med"/>
   <p:timing>
     <p:tnLst>
       <p:par>
-        <p:cTn id="1" nodeType="tmRoot" restart="never" dur="indefinite" fill="hold">
+        <p:cTn id="1" dur="indefinite" restart="never" fill="hold" nodeType="tmRoot">
           <p:childTnLst>
             <p:seq concurrent="1" prevAc="none" nextAc="seek">
-              <p:cTn id="2" nodeType="mainSeq" dur="indefinite" fill="hold">
+              <p:cTn id="2" dur="indefinite" fill="hold" nodeType="mainSeq">
                 <p:childTnLst>
                   <p:par>
                     <p:cTn id="3" fill="hold">
@@ -10023,11 +10619,11 @@
                             </p:stCondLst>
                             <p:childTnLst>
                               <p:par>
-                                <p:cTn id="5" presetClass="entr" nodeType="clickEffect" presetSubtype="2" presetID="2" grpId="1" fill="hold">
+                                <p:cTn id="5" presetID="2" presetClass="entr" presetSubtype="2" fill="hold" grpId="1" nodeType="clickEffect">
                                   <p:stCondLst>
                                     <p:cond delay="0"/>
                                   </p:stCondLst>
-                                  <p:iterate type="el" backwards="0">
+                                  <p:iterate>
                                     <p:tmAbs val="0"/>
                                   </p:iterate>
                                   <p:childTnLst>
@@ -10103,14 +10699,14 @@
                 </p:childTnLst>
               </p:cTn>
               <p:prevCondLst>
-                <p:cond evt="onPrev">
+                <p:cond evt="onPrev" delay="0">
                   <p:tgtEl>
                     <p:sldTgt/>
                   </p:tgtEl>
                 </p:cond>
               </p:prevCondLst>
               <p:nextCondLst>
-                <p:cond evt="onNext">
+                <p:cond evt="onNext" delay="0">
                   <p:tgtEl>
                     <p:sldTgt/>
                   </p:tgtEl>
@@ -10122,14 +10718,14 @@
       </p:par>
     </p:tnLst>
     <p:bldLst>
-      <p:bldP build="whole" bldLvl="1" animBg="1" rev="0" advAuto="0" spid="178" grpId="1"/>
+      <p:bldP spid="178" grpId="1" animBg="1" advAuto="0"/>
     </p:bldLst>
   </p:timing>
 </p:sld>
 </file>
 
 <file path=ppt/slides/slide9.xml><?xml version="1.0" encoding="utf-8"?>
-<p:sld xmlns:a="http://schemas.openxmlformats.org/drawingml/2006/main" xmlns:r="http://schemas.openxmlformats.org/officeDocument/2006/relationships" xmlns:p="http://schemas.openxmlformats.org/presentationml/2006/main" showMasterSp="1" showMasterPhAnim="1">
+<p:sld xmlns:a="http://schemas.openxmlformats.org/drawingml/2006/main" xmlns:r="http://schemas.openxmlformats.org/officeDocument/2006/relationships" xmlns:p="http://schemas.openxmlformats.org/presentationml/2006/main">
   <p:cSld>
     <p:spTree>
       <p:nvGrpSpPr>
@@ -10148,7 +10744,9 @@
       <p:sp>
         <p:nvSpPr>
           <p:cNvPr id="180" name="Company in St. Paul…"/>
-          <p:cNvSpPr txBox="1"/>
+          <p:cNvSpPr txBox="1">
+            <a:spLocks noGrp="1"/>
+          </p:cNvSpPr>
           <p:nvPr>
             <p:ph type="body" sz="half" idx="1"/>
           </p:nvPr>
@@ -10284,7 +10882,7 @@
             <a:lstStyle/>
             <a:p>
               <a:pPr>
-                <a:defRPr b="0" sz="2200">
+                <a:defRPr sz="2200" b="0">
                   <a:solidFill>
                     <a:srgbClr val="FFFFFF"/>
                   </a:solidFill>
@@ -10294,6 +10892,7 @@
                   <a:sym typeface="Helvetica Neue Medium"/>
                 </a:defRPr>
               </a:pPr>
+              <a:endParaRPr/>
             </a:p>
           </p:txBody>
         </p:sp>
@@ -10319,7 +10918,7 @@
             <a:effectLst/>
             <a:extLst>
               <a:ext uri="{C572A759-6A51-4108-AA02-DFA0A04FC94B}">
-                <ma14:wrappingTextBoxFlag xmlns:ma14="http://schemas.microsoft.com/office/mac/drawingml/2011/main" val="1"/>
+                <ma14:wrappingTextBoxFlag xmlns:ma14="http://schemas.microsoft.com/office/mac/drawingml/2011/main" xmlns="" val="1"/>
               </a:ext>
             </a:extLst>
           </p:spPr>
@@ -10333,7 +10932,6 @@
               </a:lvl1pPr>
             </a:lstStyle>
             <a:p>
-              <a:pPr/>
               <a:r>
                 <a:t>C Custom Application</a:t>
               </a:r>
@@ -10386,7 +10984,7 @@
             <a:lstStyle/>
             <a:p>
               <a:pPr>
-                <a:defRPr b="0" sz="2200">
+                <a:defRPr sz="2200" b="0">
                   <a:solidFill>
                     <a:srgbClr val="FFFFFF"/>
                   </a:solidFill>
@@ -10396,6 +10994,7 @@
                   <a:sym typeface="Helvetica Neue Medium"/>
                 </a:defRPr>
               </a:pPr>
+              <a:endParaRPr/>
             </a:p>
           </p:txBody>
         </p:sp>
@@ -10421,7 +11020,7 @@
             <a:effectLst/>
             <a:extLst>
               <a:ext uri="{C572A759-6A51-4108-AA02-DFA0A04FC94B}">
-                <ma14:wrappingTextBoxFlag xmlns:ma14="http://schemas.microsoft.com/office/mac/drawingml/2011/main" val="1"/>
+                <ma14:wrappingTextBoxFlag xmlns:ma14="http://schemas.microsoft.com/office/mac/drawingml/2011/main" xmlns="" val="1"/>
               </a:ext>
             </a:extLst>
           </p:spPr>
@@ -10435,7 +11034,6 @@
               </a:lvl1pPr>
             </a:lstStyle>
             <a:p>
-              <a:pPr/>
               <a:r>
                 <a:t>Informix Database</a:t>
               </a:r>
@@ -10488,7 +11086,7 @@
             <a:lstStyle/>
             <a:p>
               <a:pPr>
-                <a:defRPr b="0" sz="2200">
+                <a:defRPr sz="2200" b="0">
                   <a:solidFill>
                     <a:srgbClr val="FFFFFF"/>
                   </a:solidFill>
@@ -10498,6 +11096,7 @@
                   <a:sym typeface="Helvetica Neue Medium"/>
                 </a:defRPr>
               </a:pPr>
+              <a:endParaRPr/>
             </a:p>
           </p:txBody>
         </p:sp>
@@ -10523,7 +11122,7 @@
             <a:effectLst/>
             <a:extLst>
               <a:ext uri="{C572A759-6A51-4108-AA02-DFA0A04FC94B}">
-                <ma14:wrappingTextBoxFlag xmlns:ma14="http://schemas.microsoft.com/office/mac/drawingml/2011/main" val="1"/>
+                <ma14:wrappingTextBoxFlag xmlns:ma14="http://schemas.microsoft.com/office/mac/drawingml/2011/main" xmlns="" val="1"/>
               </a:ext>
             </a:extLst>
           </p:spPr>
@@ -10537,7 +11136,6 @@
               </a:lvl1pPr>
             </a:lstStyle>
             <a:p>
-              <a:pPr/>
               <a:r>
                 <a:t>UNIX Hardware</a:t>
               </a:r>
@@ -10571,7 +11169,7 @@
           <a:lstStyle/>
           <a:p>
             <a:pPr>
-              <a:defRPr b="0" sz="2200">
+              <a:defRPr sz="2200" b="0">
                 <a:solidFill>
                   <a:srgbClr val="FFFFFF"/>
                 </a:solidFill>
@@ -10581,6 +11179,7 @@
                 <a:sym typeface="Helvetica Neue Medium"/>
               </a:defRPr>
             </a:pPr>
+            <a:endParaRPr/>
           </a:p>
         </p:txBody>
       </p:sp>
@@ -10610,7 +11209,7 @@
           <a:lstStyle/>
           <a:p>
             <a:pPr>
-              <a:defRPr b="0" sz="2200">
+              <a:defRPr sz="2200" b="0">
                 <a:solidFill>
                   <a:srgbClr val="FFFFFF"/>
                 </a:solidFill>
@@ -10620,6 +11219,7 @@
                 <a:sym typeface="Helvetica Neue Medium"/>
               </a:defRPr>
             </a:pPr>
+            <a:endParaRPr/>
           </a:p>
         </p:txBody>
       </p:sp>
@@ -10668,7 +11268,7 @@
             <a:lstStyle/>
             <a:p>
               <a:pPr>
-                <a:defRPr b="0" sz="2200">
+                <a:defRPr sz="2200" b="0">
                   <a:solidFill>
                     <a:srgbClr val="FFFFFF"/>
                   </a:solidFill>
@@ -10678,6 +11278,7 @@
                   <a:sym typeface="Helvetica Neue Medium"/>
                 </a:defRPr>
               </a:pPr>
+              <a:endParaRPr/>
             </a:p>
           </p:txBody>
         </p:sp>
@@ -10703,7 +11304,7 @@
             <a:effectLst/>
             <a:extLst>
               <a:ext uri="{C572A759-6A51-4108-AA02-DFA0A04FC94B}">
-                <ma14:wrappingTextBoxFlag xmlns:ma14="http://schemas.microsoft.com/office/mac/drawingml/2011/main" val="1"/>
+                <ma14:wrappingTextBoxFlag xmlns:ma14="http://schemas.microsoft.com/office/mac/drawingml/2011/main" xmlns="" val="1"/>
               </a:ext>
             </a:extLst>
           </p:spPr>
@@ -10717,7 +11318,6 @@
               </a:lvl1pPr>
             </a:lstStyle>
             <a:p>
-              <a:pPr/>
               <a:r>
                 <a:t>IFL Layer</a:t>
               </a:r>
@@ -10770,7 +11370,7 @@
             <a:lstStyle/>
             <a:p>
               <a:pPr>
-                <a:defRPr b="0" sz="2200">
+                <a:defRPr sz="2200" b="0">
                   <a:solidFill>
                     <a:srgbClr val="FFFFFF"/>
                   </a:solidFill>
@@ -10780,6 +11380,7 @@
                   <a:sym typeface="Helvetica Neue Medium"/>
                 </a:defRPr>
               </a:pPr>
+              <a:endParaRPr/>
             </a:p>
           </p:txBody>
         </p:sp>
@@ -10805,7 +11406,7 @@
             <a:effectLst/>
             <a:extLst>
               <a:ext uri="{C572A759-6A51-4108-AA02-DFA0A04FC94B}">
-                <ma14:wrappingTextBoxFlag xmlns:ma14="http://schemas.microsoft.com/office/mac/drawingml/2011/main" val="1"/>
+                <ma14:wrappingTextBoxFlag xmlns:ma14="http://schemas.microsoft.com/office/mac/drawingml/2011/main" xmlns="" val="1"/>
               </a:ext>
             </a:extLst>
           </p:spPr>
@@ -10819,7 +11420,6 @@
               </a:lvl1pPr>
             </a:lstStyle>
             <a:p>
-              <a:pPr/>
               <a:r>
                 <a:t>Oracle Database</a:t>
               </a:r>
@@ -10872,7 +11472,7 @@
             <a:lstStyle/>
             <a:p>
               <a:pPr>
-                <a:defRPr b="0" sz="2200">
+                <a:defRPr sz="2200" b="0">
                   <a:solidFill>
                     <a:srgbClr val="FFFFFF"/>
                   </a:solidFill>
@@ -10882,6 +11482,7 @@
                   <a:sym typeface="Helvetica Neue Medium"/>
                 </a:defRPr>
               </a:pPr>
+              <a:endParaRPr/>
             </a:p>
           </p:txBody>
         </p:sp>
@@ -10907,7 +11508,7 @@
             <a:effectLst/>
             <a:extLst>
               <a:ext uri="{C572A759-6A51-4108-AA02-DFA0A04FC94B}">
-                <ma14:wrappingTextBoxFlag xmlns:ma14="http://schemas.microsoft.com/office/mac/drawingml/2011/main" val="1"/>
+                <ma14:wrappingTextBoxFlag xmlns:ma14="http://schemas.microsoft.com/office/mac/drawingml/2011/main" xmlns="" val="1"/>
               </a:ext>
             </a:extLst>
           </p:spPr>
@@ -10921,7 +11522,6 @@
               </a:lvl1pPr>
             </a:lstStyle>
             <a:p>
-              <a:pPr/>
               <a:r>
                 <a:t>HP/UX Unix Hardware</a:t>
               </a:r>
@@ -10948,13 +11548,13 @@
           </a:ln>
           <a:extLst>
             <a:ext uri="{C572A759-6A51-4108-AA02-DFA0A04FC94B}">
-              <ma14:wrappingTextBoxFlag xmlns:ma14="http://schemas.microsoft.com/office/mac/drawingml/2011/main" val="1"/>
+              <ma14:wrappingTextBoxFlag xmlns:ma14="http://schemas.microsoft.com/office/mac/drawingml/2011/main" xmlns="" val="1"/>
             </a:ext>
           </a:extLst>
         </p:spPr>
         <p:txBody>
           <a:bodyPr lIns="50800" tIns="50800" rIns="50800" bIns="50800" anchor="ctr">
-            <a:normAutofit fontScale="100000" lnSpcReduction="0"/>
+            <a:normAutofit/>
           </a:bodyPr>
           <a:lstStyle/>
           <a:p>
@@ -10964,7 +11564,7 @@
               </a:spcBef>
               <a:buSzPct val="145000"/>
               <a:buChar char="•"/>
-              <a:defRPr b="0" sz="1900"/>
+              <a:defRPr sz="1900" b="0"/>
             </a:pPr>
             <a:r>
               <a:t>IFL Layer translated Informix function calls the code was making into SQL statements for Oracle</a:t>
@@ -10977,7 +11577,7 @@
               </a:spcBef>
               <a:buSzPct val="145000"/>
               <a:buChar char="•"/>
-              <a:defRPr b="0" sz="1900"/>
+              <a:defRPr sz="1900" b="0"/>
             </a:pPr>
             <a:r>
               <a:t>Very minimal C code changes required</a:t>
@@ -10990,7 +11590,7 @@
               </a:spcBef>
               <a:buSzPct val="145000"/>
               <a:buChar char="•"/>
-              <a:defRPr b="0" sz="1900"/>
+              <a:defRPr sz="1900" b="0"/>
             </a:pPr>
             <a:r>
               <a:t>Took three months to complete</a:t>
@@ -11003,7 +11603,7 @@
               </a:spcBef>
               <a:buSzPct val="145000"/>
               <a:buChar char="•"/>
-              <a:defRPr b="0" sz="1900"/>
+              <a:defRPr sz="1900" b="0"/>
             </a:pPr>
             <a:r>
               <a:t>System was fully retired in 2013</a:t>
@@ -11016,7 +11616,7 @@
               </a:spcBef>
               <a:buSzPct val="145000"/>
               <a:buChar char="•"/>
-              <a:defRPr b="0" sz="1900"/>
+              <a:defRPr sz="1900" b="0"/>
             </a:pPr>
             <a:r>
               <a:t>An idea I had saved the company a lot of money and time and gave 20 years life to an application</a:t>
@@ -11029,7 +11629,7 @@
               </a:spcBef>
               <a:buSzPct val="145000"/>
               <a:buChar char="•"/>
-              <a:defRPr b="0" sz="1900"/>
+              <a:defRPr sz="1900" b="0"/>
             </a:pPr>
             <a:r>
               <a:t>My top career achievement</a:t>
@@ -11042,14 +11642,14 @@
   <p:clrMapOvr>
     <a:masterClrMapping/>
   </p:clrMapOvr>
-  <p:transition xmlns:p14="http://schemas.microsoft.com/office/powerpoint/2010/main" spd="med" advClick="1"/>
+  <p:transition spd="med"/>
   <p:timing>
     <p:tnLst>
       <p:par>
-        <p:cTn id="1" nodeType="tmRoot" restart="never" dur="indefinite" fill="hold">
+        <p:cTn id="1" dur="indefinite" restart="never" fill="hold" nodeType="tmRoot">
           <p:childTnLst>
             <p:seq concurrent="1" prevAc="none" nextAc="seek">
-              <p:cTn id="2" nodeType="mainSeq" dur="indefinite" fill="hold">
+              <p:cTn id="2" dur="indefinite" fill="hold" nodeType="mainSeq">
                 <p:childTnLst>
                   <p:par>
                     <p:cTn id="3" fill="hold">
@@ -11064,11 +11664,11 @@
                             </p:stCondLst>
                             <p:childTnLst>
                               <p:par>
-                                <p:cTn id="5" presetClass="entr" nodeType="clickEffect" presetSubtype="2" presetID="2" grpId="1" fill="hold">
+                                <p:cTn id="5" presetID="2" presetClass="entr" presetSubtype="2" fill="hold" grpId="1" nodeType="clickEffect">
                                   <p:stCondLst>
                                     <p:cond delay="0"/>
                                   </p:stCondLst>
-                                  <p:iterate type="el" backwards="0">
+                                  <p:iterate>
                                     <p:tmAbs val="0"/>
                                   </p:iterate>
                                   <p:childTnLst>
@@ -11154,15 +11754,15 @@
                             </p:stCondLst>
                             <p:childTnLst>
                               <p:par>
-                                <p:cTn id="11" presetClass="exit" nodeType="clickEffect" presetID="9" grpId="2" fill="hold">
+                                <p:cTn id="11" presetID="9" presetClass="exit" fill="hold" grpId="2" nodeType="clickEffect">
                                   <p:stCondLst>
                                     <p:cond delay="0"/>
                                   </p:stCondLst>
-                                  <p:iterate type="el" backwards="0">
+                                  <p:iterate>
                                     <p:tmAbs val="0"/>
                                   </p:iterate>
                                   <p:childTnLst>
-                                    <p:animEffect filter="dissolve" transition="out">
+                                    <p:animEffect transition="out" filter="dissolve">
                                       <p:cBhvr>
                                         <p:cTn id="12" dur="500" fill="hold"/>
                                         <p:tgtEl>
@@ -11210,11 +11810,11 @@
                             </p:stCondLst>
                             <p:childTnLst>
                               <p:par>
-                                <p:cTn id="16" presetClass="entr" nodeType="clickEffect" presetID="9" grpId="3" fill="hold">
+                                <p:cTn id="16" presetID="9" presetClass="entr" fill="hold" grpId="3" nodeType="clickEffect">
                                   <p:stCondLst>
                                     <p:cond delay="0"/>
                                   </p:stCondLst>
-                                  <p:iterate type="el" backwards="0">
+                                  <p:iterate>
                                     <p:tmAbs val="0"/>
                                   </p:iterate>
                                   <p:childTnLst>
@@ -11232,7 +11832,7 @@
                                         <p:strVal val="visible"/>
                                       </p:to>
                                     </p:set>
-                                    <p:animEffect filter="dissolve" transition="in">
+                                    <p:animEffect transition="in" filter="dissolve">
                                       <p:cBhvr>
                                         <p:cTn id="18" dur="500"/>
                                         <p:tgtEl>
@@ -11262,15 +11862,15 @@
                             </p:stCondLst>
                             <p:childTnLst>
                               <p:par>
-                                <p:cTn id="21" presetClass="exit" nodeType="clickEffect" presetID="9" grpId="4" fill="hold">
+                                <p:cTn id="21" presetID="9" presetClass="exit" fill="hold" grpId="4" nodeType="clickEffect">
                                   <p:stCondLst>
                                     <p:cond delay="0"/>
                                   </p:stCondLst>
-                                  <p:iterate type="el" backwards="0">
+                                  <p:iterate>
                                     <p:tmAbs val="0"/>
                                   </p:iterate>
                                   <p:childTnLst>
-                                    <p:animEffect filter="dissolve" transition="out">
+                                    <p:animEffect transition="out" filter="dissolve">
                                       <p:cBhvr>
                                         <p:cTn id="22" dur="1500" fill="hold"/>
                                         <p:tgtEl>
@@ -11318,11 +11918,11 @@
                             </p:stCondLst>
                             <p:childTnLst>
                               <p:par>
-                                <p:cTn id="26" presetClass="entr" nodeType="clickEffect" presetID="9" grpId="5" fill="hold">
+                                <p:cTn id="26" presetID="9" presetClass="entr" fill="hold" grpId="5" nodeType="clickEffect">
                                   <p:stCondLst>
                                     <p:cond delay="0"/>
                                   </p:stCondLst>
-                                  <p:iterate type="el" backwards="0">
+                                  <p:iterate>
                                     <p:tmAbs val="0"/>
                                   </p:iterate>
                                   <p:childTnLst>
@@ -11340,7 +11940,7 @@
                                         <p:strVal val="visible"/>
                                       </p:to>
                                     </p:set>
-                                    <p:animEffect filter="dissolve" transition="in">
+                                    <p:animEffect transition="in" filter="dissolve">
                                       <p:cBhvr>
                                         <p:cTn id="28" dur="1500"/>
                                         <p:tgtEl>
@@ -11370,11 +11970,11 @@
                             </p:stCondLst>
                             <p:childTnLst>
                               <p:par>
-                                <p:cTn id="31" presetClass="entr" nodeType="clickEffect" presetSubtype="0" presetID="1" grpId="6" fill="hold">
+                                <p:cTn id="31" presetID="1" presetClass="entr" presetSubtype="0" fill="hold" grpId="6" nodeType="clickEffect">
                                   <p:stCondLst>
                                     <p:cond delay="0"/>
                                   </p:stCondLst>
-                                  <p:iterate type="el" backwards="0">
+                                  <p:iterate>
                                     <p:tmAbs val="0"/>
                                   </p:iterate>
                                   <p:childTnLst>
@@ -11404,14 +12004,14 @@
                 </p:childTnLst>
               </p:cTn>
               <p:prevCondLst>
-                <p:cond evt="onPrev">
+                <p:cond evt="onPrev" delay="0">
                   <p:tgtEl>
                     <p:sldTgt/>
                   </p:tgtEl>
                 </p:cond>
               </p:prevCondLst>
               <p:nextCondLst>
-                <p:cond evt="onNext">
+                <p:cond evt="onNext" delay="0">
                   <p:tgtEl>
                     <p:sldTgt/>
                   </p:tgtEl>
@@ -11423,19 +12023,19 @@
       </p:par>
     </p:tnLst>
     <p:bldLst>
-      <p:bldP build="whole" bldLvl="1" animBg="1" rev="0" advAuto="0" spid="194" grpId="1"/>
-      <p:bldP build="whole" bldLvl="1" animBg="1" rev="0" advAuto="0" spid="197" grpId="3"/>
-      <p:bldP build="whole" bldLvl="1" animBg="1" rev="0" advAuto="0" spid="200" grpId="5"/>
-      <p:bldP build="whole" bldLvl="1" animBg="1" rev="0" advAuto="0" spid="189" grpId="4"/>
-      <p:bldP build="whole" bldLvl="1" animBg="1" rev="0" advAuto="0" spid="201" grpId="6"/>
-      <p:bldP build="whole" bldLvl="1" animBg="1" rev="0" advAuto="0" spid="186" grpId="2"/>
+      <p:bldP spid="186" grpId="2" animBg="1" advAuto="0"/>
+      <p:bldP spid="189" grpId="4" animBg="1" advAuto="0"/>
+      <p:bldP spid="194" grpId="1" animBg="1" advAuto="0"/>
+      <p:bldP spid="197" grpId="3" animBg="1" advAuto="0"/>
+      <p:bldP spid="200" grpId="5" animBg="1" advAuto="0"/>
+      <p:bldP spid="201" grpId="6" animBg="1" advAuto="0"/>
     </p:bldLst>
   </p:timing>
 </p:sld>
 </file>
 
 <file path=ppt/theme/theme1.xml><?xml version="1.0" encoding="utf-8"?>
-<a:theme xmlns:a="http://schemas.openxmlformats.org/drawingml/2006/main" xmlns:r="http://schemas.openxmlformats.org/officeDocument/2006/relationships" name="White">
+<a:theme xmlns:a="http://schemas.openxmlformats.org/drawingml/2006/main" name="White">
   <a:themeElements>
     <a:clrScheme name="White">
       <a:dk1>
@@ -11634,7 +12234,7 @@
         <a:effectLst/>
         <a:sp3d/>
       </a:spPr>
-      <a:bodyPr rot="0" spcFirstLastPara="1" vertOverflow="overflow" horzOverflow="overflow" vert="horz" wrap="square" lIns="50800" tIns="50800" rIns="50800" bIns="50800" numCol="1" spcCol="38100" rtlCol="0" anchor="ctr" upright="0">
+      <a:bodyPr rot="0" spcFirstLastPara="1" vertOverflow="overflow" horzOverflow="overflow" vert="horz" wrap="square" lIns="50800" tIns="50800" rIns="50800" bIns="50800" numCol="1" spcCol="38100" rtlCol="0" anchor="ctr">
         <a:spAutoFit/>
       </a:bodyPr>
       <a:lstStyle>
@@ -11653,7 +12253,7 @@
           <a:buFontTx/>
           <a:buNone/>
           <a:tabLst/>
-          <a:defRPr b="0" baseline="0" cap="none" i="0" spc="0" strike="noStrike" sz="2200" u="none" kumimoji="0" normalizeH="0">
+          <a:defRPr kumimoji="0" sz="2200" b="0" i="0" u="none" strike="noStrike" cap="none" spc="0" normalizeH="0" baseline="0">
             <a:ln>
               <a:noFill/>
             </a:ln>
@@ -11683,7 +12283,7 @@
           <a:buFontTx/>
           <a:buNone/>
           <a:tabLst/>
-          <a:defRPr b="0" baseline="0" cap="none" i="0" spc="0" strike="noStrike" sz="1800" u="none" kumimoji="0" normalizeH="0">
+          <a:defRPr kumimoji="0" sz="1800" b="0" i="0" u="none" strike="noStrike" cap="none" spc="0" normalizeH="0" baseline="0">
             <a:ln>
               <a:noFill/>
             </a:ln>
@@ -11709,7 +12309,7 @@
           <a:buFontTx/>
           <a:buNone/>
           <a:tabLst/>
-          <a:defRPr b="0" baseline="0" cap="none" i="0" spc="0" strike="noStrike" sz="1800" u="none" kumimoji="0" normalizeH="0">
+          <a:defRPr kumimoji="0" sz="1800" b="0" i="0" u="none" strike="noStrike" cap="none" spc="0" normalizeH="0" baseline="0">
             <a:ln>
               <a:noFill/>
             </a:ln>
@@ -11735,7 +12335,7 @@
           <a:buFontTx/>
           <a:buNone/>
           <a:tabLst/>
-          <a:defRPr b="0" baseline="0" cap="none" i="0" spc="0" strike="noStrike" sz="1800" u="none" kumimoji="0" normalizeH="0">
+          <a:defRPr kumimoji="0" sz="1800" b="0" i="0" u="none" strike="noStrike" cap="none" spc="0" normalizeH="0" baseline="0">
             <a:ln>
               <a:noFill/>
             </a:ln>
@@ -11761,7 +12361,7 @@
           <a:buFontTx/>
           <a:buNone/>
           <a:tabLst/>
-          <a:defRPr b="0" baseline="0" cap="none" i="0" spc="0" strike="noStrike" sz="1800" u="none" kumimoji="0" normalizeH="0">
+          <a:defRPr kumimoji="0" sz="1800" b="0" i="0" u="none" strike="noStrike" cap="none" spc="0" normalizeH="0" baseline="0">
             <a:ln>
               <a:noFill/>
             </a:ln>
@@ -11787,7 +12387,7 @@
           <a:buFontTx/>
           <a:buNone/>
           <a:tabLst/>
-          <a:defRPr b="0" baseline="0" cap="none" i="0" spc="0" strike="noStrike" sz="1800" u="none" kumimoji="0" normalizeH="0">
+          <a:defRPr kumimoji="0" sz="1800" b="0" i="0" u="none" strike="noStrike" cap="none" spc="0" normalizeH="0" baseline="0">
             <a:ln>
               <a:noFill/>
             </a:ln>
@@ -11813,7 +12413,7 @@
           <a:buFontTx/>
           <a:buNone/>
           <a:tabLst/>
-          <a:defRPr b="0" baseline="0" cap="none" i="0" spc="0" strike="noStrike" sz="1800" u="none" kumimoji="0" normalizeH="0">
+          <a:defRPr kumimoji="0" sz="1800" b="0" i="0" u="none" strike="noStrike" cap="none" spc="0" normalizeH="0" baseline="0">
             <a:ln>
               <a:noFill/>
             </a:ln>
@@ -11839,7 +12439,7 @@
           <a:buFontTx/>
           <a:buNone/>
           <a:tabLst/>
-          <a:defRPr b="0" baseline="0" cap="none" i="0" spc="0" strike="noStrike" sz="1800" u="none" kumimoji="0" normalizeH="0">
+          <a:defRPr kumimoji="0" sz="1800" b="0" i="0" u="none" strike="noStrike" cap="none" spc="0" normalizeH="0" baseline="0">
             <a:ln>
               <a:noFill/>
             </a:ln>
@@ -11865,7 +12465,7 @@
           <a:buFontTx/>
           <a:buNone/>
           <a:tabLst/>
-          <a:defRPr b="0" baseline="0" cap="none" i="0" spc="0" strike="noStrike" sz="1800" u="none" kumimoji="0" normalizeH="0">
+          <a:defRPr kumimoji="0" sz="1800" b="0" i="0" u="none" strike="noStrike" cap="none" spc="0" normalizeH="0" baseline="0">
             <a:ln>
               <a:noFill/>
             </a:ln>
@@ -11891,7 +12491,7 @@
           <a:buFontTx/>
           <a:buNone/>
           <a:tabLst/>
-          <a:defRPr b="0" baseline="0" cap="none" i="0" spc="0" strike="noStrike" sz="1800" u="none" kumimoji="0" normalizeH="0">
+          <a:defRPr kumimoji="0" sz="1800" b="0" i="0" u="none" strike="noStrike" cap="none" spc="0" normalizeH="0" baseline="0">
             <a:ln>
               <a:noFill/>
             </a:ln>
@@ -11904,9 +12504,15 @@
         </a:lvl9pPr>
       </a:lstStyle>
       <a:style>
-        <a:lnRef idx="0"/>
-        <a:fillRef idx="0"/>
-        <a:effectRef idx="0"/>
+        <a:lnRef idx="0">
+          <a:scrgbClr r="0" g="0" b="0"/>
+        </a:lnRef>
+        <a:fillRef idx="0">
+          <a:scrgbClr r="0" g="0" b="0"/>
+        </a:fillRef>
+        <a:effectRef idx="0">
+          <a:scrgbClr r="0" g="0" b="0"/>
+        </a:effectRef>
         <a:fontRef idx="none"/>
       </a:style>
     </a:spDef>
@@ -11923,7 +12529,7 @@
         <a:effectLst/>
         <a:sp3d/>
       </a:spPr>
-      <a:bodyPr rot="0" spcFirstLastPara="1" vertOverflow="overflow" horzOverflow="overflow" vert="horz" wrap="square" lIns="91439" tIns="45719" rIns="91439" bIns="45719" numCol="1" spcCol="38100" rtlCol="0" anchor="t" upright="0">
+      <a:bodyPr rot="0" spcFirstLastPara="1" vertOverflow="overflow" horzOverflow="overflow" vert="horz" wrap="square" lIns="91439" tIns="45719" rIns="91439" bIns="45719" numCol="1" spcCol="38100" rtlCol="0" anchor="t">
         <a:noAutofit/>
       </a:bodyPr>
       <a:lstStyle>
@@ -11942,7 +12548,7 @@
           <a:buFontTx/>
           <a:buNone/>
           <a:tabLst/>
-          <a:defRPr b="0" baseline="0" cap="none" i="0" spc="0" strike="noStrike" sz="1800" u="none" kumimoji="0" normalizeH="0">
+          <a:defRPr kumimoji="0" sz="1800" b="0" i="0" u="none" strike="noStrike" cap="none" spc="0" normalizeH="0" baseline="0">
             <a:ln>
               <a:noFill/>
             </a:ln>
@@ -11968,7 +12574,7 @@
           <a:buFontTx/>
           <a:buNone/>
           <a:tabLst/>
-          <a:defRPr b="0" baseline="0" cap="none" i="0" spc="0" strike="noStrike" sz="1800" u="none" kumimoji="0" normalizeH="0">
+          <a:defRPr kumimoji="0" sz="1800" b="0" i="0" u="none" strike="noStrike" cap="none" spc="0" normalizeH="0" baseline="0">
             <a:ln>
               <a:noFill/>
             </a:ln>
@@ -11994,7 +12600,7 @@
           <a:buFontTx/>
           <a:buNone/>
           <a:tabLst/>
-          <a:defRPr b="0" baseline="0" cap="none" i="0" spc="0" strike="noStrike" sz="1800" u="none" kumimoji="0" normalizeH="0">
+          <a:defRPr kumimoji="0" sz="1800" b="0" i="0" u="none" strike="noStrike" cap="none" spc="0" normalizeH="0" baseline="0">
             <a:ln>
               <a:noFill/>
             </a:ln>
@@ -12020,7 +12626,7 @@
           <a:buFontTx/>
           <a:buNone/>
           <a:tabLst/>
-          <a:defRPr b="0" baseline="0" cap="none" i="0" spc="0" strike="noStrike" sz="1800" u="none" kumimoji="0" normalizeH="0">
+          <a:defRPr kumimoji="0" sz="1800" b="0" i="0" u="none" strike="noStrike" cap="none" spc="0" normalizeH="0" baseline="0">
             <a:ln>
               <a:noFill/>
             </a:ln>
@@ -12046,7 +12652,7 @@
           <a:buFontTx/>
           <a:buNone/>
           <a:tabLst/>
-          <a:defRPr b="0" baseline="0" cap="none" i="0" spc="0" strike="noStrike" sz="1800" u="none" kumimoji="0" normalizeH="0">
+          <a:defRPr kumimoji="0" sz="1800" b="0" i="0" u="none" strike="noStrike" cap="none" spc="0" normalizeH="0" baseline="0">
             <a:ln>
               <a:noFill/>
             </a:ln>
@@ -12072,7 +12678,7 @@
           <a:buFontTx/>
           <a:buNone/>
           <a:tabLst/>
-          <a:defRPr b="0" baseline="0" cap="none" i="0" spc="0" strike="noStrike" sz="1800" u="none" kumimoji="0" normalizeH="0">
+          <a:defRPr kumimoji="0" sz="1800" b="0" i="0" u="none" strike="noStrike" cap="none" spc="0" normalizeH="0" baseline="0">
             <a:ln>
               <a:noFill/>
             </a:ln>
@@ -12098,7 +12704,7 @@
           <a:buFontTx/>
           <a:buNone/>
           <a:tabLst/>
-          <a:defRPr b="0" baseline="0" cap="none" i="0" spc="0" strike="noStrike" sz="1800" u="none" kumimoji="0" normalizeH="0">
+          <a:defRPr kumimoji="0" sz="1800" b="0" i="0" u="none" strike="noStrike" cap="none" spc="0" normalizeH="0" baseline="0">
             <a:ln>
               <a:noFill/>
             </a:ln>
@@ -12124,7 +12730,7 @@
           <a:buFontTx/>
           <a:buNone/>
           <a:tabLst/>
-          <a:defRPr b="0" baseline="0" cap="none" i="0" spc="0" strike="noStrike" sz="1800" u="none" kumimoji="0" normalizeH="0">
+          <a:defRPr kumimoji="0" sz="1800" b="0" i="0" u="none" strike="noStrike" cap="none" spc="0" normalizeH="0" baseline="0">
             <a:ln>
               <a:noFill/>
             </a:ln>
@@ -12150,7 +12756,7 @@
           <a:buFontTx/>
           <a:buNone/>
           <a:tabLst/>
-          <a:defRPr b="0" baseline="0" cap="none" i="0" spc="0" strike="noStrike" sz="1800" u="none" kumimoji="0" normalizeH="0">
+          <a:defRPr kumimoji="0" sz="1800" b="0" i="0" u="none" strike="noStrike" cap="none" spc="0" normalizeH="0" baseline="0">
             <a:ln>
               <a:noFill/>
             </a:ln>
@@ -12176,7 +12782,7 @@
           <a:buFontTx/>
           <a:buNone/>
           <a:tabLst/>
-          <a:defRPr b="0" baseline="0" cap="none" i="0" spc="0" strike="noStrike" sz="1800" u="none" kumimoji="0" normalizeH="0">
+          <a:defRPr kumimoji="0" sz="1800" b="0" i="0" u="none" strike="noStrike" cap="none" spc="0" normalizeH="0" baseline="0">
             <a:ln>
               <a:noFill/>
             </a:ln>
@@ -12189,9 +12795,15 @@
         </a:lvl9pPr>
       </a:lstStyle>
       <a:style>
-        <a:lnRef idx="0"/>
-        <a:fillRef idx="0"/>
-        <a:effectRef idx="0"/>
+        <a:lnRef idx="0">
+          <a:scrgbClr r="0" g="0" b="0"/>
+        </a:lnRef>
+        <a:fillRef idx="0">
+          <a:scrgbClr r="0" g="0" b="0"/>
+        </a:fillRef>
+        <a:effectRef idx="0">
+          <a:scrgbClr r="0" g="0" b="0"/>
+        </a:effectRef>
         <a:fontRef idx="none"/>
       </a:style>
     </a:lnDef>
@@ -12205,7 +12817,7 @@
         <a:effectLst/>
         <a:sp3d/>
       </a:spPr>
-      <a:bodyPr rot="0" spcFirstLastPara="1" vertOverflow="overflow" horzOverflow="overflow" vert="horz" wrap="square" lIns="50800" tIns="50800" rIns="50800" bIns="50800" numCol="1" spcCol="38100" rtlCol="0" anchor="ctr" upright="0">
+      <a:bodyPr rot="0" spcFirstLastPara="1" vertOverflow="overflow" horzOverflow="overflow" vert="horz" wrap="square" lIns="50800" tIns="50800" rIns="50800" bIns="50800" numCol="1" spcCol="38100" rtlCol="0" anchor="ctr">
         <a:spAutoFit/>
       </a:bodyPr>
       <a:lstStyle>
@@ -12224,7 +12836,7 @@
           <a:buFontTx/>
           <a:buNone/>
           <a:tabLst/>
-          <a:defRPr b="1" baseline="0" cap="none" i="0" spc="0" strike="noStrike" sz="2400" u="none" kumimoji="0" normalizeH="0">
+          <a:defRPr kumimoji="0" sz="2400" b="1" i="0" u="none" strike="noStrike" cap="none" spc="0" normalizeH="0" baseline="0">
             <a:ln>
               <a:noFill/>
             </a:ln>
@@ -12254,7 +12866,7 @@
           <a:buFontTx/>
           <a:buNone/>
           <a:tabLst/>
-          <a:defRPr b="0" baseline="0" cap="none" i="0" spc="0" strike="noStrike" sz="1800" u="none" kumimoji="0" normalizeH="0">
+          <a:defRPr kumimoji="0" sz="1800" b="0" i="0" u="none" strike="noStrike" cap="none" spc="0" normalizeH="0" baseline="0">
             <a:ln>
               <a:noFill/>
             </a:ln>
@@ -12280,7 +12892,7 @@
           <a:buFontTx/>
           <a:buNone/>
           <a:tabLst/>
-          <a:defRPr b="0" baseline="0" cap="none" i="0" spc="0" strike="noStrike" sz="1800" u="none" kumimoji="0" normalizeH="0">
+          <a:defRPr kumimoji="0" sz="1800" b="0" i="0" u="none" strike="noStrike" cap="none" spc="0" normalizeH="0" baseline="0">
             <a:ln>
               <a:noFill/>
             </a:ln>
@@ -12306,7 +12918,7 @@
           <a:buFontTx/>
           <a:buNone/>
           <a:tabLst/>
-          <a:defRPr b="0" baseline="0" cap="none" i="0" spc="0" strike="noStrike" sz="1800" u="none" kumimoji="0" normalizeH="0">
+          <a:defRPr kumimoji="0" sz="1800" b="0" i="0" u="none" strike="noStrike" cap="none" spc="0" normalizeH="0" baseline="0">
             <a:ln>
               <a:noFill/>
             </a:ln>
@@ -12332,7 +12944,7 @@
           <a:buFontTx/>
           <a:buNone/>
           <a:tabLst/>
-          <a:defRPr b="0" baseline="0" cap="none" i="0" spc="0" strike="noStrike" sz="1800" u="none" kumimoji="0" normalizeH="0">
+          <a:defRPr kumimoji="0" sz="1800" b="0" i="0" u="none" strike="noStrike" cap="none" spc="0" normalizeH="0" baseline="0">
             <a:ln>
               <a:noFill/>
             </a:ln>
@@ -12358,7 +12970,7 @@
           <a:buFontTx/>
           <a:buNone/>
           <a:tabLst/>
-          <a:defRPr b="0" baseline="0" cap="none" i="0" spc="0" strike="noStrike" sz="1800" u="none" kumimoji="0" normalizeH="0">
+          <a:defRPr kumimoji="0" sz="1800" b="0" i="0" u="none" strike="noStrike" cap="none" spc="0" normalizeH="0" baseline="0">
             <a:ln>
               <a:noFill/>
             </a:ln>
@@ -12384,7 +12996,7 @@
           <a:buFontTx/>
           <a:buNone/>
           <a:tabLst/>
-          <a:defRPr b="0" baseline="0" cap="none" i="0" spc="0" strike="noStrike" sz="1800" u="none" kumimoji="0" normalizeH="0">
+          <a:defRPr kumimoji="0" sz="1800" b="0" i="0" u="none" strike="noStrike" cap="none" spc="0" normalizeH="0" baseline="0">
             <a:ln>
               <a:noFill/>
             </a:ln>
@@ -12410,7 +13022,7 @@
           <a:buFontTx/>
           <a:buNone/>
           <a:tabLst/>
-          <a:defRPr b="0" baseline="0" cap="none" i="0" spc="0" strike="noStrike" sz="1800" u="none" kumimoji="0" normalizeH="0">
+          <a:defRPr kumimoji="0" sz="1800" b="0" i="0" u="none" strike="noStrike" cap="none" spc="0" normalizeH="0" baseline="0">
             <a:ln>
               <a:noFill/>
             </a:ln>
@@ -12436,7 +13048,7 @@
           <a:buFontTx/>
           <a:buNone/>
           <a:tabLst/>
-          <a:defRPr b="0" baseline="0" cap="none" i="0" spc="0" strike="noStrike" sz="1800" u="none" kumimoji="0" normalizeH="0">
+          <a:defRPr kumimoji="0" sz="1800" b="0" i="0" u="none" strike="noStrike" cap="none" spc="0" normalizeH="0" baseline="0">
             <a:ln>
               <a:noFill/>
             </a:ln>
@@ -12462,7 +13074,7 @@
           <a:buFontTx/>
           <a:buNone/>
           <a:tabLst/>
-          <a:defRPr b="0" baseline="0" cap="none" i="0" spc="0" strike="noStrike" sz="1800" u="none" kumimoji="0" normalizeH="0">
+          <a:defRPr kumimoji="0" sz="1800" b="0" i="0" u="none" strike="noStrike" cap="none" spc="0" normalizeH="0" baseline="0">
             <a:ln>
               <a:noFill/>
             </a:ln>
@@ -12475,18 +13087,25 @@
         </a:lvl9pPr>
       </a:lstStyle>
       <a:style>
-        <a:lnRef idx="0"/>
-        <a:fillRef idx="0"/>
-        <a:effectRef idx="0"/>
+        <a:lnRef idx="0">
+          <a:scrgbClr r="0" g="0" b="0"/>
+        </a:lnRef>
+        <a:fillRef idx="0">
+          <a:scrgbClr r="0" g="0" b="0"/>
+        </a:fillRef>
+        <a:effectRef idx="0">
+          <a:scrgbClr r="0" g="0" b="0"/>
+        </a:effectRef>
         <a:fontRef idx="none"/>
       </a:style>
     </a:txDef>
   </a:objectDefaults>
+  <a:extraClrSchemeLst/>
 </a:theme>
 </file>
 
 <file path=ppt/theme/theme2.xml><?xml version="1.0" encoding="utf-8"?>
-<a:theme xmlns:a="http://schemas.openxmlformats.org/drawingml/2006/main" xmlns:r="http://schemas.openxmlformats.org/officeDocument/2006/relationships" name="White">
+<a:theme xmlns:a="http://schemas.openxmlformats.org/drawingml/2006/main" name="White">
   <a:themeElements>
     <a:clrScheme name="White">
       <a:dk1>
@@ -12685,7 +13304,7 @@
         <a:effectLst/>
         <a:sp3d/>
       </a:spPr>
-      <a:bodyPr rot="0" spcFirstLastPara="1" vertOverflow="overflow" horzOverflow="overflow" vert="horz" wrap="square" lIns="50800" tIns="50800" rIns="50800" bIns="50800" numCol="1" spcCol="38100" rtlCol="0" anchor="ctr" upright="0">
+      <a:bodyPr rot="0" spcFirstLastPara="1" vertOverflow="overflow" horzOverflow="overflow" vert="horz" wrap="square" lIns="50800" tIns="50800" rIns="50800" bIns="50800" numCol="1" spcCol="38100" rtlCol="0" anchor="ctr">
         <a:spAutoFit/>
       </a:bodyPr>
       <a:lstStyle>
@@ -12704,7 +13323,7 @@
           <a:buFontTx/>
           <a:buNone/>
           <a:tabLst/>
-          <a:defRPr b="0" baseline="0" cap="none" i="0" spc="0" strike="noStrike" sz="2200" u="none" kumimoji="0" normalizeH="0">
+          <a:defRPr kumimoji="0" sz="2200" b="0" i="0" u="none" strike="noStrike" cap="none" spc="0" normalizeH="0" baseline="0">
             <a:ln>
               <a:noFill/>
             </a:ln>
@@ -12734,7 +13353,7 @@
           <a:buFontTx/>
           <a:buNone/>
           <a:tabLst/>
-          <a:defRPr b="0" baseline="0" cap="none" i="0" spc="0" strike="noStrike" sz="1800" u="none" kumimoji="0" normalizeH="0">
+          <a:defRPr kumimoji="0" sz="1800" b="0" i="0" u="none" strike="noStrike" cap="none" spc="0" normalizeH="0" baseline="0">
             <a:ln>
               <a:noFill/>
             </a:ln>
@@ -12760,7 +13379,7 @@
           <a:buFontTx/>
           <a:buNone/>
           <a:tabLst/>
-          <a:defRPr b="0" baseline="0" cap="none" i="0" spc="0" strike="noStrike" sz="1800" u="none" kumimoji="0" normalizeH="0">
+          <a:defRPr kumimoji="0" sz="1800" b="0" i="0" u="none" strike="noStrike" cap="none" spc="0" normalizeH="0" baseline="0">
             <a:ln>
               <a:noFill/>
             </a:ln>
@@ -12786,7 +13405,7 @@
           <a:buFontTx/>
           <a:buNone/>
           <a:tabLst/>
-          <a:defRPr b="0" baseline="0" cap="none" i="0" spc="0" strike="noStrike" sz="1800" u="none" kumimoji="0" normalizeH="0">
+          <a:defRPr kumimoji="0" sz="1800" b="0" i="0" u="none" strike="noStrike" cap="none" spc="0" normalizeH="0" baseline="0">
             <a:ln>
               <a:noFill/>
             </a:ln>
@@ -12812,7 +13431,7 @@
           <a:buFontTx/>
           <a:buNone/>
           <a:tabLst/>
-          <a:defRPr b="0" baseline="0" cap="none" i="0" spc="0" strike="noStrike" sz="1800" u="none" kumimoji="0" normalizeH="0">
+          <a:defRPr kumimoji="0" sz="1800" b="0" i="0" u="none" strike="noStrike" cap="none" spc="0" normalizeH="0" baseline="0">
             <a:ln>
               <a:noFill/>
             </a:ln>
@@ -12838,7 +13457,7 @@
           <a:buFontTx/>
           <a:buNone/>
           <a:tabLst/>
-          <a:defRPr b="0" baseline="0" cap="none" i="0" spc="0" strike="noStrike" sz="1800" u="none" kumimoji="0" normalizeH="0">
+          <a:defRPr kumimoji="0" sz="1800" b="0" i="0" u="none" strike="noStrike" cap="none" spc="0" normalizeH="0" baseline="0">
             <a:ln>
               <a:noFill/>
             </a:ln>
@@ -12864,7 +13483,7 @@
           <a:buFontTx/>
           <a:buNone/>
           <a:tabLst/>
-          <a:defRPr b="0" baseline="0" cap="none" i="0" spc="0" strike="noStrike" sz="1800" u="none" kumimoji="0" normalizeH="0">
+          <a:defRPr kumimoji="0" sz="1800" b="0" i="0" u="none" strike="noStrike" cap="none" spc="0" normalizeH="0" baseline="0">
             <a:ln>
               <a:noFill/>
             </a:ln>
@@ -12890,7 +13509,7 @@
           <a:buFontTx/>
           <a:buNone/>
           <a:tabLst/>
-          <a:defRPr b="0" baseline="0" cap="none" i="0" spc="0" strike="noStrike" sz="1800" u="none" kumimoji="0" normalizeH="0">
+          <a:defRPr kumimoji="0" sz="1800" b="0" i="0" u="none" strike="noStrike" cap="none" spc="0" normalizeH="0" baseline="0">
             <a:ln>
               <a:noFill/>
             </a:ln>
@@ -12916,7 +13535,7 @@
           <a:buFontTx/>
           <a:buNone/>
           <a:tabLst/>
-          <a:defRPr b="0" baseline="0" cap="none" i="0" spc="0" strike="noStrike" sz="1800" u="none" kumimoji="0" normalizeH="0">
+          <a:defRPr kumimoji="0" sz="1800" b="0" i="0" u="none" strike="noStrike" cap="none" spc="0" normalizeH="0" baseline="0">
             <a:ln>
               <a:noFill/>
             </a:ln>
@@ -12942,7 +13561,7 @@
           <a:buFontTx/>
           <a:buNone/>
           <a:tabLst/>
-          <a:defRPr b="0" baseline="0" cap="none" i="0" spc="0" strike="noStrike" sz="1800" u="none" kumimoji="0" normalizeH="0">
+          <a:defRPr kumimoji="0" sz="1800" b="0" i="0" u="none" strike="noStrike" cap="none" spc="0" normalizeH="0" baseline="0">
             <a:ln>
               <a:noFill/>
             </a:ln>
@@ -12955,9 +13574,15 @@
         </a:lvl9pPr>
       </a:lstStyle>
       <a:style>
-        <a:lnRef idx="0"/>
-        <a:fillRef idx="0"/>
-        <a:effectRef idx="0"/>
+        <a:lnRef idx="0">
+          <a:scrgbClr r="0" g="0" b="0"/>
+        </a:lnRef>
+        <a:fillRef idx="0">
+          <a:scrgbClr r="0" g="0" b="0"/>
+        </a:fillRef>
+        <a:effectRef idx="0">
+          <a:scrgbClr r="0" g="0" b="0"/>
+        </a:effectRef>
         <a:fontRef idx="none"/>
       </a:style>
     </a:spDef>
@@ -12974,7 +13599,7 @@
         <a:effectLst/>
         <a:sp3d/>
       </a:spPr>
-      <a:bodyPr rot="0" spcFirstLastPara="1" vertOverflow="overflow" horzOverflow="overflow" vert="horz" wrap="square" lIns="91439" tIns="45719" rIns="91439" bIns="45719" numCol="1" spcCol="38100" rtlCol="0" anchor="t" upright="0">
+      <a:bodyPr rot="0" spcFirstLastPara="1" vertOverflow="overflow" horzOverflow="overflow" vert="horz" wrap="square" lIns="91439" tIns="45719" rIns="91439" bIns="45719" numCol="1" spcCol="38100" rtlCol="0" anchor="t">
         <a:noAutofit/>
       </a:bodyPr>
       <a:lstStyle>
@@ -12993,7 +13618,7 @@
           <a:buFontTx/>
           <a:buNone/>
           <a:tabLst/>
-          <a:defRPr b="0" baseline="0" cap="none" i="0" spc="0" strike="noStrike" sz="1800" u="none" kumimoji="0" normalizeH="0">
+          <a:defRPr kumimoji="0" sz="1800" b="0" i="0" u="none" strike="noStrike" cap="none" spc="0" normalizeH="0" baseline="0">
             <a:ln>
               <a:noFill/>
             </a:ln>
@@ -13019,7 +13644,7 @@
           <a:buFontTx/>
           <a:buNone/>
           <a:tabLst/>
-          <a:defRPr b="0" baseline="0" cap="none" i="0" spc="0" strike="noStrike" sz="1800" u="none" kumimoji="0" normalizeH="0">
+          <a:defRPr kumimoji="0" sz="1800" b="0" i="0" u="none" strike="noStrike" cap="none" spc="0" normalizeH="0" baseline="0">
             <a:ln>
               <a:noFill/>
             </a:ln>
@@ -13045,7 +13670,7 @@
           <a:buFontTx/>
           <a:buNone/>
           <a:tabLst/>
-          <a:defRPr b="0" baseline="0" cap="none" i="0" spc="0" strike="noStrike" sz="1800" u="none" kumimoji="0" normalizeH="0">
+          <a:defRPr kumimoji="0" sz="1800" b="0" i="0" u="none" strike="noStrike" cap="none" spc="0" normalizeH="0" baseline="0">
             <a:ln>
               <a:noFill/>
             </a:ln>
@@ -13071,7 +13696,7 @@
           <a:buFontTx/>
           <a:buNone/>
           <a:tabLst/>
-          <a:defRPr b="0" baseline="0" cap="none" i="0" spc="0" strike="noStrike" sz="1800" u="none" kumimoji="0" normalizeH="0">
+          <a:defRPr kumimoji="0" sz="1800" b="0" i="0" u="none" strike="noStrike" cap="none" spc="0" normalizeH="0" baseline="0">
             <a:ln>
               <a:noFill/>
             </a:ln>
@@ -13097,7 +13722,7 @@
           <a:buFontTx/>
           <a:buNone/>
           <a:tabLst/>
-          <a:defRPr b="0" baseline="0" cap="none" i="0" spc="0" strike="noStrike" sz="1800" u="none" kumimoji="0" normalizeH="0">
+          <a:defRPr kumimoji="0" sz="1800" b="0" i="0" u="none" strike="noStrike" cap="none" spc="0" normalizeH="0" baseline="0">
             <a:ln>
               <a:noFill/>
             </a:ln>
@@ -13123,7 +13748,7 @@
           <a:buFontTx/>
           <a:buNone/>
           <a:tabLst/>
-          <a:defRPr b="0" baseline="0" cap="none" i="0" spc="0" strike="noStrike" sz="1800" u="none" kumimoji="0" normalizeH="0">
+          <a:defRPr kumimoji="0" sz="1800" b="0" i="0" u="none" strike="noStrike" cap="none" spc="0" normalizeH="0" baseline="0">
             <a:ln>
               <a:noFill/>
             </a:ln>
@@ -13149,7 +13774,7 @@
           <a:buFontTx/>
           <a:buNone/>
           <a:tabLst/>
-          <a:defRPr b="0" baseline="0" cap="none" i="0" spc="0" strike="noStrike" sz="1800" u="none" kumimoji="0" normalizeH="0">
+          <a:defRPr kumimoji="0" sz="1800" b="0" i="0" u="none" strike="noStrike" cap="none" spc="0" normalizeH="0" baseline="0">
             <a:ln>
               <a:noFill/>
             </a:ln>
@@ -13175,7 +13800,7 @@
           <a:buFontTx/>
           <a:buNone/>
           <a:tabLst/>
-          <a:defRPr b="0" baseline="0" cap="none" i="0" spc="0" strike="noStrike" sz="1800" u="none" kumimoji="0" normalizeH="0">
+          <a:defRPr kumimoji="0" sz="1800" b="0" i="0" u="none" strike="noStrike" cap="none" spc="0" normalizeH="0" baseline="0">
             <a:ln>
               <a:noFill/>
             </a:ln>
@@ -13201,7 +13826,7 @@
           <a:buFontTx/>
           <a:buNone/>
           <a:tabLst/>
-          <a:defRPr b="0" baseline="0" cap="none" i="0" spc="0" strike="noStrike" sz="1800" u="none" kumimoji="0" normalizeH="0">
+          <a:defRPr kumimoji="0" sz="1800" b="0" i="0" u="none" strike="noStrike" cap="none" spc="0" normalizeH="0" baseline="0">
             <a:ln>
               <a:noFill/>
             </a:ln>
@@ -13227,7 +13852,7 @@
           <a:buFontTx/>
           <a:buNone/>
           <a:tabLst/>
-          <a:defRPr b="0" baseline="0" cap="none" i="0" spc="0" strike="noStrike" sz="1800" u="none" kumimoji="0" normalizeH="0">
+          <a:defRPr kumimoji="0" sz="1800" b="0" i="0" u="none" strike="noStrike" cap="none" spc="0" normalizeH="0" baseline="0">
             <a:ln>
               <a:noFill/>
             </a:ln>
@@ -13240,9 +13865,15 @@
         </a:lvl9pPr>
       </a:lstStyle>
       <a:style>
-        <a:lnRef idx="0"/>
-        <a:fillRef idx="0"/>
-        <a:effectRef idx="0"/>
+        <a:lnRef idx="0">
+          <a:scrgbClr r="0" g="0" b="0"/>
+        </a:lnRef>
+        <a:fillRef idx="0">
+          <a:scrgbClr r="0" g="0" b="0"/>
+        </a:fillRef>
+        <a:effectRef idx="0">
+          <a:scrgbClr r="0" g="0" b="0"/>
+        </a:effectRef>
         <a:fontRef idx="none"/>
       </a:style>
     </a:lnDef>
@@ -13256,7 +13887,7 @@
         <a:effectLst/>
         <a:sp3d/>
       </a:spPr>
-      <a:bodyPr rot="0" spcFirstLastPara="1" vertOverflow="overflow" horzOverflow="overflow" vert="horz" wrap="square" lIns="50800" tIns="50800" rIns="50800" bIns="50800" numCol="1" spcCol="38100" rtlCol="0" anchor="ctr" upright="0">
+      <a:bodyPr rot="0" spcFirstLastPara="1" vertOverflow="overflow" horzOverflow="overflow" vert="horz" wrap="square" lIns="50800" tIns="50800" rIns="50800" bIns="50800" numCol="1" spcCol="38100" rtlCol="0" anchor="ctr">
         <a:spAutoFit/>
       </a:bodyPr>
       <a:lstStyle>
@@ -13275,7 +13906,7 @@
           <a:buFontTx/>
           <a:buNone/>
           <a:tabLst/>
-          <a:defRPr b="1" baseline="0" cap="none" i="0" spc="0" strike="noStrike" sz="2400" u="none" kumimoji="0" normalizeH="0">
+          <a:defRPr kumimoji="0" sz="2400" b="1" i="0" u="none" strike="noStrike" cap="none" spc="0" normalizeH="0" baseline="0">
             <a:ln>
               <a:noFill/>
             </a:ln>
@@ -13305,7 +13936,7 @@
           <a:buFontTx/>
           <a:buNone/>
           <a:tabLst/>
-          <a:defRPr b="0" baseline="0" cap="none" i="0" spc="0" strike="noStrike" sz="1800" u="none" kumimoji="0" normalizeH="0">
+          <a:defRPr kumimoji="0" sz="1800" b="0" i="0" u="none" strike="noStrike" cap="none" spc="0" normalizeH="0" baseline="0">
             <a:ln>
               <a:noFill/>
             </a:ln>
@@ -13331,7 +13962,7 @@
           <a:buFontTx/>
           <a:buNone/>
           <a:tabLst/>
-          <a:defRPr b="0" baseline="0" cap="none" i="0" spc="0" strike="noStrike" sz="1800" u="none" kumimoji="0" normalizeH="0">
+          <a:defRPr kumimoji="0" sz="1800" b="0" i="0" u="none" strike="noStrike" cap="none" spc="0" normalizeH="0" baseline="0">
             <a:ln>
               <a:noFill/>
             </a:ln>
@@ -13357,7 +13988,7 @@
           <a:buFontTx/>
           <a:buNone/>
           <a:tabLst/>
-          <a:defRPr b="0" baseline="0" cap="none" i="0" spc="0" strike="noStrike" sz="1800" u="none" kumimoji="0" normalizeH="0">
+          <a:defRPr kumimoji="0" sz="1800" b="0" i="0" u="none" strike="noStrike" cap="none" spc="0" normalizeH="0" baseline="0">
             <a:ln>
               <a:noFill/>
             </a:ln>
@@ -13383,7 +14014,7 @@
           <a:buFontTx/>
           <a:buNone/>
           <a:tabLst/>
-          <a:defRPr b="0" baseline="0" cap="none" i="0" spc="0" strike="noStrike" sz="1800" u="none" kumimoji="0" normalizeH="0">
+          <a:defRPr kumimoji="0" sz="1800" b="0" i="0" u="none" strike="noStrike" cap="none" spc="0" normalizeH="0" baseline="0">
             <a:ln>
               <a:noFill/>
             </a:ln>
@@ -13409,7 +14040,7 @@
           <a:buFontTx/>
           <a:buNone/>
           <a:tabLst/>
-          <a:defRPr b="0" baseline="0" cap="none" i="0" spc="0" strike="noStrike" sz="1800" u="none" kumimoji="0" normalizeH="0">
+          <a:defRPr kumimoji="0" sz="1800" b="0" i="0" u="none" strike="noStrike" cap="none" spc="0" normalizeH="0" baseline="0">
             <a:ln>
               <a:noFill/>
             </a:ln>
@@ -13435,7 +14066,7 @@
           <a:buFontTx/>
           <a:buNone/>
           <a:tabLst/>
-          <a:defRPr b="0" baseline="0" cap="none" i="0" spc="0" strike="noStrike" sz="1800" u="none" kumimoji="0" normalizeH="0">
+          <a:defRPr kumimoji="0" sz="1800" b="0" i="0" u="none" strike="noStrike" cap="none" spc="0" normalizeH="0" baseline="0">
             <a:ln>
               <a:noFill/>
             </a:ln>
@@ -13461,7 +14092,7 @@
           <a:buFontTx/>
           <a:buNone/>
           <a:tabLst/>
-          <a:defRPr b="0" baseline="0" cap="none" i="0" spc="0" strike="noStrike" sz="1800" u="none" kumimoji="0" normalizeH="0">
+          <a:defRPr kumimoji="0" sz="1800" b="0" i="0" u="none" strike="noStrike" cap="none" spc="0" normalizeH="0" baseline="0">
             <a:ln>
               <a:noFill/>
             </a:ln>
@@ -13487,7 +14118,7 @@
           <a:buFontTx/>
           <a:buNone/>
           <a:tabLst/>
-          <a:defRPr b="0" baseline="0" cap="none" i="0" spc="0" strike="noStrike" sz="1800" u="none" kumimoji="0" normalizeH="0">
+          <a:defRPr kumimoji="0" sz="1800" b="0" i="0" u="none" strike="noStrike" cap="none" spc="0" normalizeH="0" baseline="0">
             <a:ln>
               <a:noFill/>
             </a:ln>
@@ -13513,7 +14144,7 @@
           <a:buFontTx/>
           <a:buNone/>
           <a:tabLst/>
-          <a:defRPr b="0" baseline="0" cap="none" i="0" spc="0" strike="noStrike" sz="1800" u="none" kumimoji="0" normalizeH="0">
+          <a:defRPr kumimoji="0" sz="1800" b="0" i="0" u="none" strike="noStrike" cap="none" spc="0" normalizeH="0" baseline="0">
             <a:ln>
               <a:noFill/>
             </a:ln>
@@ -13526,12 +14157,19 @@
         </a:lvl9pPr>
       </a:lstStyle>
       <a:style>
-        <a:lnRef idx="0"/>
-        <a:fillRef idx="0"/>
-        <a:effectRef idx="0"/>
+        <a:lnRef idx="0">
+          <a:scrgbClr r="0" g="0" b="0"/>
+        </a:lnRef>
+        <a:fillRef idx="0">
+          <a:scrgbClr r="0" g="0" b="0"/>
+        </a:fillRef>
+        <a:effectRef idx="0">
+          <a:scrgbClr r="0" g="0" b="0"/>
+        </a:effectRef>
         <a:fontRef idx="none"/>
       </a:style>
     </a:txDef>
   </a:objectDefaults>
+  <a:extraClrSchemeLst/>
 </a:theme>
 </file>
--- a/Files/Metadata_Groupings/Tables.pptx
+++ b/Files/Metadata_Groupings/Tables.pptx
@@ -327,6 +327,11 @@
       </a:defRPr>
     </a:lvl9pPr>
   </p:defaultTextStyle>
+  <p:extLst>
+    <p:ext uri="{EFAFB233-063F-42B5-8137-9DF3F51BA10A}">
+      <p15:sldGuideLst xmlns:p15="http://schemas.microsoft.com/office/powerpoint/2012/main"/>
+    </p:ext>
+  </p:extLst>
 </p:presentation>
 </file>
 
@@ -2158,7 +2163,7 @@
           </a:ln>
           <a:extLst>
             <a:ext uri="{C572A759-6A51-4108-AA02-DFA0A04FC94B}">
-              <ma14:wrappingTextBoxFlag xmlns:ma14="http://schemas.microsoft.com/office/mac/drawingml/2011/main" xmlns="" val="1"/>
+              <ma14:wrappingTextBoxFlag xmlns="" xmlns:ma14="http://schemas.microsoft.com/office/mac/drawingml/2011/main" val="1"/>
             </a:ext>
           </a:extLst>
         </p:spPr>
@@ -2197,7 +2202,7 @@
           </a:ln>
           <a:extLst>
             <a:ext uri="{C572A759-6A51-4108-AA02-DFA0A04FC94B}">
-              <ma14:wrappingTextBoxFlag xmlns:ma14="http://schemas.microsoft.com/office/mac/drawingml/2011/main" xmlns="" val="1"/>
+              <ma14:wrappingTextBoxFlag xmlns="" xmlns:ma14="http://schemas.microsoft.com/office/mac/drawingml/2011/main" val="1"/>
             </a:ext>
           </a:extLst>
         </p:spPr>
@@ -3273,7 +3278,7 @@
           </a:ln>
           <a:extLst>
             <a:ext uri="{C572A759-6A51-4108-AA02-DFA0A04FC94B}">
-              <ma14:wrappingTextBoxFlag xmlns:ma14="http://schemas.microsoft.com/office/mac/drawingml/2011/main" xmlns="" val="1"/>
+              <ma14:wrappingTextBoxFlag xmlns="" xmlns:ma14="http://schemas.microsoft.com/office/mac/drawingml/2011/main" val="1"/>
             </a:ext>
           </a:extLst>
         </p:spPr>
@@ -3577,7 +3582,7 @@
             <a:effectLst/>
             <a:extLst>
               <a:ext uri="{C572A759-6A51-4108-AA02-DFA0A04FC94B}">
-                <ma14:wrappingTextBoxFlag xmlns:ma14="http://schemas.microsoft.com/office/mac/drawingml/2011/main" xmlns="" val="1"/>
+                <ma14:wrappingTextBoxFlag xmlns="" xmlns:ma14="http://schemas.microsoft.com/office/mac/drawingml/2011/main" val="1"/>
               </a:ext>
             </a:extLst>
           </p:spPr>
@@ -3706,7 +3711,7 @@
             <a:effectLst/>
             <a:extLst>
               <a:ext uri="{C572A759-6A51-4108-AA02-DFA0A04FC94B}">
-                <ma14:wrappingTextBoxFlag xmlns:ma14="http://schemas.microsoft.com/office/mac/drawingml/2011/main" xmlns="" val="1"/>
+                <ma14:wrappingTextBoxFlag xmlns="" xmlns:ma14="http://schemas.microsoft.com/office/mac/drawingml/2011/main" val="1"/>
               </a:ext>
             </a:extLst>
           </p:spPr>
@@ -3821,7 +3826,7 @@
             <a:effectLst/>
             <a:extLst>
               <a:ext uri="{C572A759-6A51-4108-AA02-DFA0A04FC94B}">
-                <ma14:wrappingTextBoxFlag xmlns:ma14="http://schemas.microsoft.com/office/mac/drawingml/2011/main" xmlns="" val="1"/>
+                <ma14:wrappingTextBoxFlag xmlns="" xmlns:ma14="http://schemas.microsoft.com/office/mac/drawingml/2011/main" val="1"/>
               </a:ext>
             </a:extLst>
           </p:spPr>
@@ -4018,7 +4023,7 @@
             <a:effectLst/>
             <a:extLst>
               <a:ext uri="{C572A759-6A51-4108-AA02-DFA0A04FC94B}">
-                <ma14:wrappingTextBoxFlag xmlns:ma14="http://schemas.microsoft.com/office/mac/drawingml/2011/main" xmlns="" val="1"/>
+                <ma14:wrappingTextBoxFlag xmlns="" xmlns:ma14="http://schemas.microsoft.com/office/mac/drawingml/2011/main" val="1"/>
               </a:ext>
             </a:extLst>
           </p:spPr>
@@ -4572,7 +4577,7 @@
               <a:effectLst/>
               <a:extLst>
                 <a:ext uri="{C572A759-6A51-4108-AA02-DFA0A04FC94B}">
-                  <ma14:wrappingTextBoxFlag xmlns:ma14="http://schemas.microsoft.com/office/mac/drawingml/2011/main" xmlns="" val="1"/>
+                  <ma14:wrappingTextBoxFlag xmlns="" xmlns:ma14="http://schemas.microsoft.com/office/mac/drawingml/2011/main" val="1"/>
                 </a:ext>
               </a:extLst>
             </p:spPr>
@@ -4583,8 +4588,10 @@
               <a:lstStyle/>
               <a:p>
                 <a:r>
-                  <a:t>Metadata</a:t>
+                  <a:rPr lang="en-US" dirty="0"/>
+                  <a:t>Keywords</a:t>
                 </a:r>
+                <a:endParaRPr dirty="0"/>
               </a:p>
             </p:txBody>
           </p:sp>
@@ -4716,7 +4723,7 @@
               <a:effectLst/>
               <a:extLst>
                 <a:ext uri="{C572A759-6A51-4108-AA02-DFA0A04FC94B}">
-                  <ma14:wrappingTextBoxFlag xmlns:ma14="http://schemas.microsoft.com/office/mac/drawingml/2011/main" xmlns="" val="1"/>
+                  <ma14:wrappingTextBoxFlag xmlns="" xmlns:ma14="http://schemas.microsoft.com/office/mac/drawingml/2011/main" val="1"/>
                 </a:ext>
               </a:extLst>
             </p:spPr>
@@ -4987,7 +4994,7 @@
               <a:effectLst/>
               <a:extLst>
                 <a:ext uri="{C572A759-6A51-4108-AA02-DFA0A04FC94B}">
-                  <ma14:wrappingTextBoxFlag xmlns:ma14="http://schemas.microsoft.com/office/mac/drawingml/2011/main" xmlns="" val="1"/>
+                  <ma14:wrappingTextBoxFlag xmlns="" xmlns:ma14="http://schemas.microsoft.com/office/mac/drawingml/2011/main" val="1"/>
                 </a:ext>
               </a:extLst>
             </p:spPr>
@@ -5130,7 +5137,7 @@
               <a:effectLst/>
               <a:extLst>
                 <a:ext uri="{C572A759-6A51-4108-AA02-DFA0A04FC94B}">
-                  <ma14:wrappingTextBoxFlag xmlns:ma14="http://schemas.microsoft.com/office/mac/drawingml/2011/main" xmlns="" val="1"/>
+                  <ma14:wrappingTextBoxFlag xmlns="" xmlns:ma14="http://schemas.microsoft.com/office/mac/drawingml/2011/main" val="1"/>
                 </a:ext>
               </a:extLst>
             </p:spPr>
@@ -5235,7 +5242,7 @@
               <a:effectLst/>
               <a:extLst>
                 <a:ext uri="{C572A759-6A51-4108-AA02-DFA0A04FC94B}">
-                  <ma14:wrappingTextBoxFlag xmlns:ma14="http://schemas.microsoft.com/office/mac/drawingml/2011/main" xmlns="" val="1"/>
+                  <ma14:wrappingTextBoxFlag xmlns="" xmlns:ma14="http://schemas.microsoft.com/office/mac/drawingml/2011/main" val="1"/>
                 </a:ext>
               </a:extLst>
             </p:spPr>
@@ -5340,7 +5347,7 @@
               <a:effectLst/>
               <a:extLst>
                 <a:ext uri="{C572A759-6A51-4108-AA02-DFA0A04FC94B}">
-                  <ma14:wrappingTextBoxFlag xmlns:ma14="http://schemas.microsoft.com/office/mac/drawingml/2011/main" xmlns="" val="1"/>
+                  <ma14:wrappingTextBoxFlag xmlns="" xmlns:ma14="http://schemas.microsoft.com/office/mac/drawingml/2011/main" val="1"/>
                 </a:ext>
               </a:extLst>
             </p:spPr>
@@ -5451,7 +5458,7 @@
               <a:effectLst/>
               <a:extLst>
                 <a:ext uri="{C572A759-6A51-4108-AA02-DFA0A04FC94B}">
-                  <ma14:wrappingTextBoxFlag xmlns:ma14="http://schemas.microsoft.com/office/mac/drawingml/2011/main" xmlns="" val="1"/>
+                  <ma14:wrappingTextBoxFlag xmlns="" xmlns:ma14="http://schemas.microsoft.com/office/mac/drawingml/2011/main" val="1"/>
                 </a:ext>
               </a:extLst>
             </p:spPr>
@@ -5692,7 +5699,7 @@
               <a:effectLst/>
               <a:extLst>
                 <a:ext uri="{C572A759-6A51-4108-AA02-DFA0A04FC94B}">
-                  <ma14:wrappingTextBoxFlag xmlns:ma14="http://schemas.microsoft.com/office/mac/drawingml/2011/main" xmlns="" val="1"/>
+                  <ma14:wrappingTextBoxFlag xmlns="" xmlns:ma14="http://schemas.microsoft.com/office/mac/drawingml/2011/main" val="1"/>
                 </a:ext>
               </a:extLst>
             </p:spPr>
@@ -6214,7 +6221,7 @@
           </a:ln>
           <a:extLst>
             <a:ext uri="{C572A759-6A51-4108-AA02-DFA0A04FC94B}">
-              <ma14:wrappingTextBoxFlag xmlns:ma14="http://schemas.microsoft.com/office/mac/drawingml/2011/main" xmlns="" val="1"/>
+              <ma14:wrappingTextBoxFlag xmlns="" xmlns:ma14="http://schemas.microsoft.com/office/mac/drawingml/2011/main" val="1"/>
             </a:ext>
           </a:extLst>
         </p:spPr>
@@ -6256,7 +6263,7 @@
           </a:ln>
           <a:extLst>
             <a:ext uri="{C572A759-6A51-4108-AA02-DFA0A04FC94B}">
-              <ma14:wrappingTextBoxFlag xmlns:ma14="http://schemas.microsoft.com/office/mac/drawingml/2011/main" xmlns="" val="1"/>
+              <ma14:wrappingTextBoxFlag xmlns="" xmlns:ma14="http://schemas.microsoft.com/office/mac/drawingml/2011/main" val="1"/>
             </a:ext>
           </a:extLst>
         </p:spPr>
@@ -6500,7 +6507,9 @@
           </a:prstGeom>
         </p:spPr>
         <p:txBody>
-          <a:bodyPr/>
+          <a:bodyPr>
+            <a:normAutofit lnSpcReduction="10000"/>
+          </a:bodyPr>
           <a:lstStyle/>
           <a:p>
             <a:pPr marL="0" indent="0" defTabSz="543305">
@@ -6571,7 +6580,15 @@
             </a:pPr>
             <a:r>
               <a:rPr dirty="0"/>
-              <a:t>Images are taken from Customer Profile which currently DOES NOT include etching assets.  So etching images will appear not found</a:t>
+              <a:t>Images are taken from </a:t>
+            </a:r>
+            <a:r>
+              <a:rPr lang="en-US" dirty="0"/>
+              <a:t>integration </a:t>
+            </a:r>
+            <a:r>
+              <a:rPr dirty="0"/>
+              <a:t>Customer Profile which currently DOES NOT include etching assets.  So etching images will appear not found</a:t>
             </a:r>
           </a:p>
           <a:p>
@@ -7119,7 +7136,7 @@
           </a:ln>
           <a:extLst>
             <a:ext uri="{C572A759-6A51-4108-AA02-DFA0A04FC94B}">
-              <ma14:wrappingTextBoxFlag xmlns:ma14="http://schemas.microsoft.com/office/mac/drawingml/2011/main" xmlns="" val="1"/>
+              <ma14:wrappingTextBoxFlag xmlns="" xmlns:ma14="http://schemas.microsoft.com/office/mac/drawingml/2011/main" val="1"/>
             </a:ext>
           </a:extLst>
         </p:spPr>
@@ -7407,7 +7424,7 @@
             <a:effectLst/>
             <a:extLst>
               <a:ext uri="{C572A759-6A51-4108-AA02-DFA0A04FC94B}">
-                <ma14:wrappingTextBoxFlag xmlns:ma14="http://schemas.microsoft.com/office/mac/drawingml/2011/main" xmlns="" val="1"/>
+                <ma14:wrappingTextBoxFlag xmlns="" xmlns:ma14="http://schemas.microsoft.com/office/mac/drawingml/2011/main" val="1"/>
               </a:ext>
             </a:extLst>
           </p:spPr>
@@ -7509,7 +7526,7 @@
             <a:effectLst/>
             <a:extLst>
               <a:ext uri="{C572A759-6A51-4108-AA02-DFA0A04FC94B}">
-                <ma14:wrappingTextBoxFlag xmlns:ma14="http://schemas.microsoft.com/office/mac/drawingml/2011/main" xmlns="" val="1"/>
+                <ma14:wrappingTextBoxFlag xmlns="" xmlns:ma14="http://schemas.microsoft.com/office/mac/drawingml/2011/main" val="1"/>
               </a:ext>
             </a:extLst>
           </p:spPr>
@@ -7676,7 +7693,7 @@
             <a:effectLst/>
             <a:extLst>
               <a:ext uri="{C572A759-6A51-4108-AA02-DFA0A04FC94B}">
-                <ma14:wrappingTextBoxFlag xmlns:ma14="http://schemas.microsoft.com/office/mac/drawingml/2011/main" xmlns="" val="1"/>
+                <ma14:wrappingTextBoxFlag xmlns="" xmlns:ma14="http://schemas.microsoft.com/office/mac/drawingml/2011/main" val="1"/>
               </a:ext>
             </a:extLst>
           </p:spPr>
@@ -7824,7 +7841,7 @@
             <a:effectLst/>
             <a:extLst>
               <a:ext uri="{C572A759-6A51-4108-AA02-DFA0A04FC94B}">
-                <ma14:wrappingTextBoxFlag xmlns:ma14="http://schemas.microsoft.com/office/mac/drawingml/2011/main" xmlns="" val="1"/>
+                <ma14:wrappingTextBoxFlag xmlns="" xmlns:ma14="http://schemas.microsoft.com/office/mac/drawingml/2011/main" val="1"/>
               </a:ext>
             </a:extLst>
           </p:spPr>
@@ -7995,7 +8012,7 @@
             <a:effectLst/>
             <a:extLst>
               <a:ext uri="{C572A759-6A51-4108-AA02-DFA0A04FC94B}">
-                <ma14:wrappingTextBoxFlag xmlns:ma14="http://schemas.microsoft.com/office/mac/drawingml/2011/main" xmlns="" val="1"/>
+                <ma14:wrappingTextBoxFlag xmlns="" xmlns:ma14="http://schemas.microsoft.com/office/mac/drawingml/2011/main" val="1"/>
               </a:ext>
             </a:extLst>
           </p:spPr>
@@ -8206,7 +8223,7 @@
             <a:effectLst/>
             <a:extLst>
               <a:ext uri="{C572A759-6A51-4108-AA02-DFA0A04FC94B}">
-                <ma14:wrappingTextBoxFlag xmlns:ma14="http://schemas.microsoft.com/office/mac/drawingml/2011/main" xmlns="" val="1"/>
+                <ma14:wrappingTextBoxFlag xmlns="" xmlns:ma14="http://schemas.microsoft.com/office/mac/drawingml/2011/main" val="1"/>
               </a:ext>
             </a:extLst>
           </p:spPr>
@@ -8357,7 +8374,7 @@
             <a:effectLst/>
             <a:extLst>
               <a:ext uri="{C572A759-6A51-4108-AA02-DFA0A04FC94B}">
-                <ma14:wrappingTextBoxFlag xmlns:ma14="http://schemas.microsoft.com/office/mac/drawingml/2011/main" xmlns="" val="1"/>
+                <ma14:wrappingTextBoxFlag xmlns="" xmlns:ma14="http://schemas.microsoft.com/office/mac/drawingml/2011/main" val="1"/>
               </a:ext>
             </a:extLst>
           </p:spPr>
@@ -8474,7 +8491,7 @@
             <a:effectLst/>
             <a:extLst>
               <a:ext uri="{C572A759-6A51-4108-AA02-DFA0A04FC94B}">
-                <ma14:wrappingTextBoxFlag xmlns:ma14="http://schemas.microsoft.com/office/mac/drawingml/2011/main" xmlns="" val="1"/>
+                <ma14:wrappingTextBoxFlag xmlns="" xmlns:ma14="http://schemas.microsoft.com/office/mac/drawingml/2011/main" val="1"/>
               </a:ext>
             </a:extLst>
           </p:spPr>
@@ -8707,7 +8724,7 @@
             <a:effectLst/>
             <a:extLst>
               <a:ext uri="{C572A759-6A51-4108-AA02-DFA0A04FC94B}">
-                <ma14:wrappingTextBoxFlag xmlns:ma14="http://schemas.microsoft.com/office/mac/drawingml/2011/main" xmlns="" val="1"/>
+                <ma14:wrappingTextBoxFlag xmlns="" xmlns:ma14="http://schemas.microsoft.com/office/mac/drawingml/2011/main" val="1"/>
               </a:ext>
             </a:extLst>
           </p:spPr>
@@ -10566,7 +10583,7 @@
           </a:ln>
           <a:extLst>
             <a:ext uri="{C572A759-6A51-4108-AA02-DFA0A04FC94B}">
-              <ma14:wrappingTextBoxFlag xmlns:ma14="http://schemas.microsoft.com/office/mac/drawingml/2011/main" xmlns="" val="1"/>
+              <ma14:wrappingTextBoxFlag xmlns="" xmlns:ma14="http://schemas.microsoft.com/office/mac/drawingml/2011/main" val="1"/>
             </a:ext>
           </a:extLst>
         </p:spPr>
@@ -10918,7 +10935,7 @@
             <a:effectLst/>
             <a:extLst>
               <a:ext uri="{C572A759-6A51-4108-AA02-DFA0A04FC94B}">
-                <ma14:wrappingTextBoxFlag xmlns:ma14="http://schemas.microsoft.com/office/mac/drawingml/2011/main" xmlns="" val="1"/>
+                <ma14:wrappingTextBoxFlag xmlns="" xmlns:ma14="http://schemas.microsoft.com/office/mac/drawingml/2011/main" val="1"/>
               </a:ext>
             </a:extLst>
           </p:spPr>
@@ -11020,7 +11037,7 @@
             <a:effectLst/>
             <a:extLst>
               <a:ext uri="{C572A759-6A51-4108-AA02-DFA0A04FC94B}">
-                <ma14:wrappingTextBoxFlag xmlns:ma14="http://schemas.microsoft.com/office/mac/drawingml/2011/main" xmlns="" val="1"/>
+                <ma14:wrappingTextBoxFlag xmlns="" xmlns:ma14="http://schemas.microsoft.com/office/mac/drawingml/2011/main" val="1"/>
               </a:ext>
             </a:extLst>
           </p:spPr>
@@ -11122,7 +11139,7 @@
             <a:effectLst/>
             <a:extLst>
               <a:ext uri="{C572A759-6A51-4108-AA02-DFA0A04FC94B}">
-                <ma14:wrappingTextBoxFlag xmlns:ma14="http://schemas.microsoft.com/office/mac/drawingml/2011/main" xmlns="" val="1"/>
+                <ma14:wrappingTextBoxFlag xmlns="" xmlns:ma14="http://schemas.microsoft.com/office/mac/drawingml/2011/main" val="1"/>
               </a:ext>
             </a:extLst>
           </p:spPr>
@@ -11304,7 +11321,7 @@
             <a:effectLst/>
             <a:extLst>
               <a:ext uri="{C572A759-6A51-4108-AA02-DFA0A04FC94B}">
-                <ma14:wrappingTextBoxFlag xmlns:ma14="http://schemas.microsoft.com/office/mac/drawingml/2011/main" xmlns="" val="1"/>
+                <ma14:wrappingTextBoxFlag xmlns="" xmlns:ma14="http://schemas.microsoft.com/office/mac/drawingml/2011/main" val="1"/>
               </a:ext>
             </a:extLst>
           </p:spPr>
@@ -11406,7 +11423,7 @@
             <a:effectLst/>
             <a:extLst>
               <a:ext uri="{C572A759-6A51-4108-AA02-DFA0A04FC94B}">
-                <ma14:wrappingTextBoxFlag xmlns:ma14="http://schemas.microsoft.com/office/mac/drawingml/2011/main" xmlns="" val="1"/>
+                <ma14:wrappingTextBoxFlag xmlns="" xmlns:ma14="http://schemas.microsoft.com/office/mac/drawingml/2011/main" val="1"/>
               </a:ext>
             </a:extLst>
           </p:spPr>
@@ -11508,7 +11525,7 @@
             <a:effectLst/>
             <a:extLst>
               <a:ext uri="{C572A759-6A51-4108-AA02-DFA0A04FC94B}">
-                <ma14:wrappingTextBoxFlag xmlns:ma14="http://schemas.microsoft.com/office/mac/drawingml/2011/main" xmlns="" val="1"/>
+                <ma14:wrappingTextBoxFlag xmlns="" xmlns:ma14="http://schemas.microsoft.com/office/mac/drawingml/2011/main" val="1"/>
               </a:ext>
             </a:extLst>
           </p:spPr>
@@ -11548,7 +11565,7 @@
           </a:ln>
           <a:extLst>
             <a:ext uri="{C572A759-6A51-4108-AA02-DFA0A04FC94B}">
-              <ma14:wrappingTextBoxFlag xmlns:ma14="http://schemas.microsoft.com/office/mac/drawingml/2011/main" xmlns="" val="1"/>
+              <ma14:wrappingTextBoxFlag xmlns="" xmlns:ma14="http://schemas.microsoft.com/office/mac/drawingml/2011/main" val="1"/>
             </a:ext>
           </a:extLst>
         </p:spPr>

--- a/Files/Metadata_Groupings/Tables.pptx
+++ b/Files/Metadata_Groupings/Tables.pptx
@@ -2163,7 +2163,7 @@
           </a:ln>
           <a:extLst>
             <a:ext uri="{C572A759-6A51-4108-AA02-DFA0A04FC94B}">
-              <ma14:wrappingTextBoxFlag xmlns="" xmlns:ma14="http://schemas.microsoft.com/office/mac/drawingml/2011/main" val="1"/>
+              <ma14:wrappingTextBoxFlag xmlns:ma14="http://schemas.microsoft.com/office/mac/drawingml/2011/main" xmlns="" val="1"/>
             </a:ext>
           </a:extLst>
         </p:spPr>
@@ -2202,7 +2202,7 @@
           </a:ln>
           <a:extLst>
             <a:ext uri="{C572A759-6A51-4108-AA02-DFA0A04FC94B}">
-              <ma14:wrappingTextBoxFlag xmlns="" xmlns:ma14="http://schemas.microsoft.com/office/mac/drawingml/2011/main" val="1"/>
+              <ma14:wrappingTextBoxFlag xmlns:ma14="http://schemas.microsoft.com/office/mac/drawingml/2011/main" xmlns="" val="1"/>
             </a:ext>
           </a:extLst>
         </p:spPr>
@@ -3278,7 +3278,7 @@
           </a:ln>
           <a:extLst>
             <a:ext uri="{C572A759-6A51-4108-AA02-DFA0A04FC94B}">
-              <ma14:wrappingTextBoxFlag xmlns="" xmlns:ma14="http://schemas.microsoft.com/office/mac/drawingml/2011/main" val="1"/>
+              <ma14:wrappingTextBoxFlag xmlns:ma14="http://schemas.microsoft.com/office/mac/drawingml/2011/main" xmlns="" val="1"/>
             </a:ext>
           </a:extLst>
         </p:spPr>
@@ -3582,7 +3582,7 @@
             <a:effectLst/>
             <a:extLst>
               <a:ext uri="{C572A759-6A51-4108-AA02-DFA0A04FC94B}">
-                <ma14:wrappingTextBoxFlag xmlns="" xmlns:ma14="http://schemas.microsoft.com/office/mac/drawingml/2011/main" val="1"/>
+                <ma14:wrappingTextBoxFlag xmlns:ma14="http://schemas.microsoft.com/office/mac/drawingml/2011/main" xmlns="" val="1"/>
               </a:ext>
             </a:extLst>
           </p:spPr>
@@ -3711,7 +3711,7 @@
             <a:effectLst/>
             <a:extLst>
               <a:ext uri="{C572A759-6A51-4108-AA02-DFA0A04FC94B}">
-                <ma14:wrappingTextBoxFlag xmlns="" xmlns:ma14="http://schemas.microsoft.com/office/mac/drawingml/2011/main" val="1"/>
+                <ma14:wrappingTextBoxFlag xmlns:ma14="http://schemas.microsoft.com/office/mac/drawingml/2011/main" xmlns="" val="1"/>
               </a:ext>
             </a:extLst>
           </p:spPr>
@@ -3826,7 +3826,7 @@
             <a:effectLst/>
             <a:extLst>
               <a:ext uri="{C572A759-6A51-4108-AA02-DFA0A04FC94B}">
-                <ma14:wrappingTextBoxFlag xmlns="" xmlns:ma14="http://schemas.microsoft.com/office/mac/drawingml/2011/main" val="1"/>
+                <ma14:wrappingTextBoxFlag xmlns:ma14="http://schemas.microsoft.com/office/mac/drawingml/2011/main" xmlns="" val="1"/>
               </a:ext>
             </a:extLst>
           </p:spPr>
@@ -4023,7 +4023,7 @@
             <a:effectLst/>
             <a:extLst>
               <a:ext uri="{C572A759-6A51-4108-AA02-DFA0A04FC94B}">
-                <ma14:wrappingTextBoxFlag xmlns="" xmlns:ma14="http://schemas.microsoft.com/office/mac/drawingml/2011/main" val="1"/>
+                <ma14:wrappingTextBoxFlag xmlns:ma14="http://schemas.microsoft.com/office/mac/drawingml/2011/main" xmlns="" val="1"/>
               </a:ext>
             </a:extLst>
           </p:spPr>
@@ -4577,7 +4577,7 @@
               <a:effectLst/>
               <a:extLst>
                 <a:ext uri="{C572A759-6A51-4108-AA02-DFA0A04FC94B}">
-                  <ma14:wrappingTextBoxFlag xmlns="" xmlns:ma14="http://schemas.microsoft.com/office/mac/drawingml/2011/main" val="1"/>
+                  <ma14:wrappingTextBoxFlag xmlns:ma14="http://schemas.microsoft.com/office/mac/drawingml/2011/main" xmlns="" val="1"/>
                 </a:ext>
               </a:extLst>
             </p:spPr>
@@ -4723,7 +4723,7 @@
               <a:effectLst/>
               <a:extLst>
                 <a:ext uri="{C572A759-6A51-4108-AA02-DFA0A04FC94B}">
-                  <ma14:wrappingTextBoxFlag xmlns="" xmlns:ma14="http://schemas.microsoft.com/office/mac/drawingml/2011/main" val="1"/>
+                  <ma14:wrappingTextBoxFlag xmlns:ma14="http://schemas.microsoft.com/office/mac/drawingml/2011/main" xmlns="" val="1"/>
                 </a:ext>
               </a:extLst>
             </p:spPr>
@@ -4994,7 +4994,7 @@
               <a:effectLst/>
               <a:extLst>
                 <a:ext uri="{C572A759-6A51-4108-AA02-DFA0A04FC94B}">
-                  <ma14:wrappingTextBoxFlag xmlns="" xmlns:ma14="http://schemas.microsoft.com/office/mac/drawingml/2011/main" val="1"/>
+                  <ma14:wrappingTextBoxFlag xmlns:ma14="http://schemas.microsoft.com/office/mac/drawingml/2011/main" xmlns="" val="1"/>
                 </a:ext>
               </a:extLst>
             </p:spPr>
@@ -5137,7 +5137,7 @@
               <a:effectLst/>
               <a:extLst>
                 <a:ext uri="{C572A759-6A51-4108-AA02-DFA0A04FC94B}">
-                  <ma14:wrappingTextBoxFlag xmlns="" xmlns:ma14="http://schemas.microsoft.com/office/mac/drawingml/2011/main" val="1"/>
+                  <ma14:wrappingTextBoxFlag xmlns:ma14="http://schemas.microsoft.com/office/mac/drawingml/2011/main" xmlns="" val="1"/>
                 </a:ext>
               </a:extLst>
             </p:spPr>
@@ -5242,7 +5242,7 @@
               <a:effectLst/>
               <a:extLst>
                 <a:ext uri="{C572A759-6A51-4108-AA02-DFA0A04FC94B}">
-                  <ma14:wrappingTextBoxFlag xmlns="" xmlns:ma14="http://schemas.microsoft.com/office/mac/drawingml/2011/main" val="1"/>
+                  <ma14:wrappingTextBoxFlag xmlns:ma14="http://schemas.microsoft.com/office/mac/drawingml/2011/main" xmlns="" val="1"/>
                 </a:ext>
               </a:extLst>
             </p:spPr>
@@ -5347,7 +5347,7 @@
               <a:effectLst/>
               <a:extLst>
                 <a:ext uri="{C572A759-6A51-4108-AA02-DFA0A04FC94B}">
-                  <ma14:wrappingTextBoxFlag xmlns="" xmlns:ma14="http://schemas.microsoft.com/office/mac/drawingml/2011/main" val="1"/>
+                  <ma14:wrappingTextBoxFlag xmlns:ma14="http://schemas.microsoft.com/office/mac/drawingml/2011/main" xmlns="" val="1"/>
                 </a:ext>
               </a:extLst>
             </p:spPr>
@@ -5458,7 +5458,7 @@
               <a:effectLst/>
               <a:extLst>
                 <a:ext uri="{C572A759-6A51-4108-AA02-DFA0A04FC94B}">
-                  <ma14:wrappingTextBoxFlag xmlns="" xmlns:ma14="http://schemas.microsoft.com/office/mac/drawingml/2011/main" val="1"/>
+                  <ma14:wrappingTextBoxFlag xmlns:ma14="http://schemas.microsoft.com/office/mac/drawingml/2011/main" xmlns="" val="1"/>
                 </a:ext>
               </a:extLst>
             </p:spPr>
@@ -5699,7 +5699,7 @@
               <a:effectLst/>
               <a:extLst>
                 <a:ext uri="{C572A759-6A51-4108-AA02-DFA0A04FC94B}">
-                  <ma14:wrappingTextBoxFlag xmlns="" xmlns:ma14="http://schemas.microsoft.com/office/mac/drawingml/2011/main" val="1"/>
+                  <ma14:wrappingTextBoxFlag xmlns:ma14="http://schemas.microsoft.com/office/mac/drawingml/2011/main" xmlns="" val="1"/>
                 </a:ext>
               </a:extLst>
             </p:spPr>
@@ -6028,7 +6028,28 @@
               <a:buNone/>
             </a:pPr>
             <a:r>
-              <a:t>This is a complete 180 to how DAM is implemented at Jostens and is a return to the past</a:t>
+              <a:rPr dirty="0"/>
+              <a:t>This is a </a:t>
+            </a:r>
+            <a:r>
+              <a:rPr lang="en-US" dirty="0"/>
+              <a:t>pretty radical shift to </a:t>
+            </a:r>
+            <a:r>
+              <a:rPr dirty="0"/>
+              <a:t>how DAM is implemented at Jostens </a:t>
+            </a:r>
+            <a:r>
+              <a:rPr lang="en-US"/>
+              <a:t>with MediaBin </a:t>
+            </a:r>
+            <a:r>
+              <a:rPr/>
+              <a:t>and </a:t>
+            </a:r>
+            <a:r>
+              <a:rPr dirty="0"/>
+              <a:t>is a return to the past</a:t>
             </a:r>
           </a:p>
           <a:p>
@@ -6037,10 +6058,11 @@
               <a:buNone/>
             </a:pPr>
             <a:r>
+              <a:rPr dirty="0"/>
               <a:t>But </a:t>
             </a:r>
             <a:r>
-              <a:rPr b="1"/>
+              <a:rPr b="1" dirty="0"/>
               <a:t>THIS IS NOT JOG 2</a:t>
             </a:r>
           </a:p>
@@ -6050,6 +6072,7 @@
               <a:buNone/>
             </a:pPr>
             <a:r>
+              <a:rPr dirty="0"/>
               <a:t>JOGs bad reputation is not because it’s an internally developed system.  It’s because of the technology at the time of its development and some questionable architecture decisions</a:t>
             </a:r>
           </a:p>
@@ -6059,6 +6082,7 @@
               <a:buNone/>
             </a:pPr>
             <a:r>
+              <a:rPr dirty="0"/>
               <a:t>This technology enables simplified web development in an agile manner</a:t>
             </a:r>
           </a:p>
@@ -6221,7 +6245,7 @@
           </a:ln>
           <a:extLst>
             <a:ext uri="{C572A759-6A51-4108-AA02-DFA0A04FC94B}">
-              <ma14:wrappingTextBoxFlag xmlns="" xmlns:ma14="http://schemas.microsoft.com/office/mac/drawingml/2011/main" val="1"/>
+              <ma14:wrappingTextBoxFlag xmlns:ma14="http://schemas.microsoft.com/office/mac/drawingml/2011/main" xmlns="" val="1"/>
             </a:ext>
           </a:extLst>
         </p:spPr>
@@ -6263,7 +6287,7 @@
           </a:ln>
           <a:extLst>
             <a:ext uri="{C572A759-6A51-4108-AA02-DFA0A04FC94B}">
-              <ma14:wrappingTextBoxFlag xmlns="" xmlns:ma14="http://schemas.microsoft.com/office/mac/drawingml/2011/main" val="1"/>
+              <ma14:wrappingTextBoxFlag xmlns:ma14="http://schemas.microsoft.com/office/mac/drawingml/2011/main" xmlns="" val="1"/>
             </a:ext>
           </a:extLst>
         </p:spPr>
@@ -7136,7 +7160,7 @@
           </a:ln>
           <a:extLst>
             <a:ext uri="{C572A759-6A51-4108-AA02-DFA0A04FC94B}">
-              <ma14:wrappingTextBoxFlag xmlns="" xmlns:ma14="http://schemas.microsoft.com/office/mac/drawingml/2011/main" val="1"/>
+              <ma14:wrappingTextBoxFlag xmlns:ma14="http://schemas.microsoft.com/office/mac/drawingml/2011/main" xmlns="" val="1"/>
             </a:ext>
           </a:extLst>
         </p:spPr>
@@ -7424,7 +7448,7 @@
             <a:effectLst/>
             <a:extLst>
               <a:ext uri="{C572A759-6A51-4108-AA02-DFA0A04FC94B}">
-                <ma14:wrappingTextBoxFlag xmlns="" xmlns:ma14="http://schemas.microsoft.com/office/mac/drawingml/2011/main" val="1"/>
+                <ma14:wrappingTextBoxFlag xmlns:ma14="http://schemas.microsoft.com/office/mac/drawingml/2011/main" xmlns="" val="1"/>
               </a:ext>
             </a:extLst>
           </p:spPr>
@@ -7526,7 +7550,7 @@
             <a:effectLst/>
             <a:extLst>
               <a:ext uri="{C572A759-6A51-4108-AA02-DFA0A04FC94B}">
-                <ma14:wrappingTextBoxFlag xmlns="" xmlns:ma14="http://schemas.microsoft.com/office/mac/drawingml/2011/main" val="1"/>
+                <ma14:wrappingTextBoxFlag xmlns:ma14="http://schemas.microsoft.com/office/mac/drawingml/2011/main" xmlns="" val="1"/>
               </a:ext>
             </a:extLst>
           </p:spPr>
@@ -7693,7 +7717,7 @@
             <a:effectLst/>
             <a:extLst>
               <a:ext uri="{C572A759-6A51-4108-AA02-DFA0A04FC94B}">
-                <ma14:wrappingTextBoxFlag xmlns="" xmlns:ma14="http://schemas.microsoft.com/office/mac/drawingml/2011/main" val="1"/>
+                <ma14:wrappingTextBoxFlag xmlns:ma14="http://schemas.microsoft.com/office/mac/drawingml/2011/main" xmlns="" val="1"/>
               </a:ext>
             </a:extLst>
           </p:spPr>
@@ -7841,7 +7865,7 @@
             <a:effectLst/>
             <a:extLst>
               <a:ext uri="{C572A759-6A51-4108-AA02-DFA0A04FC94B}">
-                <ma14:wrappingTextBoxFlag xmlns="" xmlns:ma14="http://schemas.microsoft.com/office/mac/drawingml/2011/main" val="1"/>
+                <ma14:wrappingTextBoxFlag xmlns:ma14="http://schemas.microsoft.com/office/mac/drawingml/2011/main" xmlns="" val="1"/>
               </a:ext>
             </a:extLst>
           </p:spPr>
@@ -8012,7 +8036,7 @@
             <a:effectLst/>
             <a:extLst>
               <a:ext uri="{C572A759-6A51-4108-AA02-DFA0A04FC94B}">
-                <ma14:wrappingTextBoxFlag xmlns="" xmlns:ma14="http://schemas.microsoft.com/office/mac/drawingml/2011/main" val="1"/>
+                <ma14:wrappingTextBoxFlag xmlns:ma14="http://schemas.microsoft.com/office/mac/drawingml/2011/main" xmlns="" val="1"/>
               </a:ext>
             </a:extLst>
           </p:spPr>
@@ -8223,7 +8247,7 @@
             <a:effectLst/>
             <a:extLst>
               <a:ext uri="{C572A759-6A51-4108-AA02-DFA0A04FC94B}">
-                <ma14:wrappingTextBoxFlag xmlns="" xmlns:ma14="http://schemas.microsoft.com/office/mac/drawingml/2011/main" val="1"/>
+                <ma14:wrappingTextBoxFlag xmlns:ma14="http://schemas.microsoft.com/office/mac/drawingml/2011/main" xmlns="" val="1"/>
               </a:ext>
             </a:extLst>
           </p:spPr>
@@ -8374,7 +8398,7 @@
             <a:effectLst/>
             <a:extLst>
               <a:ext uri="{C572A759-6A51-4108-AA02-DFA0A04FC94B}">
-                <ma14:wrappingTextBoxFlag xmlns="" xmlns:ma14="http://schemas.microsoft.com/office/mac/drawingml/2011/main" val="1"/>
+                <ma14:wrappingTextBoxFlag xmlns:ma14="http://schemas.microsoft.com/office/mac/drawingml/2011/main" xmlns="" val="1"/>
               </a:ext>
             </a:extLst>
           </p:spPr>
@@ -8491,7 +8515,7 @@
             <a:effectLst/>
             <a:extLst>
               <a:ext uri="{C572A759-6A51-4108-AA02-DFA0A04FC94B}">
-                <ma14:wrappingTextBoxFlag xmlns="" xmlns:ma14="http://schemas.microsoft.com/office/mac/drawingml/2011/main" val="1"/>
+                <ma14:wrappingTextBoxFlag xmlns:ma14="http://schemas.microsoft.com/office/mac/drawingml/2011/main" xmlns="" val="1"/>
               </a:ext>
             </a:extLst>
           </p:spPr>
@@ -8724,7 +8748,7 @@
             <a:effectLst/>
             <a:extLst>
               <a:ext uri="{C572A759-6A51-4108-AA02-DFA0A04FC94B}">
-                <ma14:wrappingTextBoxFlag xmlns="" xmlns:ma14="http://schemas.microsoft.com/office/mac/drawingml/2011/main" val="1"/>
+                <ma14:wrappingTextBoxFlag xmlns:ma14="http://schemas.microsoft.com/office/mac/drawingml/2011/main" xmlns="" val="1"/>
               </a:ext>
             </a:extLst>
           </p:spPr>
@@ -10583,7 +10607,7 @@
           </a:ln>
           <a:extLst>
             <a:ext uri="{C572A759-6A51-4108-AA02-DFA0A04FC94B}">
-              <ma14:wrappingTextBoxFlag xmlns="" xmlns:ma14="http://schemas.microsoft.com/office/mac/drawingml/2011/main" val="1"/>
+              <ma14:wrappingTextBoxFlag xmlns:ma14="http://schemas.microsoft.com/office/mac/drawingml/2011/main" xmlns="" val="1"/>
             </a:ext>
           </a:extLst>
         </p:spPr>
@@ -10935,7 +10959,7 @@
             <a:effectLst/>
             <a:extLst>
               <a:ext uri="{C572A759-6A51-4108-AA02-DFA0A04FC94B}">
-                <ma14:wrappingTextBoxFlag xmlns="" xmlns:ma14="http://schemas.microsoft.com/office/mac/drawingml/2011/main" val="1"/>
+                <ma14:wrappingTextBoxFlag xmlns:ma14="http://schemas.microsoft.com/office/mac/drawingml/2011/main" xmlns="" val="1"/>
               </a:ext>
             </a:extLst>
           </p:spPr>
@@ -11037,7 +11061,7 @@
             <a:effectLst/>
             <a:extLst>
               <a:ext uri="{C572A759-6A51-4108-AA02-DFA0A04FC94B}">
-                <ma14:wrappingTextBoxFlag xmlns="" xmlns:ma14="http://schemas.microsoft.com/office/mac/drawingml/2011/main" val="1"/>
+                <ma14:wrappingTextBoxFlag xmlns:ma14="http://schemas.microsoft.com/office/mac/drawingml/2011/main" xmlns="" val="1"/>
               </a:ext>
             </a:extLst>
           </p:spPr>
@@ -11139,7 +11163,7 @@
             <a:effectLst/>
             <a:extLst>
               <a:ext uri="{C572A759-6A51-4108-AA02-DFA0A04FC94B}">
-                <ma14:wrappingTextBoxFlag xmlns="" xmlns:ma14="http://schemas.microsoft.com/office/mac/drawingml/2011/main" val="1"/>
+                <ma14:wrappingTextBoxFlag xmlns:ma14="http://schemas.microsoft.com/office/mac/drawingml/2011/main" xmlns="" val="1"/>
               </a:ext>
             </a:extLst>
           </p:spPr>
@@ -11321,7 +11345,7 @@
             <a:effectLst/>
             <a:extLst>
               <a:ext uri="{C572A759-6A51-4108-AA02-DFA0A04FC94B}">
-                <ma14:wrappingTextBoxFlag xmlns="" xmlns:ma14="http://schemas.microsoft.com/office/mac/drawingml/2011/main" val="1"/>
+                <ma14:wrappingTextBoxFlag xmlns:ma14="http://schemas.microsoft.com/office/mac/drawingml/2011/main" xmlns="" val="1"/>
               </a:ext>
             </a:extLst>
           </p:spPr>
@@ -11423,7 +11447,7 @@
             <a:effectLst/>
             <a:extLst>
               <a:ext uri="{C572A759-6A51-4108-AA02-DFA0A04FC94B}">
-                <ma14:wrappingTextBoxFlag xmlns="" xmlns:ma14="http://schemas.microsoft.com/office/mac/drawingml/2011/main" val="1"/>
+                <ma14:wrappingTextBoxFlag xmlns:ma14="http://schemas.microsoft.com/office/mac/drawingml/2011/main" xmlns="" val="1"/>
               </a:ext>
             </a:extLst>
           </p:spPr>
@@ -11525,7 +11549,7 @@
             <a:effectLst/>
             <a:extLst>
               <a:ext uri="{C572A759-6A51-4108-AA02-DFA0A04FC94B}">
-                <ma14:wrappingTextBoxFlag xmlns="" xmlns:ma14="http://schemas.microsoft.com/office/mac/drawingml/2011/main" val="1"/>
+                <ma14:wrappingTextBoxFlag xmlns:ma14="http://schemas.microsoft.com/office/mac/drawingml/2011/main" xmlns="" val="1"/>
               </a:ext>
             </a:extLst>
           </p:spPr>
@@ -11565,7 +11589,7 @@
           </a:ln>
           <a:extLst>
             <a:ext uri="{C572A759-6A51-4108-AA02-DFA0A04FC94B}">
-              <ma14:wrappingTextBoxFlag xmlns="" xmlns:ma14="http://schemas.microsoft.com/office/mac/drawingml/2011/main" val="1"/>
+              <ma14:wrappingTextBoxFlag xmlns:ma14="http://schemas.microsoft.com/office/mac/drawingml/2011/main" xmlns="" val="1"/>
             </a:ext>
           </a:extLst>
         </p:spPr>
